--- a/全地至高是我主.pptx
+++ b/全地至高是我主.pptx
@@ -8,7 +8,7 @@
     <p:sldId id="256" r:id="rId2"/>
     <p:sldId id="257" r:id="rId3"/>
   </p:sldIdLst>
-  <p:sldSz cx="9144000" cy="6858000" type="screen4x3"/>
+  <p:sldSz cx="9144000" cy="5143500" type="screen16x9"/>
   <p:notesSz cx="6858000" cy="9144000"/>
   <p:defaultTextStyle>
     <a:defPPr>
@@ -137,8 +137,8 @@
         </p:nvSpPr>
         <p:spPr>
           <a:xfrm>
-            <a:off x="685800" y="2130425"/>
-            <a:ext cx="7772400" cy="1470025"/>
+            <a:off x="685800" y="1597819"/>
+            <a:ext cx="7772400" cy="1102519"/>
           </a:xfrm>
         </p:spPr>
         <p:txBody>
@@ -165,8 +165,8 @@
         </p:nvSpPr>
         <p:spPr>
           <a:xfrm>
-            <a:off x="1371600" y="3886200"/>
-            <a:ext cx="6400800" cy="1752600"/>
+            <a:off x="1371600" y="2914650"/>
+            <a:ext cx="6400800" cy="1314450"/>
           </a:xfrm>
         </p:spPr>
         <p:txBody>
@@ -290,7 +290,7 @@
             <a:fld id="{24CEFFAC-C82D-4C95-8241-BAD7B175EECB}" type="datetimeFigureOut">
               <a:rPr lang="zh-TW" altLang="en-US" smtClean="0"/>
               <a:pPr/>
-              <a:t>2018/9/18</a:t>
+              <a:t>2019/8/17</a:t>
             </a:fld>
             <a:endParaRPr lang="zh-TW" altLang="en-US"/>
           </a:p>
@@ -457,7 +457,7 @@
             <a:fld id="{24CEFFAC-C82D-4C95-8241-BAD7B175EECB}" type="datetimeFigureOut">
               <a:rPr lang="zh-TW" altLang="en-US" smtClean="0"/>
               <a:pPr/>
-              <a:t>2018/9/18</a:t>
+              <a:t>2019/8/17</a:t>
             </a:fld>
             <a:endParaRPr lang="zh-TW" altLang="en-US"/>
           </a:p>
@@ -543,8 +543,8 @@
         </p:nvSpPr>
         <p:spPr>
           <a:xfrm>
-            <a:off x="6629400" y="274638"/>
-            <a:ext cx="2057400" cy="5851525"/>
+            <a:off x="6629400" y="205979"/>
+            <a:ext cx="2057400" cy="4388644"/>
           </a:xfrm>
         </p:spPr>
         <p:txBody>
@@ -571,8 +571,8 @@
         </p:nvSpPr>
         <p:spPr>
           <a:xfrm>
-            <a:off x="457200" y="274638"/>
-            <a:ext cx="6019800" cy="5851525"/>
+            <a:off x="457200" y="205979"/>
+            <a:ext cx="6019800" cy="4388644"/>
           </a:xfrm>
         </p:spPr>
         <p:txBody>
@@ -634,7 +634,7 @@
             <a:fld id="{24CEFFAC-C82D-4C95-8241-BAD7B175EECB}" type="datetimeFigureOut">
               <a:rPr lang="zh-TW" altLang="en-US" smtClean="0"/>
               <a:pPr/>
-              <a:t>2018/9/18</a:t>
+              <a:t>2019/8/17</a:t>
             </a:fld>
             <a:endParaRPr lang="zh-TW" altLang="en-US"/>
           </a:p>
@@ -801,7 +801,7 @@
             <a:fld id="{24CEFFAC-C82D-4C95-8241-BAD7B175EECB}" type="datetimeFigureOut">
               <a:rPr lang="zh-TW" altLang="en-US" smtClean="0"/>
               <a:pPr/>
-              <a:t>2018/9/18</a:t>
+              <a:t>2019/8/17</a:t>
             </a:fld>
             <a:endParaRPr lang="zh-TW" altLang="en-US"/>
           </a:p>
@@ -887,8 +887,8 @@
         </p:nvSpPr>
         <p:spPr>
           <a:xfrm>
-            <a:off x="722313" y="4406900"/>
-            <a:ext cx="7772400" cy="1362075"/>
+            <a:off x="722313" y="3305176"/>
+            <a:ext cx="7772400" cy="1021556"/>
           </a:xfrm>
         </p:spPr>
         <p:txBody>
@@ -919,8 +919,8 @@
         </p:nvSpPr>
         <p:spPr>
           <a:xfrm>
-            <a:off x="722313" y="2906713"/>
-            <a:ext cx="7772400" cy="1500187"/>
+            <a:off x="722313" y="2180035"/>
+            <a:ext cx="7772400" cy="1125140"/>
           </a:xfrm>
         </p:spPr>
         <p:txBody>
@@ -1044,7 +1044,7 @@
             <a:fld id="{24CEFFAC-C82D-4C95-8241-BAD7B175EECB}" type="datetimeFigureOut">
               <a:rPr lang="zh-TW" altLang="en-US" smtClean="0"/>
               <a:pPr/>
-              <a:t>2018/9/18</a:t>
+              <a:t>2019/8/17</a:t>
             </a:fld>
             <a:endParaRPr lang="zh-TW" altLang="en-US"/>
           </a:p>
@@ -1153,8 +1153,8 @@
         </p:nvSpPr>
         <p:spPr>
           <a:xfrm>
-            <a:off x="457200" y="1600200"/>
-            <a:ext cx="4038600" cy="4525963"/>
+            <a:off x="457200" y="1200151"/>
+            <a:ext cx="4038600" cy="3394472"/>
           </a:xfrm>
         </p:spPr>
         <p:txBody>
@@ -1238,8 +1238,8 @@
         </p:nvSpPr>
         <p:spPr>
           <a:xfrm>
-            <a:off x="4648200" y="1600200"/>
-            <a:ext cx="4038600" cy="4525963"/>
+            <a:off x="4648200" y="1200151"/>
+            <a:ext cx="4038600" cy="3394472"/>
           </a:xfrm>
         </p:spPr>
         <p:txBody>
@@ -1329,7 +1329,7 @@
             <a:fld id="{24CEFFAC-C82D-4C95-8241-BAD7B175EECB}" type="datetimeFigureOut">
               <a:rPr lang="zh-TW" altLang="en-US" smtClean="0"/>
               <a:pPr/>
-              <a:t>2018/9/18</a:t>
+              <a:t>2019/8/17</a:t>
             </a:fld>
             <a:endParaRPr lang="zh-TW" altLang="en-US"/>
           </a:p>
@@ -1442,8 +1442,8 @@
         </p:nvSpPr>
         <p:spPr>
           <a:xfrm>
-            <a:off x="457200" y="1535113"/>
-            <a:ext cx="4040188" cy="639762"/>
+            <a:off x="457200" y="1151335"/>
+            <a:ext cx="4040188" cy="479822"/>
           </a:xfrm>
         </p:spPr>
         <p:txBody>
@@ -1507,8 +1507,8 @@
         </p:nvSpPr>
         <p:spPr>
           <a:xfrm>
-            <a:off x="457200" y="2174875"/>
-            <a:ext cx="4040188" cy="3951288"/>
+            <a:off x="457200" y="1631156"/>
+            <a:ext cx="4040188" cy="2963466"/>
           </a:xfrm>
         </p:spPr>
         <p:txBody>
@@ -1592,8 +1592,8 @@
         </p:nvSpPr>
         <p:spPr>
           <a:xfrm>
-            <a:off x="4645025" y="1535113"/>
-            <a:ext cx="4041775" cy="639762"/>
+            <a:off x="4645026" y="1151335"/>
+            <a:ext cx="4041775" cy="479822"/>
           </a:xfrm>
         </p:spPr>
         <p:txBody>
@@ -1657,8 +1657,8 @@
         </p:nvSpPr>
         <p:spPr>
           <a:xfrm>
-            <a:off x="4645025" y="2174875"/>
-            <a:ext cx="4041775" cy="3951288"/>
+            <a:off x="4645026" y="1631156"/>
+            <a:ext cx="4041775" cy="2963466"/>
           </a:xfrm>
         </p:spPr>
         <p:txBody>
@@ -1748,7 +1748,7 @@
             <a:fld id="{24CEFFAC-C82D-4C95-8241-BAD7B175EECB}" type="datetimeFigureOut">
               <a:rPr lang="zh-TW" altLang="en-US" smtClean="0"/>
               <a:pPr/>
-              <a:t>2018/9/18</a:t>
+              <a:t>2019/8/17</a:t>
             </a:fld>
             <a:endParaRPr lang="zh-TW" altLang="en-US"/>
           </a:p>
@@ -1863,7 +1863,7 @@
             <a:fld id="{24CEFFAC-C82D-4C95-8241-BAD7B175EECB}" type="datetimeFigureOut">
               <a:rPr lang="zh-TW" altLang="en-US" smtClean="0"/>
               <a:pPr/>
-              <a:t>2018/9/18</a:t>
+              <a:t>2019/8/17</a:t>
             </a:fld>
             <a:endParaRPr lang="zh-TW" altLang="en-US"/>
           </a:p>
@@ -1955,7 +1955,7 @@
             <a:fld id="{24CEFFAC-C82D-4C95-8241-BAD7B175EECB}" type="datetimeFigureOut">
               <a:rPr lang="zh-TW" altLang="en-US" smtClean="0"/>
               <a:pPr/>
-              <a:t>2018/9/18</a:t>
+              <a:t>2019/8/17</a:t>
             </a:fld>
             <a:endParaRPr lang="zh-TW" altLang="en-US"/>
           </a:p>
@@ -2041,8 +2041,8 @@
         </p:nvSpPr>
         <p:spPr>
           <a:xfrm>
-            <a:off x="457200" y="273050"/>
-            <a:ext cx="3008313" cy="1162050"/>
+            <a:off x="457201" y="204787"/>
+            <a:ext cx="3008313" cy="871538"/>
           </a:xfrm>
         </p:spPr>
         <p:txBody>
@@ -2073,8 +2073,8 @@
         </p:nvSpPr>
         <p:spPr>
           <a:xfrm>
-            <a:off x="3575050" y="273050"/>
-            <a:ext cx="5111750" cy="5853113"/>
+            <a:off x="3575050" y="204788"/>
+            <a:ext cx="5111750" cy="4389835"/>
           </a:xfrm>
         </p:spPr>
         <p:txBody>
@@ -2158,8 +2158,8 @@
         </p:nvSpPr>
         <p:spPr>
           <a:xfrm>
-            <a:off x="457200" y="1435100"/>
-            <a:ext cx="3008313" cy="4691063"/>
+            <a:off x="457201" y="1076326"/>
+            <a:ext cx="3008313" cy="3518297"/>
           </a:xfrm>
         </p:spPr>
         <p:txBody>
@@ -2229,7 +2229,7 @@
             <a:fld id="{24CEFFAC-C82D-4C95-8241-BAD7B175EECB}" type="datetimeFigureOut">
               <a:rPr lang="zh-TW" altLang="en-US" smtClean="0"/>
               <a:pPr/>
-              <a:t>2018/9/18</a:t>
+              <a:t>2019/8/17</a:t>
             </a:fld>
             <a:endParaRPr lang="zh-TW" altLang="en-US"/>
           </a:p>
@@ -2315,8 +2315,8 @@
         </p:nvSpPr>
         <p:spPr>
           <a:xfrm>
-            <a:off x="1792288" y="4800600"/>
-            <a:ext cx="5486400" cy="566738"/>
+            <a:off x="1792288" y="3600450"/>
+            <a:ext cx="5486400" cy="425054"/>
           </a:xfrm>
         </p:spPr>
         <p:txBody>
@@ -2347,8 +2347,8 @@
         </p:nvSpPr>
         <p:spPr>
           <a:xfrm>
-            <a:off x="1792288" y="612775"/>
-            <a:ext cx="5486400" cy="4114800"/>
+            <a:off x="1792288" y="459581"/>
+            <a:ext cx="5486400" cy="3086100"/>
           </a:xfrm>
         </p:spPr>
         <p:txBody>
@@ -2412,8 +2412,8 @@
         </p:nvSpPr>
         <p:spPr>
           <a:xfrm>
-            <a:off x="1792288" y="5367338"/>
-            <a:ext cx="5486400" cy="804862"/>
+            <a:off x="1792288" y="4025503"/>
+            <a:ext cx="5486400" cy="603647"/>
           </a:xfrm>
         </p:spPr>
         <p:txBody>
@@ -2483,7 +2483,7 @@
             <a:fld id="{24CEFFAC-C82D-4C95-8241-BAD7B175EECB}" type="datetimeFigureOut">
               <a:rPr lang="zh-TW" altLang="en-US" smtClean="0"/>
               <a:pPr/>
-              <a:t>2018/9/18</a:t>
+              <a:t>2019/8/17</a:t>
             </a:fld>
             <a:endParaRPr lang="zh-TW" altLang="en-US"/>
           </a:p>
@@ -2579,8 +2579,8 @@
         </p:nvSpPr>
         <p:spPr>
           <a:xfrm>
-            <a:off x="457200" y="274638"/>
-            <a:ext cx="8229600" cy="1143000"/>
+            <a:off x="457200" y="205979"/>
+            <a:ext cx="8229600" cy="857250"/>
           </a:xfrm>
           <a:prstGeom prst="rect">
             <a:avLst/>
@@ -2612,8 +2612,8 @@
         </p:nvSpPr>
         <p:spPr>
           <a:xfrm>
-            <a:off x="457200" y="1600200"/>
-            <a:ext cx="8229600" cy="4525963"/>
+            <a:off x="457200" y="1200151"/>
+            <a:ext cx="8229600" cy="3394472"/>
           </a:xfrm>
           <a:prstGeom prst="rect">
             <a:avLst/>
@@ -2674,8 +2674,8 @@
         </p:nvSpPr>
         <p:spPr>
           <a:xfrm>
-            <a:off x="457200" y="6356350"/>
-            <a:ext cx="2133600" cy="365125"/>
+            <a:off x="457200" y="4767263"/>
+            <a:ext cx="2133600" cy="273844"/>
           </a:xfrm>
           <a:prstGeom prst="rect">
             <a:avLst/>
@@ -2698,7 +2698,7 @@
             <a:fld id="{24CEFFAC-C82D-4C95-8241-BAD7B175EECB}" type="datetimeFigureOut">
               <a:rPr lang="zh-TW" altLang="en-US" smtClean="0"/>
               <a:pPr/>
-              <a:t>2018/9/18</a:t>
+              <a:t>2019/8/17</a:t>
             </a:fld>
             <a:endParaRPr lang="zh-TW" altLang="en-US"/>
           </a:p>
@@ -2716,8 +2716,8 @@
         </p:nvSpPr>
         <p:spPr>
           <a:xfrm>
-            <a:off x="3124200" y="6356350"/>
-            <a:ext cx="2895600" cy="365125"/>
+            <a:off x="3124200" y="4767263"/>
+            <a:ext cx="2895600" cy="273844"/>
           </a:xfrm>
           <a:prstGeom prst="rect">
             <a:avLst/>
@@ -2753,8 +2753,8 @@
         </p:nvSpPr>
         <p:spPr>
           <a:xfrm>
-            <a:off x="6553200" y="6356350"/>
-            <a:ext cx="2133600" cy="365125"/>
+            <a:off x="6553200" y="4767263"/>
+            <a:ext cx="2133600" cy="273844"/>
           </a:xfrm>
           <a:prstGeom prst="rect">
             <a:avLst/>
@@ -3081,11 +3081,13 @@
         </p:nvSpPr>
         <p:spPr/>
         <p:txBody>
-          <a:bodyPr/>
-          <a:lstStyle/>
-          <a:p>
-            <a:r>
-              <a:rPr lang="zh-TW" altLang="en-US" b="1" dirty="0">
+          <a:bodyPr>
+            <a:normAutofit/>
+          </a:bodyPr>
+          <a:lstStyle/>
+          <a:p>
+            <a:r>
+              <a:rPr lang="zh-TW" altLang="en-US" sz="4000" b="1" dirty="0">
                 <a:latin typeface="微軟正黑體" pitchFamily="34" charset="-120"/>
                 <a:ea typeface="微軟正黑體" pitchFamily="34" charset="-120"/>
               </a:rPr>
@@ -3106,8 +3108,8 @@
         </p:nvSpPr>
         <p:spPr>
           <a:xfrm>
-            <a:off x="0" y="1600200"/>
-            <a:ext cx="9144000" cy="4525963"/>
+            <a:off x="0" y="1200151"/>
+            <a:ext cx="9144000" cy="3394472"/>
           </a:xfrm>
         </p:spPr>
         <p:txBody>
@@ -3120,34 +3122,34 @@
               <a:buNone/>
             </a:pPr>
             <a:r>
-              <a:rPr lang="zh-TW" altLang="en-US" sz="5400" b="1" dirty="0">
+              <a:rPr lang="zh-TW" altLang="en-US" sz="4800" b="1" dirty="0">
                 <a:latin typeface="微軟正黑體" pitchFamily="34" charset="-120"/>
                 <a:ea typeface="微軟正黑體" pitchFamily="34" charset="-120"/>
               </a:rPr>
               <a:t>願靈內</a:t>
             </a:r>
             <a:r>
-              <a:rPr lang="zh-TW" altLang="en-US" sz="5400" b="1" dirty="0" smtClean="0">
+              <a:rPr lang="zh-TW" altLang="en-US" sz="4800" b="1" dirty="0" smtClean="0">
                 <a:latin typeface="微軟正黑體" pitchFamily="34" charset="-120"/>
                 <a:ea typeface="微軟正黑體" pitchFamily="34" charset="-120"/>
               </a:rPr>
               <a:t>甦醒  心</a:t>
             </a:r>
             <a:r>
-              <a:rPr lang="zh-TW" altLang="en-US" sz="5400" b="1" dirty="0">
+              <a:rPr lang="zh-TW" altLang="en-US" sz="4800" b="1" dirty="0">
                 <a:latin typeface="微軟正黑體" pitchFamily="34" charset="-120"/>
                 <a:ea typeface="微軟正黑體" pitchFamily="34" charset="-120"/>
               </a:rPr>
               <a:t>獻頌讚</a:t>
             </a:r>
             <a:r>
-              <a:rPr lang="zh-TW" altLang="en-US" sz="5400" b="1" dirty="0" smtClean="0">
+              <a:rPr lang="zh-TW" altLang="en-US" sz="4800" b="1" dirty="0" smtClean="0">
                 <a:latin typeface="微軟正黑體" pitchFamily="34" charset="-120"/>
                 <a:ea typeface="微軟正黑體" pitchFamily="34" charset="-120"/>
               </a:rPr>
               <a:t>歌聲</a:t>
             </a:r>
-            <a:endParaRPr lang="en-US" altLang="zh-TW" sz="5400" b="1" dirty="0">
+            <a:endParaRPr lang="en-US" altLang="zh-TW" sz="4800" b="1" dirty="0">
               <a:latin typeface="微軟正黑體" pitchFamily="34" charset="-120"/>
               <a:ea typeface="微軟正黑體" pitchFamily="34" charset="-120"/>
             </a:endParaRPr>
@@ -3157,41 +3159,41 @@
               <a:buNone/>
             </a:pPr>
             <a:r>
-              <a:rPr lang="zh-TW" altLang="en-US" sz="5400" b="1" dirty="0" smtClean="0">
+              <a:rPr lang="zh-TW" altLang="en-US" sz="4800" b="1" dirty="0" smtClean="0">
                 <a:latin typeface="微軟正黑體" pitchFamily="34" charset="-120"/>
                 <a:ea typeface="微軟正黑體" pitchFamily="34" charset="-120"/>
               </a:rPr>
               <a:t>投</a:t>
             </a:r>
             <a:r>
-              <a:rPr lang="zh-TW" altLang="en-US" sz="5400" b="1" dirty="0">
+              <a:rPr lang="zh-TW" altLang="en-US" sz="4800" b="1" dirty="0">
                 <a:latin typeface="微軟正黑體" pitchFamily="34" charset="-120"/>
                 <a:ea typeface="微軟正黑體" pitchFamily="34" charset="-120"/>
               </a:rPr>
               <a:t>在你的</a:t>
             </a:r>
             <a:r>
-              <a:rPr lang="zh-TW" altLang="en-US" sz="5400" b="1" dirty="0" smtClean="0">
+              <a:rPr lang="zh-TW" altLang="en-US" sz="4800" b="1" dirty="0" smtClean="0">
                 <a:latin typeface="微軟正黑體" pitchFamily="34" charset="-120"/>
                 <a:ea typeface="微軟正黑體" pitchFamily="34" charset="-120"/>
               </a:rPr>
               <a:t>翅膀  願</a:t>
             </a:r>
             <a:r>
-              <a:rPr lang="zh-TW" altLang="en-US" sz="5400" b="1" dirty="0">
+              <a:rPr lang="zh-TW" altLang="en-US" sz="4800" b="1" dirty="0">
                 <a:latin typeface="微軟正黑體" pitchFamily="34" charset="-120"/>
                 <a:ea typeface="微軟正黑體" pitchFamily="34" charset="-120"/>
               </a:rPr>
               <a:t>你施恩救</a:t>
             </a:r>
             <a:r>
-              <a:rPr lang="zh-TW" altLang="en-US" sz="5400" b="1" dirty="0" smtClean="0">
+              <a:rPr lang="zh-TW" altLang="en-US" sz="4800" b="1" dirty="0" smtClean="0">
                 <a:latin typeface="微軟正黑體" pitchFamily="34" charset="-120"/>
                 <a:ea typeface="微軟正黑體" pitchFamily="34" charset="-120"/>
               </a:rPr>
               <a:t>拯</a:t>
             </a:r>
-            <a:endParaRPr lang="en-US" altLang="zh-TW" sz="5400" b="1" dirty="0">
+            <a:endParaRPr lang="en-US" altLang="zh-TW" sz="4800" b="1" dirty="0">
               <a:latin typeface="微軟正黑體" pitchFamily="34" charset="-120"/>
               <a:ea typeface="微軟正黑體" pitchFamily="34" charset="-120"/>
             </a:endParaRPr>
@@ -3201,41 +3203,41 @@
               <a:buNone/>
             </a:pPr>
             <a:r>
-              <a:rPr lang="zh-TW" altLang="en-US" sz="5400" b="1" dirty="0" smtClean="0">
+              <a:rPr lang="zh-TW" altLang="en-US" sz="4800" b="1" dirty="0" smtClean="0">
                 <a:latin typeface="微軟正黑體" pitchFamily="34" charset="-120"/>
                 <a:ea typeface="微軟正黑體" pitchFamily="34" charset="-120"/>
               </a:rPr>
               <a:t>願</a:t>
             </a:r>
             <a:r>
-              <a:rPr lang="zh-TW" altLang="en-US" sz="5400" b="1" dirty="0">
+              <a:rPr lang="zh-TW" altLang="en-US" sz="4800" b="1" dirty="0">
                 <a:latin typeface="微軟正黑體" pitchFamily="34" charset="-120"/>
                 <a:ea typeface="微軟正黑體" pitchFamily="34" charset="-120"/>
               </a:rPr>
               <a:t>榮耀歸</a:t>
             </a:r>
             <a:r>
-              <a:rPr lang="zh-TW" altLang="en-US" sz="5400" b="1" dirty="0" smtClean="0">
+              <a:rPr lang="zh-TW" altLang="en-US" sz="4800" b="1" dirty="0" smtClean="0">
                 <a:latin typeface="微軟正黑體" pitchFamily="34" charset="-120"/>
                 <a:ea typeface="微軟正黑體" pitchFamily="34" charset="-120"/>
               </a:rPr>
               <a:t>主  高唱</a:t>
             </a:r>
             <a:r>
-              <a:rPr lang="zh-TW" altLang="en-US" sz="5400" b="1" dirty="0">
+              <a:rPr lang="zh-TW" altLang="en-US" sz="4800" b="1" dirty="0">
                 <a:latin typeface="微軟正黑體" pitchFamily="34" charset="-120"/>
                 <a:ea typeface="微軟正黑體" pitchFamily="34" charset="-120"/>
               </a:rPr>
               <a:t>頌讚新</a:t>
             </a:r>
             <a:r>
-              <a:rPr lang="zh-TW" altLang="en-US" sz="5400" b="1" dirty="0" smtClean="0">
+              <a:rPr lang="zh-TW" altLang="en-US" sz="4800" b="1" dirty="0" smtClean="0">
                 <a:latin typeface="微軟正黑體" pitchFamily="34" charset="-120"/>
                 <a:ea typeface="微軟正黑體" pitchFamily="34" charset="-120"/>
               </a:rPr>
               <a:t>歌</a:t>
             </a:r>
-            <a:endParaRPr lang="en-US" altLang="zh-TW" sz="5400" b="1" dirty="0">
+            <a:endParaRPr lang="en-US" altLang="zh-TW" sz="4800" b="1" dirty="0">
               <a:latin typeface="微軟正黑體" pitchFamily="34" charset="-120"/>
               <a:ea typeface="微軟正黑體" pitchFamily="34" charset="-120"/>
             </a:endParaRPr>
@@ -3245,28 +3247,28 @@
               <a:buNone/>
             </a:pPr>
             <a:r>
-              <a:rPr lang="zh-TW" altLang="en-US" sz="5400" b="1" dirty="0" smtClean="0">
+              <a:rPr lang="zh-TW" altLang="en-US" sz="4800" b="1" dirty="0" smtClean="0">
                 <a:latin typeface="微軟正黑體" pitchFamily="34" charset="-120"/>
                 <a:ea typeface="微軟正黑體" pitchFamily="34" charset="-120"/>
               </a:rPr>
               <a:t>琴</a:t>
             </a:r>
             <a:r>
-              <a:rPr lang="zh-TW" altLang="en-US" sz="5400" b="1" dirty="0">
+              <a:rPr lang="zh-TW" altLang="en-US" sz="4800" b="1" dirty="0">
                 <a:latin typeface="微軟正黑體" pitchFamily="34" charset="-120"/>
                 <a:ea typeface="微軟正黑體" pitchFamily="34" charset="-120"/>
               </a:rPr>
               <a:t>和應瑟奏</a:t>
             </a:r>
             <a:r>
-              <a:rPr lang="zh-TW" altLang="en-US" sz="5400" b="1" dirty="0" smtClean="0">
+              <a:rPr lang="zh-TW" altLang="en-US" sz="4800" b="1" dirty="0" smtClean="0">
                 <a:latin typeface="微軟正黑體" pitchFamily="34" charset="-120"/>
                 <a:ea typeface="微軟正黑體" pitchFamily="34" charset="-120"/>
               </a:rPr>
               <a:t>鳴  樂</a:t>
             </a:r>
             <a:r>
-              <a:rPr lang="zh-TW" altLang="en-US" sz="5400" b="1" dirty="0">
+              <a:rPr lang="zh-TW" altLang="en-US" sz="4800" b="1" dirty="0">
                 <a:latin typeface="微軟正黑體" pitchFamily="34" charset="-120"/>
                 <a:ea typeface="微軟正黑體" pitchFamily="34" charset="-120"/>
               </a:rPr>
@@ -3312,11 +3314,13 @@
         </p:nvSpPr>
         <p:spPr/>
         <p:txBody>
-          <a:bodyPr/>
-          <a:lstStyle/>
-          <a:p>
-            <a:r>
-              <a:rPr lang="zh-TW" altLang="en-US" b="1" dirty="0">
+          <a:bodyPr>
+            <a:normAutofit/>
+          </a:bodyPr>
+          <a:lstStyle/>
+          <a:p>
+            <a:r>
+              <a:rPr lang="zh-TW" altLang="en-US" sz="4000" b="1" dirty="0">
                 <a:latin typeface="微軟正黑體" pitchFamily="34" charset="-120"/>
                 <a:ea typeface="微軟正黑體" pitchFamily="34" charset="-120"/>
               </a:rPr>
@@ -3337,8 +3341,8 @@
         </p:nvSpPr>
         <p:spPr>
           <a:xfrm>
-            <a:off x="0" y="1600200"/>
-            <a:ext cx="9144000" cy="4525963"/>
+            <a:off x="0" y="1200151"/>
+            <a:ext cx="9144000" cy="3394472"/>
           </a:xfrm>
         </p:spPr>
         <p:txBody>
@@ -3351,50 +3355,55 @@
               <a:buNone/>
             </a:pPr>
             <a:r>
-              <a:rPr lang="zh-TW" altLang="en-US" sz="5400" b="1" dirty="0">
+              <a:rPr lang="zh-TW" altLang="en-US" sz="4800" b="1" dirty="0">
                 <a:latin typeface="微軟正黑體" pitchFamily="34" charset="-120"/>
                 <a:ea typeface="微軟正黑體" pitchFamily="34" charset="-120"/>
               </a:rPr>
               <a:t>全地至高是</a:t>
             </a:r>
             <a:r>
-              <a:rPr lang="zh-TW" altLang="en-US" sz="5400" b="1" dirty="0" smtClean="0">
+              <a:rPr lang="zh-TW" altLang="en-US" sz="4800" b="1" dirty="0">
                 <a:latin typeface="微軟正黑體" pitchFamily="34" charset="-120"/>
                 <a:ea typeface="微軟正黑體" pitchFamily="34" charset="-120"/>
               </a:rPr>
-              <a:t>我主</a:t>
-            </a:r>
-            <a:endParaRPr lang="en-US" altLang="zh-TW" sz="5400" b="1" dirty="0" smtClean="0">
-              <a:latin typeface="微軟正黑體" pitchFamily="34" charset="-120"/>
-              <a:ea typeface="微軟正黑體" pitchFamily="34" charset="-120"/>
-            </a:endParaRPr>
-          </a:p>
-          <a:p>
-            <a:pPr algn="ctr">
-              <a:buNone/>
-            </a:pPr>
-            <a:r>
-              <a:rPr lang="zh-TW" altLang="en-US" sz="5400" b="1" dirty="0" smtClean="0">
+              <a:t>我</a:t>
+            </a:r>
+            <a:r>
+              <a:rPr lang="zh-TW" altLang="en-US" sz="4800" b="1" dirty="0" smtClean="0">
+                <a:latin typeface="微軟正黑體" pitchFamily="34" charset="-120"/>
+                <a:ea typeface="微軟正黑體" pitchFamily="34" charset="-120"/>
+              </a:rPr>
+              <a:t>主</a:t>
+            </a:r>
+            <a:r>
+              <a:rPr lang="en-US" altLang="zh-TW" sz="4800" b="1" dirty="0" smtClean="0">
+                <a:latin typeface="微軟正黑體" pitchFamily="34" charset="-120"/>
+                <a:ea typeface="微軟正黑體" pitchFamily="34" charset="-120"/>
+              </a:rPr>
+              <a:t>  </a:t>
+            </a:r>
+            <a:r>
+              <a:rPr lang="zh-TW" altLang="en-US" sz="4800" b="1" dirty="0" smtClean="0">
                 <a:latin typeface="微軟正黑體" pitchFamily="34" charset="-120"/>
                 <a:ea typeface="微軟正黑體" pitchFamily="34" charset="-120"/>
               </a:rPr>
               <a:t>各</a:t>
             </a:r>
             <a:r>
-              <a:rPr lang="zh-TW" altLang="en-US" sz="5400" b="1" dirty="0">
+              <a:rPr lang="zh-TW" altLang="en-US" sz="4800" b="1" dirty="0">
                 <a:latin typeface="微軟正黑體" pitchFamily="34" charset="-120"/>
                 <a:ea typeface="微軟正黑體" pitchFamily="34" charset="-120"/>
               </a:rPr>
               <a:t>邦一致</a:t>
             </a:r>
             <a:r>
-              <a:rPr lang="zh-TW" altLang="en-US" sz="5400" b="1" dirty="0" smtClean="0">
+              <a:rPr lang="zh-TW" altLang="en-US" sz="4800" b="1" dirty="0">
                 <a:latin typeface="微軟正黑體" pitchFamily="34" charset="-120"/>
                 <a:ea typeface="微軟正黑體" pitchFamily="34" charset="-120"/>
               </a:rPr>
               <a:t>頌揚</a:t>
             </a:r>
-            <a:endParaRPr lang="en-US" altLang="zh-TW" sz="5400" b="1" dirty="0">
+            <a:endParaRPr lang="en-US" altLang="zh-TW" sz="4800" b="1" dirty="0">
               <a:latin typeface="微軟正黑體" pitchFamily="34" charset="-120"/>
               <a:ea typeface="微軟正黑體" pitchFamily="34" charset="-120"/>
             </a:endParaRPr>
@@ -3404,41 +3413,41 @@
               <a:buNone/>
             </a:pPr>
             <a:r>
-              <a:rPr lang="zh-TW" altLang="en-US" sz="5400" b="1" dirty="0" smtClean="0">
+              <a:rPr lang="zh-TW" altLang="en-US" sz="4800" b="1" dirty="0">
                 <a:latin typeface="微軟正黑體" pitchFamily="34" charset="-120"/>
                 <a:ea typeface="微軟正黑體" pitchFamily="34" charset="-120"/>
               </a:rPr>
               <a:t>讓</a:t>
             </a:r>
             <a:r>
-              <a:rPr lang="zh-TW" altLang="en-US" sz="5400" b="1" dirty="0">
+              <a:rPr lang="zh-TW" altLang="en-US" sz="4800" b="1" dirty="0">
                 <a:latin typeface="微軟正黑體" pitchFamily="34" charset="-120"/>
                 <a:ea typeface="微軟正黑體" pitchFamily="34" charset="-120"/>
               </a:rPr>
               <a:t>這歌盡獻</a:t>
             </a:r>
             <a:r>
-              <a:rPr lang="zh-TW" altLang="en-US" sz="5400" b="1" dirty="0" smtClean="0">
+              <a:rPr lang="zh-TW" altLang="en-US" sz="4800" b="1" dirty="0">
                 <a:latin typeface="微軟正黑體" pitchFamily="34" charset="-120"/>
                 <a:ea typeface="微軟正黑體" pitchFamily="34" charset="-120"/>
               </a:rPr>
               <a:t>主  榮光</a:t>
             </a:r>
             <a:r>
-              <a:rPr lang="zh-TW" altLang="en-US" sz="5400" b="1" dirty="0">
+              <a:rPr lang="zh-TW" altLang="en-US" sz="4800" b="1" dirty="0">
                 <a:latin typeface="微軟正黑體" pitchFamily="34" charset="-120"/>
                 <a:ea typeface="微軟正黑體" pitchFamily="34" charset="-120"/>
               </a:rPr>
               <a:t>高照諸</a:t>
             </a:r>
             <a:r>
-              <a:rPr lang="zh-TW" altLang="en-US" sz="5400" b="1" dirty="0" smtClean="0">
+              <a:rPr lang="zh-TW" altLang="en-US" sz="4800" b="1" dirty="0">
                 <a:latin typeface="微軟正黑體" pitchFamily="34" charset="-120"/>
                 <a:ea typeface="微軟正黑體" pitchFamily="34" charset="-120"/>
               </a:rPr>
               <a:t>天</a:t>
             </a:r>
-            <a:endParaRPr lang="en-US" altLang="zh-TW" sz="5400" b="1" dirty="0">
+            <a:endParaRPr lang="en-US" altLang="zh-TW" sz="4800" b="1" dirty="0">
               <a:latin typeface="微軟正黑體" pitchFamily="34" charset="-120"/>
               <a:ea typeface="微軟正黑體" pitchFamily="34" charset="-120"/>
             </a:endParaRPr>
@@ -3448,41 +3457,41 @@
               <a:buNone/>
             </a:pPr>
             <a:r>
-              <a:rPr lang="zh-TW" altLang="en-US" sz="5400" b="1" dirty="0" smtClean="0">
+              <a:rPr lang="zh-TW" altLang="en-US" sz="4800" b="1" dirty="0">
                 <a:latin typeface="微軟正黑體" pitchFamily="34" charset="-120"/>
                 <a:ea typeface="微軟正黑體" pitchFamily="34" charset="-120"/>
               </a:rPr>
               <a:t>慈愛</a:t>
             </a:r>
             <a:r>
-              <a:rPr lang="zh-TW" altLang="en-US" sz="5400" b="1" dirty="0">
+              <a:rPr lang="zh-TW" altLang="en-US" sz="4800" b="1" dirty="0">
                 <a:latin typeface="微軟正黑體" pitchFamily="34" charset="-120"/>
                 <a:ea typeface="微軟正黑體" pitchFamily="34" charset="-120"/>
               </a:rPr>
               <a:t>達到穹蒼</a:t>
             </a:r>
             <a:r>
-              <a:rPr lang="zh-TW" altLang="en-US" sz="5400" b="1" dirty="0" smtClean="0">
+              <a:rPr lang="zh-TW" altLang="en-US" sz="4800" b="1" dirty="0">
                 <a:latin typeface="微軟正黑體" pitchFamily="34" charset="-120"/>
                 <a:ea typeface="微軟正黑體" pitchFamily="34" charset="-120"/>
               </a:rPr>
               <a:t>處  恩</a:t>
             </a:r>
             <a:r>
-              <a:rPr lang="zh-TW" altLang="en-US" sz="5400" b="1" dirty="0">
+              <a:rPr lang="zh-TW" altLang="en-US" sz="4800" b="1" dirty="0">
                 <a:latin typeface="微軟正黑體" pitchFamily="34" charset="-120"/>
                 <a:ea typeface="微軟正黑體" pitchFamily="34" charset="-120"/>
               </a:rPr>
               <a:t>慈</a:t>
             </a:r>
             <a:r>
-              <a:rPr lang="zh-TW" altLang="en-US" sz="5400" b="1" dirty="0" smtClean="0">
+              <a:rPr lang="zh-TW" altLang="en-US" sz="4800" b="1" dirty="0">
                 <a:latin typeface="微軟正黑體" pitchFamily="34" charset="-120"/>
                 <a:ea typeface="微軟正黑體" pitchFamily="34" charset="-120"/>
               </a:rPr>
               <a:t>信實</a:t>
             </a:r>
-            <a:endParaRPr lang="en-US" altLang="zh-TW" sz="5400" b="1" dirty="0" smtClean="0">
+            <a:endParaRPr lang="en-US" altLang="zh-TW" sz="4800" b="1" dirty="0">
               <a:latin typeface="微軟正黑體" pitchFamily="34" charset="-120"/>
               <a:ea typeface="微軟正黑體" pitchFamily="34" charset="-120"/>
             </a:endParaRPr>
@@ -3492,14 +3501,14 @@
               <a:buNone/>
             </a:pPr>
             <a:r>
-              <a:rPr lang="zh-TW" altLang="en-US" sz="5400" b="1" dirty="0" smtClean="0">
+              <a:rPr lang="zh-TW" altLang="en-US" sz="4800" b="1" dirty="0">
                 <a:latin typeface="微軟正黑體" pitchFamily="34" charset="-120"/>
                 <a:ea typeface="微軟正黑體" pitchFamily="34" charset="-120"/>
               </a:rPr>
               <a:t>並</a:t>
             </a:r>
             <a:r>
-              <a:rPr lang="zh-TW" altLang="en-US" sz="5400" b="1" dirty="0">
+              <a:rPr lang="zh-TW" altLang="en-US" sz="4800" b="1" dirty="0">
                 <a:latin typeface="微軟正黑體" pitchFamily="34" charset="-120"/>
                 <a:ea typeface="微軟正黑體" pitchFamily="34" charset="-120"/>
               </a:rPr>

--- a/全地至高是我主.pptx
+++ b/全地至高是我主.pptx
@@ -7,6 +7,19 @@
   <p:sldIdLst>
     <p:sldId id="256" r:id="rId2"/>
     <p:sldId id="257" r:id="rId3"/>
+    <p:sldId id="262" r:id="rId4"/>
+    <p:sldId id="263" r:id="rId5"/>
+    <p:sldId id="264" r:id="rId6"/>
+    <p:sldId id="270" r:id="rId7"/>
+    <p:sldId id="258" r:id="rId8"/>
+    <p:sldId id="259" r:id="rId9"/>
+    <p:sldId id="260" r:id="rId10"/>
+    <p:sldId id="265" r:id="rId11"/>
+    <p:sldId id="266" r:id="rId12"/>
+    <p:sldId id="267" r:id="rId13"/>
+    <p:sldId id="269" r:id="rId14"/>
+    <p:sldId id="268" r:id="rId15"/>
+    <p:sldId id="261" r:id="rId16"/>
   </p:sldIdLst>
   <p:sldSz cx="9144000" cy="5143500" type="screen16x9"/>
   <p:notesSz cx="6858000" cy="9144000"/>
@@ -105,6 +118,22 @@
       </a:defRPr>
     </a:lvl9pPr>
   </p:defaultTextStyle>
+  <p:extLst>
+    <p:ext uri="{EFAFB233-063F-42B5-8137-9DF3F51BA10A}">
+      <p15:sldGuideLst xmlns:p15="http://schemas.microsoft.com/office/powerpoint/2012/main">
+        <p15:guide id="1" orient="horz" pos="1620">
+          <p15:clr>
+            <a:srgbClr val="A4A3A4"/>
+          </p15:clr>
+        </p15:guide>
+        <p15:guide id="2" pos="2880">
+          <p15:clr>
+            <a:srgbClr val="A4A3A4"/>
+          </p15:clr>
+        </p15:guide>
+      </p15:sldGuideLst>
+    </p:ext>
+  </p:extLst>
 </p:presentation>
 </file>
 
@@ -290,7 +319,7 @@
             <a:fld id="{24CEFFAC-C82D-4C95-8241-BAD7B175EECB}" type="datetimeFigureOut">
               <a:rPr lang="zh-TW" altLang="en-US" smtClean="0"/>
               <a:pPr/>
-              <a:t>2019/8/17</a:t>
+              <a:t>2019/10/22</a:t>
             </a:fld>
             <a:endParaRPr lang="zh-TW" altLang="en-US"/>
           </a:p>
@@ -457,7 +486,7 @@
             <a:fld id="{24CEFFAC-C82D-4C95-8241-BAD7B175EECB}" type="datetimeFigureOut">
               <a:rPr lang="zh-TW" altLang="en-US" smtClean="0"/>
               <a:pPr/>
-              <a:t>2019/8/17</a:t>
+              <a:t>2019/10/22</a:t>
             </a:fld>
             <a:endParaRPr lang="zh-TW" altLang="en-US"/>
           </a:p>
@@ -634,7 +663,7 @@
             <a:fld id="{24CEFFAC-C82D-4C95-8241-BAD7B175EECB}" type="datetimeFigureOut">
               <a:rPr lang="zh-TW" altLang="en-US" smtClean="0"/>
               <a:pPr/>
-              <a:t>2019/8/17</a:t>
+              <a:t>2019/10/22</a:t>
             </a:fld>
             <a:endParaRPr lang="zh-TW" altLang="en-US"/>
           </a:p>
@@ -801,7 +830,7 @@
             <a:fld id="{24CEFFAC-C82D-4C95-8241-BAD7B175EECB}" type="datetimeFigureOut">
               <a:rPr lang="zh-TW" altLang="en-US" smtClean="0"/>
               <a:pPr/>
-              <a:t>2019/8/17</a:t>
+              <a:t>2019/10/22</a:t>
             </a:fld>
             <a:endParaRPr lang="zh-TW" altLang="en-US"/>
           </a:p>
@@ -1044,7 +1073,7 @@
             <a:fld id="{24CEFFAC-C82D-4C95-8241-BAD7B175EECB}" type="datetimeFigureOut">
               <a:rPr lang="zh-TW" altLang="en-US" smtClean="0"/>
               <a:pPr/>
-              <a:t>2019/8/17</a:t>
+              <a:t>2019/10/22</a:t>
             </a:fld>
             <a:endParaRPr lang="zh-TW" altLang="en-US"/>
           </a:p>
@@ -1329,7 +1358,7 @@
             <a:fld id="{24CEFFAC-C82D-4C95-8241-BAD7B175EECB}" type="datetimeFigureOut">
               <a:rPr lang="zh-TW" altLang="en-US" smtClean="0"/>
               <a:pPr/>
-              <a:t>2019/8/17</a:t>
+              <a:t>2019/10/22</a:t>
             </a:fld>
             <a:endParaRPr lang="zh-TW" altLang="en-US"/>
           </a:p>
@@ -1748,7 +1777,7 @@
             <a:fld id="{24CEFFAC-C82D-4C95-8241-BAD7B175EECB}" type="datetimeFigureOut">
               <a:rPr lang="zh-TW" altLang="en-US" smtClean="0"/>
               <a:pPr/>
-              <a:t>2019/8/17</a:t>
+              <a:t>2019/10/22</a:t>
             </a:fld>
             <a:endParaRPr lang="zh-TW" altLang="en-US"/>
           </a:p>
@@ -1863,7 +1892,7 @@
             <a:fld id="{24CEFFAC-C82D-4C95-8241-BAD7B175EECB}" type="datetimeFigureOut">
               <a:rPr lang="zh-TW" altLang="en-US" smtClean="0"/>
               <a:pPr/>
-              <a:t>2019/8/17</a:t>
+              <a:t>2019/10/22</a:t>
             </a:fld>
             <a:endParaRPr lang="zh-TW" altLang="en-US"/>
           </a:p>
@@ -1955,7 +1984,7 @@
             <a:fld id="{24CEFFAC-C82D-4C95-8241-BAD7B175EECB}" type="datetimeFigureOut">
               <a:rPr lang="zh-TW" altLang="en-US" smtClean="0"/>
               <a:pPr/>
-              <a:t>2019/8/17</a:t>
+              <a:t>2019/10/22</a:t>
             </a:fld>
             <a:endParaRPr lang="zh-TW" altLang="en-US"/>
           </a:p>
@@ -2229,7 +2258,7 @@
             <a:fld id="{24CEFFAC-C82D-4C95-8241-BAD7B175EECB}" type="datetimeFigureOut">
               <a:rPr lang="zh-TW" altLang="en-US" smtClean="0"/>
               <a:pPr/>
-              <a:t>2019/8/17</a:t>
+              <a:t>2019/10/22</a:t>
             </a:fld>
             <a:endParaRPr lang="zh-TW" altLang="en-US"/>
           </a:p>
@@ -2483,7 +2512,7 @@
             <a:fld id="{24CEFFAC-C82D-4C95-8241-BAD7B175EECB}" type="datetimeFigureOut">
               <a:rPr lang="zh-TW" altLang="en-US" smtClean="0"/>
               <a:pPr/>
-              <a:t>2019/8/17</a:t>
+              <a:t>2019/10/22</a:t>
             </a:fld>
             <a:endParaRPr lang="zh-TW" altLang="en-US"/>
           </a:p>
@@ -2698,7 +2727,7 @@
             <a:fld id="{24CEFFAC-C82D-4C95-8241-BAD7B175EECB}" type="datetimeFigureOut">
               <a:rPr lang="zh-TW" altLang="en-US" smtClean="0"/>
               <a:pPr/>
-              <a:t>2019/8/17</a:t>
+              <a:t>2019/10/22</a:t>
             </a:fld>
             <a:endParaRPr lang="zh-TW" altLang="en-US"/>
           </a:p>
@@ -3123,6 +3152,9 @@
             </a:pPr>
             <a:r>
               <a:rPr lang="zh-TW" altLang="en-US" sz="4800" b="1" dirty="0">
+                <a:solidFill>
+                  <a:srgbClr val="002060"/>
+                </a:solidFill>
                 <a:latin typeface="微軟正黑體" pitchFamily="34" charset="-120"/>
                 <a:ea typeface="微軟正黑體" pitchFamily="34" charset="-120"/>
               </a:rPr>
@@ -3130,6 +3162,9 @@
             </a:r>
             <a:r>
               <a:rPr lang="zh-TW" altLang="en-US" sz="4800" b="1" dirty="0" smtClean="0">
+                <a:solidFill>
+                  <a:srgbClr val="002060"/>
+                </a:solidFill>
                 <a:latin typeface="微軟正黑體" pitchFamily="34" charset="-120"/>
                 <a:ea typeface="微軟正黑體" pitchFamily="34" charset="-120"/>
               </a:rPr>
@@ -3137,6 +3172,9 @@
             </a:r>
             <a:r>
               <a:rPr lang="zh-TW" altLang="en-US" sz="4800" b="1" dirty="0">
+                <a:solidFill>
+                  <a:srgbClr val="002060"/>
+                </a:solidFill>
                 <a:latin typeface="微軟正黑體" pitchFamily="34" charset="-120"/>
                 <a:ea typeface="微軟正黑體" pitchFamily="34" charset="-120"/>
               </a:rPr>
@@ -3144,12 +3182,18 @@
             </a:r>
             <a:r>
               <a:rPr lang="zh-TW" altLang="en-US" sz="4800" b="1" dirty="0" smtClean="0">
+                <a:solidFill>
+                  <a:srgbClr val="002060"/>
+                </a:solidFill>
                 <a:latin typeface="微軟正黑體" pitchFamily="34" charset="-120"/>
                 <a:ea typeface="微軟正黑體" pitchFamily="34" charset="-120"/>
               </a:rPr>
               <a:t>歌聲</a:t>
             </a:r>
             <a:endParaRPr lang="en-US" altLang="zh-TW" sz="4800" b="1" dirty="0">
+              <a:solidFill>
+                <a:srgbClr val="002060"/>
+              </a:solidFill>
               <a:latin typeface="微軟正黑體" pitchFamily="34" charset="-120"/>
               <a:ea typeface="微軟正黑體" pitchFamily="34" charset="-120"/>
             </a:endParaRPr>
@@ -3160,6 +3204,9 @@
             </a:pPr>
             <a:r>
               <a:rPr lang="zh-TW" altLang="en-US" sz="4800" b="1" dirty="0" smtClean="0">
+                <a:solidFill>
+                  <a:srgbClr val="002060"/>
+                </a:solidFill>
                 <a:latin typeface="微軟正黑體" pitchFamily="34" charset="-120"/>
                 <a:ea typeface="微軟正黑體" pitchFamily="34" charset="-120"/>
               </a:rPr>
@@ -3167,6 +3214,9 @@
             </a:r>
             <a:r>
               <a:rPr lang="zh-TW" altLang="en-US" sz="4800" b="1" dirty="0">
+                <a:solidFill>
+                  <a:srgbClr val="002060"/>
+                </a:solidFill>
                 <a:latin typeface="微軟正黑體" pitchFamily="34" charset="-120"/>
                 <a:ea typeface="微軟正黑體" pitchFamily="34" charset="-120"/>
               </a:rPr>
@@ -3174,6 +3224,9 @@
             </a:r>
             <a:r>
               <a:rPr lang="zh-TW" altLang="en-US" sz="4800" b="1" dirty="0" smtClean="0">
+                <a:solidFill>
+                  <a:srgbClr val="002060"/>
+                </a:solidFill>
                 <a:latin typeface="微軟正黑體" pitchFamily="34" charset="-120"/>
                 <a:ea typeface="微軟正黑體" pitchFamily="34" charset="-120"/>
               </a:rPr>
@@ -3181,6 +3234,9 @@
             </a:r>
             <a:r>
               <a:rPr lang="zh-TW" altLang="en-US" sz="4800" b="1" dirty="0">
+                <a:solidFill>
+                  <a:srgbClr val="002060"/>
+                </a:solidFill>
                 <a:latin typeface="微軟正黑體" pitchFamily="34" charset="-120"/>
                 <a:ea typeface="微軟正黑體" pitchFamily="34" charset="-120"/>
               </a:rPr>
@@ -3188,12 +3244,18 @@
             </a:r>
             <a:r>
               <a:rPr lang="zh-TW" altLang="en-US" sz="4800" b="1" dirty="0" smtClean="0">
+                <a:solidFill>
+                  <a:srgbClr val="002060"/>
+                </a:solidFill>
                 <a:latin typeface="微軟正黑體" pitchFamily="34" charset="-120"/>
                 <a:ea typeface="微軟正黑體" pitchFamily="34" charset="-120"/>
               </a:rPr>
               <a:t>拯</a:t>
             </a:r>
             <a:endParaRPr lang="en-US" altLang="zh-TW" sz="4800" b="1" dirty="0">
+              <a:solidFill>
+                <a:srgbClr val="002060"/>
+              </a:solidFill>
               <a:latin typeface="微軟正黑體" pitchFamily="34" charset="-120"/>
               <a:ea typeface="微軟正黑體" pitchFamily="34" charset="-120"/>
             </a:endParaRPr>
@@ -3204,6 +3266,9 @@
             </a:pPr>
             <a:r>
               <a:rPr lang="zh-TW" altLang="en-US" sz="4800" b="1" dirty="0" smtClean="0">
+                <a:solidFill>
+                  <a:srgbClr val="002060"/>
+                </a:solidFill>
                 <a:latin typeface="微軟正黑體" pitchFamily="34" charset="-120"/>
                 <a:ea typeface="微軟正黑體" pitchFamily="34" charset="-120"/>
               </a:rPr>
@@ -3211,6 +3276,9 @@
             </a:r>
             <a:r>
               <a:rPr lang="zh-TW" altLang="en-US" sz="4800" b="1" dirty="0">
+                <a:solidFill>
+                  <a:srgbClr val="002060"/>
+                </a:solidFill>
                 <a:latin typeface="微軟正黑體" pitchFamily="34" charset="-120"/>
                 <a:ea typeface="微軟正黑體" pitchFamily="34" charset="-120"/>
               </a:rPr>
@@ -3218,6 +3286,9 @@
             </a:r>
             <a:r>
               <a:rPr lang="zh-TW" altLang="en-US" sz="4800" b="1" dirty="0" smtClean="0">
+                <a:solidFill>
+                  <a:srgbClr val="002060"/>
+                </a:solidFill>
                 <a:latin typeface="微軟正黑體" pitchFamily="34" charset="-120"/>
                 <a:ea typeface="微軟正黑體" pitchFamily="34" charset="-120"/>
               </a:rPr>
@@ -3225,6 +3296,9 @@
             </a:r>
             <a:r>
               <a:rPr lang="zh-TW" altLang="en-US" sz="4800" b="1" dirty="0">
+                <a:solidFill>
+                  <a:srgbClr val="002060"/>
+                </a:solidFill>
                 <a:latin typeface="微軟正黑體" pitchFamily="34" charset="-120"/>
                 <a:ea typeface="微軟正黑體" pitchFamily="34" charset="-120"/>
               </a:rPr>
@@ -3232,12 +3306,18 @@
             </a:r>
             <a:r>
               <a:rPr lang="zh-TW" altLang="en-US" sz="4800" b="1" dirty="0" smtClean="0">
+                <a:solidFill>
+                  <a:srgbClr val="002060"/>
+                </a:solidFill>
                 <a:latin typeface="微軟正黑體" pitchFamily="34" charset="-120"/>
                 <a:ea typeface="微軟正黑體" pitchFamily="34" charset="-120"/>
               </a:rPr>
               <a:t>歌</a:t>
             </a:r>
             <a:endParaRPr lang="en-US" altLang="zh-TW" sz="4800" b="1" dirty="0">
+              <a:solidFill>
+                <a:srgbClr val="002060"/>
+              </a:solidFill>
               <a:latin typeface="微軟正黑體" pitchFamily="34" charset="-120"/>
               <a:ea typeface="微軟正黑體" pitchFamily="34" charset="-120"/>
             </a:endParaRPr>
@@ -3248,6 +3328,9 @@
             </a:pPr>
             <a:r>
               <a:rPr lang="zh-TW" altLang="en-US" sz="4800" b="1" dirty="0" smtClean="0">
+                <a:solidFill>
+                  <a:srgbClr val="002060"/>
+                </a:solidFill>
                 <a:latin typeface="微軟正黑體" pitchFamily="34" charset="-120"/>
                 <a:ea typeface="微軟正黑體" pitchFamily="34" charset="-120"/>
               </a:rPr>
@@ -3255,6 +3338,9 @@
             </a:r>
             <a:r>
               <a:rPr lang="zh-TW" altLang="en-US" sz="4800" b="1" dirty="0">
+                <a:solidFill>
+                  <a:srgbClr val="002060"/>
+                </a:solidFill>
                 <a:latin typeface="微軟正黑體" pitchFamily="34" charset="-120"/>
                 <a:ea typeface="微軟正黑體" pitchFamily="34" charset="-120"/>
               </a:rPr>
@@ -3262,6 +3348,9 @@
             </a:r>
             <a:r>
               <a:rPr lang="zh-TW" altLang="en-US" sz="4800" b="1" dirty="0" smtClean="0">
+                <a:solidFill>
+                  <a:srgbClr val="002060"/>
+                </a:solidFill>
                 <a:latin typeface="微軟正黑體" pitchFamily="34" charset="-120"/>
                 <a:ea typeface="微軟正黑體" pitchFamily="34" charset="-120"/>
               </a:rPr>
@@ -3269,6 +3358,9 @@
             </a:r>
             <a:r>
               <a:rPr lang="zh-TW" altLang="en-US" sz="4800" b="1" dirty="0">
+                <a:solidFill>
+                  <a:srgbClr val="002060"/>
+                </a:solidFill>
                 <a:latin typeface="微軟正黑體" pitchFamily="34" charset="-120"/>
                 <a:ea typeface="微軟正黑體" pitchFamily="34" charset="-120"/>
               </a:rPr>
@@ -3278,6 +3370,1260 @@
         </p:txBody>
       </p:sp>
     </p:spTree>
+  </p:cSld>
+  <p:clrMapOvr>
+    <a:masterClrMapping/>
+  </p:clrMapOvr>
+</p:sld>
+</file>
+
+<file path=ppt/slides/slide10.xml><?xml version="1.0" encoding="utf-8"?>
+<p:sld xmlns:a="http://schemas.openxmlformats.org/drawingml/2006/main" xmlns:r="http://schemas.openxmlformats.org/officeDocument/2006/relationships" xmlns:p="http://schemas.openxmlformats.org/presentationml/2006/main">
+  <p:cSld>
+    <p:spTree>
+      <p:nvGrpSpPr>
+        <p:cNvPr id="1" name=""/>
+        <p:cNvGrpSpPr/>
+        <p:nvPr/>
+      </p:nvGrpSpPr>
+      <p:grpSpPr>
+        <a:xfrm>
+          <a:off x="0" y="0"/>
+          <a:ext cx="0" cy="0"/>
+          <a:chOff x="0" y="0"/>
+          <a:chExt cx="0" cy="0"/>
+        </a:xfrm>
+      </p:grpSpPr>
+      <p:sp>
+        <p:nvSpPr>
+          <p:cNvPr id="4" name="標題 3"/>
+          <p:cNvSpPr>
+            <a:spLocks noGrp="1"/>
+          </p:cNvSpPr>
+          <p:nvPr>
+            <p:ph type="title"/>
+          </p:nvPr>
+        </p:nvSpPr>
+        <p:spPr/>
+        <p:txBody>
+          <a:bodyPr/>
+          <a:lstStyle/>
+          <a:p>
+            <a:r>
+              <a:rPr lang="zh-TW" altLang="en-US" b="1" dirty="0">
+                <a:latin typeface="微軟正黑體" pitchFamily="34" charset="-120"/>
+                <a:ea typeface="微軟正黑體" pitchFamily="34" charset="-120"/>
+              </a:rPr>
+              <a:t>獻給我天上的主</a:t>
+            </a:r>
+          </a:p>
+        </p:txBody>
+      </p:sp>
+      <p:sp>
+        <p:nvSpPr>
+          <p:cNvPr id="5" name="內容版面配置區 4"/>
+          <p:cNvSpPr>
+            <a:spLocks noGrp="1"/>
+          </p:cNvSpPr>
+          <p:nvPr>
+            <p:ph idx="1"/>
+          </p:nvPr>
+        </p:nvSpPr>
+        <p:spPr/>
+        <p:txBody>
+          <a:bodyPr>
+            <a:normAutofit/>
+          </a:bodyPr>
+          <a:lstStyle/>
+          <a:p>
+            <a:pPr algn="ctr">
+              <a:buNone/>
+            </a:pPr>
+            <a:r>
+              <a:rPr lang="zh-TW" altLang="en-US" sz="4050" b="1" dirty="0">
+                <a:solidFill>
+                  <a:srgbClr val="002060"/>
+                </a:solidFill>
+                <a:latin typeface="微軟正黑體" pitchFamily="34" charset="-120"/>
+                <a:ea typeface="微軟正黑體" pitchFamily="34" charset="-120"/>
+              </a:rPr>
+              <a:t>在我心中有千百萬</a:t>
+            </a:r>
+            <a:r>
+              <a:rPr lang="zh-TW" altLang="en-US" sz="4050" b="1" dirty="0">
+                <a:solidFill>
+                  <a:srgbClr val="002060"/>
+                </a:solidFill>
+                <a:latin typeface="微軟正黑體" pitchFamily="34" charset="-120"/>
+                <a:ea typeface="微軟正黑體" pitchFamily="34" charset="-120"/>
+              </a:rPr>
+              <a:t>心聲</a:t>
+            </a:r>
+            <a:endParaRPr lang="en-US" altLang="zh-TW" sz="4050" b="1" dirty="0">
+              <a:solidFill>
+                <a:srgbClr val="002060"/>
+              </a:solidFill>
+              <a:latin typeface="微軟正黑體" pitchFamily="34" charset="-120"/>
+              <a:ea typeface="微軟正黑體" pitchFamily="34" charset="-120"/>
+            </a:endParaRPr>
+          </a:p>
+          <a:p>
+            <a:pPr algn="ctr">
+              <a:buNone/>
+            </a:pPr>
+            <a:r>
+              <a:rPr lang="zh-TW" altLang="en-US" sz="4050" b="1" dirty="0">
+                <a:solidFill>
+                  <a:srgbClr val="002060"/>
+                </a:solidFill>
+                <a:latin typeface="微軟正黑體" pitchFamily="34" charset="-120"/>
+                <a:ea typeface="微軟正黑體" pitchFamily="34" charset="-120"/>
+              </a:rPr>
+              <a:t>來</a:t>
+            </a:r>
+            <a:r>
+              <a:rPr lang="zh-TW" altLang="en-US" sz="4050" b="1" dirty="0">
+                <a:solidFill>
+                  <a:srgbClr val="002060"/>
+                </a:solidFill>
+                <a:latin typeface="微軟正黑體" pitchFamily="34" charset="-120"/>
+                <a:ea typeface="微軟正黑體" pitchFamily="34" charset="-120"/>
+              </a:rPr>
+              <a:t>呈獻給我天上的</a:t>
+            </a:r>
+            <a:r>
+              <a:rPr lang="zh-TW" altLang="en-US" sz="4050" b="1" dirty="0">
+                <a:solidFill>
+                  <a:srgbClr val="002060"/>
+                </a:solidFill>
+                <a:latin typeface="微軟正黑體" pitchFamily="34" charset="-120"/>
+                <a:ea typeface="微軟正黑體" pitchFamily="34" charset="-120"/>
+              </a:rPr>
+              <a:t>主</a:t>
+            </a:r>
+            <a:endParaRPr lang="en-US" altLang="zh-TW" sz="4050" b="1" dirty="0">
+              <a:solidFill>
+                <a:srgbClr val="002060"/>
+              </a:solidFill>
+              <a:latin typeface="微軟正黑體" pitchFamily="34" charset="-120"/>
+              <a:ea typeface="微軟正黑體" pitchFamily="34" charset="-120"/>
+            </a:endParaRPr>
+          </a:p>
+          <a:p>
+            <a:pPr algn="ctr">
+              <a:buNone/>
+            </a:pPr>
+            <a:r>
+              <a:rPr lang="zh-TW" altLang="en-US" sz="4050" b="1" dirty="0">
+                <a:solidFill>
+                  <a:srgbClr val="002060"/>
+                </a:solidFill>
+                <a:latin typeface="微軟正黑體" pitchFamily="34" charset="-120"/>
+                <a:ea typeface="微軟正黑體" pitchFamily="34" charset="-120"/>
+              </a:rPr>
+              <a:t>願</a:t>
+            </a:r>
+            <a:r>
+              <a:rPr lang="zh-TW" altLang="en-US" sz="4050" b="1" dirty="0">
+                <a:solidFill>
+                  <a:srgbClr val="002060"/>
+                </a:solidFill>
+                <a:latin typeface="微軟正黑體" pitchFamily="34" charset="-120"/>
+                <a:ea typeface="微軟正黑體" pitchFamily="34" charset="-120"/>
+              </a:rPr>
+              <a:t>讚美崇揚都一一歸給</a:t>
+            </a:r>
+            <a:r>
+              <a:rPr lang="zh-TW" altLang="en-US" sz="4050" b="1" dirty="0">
+                <a:solidFill>
+                  <a:srgbClr val="002060"/>
+                </a:solidFill>
+                <a:latin typeface="微軟正黑體" pitchFamily="34" charset="-120"/>
+                <a:ea typeface="微軟正黑體" pitchFamily="34" charset="-120"/>
+              </a:rPr>
+              <a:t>你</a:t>
+            </a:r>
+            <a:endParaRPr lang="en-US" altLang="zh-TW" sz="4050" b="1" dirty="0">
+              <a:solidFill>
+                <a:srgbClr val="002060"/>
+              </a:solidFill>
+              <a:latin typeface="微軟正黑體" pitchFamily="34" charset="-120"/>
+              <a:ea typeface="微軟正黑體" pitchFamily="34" charset="-120"/>
+            </a:endParaRPr>
+          </a:p>
+          <a:p>
+            <a:pPr algn="ctr">
+              <a:buNone/>
+            </a:pPr>
+            <a:r>
+              <a:rPr lang="zh-TW" altLang="en-US" sz="4050" b="1" dirty="0">
+                <a:solidFill>
+                  <a:srgbClr val="002060"/>
+                </a:solidFill>
+                <a:latin typeface="微軟正黑體" pitchFamily="34" charset="-120"/>
+                <a:ea typeface="微軟正黑體" pitchFamily="34" charset="-120"/>
+              </a:rPr>
+              <a:t>主</a:t>
+            </a:r>
+            <a:r>
+              <a:rPr lang="zh-TW" altLang="en-US" sz="4050" b="1" dirty="0">
+                <a:solidFill>
+                  <a:srgbClr val="002060"/>
+                </a:solidFill>
+                <a:latin typeface="微軟正黑體" pitchFamily="34" charset="-120"/>
+                <a:ea typeface="微軟正黑體" pitchFamily="34" charset="-120"/>
+              </a:rPr>
+              <a:t>你是偉大完美</a:t>
+            </a:r>
+          </a:p>
+        </p:txBody>
+      </p:sp>
+    </p:spTree>
+    <p:extLst>
+      <p:ext uri="{BB962C8B-B14F-4D97-AF65-F5344CB8AC3E}">
+        <p14:creationId xmlns:p14="http://schemas.microsoft.com/office/powerpoint/2010/main" val="2842538440"/>
+      </p:ext>
+    </p:extLst>
+  </p:cSld>
+  <p:clrMapOvr>
+    <a:masterClrMapping/>
+  </p:clrMapOvr>
+</p:sld>
+</file>
+
+<file path=ppt/slides/slide11.xml><?xml version="1.0" encoding="utf-8"?>
+<p:sld xmlns:a="http://schemas.openxmlformats.org/drawingml/2006/main" xmlns:r="http://schemas.openxmlformats.org/officeDocument/2006/relationships" xmlns:p="http://schemas.openxmlformats.org/presentationml/2006/main">
+  <p:cSld>
+    <p:spTree>
+      <p:nvGrpSpPr>
+        <p:cNvPr id="1" name=""/>
+        <p:cNvGrpSpPr/>
+        <p:nvPr/>
+      </p:nvGrpSpPr>
+      <p:grpSpPr>
+        <a:xfrm>
+          <a:off x="0" y="0"/>
+          <a:ext cx="0" cy="0"/>
+          <a:chOff x="0" y="0"/>
+          <a:chExt cx="0" cy="0"/>
+        </a:xfrm>
+      </p:grpSpPr>
+      <p:sp>
+        <p:nvSpPr>
+          <p:cNvPr id="4" name="標題 3"/>
+          <p:cNvSpPr>
+            <a:spLocks noGrp="1"/>
+          </p:cNvSpPr>
+          <p:nvPr>
+            <p:ph type="title"/>
+          </p:nvPr>
+        </p:nvSpPr>
+        <p:spPr/>
+        <p:txBody>
+          <a:bodyPr/>
+          <a:lstStyle/>
+          <a:p>
+            <a:r>
+              <a:rPr lang="zh-TW" altLang="en-US" b="1" dirty="0">
+                <a:latin typeface="微軟正黑體" pitchFamily="34" charset="-120"/>
+                <a:ea typeface="微軟正黑體" pitchFamily="34" charset="-120"/>
+              </a:rPr>
+              <a:t>獻給我天上的主</a:t>
+            </a:r>
+          </a:p>
+        </p:txBody>
+      </p:sp>
+      <p:sp>
+        <p:nvSpPr>
+          <p:cNvPr id="5" name="內容版面配置區 4"/>
+          <p:cNvSpPr>
+            <a:spLocks noGrp="1"/>
+          </p:cNvSpPr>
+          <p:nvPr>
+            <p:ph idx="1"/>
+          </p:nvPr>
+        </p:nvSpPr>
+        <p:spPr/>
+        <p:txBody>
+          <a:bodyPr>
+            <a:normAutofit/>
+          </a:bodyPr>
+          <a:lstStyle/>
+          <a:p>
+            <a:pPr algn="ctr">
+              <a:buNone/>
+            </a:pPr>
+            <a:r>
+              <a:rPr lang="zh-TW" altLang="en-US" sz="4050" b="1" dirty="0">
+                <a:solidFill>
+                  <a:srgbClr val="002060"/>
+                </a:solidFill>
+                <a:latin typeface="微軟正黑體" pitchFamily="34" charset="-120"/>
+                <a:ea typeface="微軟正黑體" pitchFamily="34" charset="-120"/>
+              </a:rPr>
+              <a:t>在我心中有數不盡</a:t>
+            </a:r>
+            <a:r>
+              <a:rPr lang="zh-TW" altLang="en-US" sz="4050" b="1" dirty="0">
+                <a:solidFill>
+                  <a:srgbClr val="002060"/>
+                </a:solidFill>
+                <a:latin typeface="微軟正黑體" pitchFamily="34" charset="-120"/>
+                <a:ea typeface="微軟正黑體" pitchFamily="34" charset="-120"/>
+              </a:rPr>
+              <a:t>感恩</a:t>
+            </a:r>
+            <a:endParaRPr lang="en-US" altLang="zh-TW" sz="4050" b="1" dirty="0">
+              <a:solidFill>
+                <a:srgbClr val="002060"/>
+              </a:solidFill>
+              <a:latin typeface="微軟正黑體" pitchFamily="34" charset="-120"/>
+              <a:ea typeface="微軟正黑體" pitchFamily="34" charset="-120"/>
+            </a:endParaRPr>
+          </a:p>
+          <a:p>
+            <a:pPr algn="ctr">
+              <a:buNone/>
+            </a:pPr>
+            <a:r>
+              <a:rPr lang="zh-TW" altLang="en-US" sz="4050" b="1" dirty="0">
+                <a:solidFill>
+                  <a:srgbClr val="002060"/>
+                </a:solidFill>
+                <a:latin typeface="微軟正黑體" pitchFamily="34" charset="-120"/>
+                <a:ea typeface="微軟正黑體" pitchFamily="34" charset="-120"/>
+              </a:rPr>
+              <a:t>來</a:t>
+            </a:r>
+            <a:r>
+              <a:rPr lang="zh-TW" altLang="en-US" sz="4050" b="1" dirty="0">
+                <a:solidFill>
+                  <a:srgbClr val="002060"/>
+                </a:solidFill>
+                <a:latin typeface="微軟正黑體" pitchFamily="34" charset="-120"/>
+                <a:ea typeface="微軟正黑體" pitchFamily="34" charset="-120"/>
+              </a:rPr>
+              <a:t>呈獻給我天上恩</a:t>
+            </a:r>
+            <a:r>
+              <a:rPr lang="zh-TW" altLang="en-US" sz="4050" b="1" dirty="0">
+                <a:solidFill>
+                  <a:srgbClr val="002060"/>
+                </a:solidFill>
+                <a:latin typeface="微軟正黑體" pitchFamily="34" charset="-120"/>
+                <a:ea typeface="微軟正黑體" pitchFamily="34" charset="-120"/>
+              </a:rPr>
+              <a:t>主</a:t>
+            </a:r>
+            <a:endParaRPr lang="en-US" altLang="zh-TW" sz="4050" b="1" dirty="0">
+              <a:solidFill>
+                <a:srgbClr val="002060"/>
+              </a:solidFill>
+              <a:latin typeface="微軟正黑體" pitchFamily="34" charset="-120"/>
+              <a:ea typeface="微軟正黑體" pitchFamily="34" charset="-120"/>
+            </a:endParaRPr>
+          </a:p>
+          <a:p>
+            <a:pPr algn="ctr">
+              <a:buNone/>
+            </a:pPr>
+            <a:r>
+              <a:rPr lang="zh-TW" altLang="en-US" sz="4050" b="1" dirty="0">
+                <a:solidFill>
+                  <a:srgbClr val="002060"/>
+                </a:solidFill>
+                <a:latin typeface="微軟正黑體" pitchFamily="34" charset="-120"/>
+                <a:ea typeface="微軟正黑體" pitchFamily="34" charset="-120"/>
+              </a:rPr>
+              <a:t>願</a:t>
+            </a:r>
+            <a:r>
+              <a:rPr lang="zh-TW" altLang="en-US" sz="4050" b="1" dirty="0">
+                <a:solidFill>
+                  <a:srgbClr val="002060"/>
+                </a:solidFill>
+                <a:latin typeface="微軟正黑體" pitchFamily="34" charset="-120"/>
+                <a:ea typeface="微軟正黑體" pitchFamily="34" charset="-120"/>
+              </a:rPr>
+              <a:t>見證傳揚主恩典多麼</a:t>
+            </a:r>
+            <a:r>
+              <a:rPr lang="zh-TW" altLang="en-US" sz="4050" b="1" dirty="0">
+                <a:solidFill>
+                  <a:srgbClr val="002060"/>
+                </a:solidFill>
+                <a:latin typeface="微軟正黑體" pitchFamily="34" charset="-120"/>
+                <a:ea typeface="微軟正黑體" pitchFamily="34" charset="-120"/>
+              </a:rPr>
+              <a:t>美</a:t>
+            </a:r>
+            <a:endParaRPr lang="en-US" altLang="zh-TW" sz="4050" b="1" dirty="0">
+              <a:solidFill>
+                <a:srgbClr val="002060"/>
+              </a:solidFill>
+              <a:latin typeface="微軟正黑體" pitchFamily="34" charset="-120"/>
+              <a:ea typeface="微軟正黑體" pitchFamily="34" charset="-120"/>
+            </a:endParaRPr>
+          </a:p>
+          <a:p>
+            <a:pPr algn="ctr">
+              <a:buNone/>
+            </a:pPr>
+            <a:r>
+              <a:rPr lang="zh-TW" altLang="en-US" sz="4050" b="1" dirty="0">
+                <a:solidFill>
+                  <a:srgbClr val="002060"/>
+                </a:solidFill>
+                <a:latin typeface="微軟正黑體" pitchFamily="34" charset="-120"/>
+                <a:ea typeface="微軟正黑體" pitchFamily="34" charset="-120"/>
+              </a:rPr>
+              <a:t>感激</a:t>
+            </a:r>
+            <a:r>
+              <a:rPr lang="zh-TW" altLang="en-US" sz="4050" b="1" dirty="0">
+                <a:solidFill>
+                  <a:srgbClr val="002060"/>
+                </a:solidFill>
+                <a:latin typeface="微軟正黑體" pitchFamily="34" charset="-120"/>
+                <a:ea typeface="微軟正黑體" pitchFamily="34" charset="-120"/>
+              </a:rPr>
+              <a:t>你常顧念扶持</a:t>
+            </a:r>
+          </a:p>
+        </p:txBody>
+      </p:sp>
+    </p:spTree>
+    <p:extLst>
+      <p:ext uri="{BB962C8B-B14F-4D97-AF65-F5344CB8AC3E}">
+        <p14:creationId xmlns:p14="http://schemas.microsoft.com/office/powerpoint/2010/main" val="3369024636"/>
+      </p:ext>
+    </p:extLst>
+  </p:cSld>
+  <p:clrMapOvr>
+    <a:masterClrMapping/>
+  </p:clrMapOvr>
+</p:sld>
+</file>
+
+<file path=ppt/slides/slide12.xml><?xml version="1.0" encoding="utf-8"?>
+<p:sld xmlns:a="http://schemas.openxmlformats.org/drawingml/2006/main" xmlns:r="http://schemas.openxmlformats.org/officeDocument/2006/relationships" xmlns:p="http://schemas.openxmlformats.org/presentationml/2006/main">
+  <p:cSld>
+    <p:spTree>
+      <p:nvGrpSpPr>
+        <p:cNvPr id="1" name=""/>
+        <p:cNvGrpSpPr/>
+        <p:nvPr/>
+      </p:nvGrpSpPr>
+      <p:grpSpPr>
+        <a:xfrm>
+          <a:off x="0" y="0"/>
+          <a:ext cx="0" cy="0"/>
+          <a:chOff x="0" y="0"/>
+          <a:chExt cx="0" cy="0"/>
+        </a:xfrm>
+      </p:grpSpPr>
+      <p:sp>
+        <p:nvSpPr>
+          <p:cNvPr id="4" name="標題 3"/>
+          <p:cNvSpPr>
+            <a:spLocks noGrp="1"/>
+          </p:cNvSpPr>
+          <p:nvPr>
+            <p:ph type="title"/>
+          </p:nvPr>
+        </p:nvSpPr>
+        <p:spPr/>
+        <p:txBody>
+          <a:bodyPr/>
+          <a:lstStyle/>
+          <a:p>
+            <a:r>
+              <a:rPr lang="zh-TW" altLang="en-US" b="1" dirty="0">
+                <a:latin typeface="微軟正黑體" pitchFamily="34" charset="-120"/>
+                <a:ea typeface="微軟正黑體" pitchFamily="34" charset="-120"/>
+              </a:rPr>
+              <a:t>獻給我天上的主</a:t>
+            </a:r>
+          </a:p>
+        </p:txBody>
+      </p:sp>
+      <p:sp>
+        <p:nvSpPr>
+          <p:cNvPr id="5" name="內容版面配置區 4"/>
+          <p:cNvSpPr>
+            <a:spLocks noGrp="1"/>
+          </p:cNvSpPr>
+          <p:nvPr>
+            <p:ph idx="1"/>
+          </p:nvPr>
+        </p:nvSpPr>
+        <p:spPr>
+          <a:xfrm>
+            <a:off x="1143000" y="1200151"/>
+            <a:ext cx="6858000" cy="3394472"/>
+          </a:xfrm>
+        </p:spPr>
+        <p:txBody>
+          <a:bodyPr>
+            <a:normAutofit/>
+          </a:bodyPr>
+          <a:lstStyle/>
+          <a:p>
+            <a:pPr algn="ctr">
+              <a:buNone/>
+            </a:pPr>
+            <a:r>
+              <a:rPr lang="zh-TW" altLang="en-US" sz="4050" b="1" dirty="0">
+                <a:solidFill>
+                  <a:srgbClr val="002060"/>
+                </a:solidFill>
+                <a:latin typeface="微軟正黑體" pitchFamily="34" charset="-120"/>
+                <a:ea typeface="微軟正黑體" pitchFamily="34" charset="-120"/>
+              </a:rPr>
+              <a:t>齊真心呈獻讚美給</a:t>
+            </a:r>
+            <a:r>
+              <a:rPr lang="zh-TW" altLang="en-US" sz="4050" b="1" dirty="0">
+                <a:solidFill>
+                  <a:srgbClr val="002060"/>
+                </a:solidFill>
+                <a:latin typeface="微軟正黑體" pitchFamily="34" charset="-120"/>
+                <a:ea typeface="微軟正黑體" pitchFamily="34" charset="-120"/>
+              </a:rPr>
+              <a:t>你</a:t>
+            </a:r>
+            <a:endParaRPr lang="en-US" altLang="zh-TW" sz="4050" b="1" dirty="0">
+              <a:solidFill>
+                <a:srgbClr val="002060"/>
+              </a:solidFill>
+              <a:latin typeface="微軟正黑體" pitchFamily="34" charset="-120"/>
+              <a:ea typeface="微軟正黑體" pitchFamily="34" charset="-120"/>
+            </a:endParaRPr>
+          </a:p>
+          <a:p>
+            <a:pPr algn="ctr">
+              <a:buNone/>
+            </a:pPr>
+            <a:r>
+              <a:rPr lang="zh-TW" altLang="en-US" sz="4050" b="1" dirty="0">
+                <a:solidFill>
+                  <a:srgbClr val="002060"/>
+                </a:solidFill>
+                <a:latin typeface="微軟正黑體" pitchFamily="34" charset="-120"/>
+                <a:ea typeface="微軟正黑體" pitchFamily="34" charset="-120"/>
+              </a:rPr>
+              <a:t>盡</a:t>
+            </a:r>
+            <a:r>
+              <a:rPr lang="zh-TW" altLang="en-US" sz="4050" b="1" dirty="0">
+                <a:solidFill>
+                  <a:srgbClr val="002060"/>
+                </a:solidFill>
+                <a:latin typeface="微軟正黑體" pitchFamily="34" charset="-120"/>
+                <a:ea typeface="微軟正黑體" pitchFamily="34" charset="-120"/>
+              </a:rPr>
+              <a:t>我心意頌唱每篇的</a:t>
+            </a:r>
+            <a:r>
+              <a:rPr lang="zh-TW" altLang="en-US" sz="4050" b="1" dirty="0">
+                <a:solidFill>
+                  <a:srgbClr val="002060"/>
+                </a:solidFill>
+                <a:latin typeface="微軟正黑體" pitchFamily="34" charset="-120"/>
+                <a:ea typeface="微軟正黑體" pitchFamily="34" charset="-120"/>
+              </a:rPr>
+              <a:t>詩句</a:t>
+            </a:r>
+            <a:endParaRPr lang="en-US" altLang="zh-TW" sz="4050" b="1" dirty="0">
+              <a:solidFill>
+                <a:srgbClr val="002060"/>
+              </a:solidFill>
+              <a:latin typeface="微軟正黑體" pitchFamily="34" charset="-120"/>
+              <a:ea typeface="微軟正黑體" pitchFamily="34" charset="-120"/>
+            </a:endParaRPr>
+          </a:p>
+          <a:p>
+            <a:pPr algn="ctr">
+              <a:buNone/>
+            </a:pPr>
+            <a:r>
+              <a:rPr lang="zh-TW" altLang="en-US" sz="4050" b="1" dirty="0">
+                <a:solidFill>
+                  <a:srgbClr val="002060"/>
+                </a:solidFill>
+                <a:latin typeface="微軟正黑體" pitchFamily="34" charset="-120"/>
+                <a:ea typeface="微軟正黑體" pitchFamily="34" charset="-120"/>
+              </a:rPr>
+              <a:t>齊</a:t>
+            </a:r>
+            <a:r>
+              <a:rPr lang="zh-TW" altLang="en-US" sz="4050" b="1" dirty="0">
+                <a:solidFill>
+                  <a:srgbClr val="002060"/>
+                </a:solidFill>
+                <a:latin typeface="微軟正黑體" pitchFamily="34" charset="-120"/>
+                <a:ea typeface="微軟正黑體" pitchFamily="34" charset="-120"/>
+              </a:rPr>
+              <a:t>舉手呈獻敬拜永遠歸給</a:t>
+            </a:r>
+            <a:r>
+              <a:rPr lang="zh-TW" altLang="en-US" sz="4050" b="1" dirty="0">
+                <a:solidFill>
+                  <a:srgbClr val="002060"/>
+                </a:solidFill>
+                <a:latin typeface="微軟正黑體" pitchFamily="34" charset="-120"/>
+                <a:ea typeface="微軟正黑體" pitchFamily="34" charset="-120"/>
+              </a:rPr>
+              <a:t>你</a:t>
+            </a:r>
+            <a:endParaRPr lang="en-US" altLang="zh-TW" sz="4050" b="1" dirty="0">
+              <a:solidFill>
+                <a:srgbClr val="002060"/>
+              </a:solidFill>
+              <a:latin typeface="微軟正黑體" pitchFamily="34" charset="-120"/>
+              <a:ea typeface="微軟正黑體" pitchFamily="34" charset="-120"/>
+            </a:endParaRPr>
+          </a:p>
+          <a:p>
+            <a:pPr algn="ctr">
+              <a:buNone/>
+            </a:pPr>
+            <a:r>
+              <a:rPr lang="zh-TW" altLang="en-US" sz="4050" b="1" dirty="0">
+                <a:solidFill>
+                  <a:srgbClr val="002060"/>
+                </a:solidFill>
+                <a:latin typeface="微軟正黑體" pitchFamily="34" charset="-120"/>
+                <a:ea typeface="微軟正黑體" pitchFamily="34" charset="-120"/>
+              </a:rPr>
+              <a:t>為</a:t>
+            </a:r>
+            <a:r>
+              <a:rPr lang="zh-TW" altLang="en-US" sz="4050" b="1" dirty="0">
+                <a:solidFill>
+                  <a:srgbClr val="002060"/>
+                </a:solidFill>
+                <a:latin typeface="微軟正黑體" pitchFamily="34" charset="-120"/>
+                <a:ea typeface="微軟正黑體" pitchFamily="34" charset="-120"/>
+              </a:rPr>
+              <a:t>你我獻上頌讚</a:t>
+            </a:r>
+          </a:p>
+        </p:txBody>
+      </p:sp>
+    </p:spTree>
+    <p:extLst>
+      <p:ext uri="{BB962C8B-B14F-4D97-AF65-F5344CB8AC3E}">
+        <p14:creationId xmlns:p14="http://schemas.microsoft.com/office/powerpoint/2010/main" val="31422212"/>
+      </p:ext>
+    </p:extLst>
+  </p:cSld>
+  <p:clrMapOvr>
+    <a:masterClrMapping/>
+  </p:clrMapOvr>
+</p:sld>
+</file>
+
+<file path=ppt/slides/slide13.xml><?xml version="1.0" encoding="utf-8"?>
+<p:sld xmlns:a="http://schemas.openxmlformats.org/drawingml/2006/main" xmlns:r="http://schemas.openxmlformats.org/officeDocument/2006/relationships" xmlns:p="http://schemas.openxmlformats.org/presentationml/2006/main">
+  <p:cSld>
+    <p:spTree>
+      <p:nvGrpSpPr>
+        <p:cNvPr id="1" name=""/>
+        <p:cNvGrpSpPr/>
+        <p:nvPr/>
+      </p:nvGrpSpPr>
+      <p:grpSpPr>
+        <a:xfrm>
+          <a:off x="0" y="0"/>
+          <a:ext cx="0" cy="0"/>
+          <a:chOff x="0" y="0"/>
+          <a:chExt cx="0" cy="0"/>
+        </a:xfrm>
+      </p:grpSpPr>
+      <p:sp>
+        <p:nvSpPr>
+          <p:cNvPr id="4" name="標題 3"/>
+          <p:cNvSpPr>
+            <a:spLocks noGrp="1"/>
+          </p:cNvSpPr>
+          <p:nvPr>
+            <p:ph type="title"/>
+          </p:nvPr>
+        </p:nvSpPr>
+        <p:spPr/>
+        <p:txBody>
+          <a:bodyPr/>
+          <a:lstStyle/>
+          <a:p>
+            <a:r>
+              <a:rPr lang="zh-TW" altLang="en-US" b="1" dirty="0">
+                <a:latin typeface="微軟正黑體" pitchFamily="34" charset="-120"/>
+                <a:ea typeface="微軟正黑體" pitchFamily="34" charset="-120"/>
+              </a:rPr>
+              <a:t>獻給我天上的主</a:t>
+            </a:r>
+          </a:p>
+        </p:txBody>
+      </p:sp>
+      <p:sp>
+        <p:nvSpPr>
+          <p:cNvPr id="5" name="內容版面配置區 4"/>
+          <p:cNvSpPr>
+            <a:spLocks noGrp="1"/>
+          </p:cNvSpPr>
+          <p:nvPr>
+            <p:ph idx="1"/>
+          </p:nvPr>
+        </p:nvSpPr>
+        <p:spPr>
+          <a:xfrm>
+            <a:off x="1143000" y="1200151"/>
+            <a:ext cx="6858000" cy="3394472"/>
+          </a:xfrm>
+        </p:spPr>
+        <p:txBody>
+          <a:bodyPr>
+            <a:normAutofit/>
+          </a:bodyPr>
+          <a:lstStyle/>
+          <a:p>
+            <a:pPr algn="ctr">
+              <a:buNone/>
+            </a:pPr>
+            <a:r>
+              <a:rPr lang="zh-TW" altLang="en-US" sz="4050" b="1" dirty="0">
+                <a:solidFill>
+                  <a:srgbClr val="002060"/>
+                </a:solidFill>
+                <a:latin typeface="微軟正黑體" pitchFamily="34" charset="-120"/>
+                <a:ea typeface="微軟正黑體" pitchFamily="34" charset="-120"/>
+              </a:rPr>
+              <a:t>齊真心呈獻讚美給</a:t>
+            </a:r>
+            <a:r>
+              <a:rPr lang="zh-TW" altLang="en-US" sz="4050" b="1" dirty="0">
+                <a:solidFill>
+                  <a:srgbClr val="002060"/>
+                </a:solidFill>
+                <a:latin typeface="微軟正黑體" pitchFamily="34" charset="-120"/>
+                <a:ea typeface="微軟正黑體" pitchFamily="34" charset="-120"/>
+              </a:rPr>
+              <a:t>你</a:t>
+            </a:r>
+            <a:endParaRPr lang="en-US" altLang="zh-TW" sz="4050" b="1" dirty="0">
+              <a:solidFill>
+                <a:srgbClr val="002060"/>
+              </a:solidFill>
+              <a:latin typeface="微軟正黑體" pitchFamily="34" charset="-120"/>
+              <a:ea typeface="微軟正黑體" pitchFamily="34" charset="-120"/>
+            </a:endParaRPr>
+          </a:p>
+          <a:p>
+            <a:pPr algn="ctr">
+              <a:buNone/>
+            </a:pPr>
+            <a:r>
+              <a:rPr lang="zh-TW" altLang="en-US" sz="4050" b="1" dirty="0">
+                <a:solidFill>
+                  <a:srgbClr val="002060"/>
+                </a:solidFill>
+                <a:latin typeface="微軟正黑體" pitchFamily="34" charset="-120"/>
+                <a:ea typeface="微軟正黑體" pitchFamily="34" charset="-120"/>
+              </a:rPr>
+              <a:t>盡</a:t>
+            </a:r>
+            <a:r>
+              <a:rPr lang="zh-TW" altLang="en-US" sz="4050" b="1" dirty="0">
+                <a:solidFill>
+                  <a:srgbClr val="002060"/>
+                </a:solidFill>
+                <a:latin typeface="微軟正黑體" pitchFamily="34" charset="-120"/>
+                <a:ea typeface="微軟正黑體" pitchFamily="34" charset="-120"/>
+              </a:rPr>
+              <a:t>我心意頌唱每篇的</a:t>
+            </a:r>
+            <a:r>
+              <a:rPr lang="zh-TW" altLang="en-US" sz="4050" b="1" dirty="0">
+                <a:solidFill>
+                  <a:srgbClr val="002060"/>
+                </a:solidFill>
+                <a:latin typeface="微軟正黑體" pitchFamily="34" charset="-120"/>
+                <a:ea typeface="微軟正黑體" pitchFamily="34" charset="-120"/>
+              </a:rPr>
+              <a:t>詩句</a:t>
+            </a:r>
+            <a:endParaRPr lang="en-US" altLang="zh-TW" sz="4050" b="1" dirty="0">
+              <a:solidFill>
+                <a:srgbClr val="002060"/>
+              </a:solidFill>
+              <a:latin typeface="微軟正黑體" pitchFamily="34" charset="-120"/>
+              <a:ea typeface="微軟正黑體" pitchFamily="34" charset="-120"/>
+            </a:endParaRPr>
+          </a:p>
+          <a:p>
+            <a:pPr algn="ctr">
+              <a:buNone/>
+            </a:pPr>
+            <a:r>
+              <a:rPr lang="zh-TW" altLang="en-US" sz="4050" b="1" dirty="0">
+                <a:solidFill>
+                  <a:srgbClr val="002060"/>
+                </a:solidFill>
+                <a:latin typeface="微軟正黑體" pitchFamily="34" charset="-120"/>
+                <a:ea typeface="微軟正黑體" pitchFamily="34" charset="-120"/>
+              </a:rPr>
+              <a:t>齊</a:t>
+            </a:r>
+            <a:r>
+              <a:rPr lang="zh-TW" altLang="en-US" sz="4050" b="1" dirty="0">
+                <a:solidFill>
+                  <a:srgbClr val="002060"/>
+                </a:solidFill>
+                <a:latin typeface="微軟正黑體" pitchFamily="34" charset="-120"/>
+                <a:ea typeface="微軟正黑體" pitchFamily="34" charset="-120"/>
+              </a:rPr>
+              <a:t>舉手呈獻敬拜永遠歸給</a:t>
+            </a:r>
+            <a:r>
+              <a:rPr lang="zh-TW" altLang="en-US" sz="4050" b="1" dirty="0">
+                <a:solidFill>
+                  <a:srgbClr val="002060"/>
+                </a:solidFill>
+                <a:latin typeface="微軟正黑體" pitchFamily="34" charset="-120"/>
+                <a:ea typeface="微軟正黑體" pitchFamily="34" charset="-120"/>
+              </a:rPr>
+              <a:t>你</a:t>
+            </a:r>
+            <a:endParaRPr lang="en-US" altLang="zh-TW" sz="4050" b="1" dirty="0">
+              <a:solidFill>
+                <a:srgbClr val="002060"/>
+              </a:solidFill>
+              <a:latin typeface="微軟正黑體" pitchFamily="34" charset="-120"/>
+              <a:ea typeface="微軟正黑體" pitchFamily="34" charset="-120"/>
+            </a:endParaRPr>
+          </a:p>
+          <a:p>
+            <a:pPr algn="ctr">
+              <a:buNone/>
+            </a:pPr>
+            <a:r>
+              <a:rPr lang="zh-TW" altLang="en-US" sz="4050" b="1" dirty="0">
+                <a:solidFill>
+                  <a:srgbClr val="002060"/>
+                </a:solidFill>
+                <a:latin typeface="微軟正黑體" pitchFamily="34" charset="-120"/>
+                <a:ea typeface="微軟正黑體" pitchFamily="34" charset="-120"/>
+              </a:rPr>
+              <a:t>為</a:t>
+            </a:r>
+            <a:r>
+              <a:rPr lang="zh-TW" altLang="en-US" sz="4050" b="1" dirty="0">
+                <a:solidFill>
+                  <a:srgbClr val="002060"/>
+                </a:solidFill>
+                <a:latin typeface="微軟正黑體" pitchFamily="34" charset="-120"/>
+                <a:ea typeface="微軟正黑體" pitchFamily="34" charset="-120"/>
+              </a:rPr>
+              <a:t>你我獻上頌讚</a:t>
+            </a:r>
+          </a:p>
+        </p:txBody>
+      </p:sp>
+    </p:spTree>
+    <p:extLst>
+      <p:ext uri="{BB962C8B-B14F-4D97-AF65-F5344CB8AC3E}">
+        <p14:creationId xmlns:p14="http://schemas.microsoft.com/office/powerpoint/2010/main" val="2572074640"/>
+      </p:ext>
+    </p:extLst>
+  </p:cSld>
+  <p:clrMapOvr>
+    <a:masterClrMapping/>
+  </p:clrMapOvr>
+</p:sld>
+</file>
+
+<file path=ppt/slides/slide14.xml><?xml version="1.0" encoding="utf-8"?>
+<p:sld xmlns:a="http://schemas.openxmlformats.org/drawingml/2006/main" xmlns:r="http://schemas.openxmlformats.org/officeDocument/2006/relationships" xmlns:p="http://schemas.openxmlformats.org/presentationml/2006/main">
+  <p:cSld>
+    <p:spTree>
+      <p:nvGrpSpPr>
+        <p:cNvPr id="1" name=""/>
+        <p:cNvGrpSpPr/>
+        <p:nvPr/>
+      </p:nvGrpSpPr>
+      <p:grpSpPr>
+        <a:xfrm>
+          <a:off x="0" y="0"/>
+          <a:ext cx="0" cy="0"/>
+          <a:chOff x="0" y="0"/>
+          <a:chExt cx="0" cy="0"/>
+        </a:xfrm>
+      </p:grpSpPr>
+      <p:sp>
+        <p:nvSpPr>
+          <p:cNvPr id="4" name="標題 3"/>
+          <p:cNvSpPr>
+            <a:spLocks noGrp="1"/>
+          </p:cNvSpPr>
+          <p:nvPr>
+            <p:ph type="title"/>
+          </p:nvPr>
+        </p:nvSpPr>
+        <p:spPr/>
+        <p:txBody>
+          <a:bodyPr/>
+          <a:lstStyle/>
+          <a:p>
+            <a:r>
+              <a:rPr lang="zh-TW" altLang="en-US" b="1" dirty="0">
+                <a:latin typeface="微軟正黑體" pitchFamily="34" charset="-120"/>
+                <a:ea typeface="微軟正黑體" pitchFamily="34" charset="-120"/>
+              </a:rPr>
+              <a:t>獻給我天上的主</a:t>
+            </a:r>
+          </a:p>
+        </p:txBody>
+      </p:sp>
+      <p:sp>
+        <p:nvSpPr>
+          <p:cNvPr id="5" name="內容版面配置區 4"/>
+          <p:cNvSpPr>
+            <a:spLocks noGrp="1"/>
+          </p:cNvSpPr>
+          <p:nvPr>
+            <p:ph idx="1"/>
+          </p:nvPr>
+        </p:nvSpPr>
+        <p:spPr>
+          <a:xfrm>
+            <a:off x="1143000" y="1200151"/>
+            <a:ext cx="6858000" cy="3394472"/>
+          </a:xfrm>
+        </p:spPr>
+        <p:txBody>
+          <a:bodyPr>
+            <a:normAutofit/>
+          </a:bodyPr>
+          <a:lstStyle/>
+          <a:p>
+            <a:pPr algn="ctr">
+              <a:buNone/>
+            </a:pPr>
+            <a:r>
+              <a:rPr lang="zh-TW" altLang="en-US" sz="4050" b="1" dirty="0">
+                <a:solidFill>
+                  <a:srgbClr val="002060"/>
+                </a:solidFill>
+                <a:latin typeface="微軟正黑體" pitchFamily="34" charset="-120"/>
+                <a:ea typeface="微軟正黑體" pitchFamily="34" charset="-120"/>
+              </a:rPr>
+              <a:t>齊真心呈獻讚美給</a:t>
+            </a:r>
+            <a:r>
+              <a:rPr lang="zh-TW" altLang="en-US" sz="4050" b="1" dirty="0">
+                <a:solidFill>
+                  <a:srgbClr val="002060"/>
+                </a:solidFill>
+                <a:latin typeface="微軟正黑體" pitchFamily="34" charset="-120"/>
+                <a:ea typeface="微軟正黑體" pitchFamily="34" charset="-120"/>
+              </a:rPr>
+              <a:t>你</a:t>
+            </a:r>
+            <a:endParaRPr lang="en-US" altLang="zh-TW" sz="4050" b="1" dirty="0">
+              <a:solidFill>
+                <a:srgbClr val="002060"/>
+              </a:solidFill>
+              <a:latin typeface="微軟正黑體" pitchFamily="34" charset="-120"/>
+              <a:ea typeface="微軟正黑體" pitchFamily="34" charset="-120"/>
+            </a:endParaRPr>
+          </a:p>
+          <a:p>
+            <a:pPr algn="ctr">
+              <a:buNone/>
+            </a:pPr>
+            <a:r>
+              <a:rPr lang="zh-TW" altLang="en-US" sz="4050" b="1" dirty="0">
+                <a:solidFill>
+                  <a:srgbClr val="002060"/>
+                </a:solidFill>
+                <a:latin typeface="微軟正黑體" pitchFamily="34" charset="-120"/>
+                <a:ea typeface="微軟正黑體" pitchFamily="34" charset="-120"/>
+              </a:rPr>
+              <a:t>盡</a:t>
+            </a:r>
+            <a:r>
+              <a:rPr lang="zh-TW" altLang="en-US" sz="4050" b="1" dirty="0">
+                <a:solidFill>
+                  <a:srgbClr val="002060"/>
+                </a:solidFill>
+                <a:latin typeface="微軟正黑體" pitchFamily="34" charset="-120"/>
+                <a:ea typeface="微軟正黑體" pitchFamily="34" charset="-120"/>
+              </a:rPr>
+              <a:t>我心意頌唱每篇的</a:t>
+            </a:r>
+            <a:r>
+              <a:rPr lang="zh-TW" altLang="en-US" sz="4050" b="1" dirty="0">
+                <a:solidFill>
+                  <a:srgbClr val="002060"/>
+                </a:solidFill>
+                <a:latin typeface="微軟正黑體" pitchFamily="34" charset="-120"/>
+                <a:ea typeface="微軟正黑體" pitchFamily="34" charset="-120"/>
+              </a:rPr>
+              <a:t>詩句</a:t>
+            </a:r>
+            <a:endParaRPr lang="en-US" altLang="zh-TW" sz="4050" b="1" dirty="0">
+              <a:solidFill>
+                <a:srgbClr val="002060"/>
+              </a:solidFill>
+              <a:latin typeface="微軟正黑體" pitchFamily="34" charset="-120"/>
+              <a:ea typeface="微軟正黑體" pitchFamily="34" charset="-120"/>
+            </a:endParaRPr>
+          </a:p>
+          <a:p>
+            <a:pPr algn="ctr">
+              <a:buNone/>
+            </a:pPr>
+            <a:r>
+              <a:rPr lang="zh-TW" altLang="en-US" sz="4050" b="1" dirty="0">
+                <a:solidFill>
+                  <a:srgbClr val="002060"/>
+                </a:solidFill>
+                <a:latin typeface="微軟正黑體" pitchFamily="34" charset="-120"/>
+                <a:ea typeface="微軟正黑體" pitchFamily="34" charset="-120"/>
+              </a:rPr>
+              <a:t>齊</a:t>
+            </a:r>
+            <a:r>
+              <a:rPr lang="zh-TW" altLang="en-US" sz="4050" b="1" dirty="0">
+                <a:solidFill>
+                  <a:srgbClr val="002060"/>
+                </a:solidFill>
+                <a:latin typeface="微軟正黑體" pitchFamily="34" charset="-120"/>
+                <a:ea typeface="微軟正黑體" pitchFamily="34" charset="-120"/>
+              </a:rPr>
+              <a:t>舉手呈獻敬拜永遠歸給</a:t>
+            </a:r>
+            <a:r>
+              <a:rPr lang="zh-TW" altLang="en-US" sz="4050" b="1" dirty="0">
+                <a:solidFill>
+                  <a:srgbClr val="002060"/>
+                </a:solidFill>
+                <a:latin typeface="微軟正黑體" pitchFamily="34" charset="-120"/>
+                <a:ea typeface="微軟正黑體" pitchFamily="34" charset="-120"/>
+              </a:rPr>
+              <a:t>你</a:t>
+            </a:r>
+            <a:endParaRPr lang="en-US" altLang="zh-TW" sz="4050" b="1" dirty="0">
+              <a:solidFill>
+                <a:srgbClr val="002060"/>
+              </a:solidFill>
+              <a:latin typeface="微軟正黑體" pitchFamily="34" charset="-120"/>
+              <a:ea typeface="微軟正黑體" pitchFamily="34" charset="-120"/>
+            </a:endParaRPr>
+          </a:p>
+          <a:p>
+            <a:pPr algn="ctr">
+              <a:buNone/>
+            </a:pPr>
+            <a:r>
+              <a:rPr lang="zh-TW" altLang="en-US" sz="4050" b="1" dirty="0">
+                <a:solidFill>
+                  <a:srgbClr val="002060"/>
+                </a:solidFill>
+                <a:latin typeface="微軟正黑體" pitchFamily="34" charset="-120"/>
+                <a:ea typeface="微軟正黑體" pitchFamily="34" charset="-120"/>
+              </a:rPr>
+              <a:t>為</a:t>
+            </a:r>
+            <a:r>
+              <a:rPr lang="zh-TW" altLang="en-US" sz="4050" b="1" dirty="0">
+                <a:solidFill>
+                  <a:srgbClr val="002060"/>
+                </a:solidFill>
+                <a:latin typeface="微軟正黑體" pitchFamily="34" charset="-120"/>
+                <a:ea typeface="微軟正黑體" pitchFamily="34" charset="-120"/>
+              </a:rPr>
+              <a:t>你我獻上頌讚</a:t>
+            </a:r>
+          </a:p>
+        </p:txBody>
+      </p:sp>
+    </p:spTree>
+    <p:extLst>
+      <p:ext uri="{BB962C8B-B14F-4D97-AF65-F5344CB8AC3E}">
+        <p14:creationId xmlns:p14="http://schemas.microsoft.com/office/powerpoint/2010/main" val="2547631253"/>
+      </p:ext>
+    </p:extLst>
+  </p:cSld>
+  <p:clrMapOvr>
+    <a:masterClrMapping/>
+  </p:clrMapOvr>
+</p:sld>
+</file>
+
+<file path=ppt/slides/slide15.xml><?xml version="1.0" encoding="utf-8"?>
+<p:sld xmlns:a="http://schemas.openxmlformats.org/drawingml/2006/main" xmlns:r="http://schemas.openxmlformats.org/officeDocument/2006/relationships" xmlns:p="http://schemas.openxmlformats.org/presentationml/2006/main">
+  <p:cSld>
+    <p:spTree>
+      <p:nvGrpSpPr>
+        <p:cNvPr id="1" name=""/>
+        <p:cNvGrpSpPr/>
+        <p:nvPr/>
+      </p:nvGrpSpPr>
+      <p:grpSpPr>
+        <a:xfrm>
+          <a:off x="0" y="0"/>
+          <a:ext cx="0" cy="0"/>
+          <a:chOff x="0" y="0"/>
+          <a:chExt cx="0" cy="0"/>
+        </a:xfrm>
+      </p:grpSpPr>
+      <p:sp>
+        <p:nvSpPr>
+          <p:cNvPr id="4" name="標題 3"/>
+          <p:cNvSpPr>
+            <a:spLocks noGrp="1"/>
+          </p:cNvSpPr>
+          <p:nvPr>
+            <p:ph type="title"/>
+          </p:nvPr>
+        </p:nvSpPr>
+        <p:spPr/>
+        <p:txBody>
+          <a:bodyPr/>
+          <a:lstStyle/>
+          <a:p>
+            <a:r>
+              <a:rPr lang="zh-TW" altLang="en-US" b="1" dirty="0">
+                <a:latin typeface="微軟正黑體" pitchFamily="34" charset="-120"/>
+                <a:ea typeface="微軟正黑體" pitchFamily="34" charset="-120"/>
+              </a:rPr>
+              <a:t>獻給我天上的主</a:t>
+            </a:r>
+          </a:p>
+        </p:txBody>
+      </p:sp>
+      <p:sp>
+        <p:nvSpPr>
+          <p:cNvPr id="5" name="內容版面配置區 4"/>
+          <p:cNvSpPr>
+            <a:spLocks noGrp="1"/>
+          </p:cNvSpPr>
+          <p:nvPr>
+            <p:ph idx="1"/>
+          </p:nvPr>
+        </p:nvSpPr>
+        <p:spPr>
+          <a:xfrm>
+            <a:off x="1143000" y="1200151"/>
+            <a:ext cx="6858000" cy="3394472"/>
+          </a:xfrm>
+        </p:spPr>
+        <p:txBody>
+          <a:bodyPr>
+            <a:normAutofit/>
+          </a:bodyPr>
+          <a:lstStyle/>
+          <a:p>
+            <a:pPr algn="ctr">
+              <a:buNone/>
+            </a:pPr>
+            <a:endParaRPr lang="en-US" altLang="zh-TW" sz="4050" b="1" dirty="0" smtClean="0">
+              <a:solidFill>
+                <a:srgbClr val="002060"/>
+              </a:solidFill>
+              <a:latin typeface="微軟正黑體" pitchFamily="34" charset="-120"/>
+              <a:ea typeface="微軟正黑體" pitchFamily="34" charset="-120"/>
+            </a:endParaRPr>
+          </a:p>
+          <a:p>
+            <a:pPr algn="ctr">
+              <a:buNone/>
+            </a:pPr>
+            <a:r>
+              <a:rPr lang="zh-TW" altLang="en-US" sz="4050" b="1" dirty="0" smtClean="0">
+                <a:solidFill>
+                  <a:srgbClr val="002060"/>
+                </a:solidFill>
+                <a:latin typeface="微軟正黑體" pitchFamily="34" charset="-120"/>
+                <a:ea typeface="微軟正黑體" pitchFamily="34" charset="-120"/>
+              </a:rPr>
+              <a:t>為</a:t>
+            </a:r>
+            <a:r>
+              <a:rPr lang="zh-TW" altLang="en-US" sz="4050" b="1" dirty="0">
+                <a:solidFill>
+                  <a:srgbClr val="002060"/>
+                </a:solidFill>
+                <a:latin typeface="微軟正黑體" pitchFamily="34" charset="-120"/>
+                <a:ea typeface="微軟正黑體" pitchFamily="34" charset="-120"/>
+              </a:rPr>
+              <a:t>你我獻作活</a:t>
+            </a:r>
+            <a:r>
+              <a:rPr lang="zh-TW" altLang="en-US" sz="4050" b="1" dirty="0">
+                <a:solidFill>
+                  <a:srgbClr val="002060"/>
+                </a:solidFill>
+                <a:latin typeface="微軟正黑體" pitchFamily="34" charset="-120"/>
+                <a:ea typeface="微軟正黑體" pitchFamily="34" charset="-120"/>
+              </a:rPr>
+              <a:t>祭</a:t>
+            </a:r>
+            <a:endParaRPr lang="en-US" altLang="zh-TW" sz="4050" b="1" dirty="0">
+              <a:solidFill>
+                <a:srgbClr val="002060"/>
+              </a:solidFill>
+              <a:latin typeface="微軟正黑體" pitchFamily="34" charset="-120"/>
+              <a:ea typeface="微軟正黑體" pitchFamily="34" charset="-120"/>
+            </a:endParaRPr>
+          </a:p>
+          <a:p>
+            <a:pPr algn="ctr">
+              <a:buNone/>
+            </a:pPr>
+            <a:endParaRPr lang="en-US" altLang="zh-TW" sz="4050" b="1" dirty="0" smtClean="0">
+              <a:solidFill>
+                <a:srgbClr val="002060"/>
+              </a:solidFill>
+              <a:latin typeface="微軟正黑體" pitchFamily="34" charset="-120"/>
+              <a:ea typeface="微軟正黑體" pitchFamily="34" charset="-120"/>
+            </a:endParaRPr>
+          </a:p>
+          <a:p>
+            <a:pPr algn="ctr">
+              <a:buNone/>
+            </a:pPr>
+            <a:r>
+              <a:rPr lang="zh-TW" altLang="en-US" sz="4050" b="1" dirty="0" smtClean="0">
+                <a:solidFill>
+                  <a:srgbClr val="002060"/>
+                </a:solidFill>
+                <a:latin typeface="微軟正黑體" pitchFamily="34" charset="-120"/>
+                <a:ea typeface="微軟正黑體" pitchFamily="34" charset="-120"/>
+              </a:rPr>
+              <a:t>讓</a:t>
+            </a:r>
+            <a:r>
+              <a:rPr lang="zh-TW" altLang="en-US" sz="4050" b="1" dirty="0">
+                <a:solidFill>
+                  <a:srgbClr val="002060"/>
+                </a:solidFill>
+                <a:latin typeface="微軟正黑體" pitchFamily="34" charset="-120"/>
+                <a:ea typeface="微軟正黑體" pitchFamily="34" charset="-120"/>
+              </a:rPr>
+              <a:t>我永化作活祭</a:t>
+            </a:r>
+          </a:p>
+        </p:txBody>
+      </p:sp>
+    </p:spTree>
+    <p:extLst>
+      <p:ext uri="{BB962C8B-B14F-4D97-AF65-F5344CB8AC3E}">
+        <p14:creationId xmlns:p14="http://schemas.microsoft.com/office/powerpoint/2010/main" val="2283740711"/>
+      </p:ext>
+    </p:extLst>
   </p:cSld>
   <p:clrMapOvr>
     <a:masterClrMapping/>
@@ -3356,54 +4702,58 @@
             </a:pPr>
             <a:r>
               <a:rPr lang="zh-TW" altLang="en-US" sz="4800" b="1" dirty="0">
-                <a:latin typeface="微軟正黑體" pitchFamily="34" charset="-120"/>
-                <a:ea typeface="微軟正黑體" pitchFamily="34" charset="-120"/>
-              </a:rPr>
-              <a:t>全地至高是</a:t>
+                <a:solidFill>
+                  <a:srgbClr val="002060"/>
+                </a:solidFill>
+                <a:latin typeface="微軟正黑體" pitchFamily="34" charset="-120"/>
+                <a:ea typeface="微軟正黑體" pitchFamily="34" charset="-120"/>
+              </a:rPr>
+              <a:t>全地至高是我</a:t>
+            </a:r>
+            <a:r>
+              <a:rPr lang="zh-TW" altLang="en-US" sz="4800" b="1" dirty="0" smtClean="0">
+                <a:solidFill>
+                  <a:srgbClr val="002060"/>
+                </a:solidFill>
+                <a:latin typeface="微軟正黑體" pitchFamily="34" charset="-120"/>
+                <a:ea typeface="微軟正黑體" pitchFamily="34" charset="-120"/>
+              </a:rPr>
+              <a:t>主</a:t>
+            </a:r>
+            <a:r>
+              <a:rPr lang="en-US" altLang="zh-TW" sz="4800" b="1" dirty="0" smtClean="0">
+                <a:solidFill>
+                  <a:srgbClr val="002060"/>
+                </a:solidFill>
+                <a:latin typeface="微軟正黑體" pitchFamily="34" charset="-120"/>
+                <a:ea typeface="微軟正黑體" pitchFamily="34" charset="-120"/>
+              </a:rPr>
+              <a:t>  </a:t>
+            </a:r>
+            <a:r>
+              <a:rPr lang="zh-TW" altLang="en-US" sz="4800" b="1" dirty="0" smtClean="0">
+                <a:solidFill>
+                  <a:srgbClr val="002060"/>
+                </a:solidFill>
+                <a:latin typeface="微軟正黑體" pitchFamily="34" charset="-120"/>
+                <a:ea typeface="微軟正黑體" pitchFamily="34" charset="-120"/>
+              </a:rPr>
+              <a:t>各</a:t>
             </a:r>
             <a:r>
               <a:rPr lang="zh-TW" altLang="en-US" sz="4800" b="1" dirty="0">
-                <a:latin typeface="微軟正黑體" pitchFamily="34" charset="-120"/>
-                <a:ea typeface="微軟正黑體" pitchFamily="34" charset="-120"/>
-              </a:rPr>
-              <a:t>我</a:t>
-            </a:r>
-            <a:r>
-              <a:rPr lang="zh-TW" altLang="en-US" sz="4800" b="1" dirty="0" smtClean="0">
-                <a:latin typeface="微軟正黑體" pitchFamily="34" charset="-120"/>
-                <a:ea typeface="微軟正黑體" pitchFamily="34" charset="-120"/>
-              </a:rPr>
-              <a:t>主</a:t>
-            </a:r>
-            <a:r>
-              <a:rPr lang="en-US" altLang="zh-TW" sz="4800" b="1" dirty="0" smtClean="0">
-                <a:latin typeface="微軟正黑體" pitchFamily="34" charset="-120"/>
-                <a:ea typeface="微軟正黑體" pitchFamily="34" charset="-120"/>
-              </a:rPr>
-              <a:t>  </a:t>
-            </a:r>
-            <a:r>
-              <a:rPr lang="zh-TW" altLang="en-US" sz="4800" b="1" dirty="0" smtClean="0">
-                <a:latin typeface="微軟正黑體" pitchFamily="34" charset="-120"/>
-                <a:ea typeface="微軟正黑體" pitchFamily="34" charset="-120"/>
-              </a:rPr>
-              <a:t>各</a:t>
-            </a:r>
-            <a:r>
-              <a:rPr lang="zh-TW" altLang="en-US" sz="4800" b="1" dirty="0">
-                <a:latin typeface="微軟正黑體" pitchFamily="34" charset="-120"/>
-                <a:ea typeface="微軟正黑體" pitchFamily="34" charset="-120"/>
-              </a:rPr>
-              <a:t>邦一致</a:t>
-            </a:r>
-            <a:r>
-              <a:rPr lang="zh-TW" altLang="en-US" sz="4800" b="1" dirty="0">
-                <a:latin typeface="微軟正黑體" pitchFamily="34" charset="-120"/>
-                <a:ea typeface="微軟正黑體" pitchFamily="34" charset="-120"/>
-              </a:rPr>
-              <a:t>頌揚</a:t>
+                <a:solidFill>
+                  <a:srgbClr val="002060"/>
+                </a:solidFill>
+                <a:latin typeface="微軟正黑體" pitchFamily="34" charset="-120"/>
+                <a:ea typeface="微軟正黑體" pitchFamily="34" charset="-120"/>
+              </a:rPr>
+              <a:t>邦一致頌揚</a:t>
             </a:r>
             <a:endParaRPr lang="en-US" altLang="zh-TW" sz="4800" b="1" dirty="0">
+              <a:solidFill>
+                <a:srgbClr val="002060"/>
+              </a:solidFill>
               <a:latin typeface="微軟正黑體" pitchFamily="34" charset="-120"/>
               <a:ea typeface="微軟正黑體" pitchFamily="34" charset="-120"/>
             </a:endParaRPr>
@@ -3414,40 +4764,18 @@
             </a:pPr>
             <a:r>
               <a:rPr lang="zh-TW" altLang="en-US" sz="4800" b="1" dirty="0">
-                <a:latin typeface="微軟正黑體" pitchFamily="34" charset="-120"/>
-                <a:ea typeface="微軟正黑體" pitchFamily="34" charset="-120"/>
-              </a:rPr>
-              <a:t>讓</a:t>
-            </a:r>
-            <a:r>
-              <a:rPr lang="zh-TW" altLang="en-US" sz="4800" b="1" dirty="0">
-                <a:latin typeface="微軟正黑體" pitchFamily="34" charset="-120"/>
-                <a:ea typeface="微軟正黑體" pitchFamily="34" charset="-120"/>
-              </a:rPr>
-              <a:t>這歌盡獻</a:t>
-            </a:r>
-            <a:r>
-              <a:rPr lang="zh-TW" altLang="en-US" sz="4800" b="1" dirty="0">
-                <a:latin typeface="微軟正黑體" pitchFamily="34" charset="-120"/>
-                <a:ea typeface="微軟正黑體" pitchFamily="34" charset="-120"/>
-              </a:rPr>
-              <a:t>主  榮光</a:t>
-            </a:r>
-            <a:r>
-              <a:rPr lang="zh-TW" altLang="en-US" sz="4800" b="1" dirty="0">
-                <a:latin typeface="微軟正黑體" pitchFamily="34" charset="-120"/>
-                <a:ea typeface="微軟正黑體" pitchFamily="34" charset="-120"/>
-              </a:rPr>
-              <a:t>高照諸</a:t>
-            </a:r>
-            <a:r>
-              <a:rPr lang="zh-TW" altLang="en-US" sz="4800" b="1" dirty="0">
-                <a:latin typeface="微軟正黑體" pitchFamily="34" charset="-120"/>
-                <a:ea typeface="微軟正黑體" pitchFamily="34" charset="-120"/>
-              </a:rPr>
-              <a:t>天</a:t>
+                <a:solidFill>
+                  <a:srgbClr val="002060"/>
+                </a:solidFill>
+                <a:latin typeface="微軟正黑體" pitchFamily="34" charset="-120"/>
+                <a:ea typeface="微軟正黑體" pitchFamily="34" charset="-120"/>
+              </a:rPr>
+              <a:t>讓這歌盡獻主  榮光高照諸天</a:t>
             </a:r>
             <a:endParaRPr lang="en-US" altLang="zh-TW" sz="4800" b="1" dirty="0">
+              <a:solidFill>
+                <a:srgbClr val="002060"/>
+              </a:solidFill>
               <a:latin typeface="微軟正黑體" pitchFamily="34" charset="-120"/>
               <a:ea typeface="微軟正黑體" pitchFamily="34" charset="-120"/>
             </a:endParaRPr>
@@ -3458,40 +4786,18 @@
             </a:pPr>
             <a:r>
               <a:rPr lang="zh-TW" altLang="en-US" sz="4800" b="1" dirty="0">
-                <a:latin typeface="微軟正黑體" pitchFamily="34" charset="-120"/>
-                <a:ea typeface="微軟正黑體" pitchFamily="34" charset="-120"/>
-              </a:rPr>
-              <a:t>慈愛</a:t>
-            </a:r>
-            <a:r>
-              <a:rPr lang="zh-TW" altLang="en-US" sz="4800" b="1" dirty="0">
-                <a:latin typeface="微軟正黑體" pitchFamily="34" charset="-120"/>
-                <a:ea typeface="微軟正黑體" pitchFamily="34" charset="-120"/>
-              </a:rPr>
-              <a:t>達到穹蒼</a:t>
-            </a:r>
-            <a:r>
-              <a:rPr lang="zh-TW" altLang="en-US" sz="4800" b="1" dirty="0">
-                <a:latin typeface="微軟正黑體" pitchFamily="34" charset="-120"/>
-                <a:ea typeface="微軟正黑體" pitchFamily="34" charset="-120"/>
-              </a:rPr>
-              <a:t>處  恩</a:t>
-            </a:r>
-            <a:r>
-              <a:rPr lang="zh-TW" altLang="en-US" sz="4800" b="1" dirty="0">
-                <a:latin typeface="微軟正黑體" pitchFamily="34" charset="-120"/>
-                <a:ea typeface="微軟正黑體" pitchFamily="34" charset="-120"/>
-              </a:rPr>
-              <a:t>慈</a:t>
-            </a:r>
-            <a:r>
-              <a:rPr lang="zh-TW" altLang="en-US" sz="4800" b="1" dirty="0">
-                <a:latin typeface="微軟正黑體" pitchFamily="34" charset="-120"/>
-                <a:ea typeface="微軟正黑體" pitchFamily="34" charset="-120"/>
-              </a:rPr>
-              <a:t>信實</a:t>
+                <a:solidFill>
+                  <a:srgbClr val="002060"/>
+                </a:solidFill>
+                <a:latin typeface="微軟正黑體" pitchFamily="34" charset="-120"/>
+                <a:ea typeface="微軟正黑體" pitchFamily="34" charset="-120"/>
+              </a:rPr>
+              <a:t>慈愛達到穹蒼處  恩慈信實</a:t>
             </a:r>
             <a:endParaRPr lang="en-US" altLang="zh-TW" sz="4800" b="1" dirty="0">
+              <a:solidFill>
+                <a:srgbClr val="002060"/>
+              </a:solidFill>
               <a:latin typeface="微軟正黑體" pitchFamily="34" charset="-120"/>
               <a:ea typeface="微軟正黑體" pitchFamily="34" charset="-120"/>
             </a:endParaRPr>
@@ -3502,22 +4808,1569 @@
             </a:pPr>
             <a:r>
               <a:rPr lang="zh-TW" altLang="en-US" sz="4800" b="1" dirty="0">
-                <a:latin typeface="微軟正黑體" pitchFamily="34" charset="-120"/>
-                <a:ea typeface="微軟正黑體" pitchFamily="34" charset="-120"/>
-              </a:rPr>
-              <a:t>並</a:t>
-            </a:r>
+                <a:solidFill>
+                  <a:srgbClr val="002060"/>
+                </a:solidFill>
+                <a:latin typeface="微軟正黑體" pitchFamily="34" charset="-120"/>
+                <a:ea typeface="微軟正黑體" pitchFamily="34" charset="-120"/>
+              </a:rPr>
+              <a:t>並賜下寬容饒恕</a:t>
+            </a:r>
+          </a:p>
+        </p:txBody>
+      </p:sp>
+    </p:spTree>
+  </p:cSld>
+  <p:clrMapOvr>
+    <a:masterClrMapping/>
+  </p:clrMapOvr>
+</p:sld>
+</file>
+
+<file path=ppt/slides/slide3.xml><?xml version="1.0" encoding="utf-8"?>
+<p:sld xmlns:a="http://schemas.openxmlformats.org/drawingml/2006/main" xmlns:r="http://schemas.openxmlformats.org/officeDocument/2006/relationships" xmlns:p="http://schemas.openxmlformats.org/presentationml/2006/main">
+  <p:cSld>
+    <p:spTree>
+      <p:nvGrpSpPr>
+        <p:cNvPr id="1" name=""/>
+        <p:cNvGrpSpPr/>
+        <p:nvPr/>
+      </p:nvGrpSpPr>
+      <p:grpSpPr>
+        <a:xfrm>
+          <a:off x="0" y="0"/>
+          <a:ext cx="0" cy="0"/>
+          <a:chOff x="0" y="0"/>
+          <a:chExt cx="0" cy="0"/>
+        </a:xfrm>
+      </p:grpSpPr>
+      <p:sp>
+        <p:nvSpPr>
+          <p:cNvPr id="4" name="標題 3"/>
+          <p:cNvSpPr>
+            <a:spLocks noGrp="1"/>
+          </p:cNvSpPr>
+          <p:nvPr>
+            <p:ph type="title"/>
+          </p:nvPr>
+        </p:nvSpPr>
+        <p:spPr/>
+        <p:txBody>
+          <a:bodyPr>
+            <a:normAutofit/>
+          </a:bodyPr>
+          <a:lstStyle/>
+          <a:p>
+            <a:r>
+              <a:rPr lang="zh-TW" altLang="en-US" sz="4000" b="1" dirty="0">
+                <a:latin typeface="微軟正黑體" pitchFamily="34" charset="-120"/>
+                <a:ea typeface="微軟正黑體" pitchFamily="34" charset="-120"/>
+              </a:rPr>
+              <a:t>全地至高是我主</a:t>
+            </a:r>
+          </a:p>
+        </p:txBody>
+      </p:sp>
+      <p:sp>
+        <p:nvSpPr>
+          <p:cNvPr id="5" name="內容版面配置區 4"/>
+          <p:cNvSpPr>
+            <a:spLocks noGrp="1"/>
+          </p:cNvSpPr>
+          <p:nvPr>
+            <p:ph idx="1"/>
+          </p:nvPr>
+        </p:nvSpPr>
+        <p:spPr>
+          <a:xfrm>
+            <a:off x="0" y="1200151"/>
+            <a:ext cx="9144000" cy="3394472"/>
+          </a:xfrm>
+        </p:spPr>
+        <p:txBody>
+          <a:bodyPr>
+            <a:noAutofit/>
+          </a:bodyPr>
+          <a:lstStyle/>
+          <a:p>
+            <a:pPr algn="ctr">
+              <a:buNone/>
+            </a:pPr>
             <a:r>
               <a:rPr lang="zh-TW" altLang="en-US" sz="4800" b="1" dirty="0">
-                <a:latin typeface="微軟正黑體" pitchFamily="34" charset="-120"/>
-                <a:ea typeface="微軟正黑體" pitchFamily="34" charset="-120"/>
-              </a:rPr>
-              <a:t>賜下寬容饒恕</a:t>
+                <a:solidFill>
+                  <a:srgbClr val="002060"/>
+                </a:solidFill>
+                <a:latin typeface="微軟正黑體" pitchFamily="34" charset="-120"/>
+                <a:ea typeface="微軟正黑體" pitchFamily="34" charset="-120"/>
+              </a:rPr>
+              <a:t>願靈內</a:t>
+            </a:r>
+            <a:r>
+              <a:rPr lang="zh-TW" altLang="en-US" sz="4800" b="1" dirty="0" smtClean="0">
+                <a:solidFill>
+                  <a:srgbClr val="002060"/>
+                </a:solidFill>
+                <a:latin typeface="微軟正黑體" pitchFamily="34" charset="-120"/>
+                <a:ea typeface="微軟正黑體" pitchFamily="34" charset="-120"/>
+              </a:rPr>
+              <a:t>甦醒  心</a:t>
+            </a:r>
+            <a:r>
+              <a:rPr lang="zh-TW" altLang="en-US" sz="4800" b="1" dirty="0">
+                <a:solidFill>
+                  <a:srgbClr val="002060"/>
+                </a:solidFill>
+                <a:latin typeface="微軟正黑體" pitchFamily="34" charset="-120"/>
+                <a:ea typeface="微軟正黑體" pitchFamily="34" charset="-120"/>
+              </a:rPr>
+              <a:t>獻頌讚</a:t>
+            </a:r>
+            <a:r>
+              <a:rPr lang="zh-TW" altLang="en-US" sz="4800" b="1" dirty="0" smtClean="0">
+                <a:solidFill>
+                  <a:srgbClr val="002060"/>
+                </a:solidFill>
+                <a:latin typeface="微軟正黑體" pitchFamily="34" charset="-120"/>
+                <a:ea typeface="微軟正黑體" pitchFamily="34" charset="-120"/>
+              </a:rPr>
+              <a:t>歌聲</a:t>
+            </a:r>
+            <a:endParaRPr lang="en-US" altLang="zh-TW" sz="4800" b="1" dirty="0">
+              <a:solidFill>
+                <a:srgbClr val="002060"/>
+              </a:solidFill>
+              <a:latin typeface="微軟正黑體" pitchFamily="34" charset="-120"/>
+              <a:ea typeface="微軟正黑體" pitchFamily="34" charset="-120"/>
+            </a:endParaRPr>
+          </a:p>
+          <a:p>
+            <a:pPr algn="ctr">
+              <a:buNone/>
+            </a:pPr>
+            <a:r>
+              <a:rPr lang="zh-TW" altLang="en-US" sz="4800" b="1" dirty="0" smtClean="0">
+                <a:solidFill>
+                  <a:srgbClr val="002060"/>
+                </a:solidFill>
+                <a:latin typeface="微軟正黑體" pitchFamily="34" charset="-120"/>
+                <a:ea typeface="微軟正黑體" pitchFamily="34" charset="-120"/>
+              </a:rPr>
+              <a:t>投</a:t>
+            </a:r>
+            <a:r>
+              <a:rPr lang="zh-TW" altLang="en-US" sz="4800" b="1" dirty="0">
+                <a:solidFill>
+                  <a:srgbClr val="002060"/>
+                </a:solidFill>
+                <a:latin typeface="微軟正黑體" pitchFamily="34" charset="-120"/>
+                <a:ea typeface="微軟正黑體" pitchFamily="34" charset="-120"/>
+              </a:rPr>
+              <a:t>在你的</a:t>
+            </a:r>
+            <a:r>
+              <a:rPr lang="zh-TW" altLang="en-US" sz="4800" b="1" dirty="0" smtClean="0">
+                <a:solidFill>
+                  <a:srgbClr val="002060"/>
+                </a:solidFill>
+                <a:latin typeface="微軟正黑體" pitchFamily="34" charset="-120"/>
+                <a:ea typeface="微軟正黑體" pitchFamily="34" charset="-120"/>
+              </a:rPr>
+              <a:t>翅膀  願</a:t>
+            </a:r>
+            <a:r>
+              <a:rPr lang="zh-TW" altLang="en-US" sz="4800" b="1" dirty="0">
+                <a:solidFill>
+                  <a:srgbClr val="002060"/>
+                </a:solidFill>
+                <a:latin typeface="微軟正黑體" pitchFamily="34" charset="-120"/>
+                <a:ea typeface="微軟正黑體" pitchFamily="34" charset="-120"/>
+              </a:rPr>
+              <a:t>你施恩救</a:t>
+            </a:r>
+            <a:r>
+              <a:rPr lang="zh-TW" altLang="en-US" sz="4800" b="1" dirty="0" smtClean="0">
+                <a:solidFill>
+                  <a:srgbClr val="002060"/>
+                </a:solidFill>
+                <a:latin typeface="微軟正黑體" pitchFamily="34" charset="-120"/>
+                <a:ea typeface="微軟正黑體" pitchFamily="34" charset="-120"/>
+              </a:rPr>
+              <a:t>拯</a:t>
+            </a:r>
+            <a:endParaRPr lang="en-US" altLang="zh-TW" sz="4800" b="1" dirty="0">
+              <a:solidFill>
+                <a:srgbClr val="002060"/>
+              </a:solidFill>
+              <a:latin typeface="微軟正黑體" pitchFamily="34" charset="-120"/>
+              <a:ea typeface="微軟正黑體" pitchFamily="34" charset="-120"/>
+            </a:endParaRPr>
+          </a:p>
+          <a:p>
+            <a:pPr algn="ctr">
+              <a:buNone/>
+            </a:pPr>
+            <a:r>
+              <a:rPr lang="zh-TW" altLang="en-US" sz="4800" b="1" dirty="0" smtClean="0">
+                <a:solidFill>
+                  <a:srgbClr val="002060"/>
+                </a:solidFill>
+                <a:latin typeface="微軟正黑體" pitchFamily="34" charset="-120"/>
+                <a:ea typeface="微軟正黑體" pitchFamily="34" charset="-120"/>
+              </a:rPr>
+              <a:t>願</a:t>
+            </a:r>
+            <a:r>
+              <a:rPr lang="zh-TW" altLang="en-US" sz="4800" b="1" dirty="0">
+                <a:solidFill>
+                  <a:srgbClr val="002060"/>
+                </a:solidFill>
+                <a:latin typeface="微軟正黑體" pitchFamily="34" charset="-120"/>
+                <a:ea typeface="微軟正黑體" pitchFamily="34" charset="-120"/>
+              </a:rPr>
+              <a:t>榮耀歸</a:t>
+            </a:r>
+            <a:r>
+              <a:rPr lang="zh-TW" altLang="en-US" sz="4800" b="1" dirty="0" smtClean="0">
+                <a:solidFill>
+                  <a:srgbClr val="002060"/>
+                </a:solidFill>
+                <a:latin typeface="微軟正黑體" pitchFamily="34" charset="-120"/>
+                <a:ea typeface="微軟正黑體" pitchFamily="34" charset="-120"/>
+              </a:rPr>
+              <a:t>主  高唱</a:t>
+            </a:r>
+            <a:r>
+              <a:rPr lang="zh-TW" altLang="en-US" sz="4800" b="1" dirty="0">
+                <a:solidFill>
+                  <a:srgbClr val="002060"/>
+                </a:solidFill>
+                <a:latin typeface="微軟正黑體" pitchFamily="34" charset="-120"/>
+                <a:ea typeface="微軟正黑體" pitchFamily="34" charset="-120"/>
+              </a:rPr>
+              <a:t>頌讚新</a:t>
+            </a:r>
+            <a:r>
+              <a:rPr lang="zh-TW" altLang="en-US" sz="4800" b="1" dirty="0" smtClean="0">
+                <a:solidFill>
+                  <a:srgbClr val="002060"/>
+                </a:solidFill>
+                <a:latin typeface="微軟正黑體" pitchFamily="34" charset="-120"/>
+                <a:ea typeface="微軟正黑體" pitchFamily="34" charset="-120"/>
+              </a:rPr>
+              <a:t>歌</a:t>
+            </a:r>
+            <a:endParaRPr lang="en-US" altLang="zh-TW" sz="4800" b="1" dirty="0">
+              <a:solidFill>
+                <a:srgbClr val="002060"/>
+              </a:solidFill>
+              <a:latin typeface="微軟正黑體" pitchFamily="34" charset="-120"/>
+              <a:ea typeface="微軟正黑體" pitchFamily="34" charset="-120"/>
+            </a:endParaRPr>
+          </a:p>
+          <a:p>
+            <a:pPr algn="ctr">
+              <a:buNone/>
+            </a:pPr>
+            <a:r>
+              <a:rPr lang="zh-TW" altLang="en-US" sz="4800" b="1" dirty="0" smtClean="0">
+                <a:solidFill>
+                  <a:srgbClr val="002060"/>
+                </a:solidFill>
+                <a:latin typeface="微軟正黑體" pitchFamily="34" charset="-120"/>
+                <a:ea typeface="微軟正黑體" pitchFamily="34" charset="-120"/>
+              </a:rPr>
+              <a:t>琴</a:t>
+            </a:r>
+            <a:r>
+              <a:rPr lang="zh-TW" altLang="en-US" sz="4800" b="1" dirty="0">
+                <a:solidFill>
+                  <a:srgbClr val="002060"/>
+                </a:solidFill>
+                <a:latin typeface="微軟正黑體" pitchFamily="34" charset="-120"/>
+                <a:ea typeface="微軟正黑體" pitchFamily="34" charset="-120"/>
+              </a:rPr>
+              <a:t>和應瑟奏</a:t>
+            </a:r>
+            <a:r>
+              <a:rPr lang="zh-TW" altLang="en-US" sz="4800" b="1" dirty="0" smtClean="0">
+                <a:solidFill>
+                  <a:srgbClr val="002060"/>
+                </a:solidFill>
+                <a:latin typeface="微軟正黑體" pitchFamily="34" charset="-120"/>
+                <a:ea typeface="微軟正黑體" pitchFamily="34" charset="-120"/>
+              </a:rPr>
+              <a:t>鳴  樂</a:t>
+            </a:r>
+            <a:r>
+              <a:rPr lang="zh-TW" altLang="en-US" sz="4800" b="1" dirty="0">
+                <a:solidFill>
+                  <a:srgbClr val="002060"/>
+                </a:solidFill>
+                <a:latin typeface="微軟正黑體" pitchFamily="34" charset="-120"/>
+                <a:ea typeface="微軟正黑體" pitchFamily="34" charset="-120"/>
+              </a:rPr>
+              <a:t>韻歌聲齊賀</a:t>
             </a:r>
           </a:p>
         </p:txBody>
       </p:sp>
     </p:spTree>
+    <p:extLst>
+      <p:ext uri="{BB962C8B-B14F-4D97-AF65-F5344CB8AC3E}">
+        <p14:creationId xmlns:p14="http://schemas.microsoft.com/office/powerpoint/2010/main" val="2332903262"/>
+      </p:ext>
+    </p:extLst>
+  </p:cSld>
+  <p:clrMapOvr>
+    <a:masterClrMapping/>
+  </p:clrMapOvr>
+</p:sld>
+</file>
+
+<file path=ppt/slides/slide4.xml><?xml version="1.0" encoding="utf-8"?>
+<p:sld xmlns:a="http://schemas.openxmlformats.org/drawingml/2006/main" xmlns:r="http://schemas.openxmlformats.org/officeDocument/2006/relationships" xmlns:p="http://schemas.openxmlformats.org/presentationml/2006/main">
+  <p:cSld>
+    <p:spTree>
+      <p:nvGrpSpPr>
+        <p:cNvPr id="1" name=""/>
+        <p:cNvGrpSpPr/>
+        <p:nvPr/>
+      </p:nvGrpSpPr>
+      <p:grpSpPr>
+        <a:xfrm>
+          <a:off x="0" y="0"/>
+          <a:ext cx="0" cy="0"/>
+          <a:chOff x="0" y="0"/>
+          <a:chExt cx="0" cy="0"/>
+        </a:xfrm>
+      </p:grpSpPr>
+      <p:sp>
+        <p:nvSpPr>
+          <p:cNvPr id="4" name="標題 3"/>
+          <p:cNvSpPr>
+            <a:spLocks noGrp="1"/>
+          </p:cNvSpPr>
+          <p:nvPr>
+            <p:ph type="title"/>
+          </p:nvPr>
+        </p:nvSpPr>
+        <p:spPr/>
+        <p:txBody>
+          <a:bodyPr>
+            <a:normAutofit/>
+          </a:bodyPr>
+          <a:lstStyle/>
+          <a:p>
+            <a:r>
+              <a:rPr lang="zh-TW" altLang="en-US" sz="4000" b="1" dirty="0">
+                <a:latin typeface="微軟正黑體" pitchFamily="34" charset="-120"/>
+                <a:ea typeface="微軟正黑體" pitchFamily="34" charset="-120"/>
+              </a:rPr>
+              <a:t>全地至高是我主</a:t>
+            </a:r>
+          </a:p>
+        </p:txBody>
+      </p:sp>
+      <p:sp>
+        <p:nvSpPr>
+          <p:cNvPr id="5" name="內容版面配置區 4"/>
+          <p:cNvSpPr>
+            <a:spLocks noGrp="1"/>
+          </p:cNvSpPr>
+          <p:nvPr>
+            <p:ph idx="1"/>
+          </p:nvPr>
+        </p:nvSpPr>
+        <p:spPr>
+          <a:xfrm>
+            <a:off x="0" y="1200151"/>
+            <a:ext cx="9144000" cy="3394472"/>
+          </a:xfrm>
+        </p:spPr>
+        <p:txBody>
+          <a:bodyPr>
+            <a:noAutofit/>
+          </a:bodyPr>
+          <a:lstStyle/>
+          <a:p>
+            <a:pPr algn="ctr">
+              <a:buNone/>
+            </a:pPr>
+            <a:r>
+              <a:rPr lang="zh-TW" altLang="en-US" sz="4800" b="1" dirty="0">
+                <a:solidFill>
+                  <a:srgbClr val="002060"/>
+                </a:solidFill>
+                <a:latin typeface="微軟正黑體" pitchFamily="34" charset="-120"/>
+                <a:ea typeface="微軟正黑體" pitchFamily="34" charset="-120"/>
+              </a:rPr>
+              <a:t>全地至高是我</a:t>
+            </a:r>
+            <a:r>
+              <a:rPr lang="zh-TW" altLang="en-US" sz="4800" b="1" dirty="0" smtClean="0">
+                <a:solidFill>
+                  <a:srgbClr val="002060"/>
+                </a:solidFill>
+                <a:latin typeface="微軟正黑體" pitchFamily="34" charset="-120"/>
+                <a:ea typeface="微軟正黑體" pitchFamily="34" charset="-120"/>
+              </a:rPr>
+              <a:t>主</a:t>
+            </a:r>
+            <a:r>
+              <a:rPr lang="en-US" altLang="zh-TW" sz="4800" b="1" dirty="0" smtClean="0">
+                <a:solidFill>
+                  <a:srgbClr val="002060"/>
+                </a:solidFill>
+                <a:latin typeface="微軟正黑體" pitchFamily="34" charset="-120"/>
+                <a:ea typeface="微軟正黑體" pitchFamily="34" charset="-120"/>
+              </a:rPr>
+              <a:t>  </a:t>
+            </a:r>
+            <a:r>
+              <a:rPr lang="zh-TW" altLang="en-US" sz="4800" b="1" dirty="0" smtClean="0">
+                <a:solidFill>
+                  <a:srgbClr val="002060"/>
+                </a:solidFill>
+                <a:latin typeface="微軟正黑體" pitchFamily="34" charset="-120"/>
+                <a:ea typeface="微軟正黑體" pitchFamily="34" charset="-120"/>
+              </a:rPr>
+              <a:t>各</a:t>
+            </a:r>
+            <a:r>
+              <a:rPr lang="zh-TW" altLang="en-US" sz="4800" b="1" dirty="0">
+                <a:solidFill>
+                  <a:srgbClr val="002060"/>
+                </a:solidFill>
+                <a:latin typeface="微軟正黑體" pitchFamily="34" charset="-120"/>
+                <a:ea typeface="微軟正黑體" pitchFamily="34" charset="-120"/>
+              </a:rPr>
+              <a:t>邦一致頌揚</a:t>
+            </a:r>
+            <a:endParaRPr lang="en-US" altLang="zh-TW" sz="4800" b="1" dirty="0">
+              <a:solidFill>
+                <a:srgbClr val="002060"/>
+              </a:solidFill>
+              <a:latin typeface="微軟正黑體" pitchFamily="34" charset="-120"/>
+              <a:ea typeface="微軟正黑體" pitchFamily="34" charset="-120"/>
+            </a:endParaRPr>
+          </a:p>
+          <a:p>
+            <a:pPr algn="ctr">
+              <a:buNone/>
+            </a:pPr>
+            <a:r>
+              <a:rPr lang="zh-TW" altLang="en-US" sz="4800" b="1" dirty="0">
+                <a:solidFill>
+                  <a:srgbClr val="002060"/>
+                </a:solidFill>
+                <a:latin typeface="微軟正黑體" pitchFamily="34" charset="-120"/>
+                <a:ea typeface="微軟正黑體" pitchFamily="34" charset="-120"/>
+              </a:rPr>
+              <a:t>讓這歌盡獻主  榮光高照諸天</a:t>
+            </a:r>
+            <a:endParaRPr lang="en-US" altLang="zh-TW" sz="4800" b="1" dirty="0">
+              <a:solidFill>
+                <a:srgbClr val="002060"/>
+              </a:solidFill>
+              <a:latin typeface="微軟正黑體" pitchFamily="34" charset="-120"/>
+              <a:ea typeface="微軟正黑體" pitchFamily="34" charset="-120"/>
+            </a:endParaRPr>
+          </a:p>
+          <a:p>
+            <a:pPr algn="ctr">
+              <a:buNone/>
+            </a:pPr>
+            <a:r>
+              <a:rPr lang="zh-TW" altLang="en-US" sz="4800" b="1" dirty="0">
+                <a:solidFill>
+                  <a:srgbClr val="002060"/>
+                </a:solidFill>
+                <a:latin typeface="微軟正黑體" pitchFamily="34" charset="-120"/>
+                <a:ea typeface="微軟正黑體" pitchFamily="34" charset="-120"/>
+              </a:rPr>
+              <a:t>慈愛達到穹蒼處  恩慈信實</a:t>
+            </a:r>
+            <a:endParaRPr lang="en-US" altLang="zh-TW" sz="4800" b="1" dirty="0">
+              <a:solidFill>
+                <a:srgbClr val="002060"/>
+              </a:solidFill>
+              <a:latin typeface="微軟正黑體" pitchFamily="34" charset="-120"/>
+              <a:ea typeface="微軟正黑體" pitchFamily="34" charset="-120"/>
+            </a:endParaRPr>
+          </a:p>
+          <a:p>
+            <a:pPr algn="ctr">
+              <a:buNone/>
+            </a:pPr>
+            <a:r>
+              <a:rPr lang="zh-TW" altLang="en-US" sz="4800" b="1" dirty="0">
+                <a:solidFill>
+                  <a:srgbClr val="002060"/>
+                </a:solidFill>
+                <a:latin typeface="微軟正黑體" pitchFamily="34" charset="-120"/>
+                <a:ea typeface="微軟正黑體" pitchFamily="34" charset="-120"/>
+              </a:rPr>
+              <a:t>並賜下寬容饒恕</a:t>
+            </a:r>
+          </a:p>
+        </p:txBody>
+      </p:sp>
+    </p:spTree>
+    <p:extLst>
+      <p:ext uri="{BB962C8B-B14F-4D97-AF65-F5344CB8AC3E}">
+        <p14:creationId xmlns:p14="http://schemas.microsoft.com/office/powerpoint/2010/main" val="439799258"/>
+      </p:ext>
+    </p:extLst>
+  </p:cSld>
+  <p:clrMapOvr>
+    <a:masterClrMapping/>
+  </p:clrMapOvr>
+</p:sld>
+</file>
+
+<file path=ppt/slides/slide5.xml><?xml version="1.0" encoding="utf-8"?>
+<p:sld xmlns:a="http://schemas.openxmlformats.org/drawingml/2006/main" xmlns:r="http://schemas.openxmlformats.org/officeDocument/2006/relationships" xmlns:p="http://schemas.openxmlformats.org/presentationml/2006/main">
+  <p:cSld>
+    <p:spTree>
+      <p:nvGrpSpPr>
+        <p:cNvPr id="1" name=""/>
+        <p:cNvGrpSpPr/>
+        <p:nvPr/>
+      </p:nvGrpSpPr>
+      <p:grpSpPr>
+        <a:xfrm>
+          <a:off x="0" y="0"/>
+          <a:ext cx="0" cy="0"/>
+          <a:chOff x="0" y="0"/>
+          <a:chExt cx="0" cy="0"/>
+        </a:xfrm>
+      </p:grpSpPr>
+      <p:sp>
+        <p:nvSpPr>
+          <p:cNvPr id="4" name="標題 3"/>
+          <p:cNvSpPr>
+            <a:spLocks noGrp="1"/>
+          </p:cNvSpPr>
+          <p:nvPr>
+            <p:ph type="title"/>
+          </p:nvPr>
+        </p:nvSpPr>
+        <p:spPr/>
+        <p:txBody>
+          <a:bodyPr>
+            <a:normAutofit/>
+          </a:bodyPr>
+          <a:lstStyle/>
+          <a:p>
+            <a:r>
+              <a:rPr lang="zh-TW" altLang="en-US" sz="4000" b="1" dirty="0">
+                <a:latin typeface="微軟正黑體" pitchFamily="34" charset="-120"/>
+                <a:ea typeface="微軟正黑體" pitchFamily="34" charset="-120"/>
+              </a:rPr>
+              <a:t>全地至高是我主</a:t>
+            </a:r>
+          </a:p>
+        </p:txBody>
+      </p:sp>
+      <p:sp>
+        <p:nvSpPr>
+          <p:cNvPr id="5" name="內容版面配置區 4"/>
+          <p:cNvSpPr>
+            <a:spLocks noGrp="1"/>
+          </p:cNvSpPr>
+          <p:nvPr>
+            <p:ph idx="1"/>
+          </p:nvPr>
+        </p:nvSpPr>
+        <p:spPr>
+          <a:xfrm>
+            <a:off x="0" y="1200151"/>
+            <a:ext cx="9144000" cy="3394472"/>
+          </a:xfrm>
+        </p:spPr>
+        <p:txBody>
+          <a:bodyPr>
+            <a:noAutofit/>
+          </a:bodyPr>
+          <a:lstStyle/>
+          <a:p>
+            <a:pPr algn="ctr">
+              <a:buNone/>
+            </a:pPr>
+            <a:r>
+              <a:rPr lang="zh-TW" altLang="en-US" sz="4800" b="1" dirty="0">
+                <a:solidFill>
+                  <a:srgbClr val="002060"/>
+                </a:solidFill>
+                <a:latin typeface="微軟正黑體" pitchFamily="34" charset="-120"/>
+                <a:ea typeface="微軟正黑體" pitchFamily="34" charset="-120"/>
+              </a:rPr>
+              <a:t>全地至高是我</a:t>
+            </a:r>
+            <a:r>
+              <a:rPr lang="zh-TW" altLang="en-US" sz="4800" b="1" dirty="0" smtClean="0">
+                <a:solidFill>
+                  <a:srgbClr val="002060"/>
+                </a:solidFill>
+                <a:latin typeface="微軟正黑體" pitchFamily="34" charset="-120"/>
+                <a:ea typeface="微軟正黑體" pitchFamily="34" charset="-120"/>
+              </a:rPr>
+              <a:t>主</a:t>
+            </a:r>
+            <a:r>
+              <a:rPr lang="en-US" altLang="zh-TW" sz="4800" b="1" dirty="0" smtClean="0">
+                <a:solidFill>
+                  <a:srgbClr val="002060"/>
+                </a:solidFill>
+                <a:latin typeface="微軟正黑體" pitchFamily="34" charset="-120"/>
+                <a:ea typeface="微軟正黑體" pitchFamily="34" charset="-120"/>
+              </a:rPr>
+              <a:t>  </a:t>
+            </a:r>
+            <a:r>
+              <a:rPr lang="zh-TW" altLang="en-US" sz="4800" b="1" dirty="0" smtClean="0">
+                <a:solidFill>
+                  <a:srgbClr val="002060"/>
+                </a:solidFill>
+                <a:latin typeface="微軟正黑體" pitchFamily="34" charset="-120"/>
+                <a:ea typeface="微軟正黑體" pitchFamily="34" charset="-120"/>
+              </a:rPr>
+              <a:t>各</a:t>
+            </a:r>
+            <a:r>
+              <a:rPr lang="zh-TW" altLang="en-US" sz="4800" b="1" dirty="0">
+                <a:solidFill>
+                  <a:srgbClr val="002060"/>
+                </a:solidFill>
+                <a:latin typeface="微軟正黑體" pitchFamily="34" charset="-120"/>
+                <a:ea typeface="微軟正黑體" pitchFamily="34" charset="-120"/>
+              </a:rPr>
+              <a:t>邦一致頌揚</a:t>
+            </a:r>
+            <a:endParaRPr lang="en-US" altLang="zh-TW" sz="4800" b="1" dirty="0">
+              <a:solidFill>
+                <a:srgbClr val="002060"/>
+              </a:solidFill>
+              <a:latin typeface="微軟正黑體" pitchFamily="34" charset="-120"/>
+              <a:ea typeface="微軟正黑體" pitchFamily="34" charset="-120"/>
+            </a:endParaRPr>
+          </a:p>
+          <a:p>
+            <a:pPr algn="ctr">
+              <a:buNone/>
+            </a:pPr>
+            <a:r>
+              <a:rPr lang="zh-TW" altLang="en-US" sz="4800" b="1" dirty="0">
+                <a:solidFill>
+                  <a:srgbClr val="002060"/>
+                </a:solidFill>
+                <a:latin typeface="微軟正黑體" pitchFamily="34" charset="-120"/>
+                <a:ea typeface="微軟正黑體" pitchFamily="34" charset="-120"/>
+              </a:rPr>
+              <a:t>讓這歌盡獻主  榮光高照諸天</a:t>
+            </a:r>
+            <a:endParaRPr lang="en-US" altLang="zh-TW" sz="4800" b="1" dirty="0">
+              <a:solidFill>
+                <a:srgbClr val="002060"/>
+              </a:solidFill>
+              <a:latin typeface="微軟正黑體" pitchFamily="34" charset="-120"/>
+              <a:ea typeface="微軟正黑體" pitchFamily="34" charset="-120"/>
+            </a:endParaRPr>
+          </a:p>
+          <a:p>
+            <a:pPr algn="ctr">
+              <a:buNone/>
+            </a:pPr>
+            <a:r>
+              <a:rPr lang="zh-TW" altLang="en-US" sz="4800" b="1" dirty="0">
+                <a:solidFill>
+                  <a:srgbClr val="002060"/>
+                </a:solidFill>
+                <a:latin typeface="微軟正黑體" pitchFamily="34" charset="-120"/>
+                <a:ea typeface="微軟正黑體" pitchFamily="34" charset="-120"/>
+              </a:rPr>
+              <a:t>慈愛達到穹蒼處  恩慈信實</a:t>
+            </a:r>
+            <a:endParaRPr lang="en-US" altLang="zh-TW" sz="4800" b="1" dirty="0">
+              <a:solidFill>
+                <a:srgbClr val="002060"/>
+              </a:solidFill>
+              <a:latin typeface="微軟正黑體" pitchFamily="34" charset="-120"/>
+              <a:ea typeface="微軟正黑體" pitchFamily="34" charset="-120"/>
+            </a:endParaRPr>
+          </a:p>
+          <a:p>
+            <a:pPr algn="ctr">
+              <a:buNone/>
+            </a:pPr>
+            <a:r>
+              <a:rPr lang="zh-TW" altLang="en-US" sz="4800" b="1" dirty="0">
+                <a:solidFill>
+                  <a:srgbClr val="002060"/>
+                </a:solidFill>
+                <a:latin typeface="微軟正黑體" pitchFamily="34" charset="-120"/>
+                <a:ea typeface="微軟正黑體" pitchFamily="34" charset="-120"/>
+              </a:rPr>
+              <a:t>並賜下寬容饒恕</a:t>
+            </a:r>
+          </a:p>
+        </p:txBody>
+      </p:sp>
+    </p:spTree>
+    <p:extLst>
+      <p:ext uri="{BB962C8B-B14F-4D97-AF65-F5344CB8AC3E}">
+        <p14:creationId xmlns:p14="http://schemas.microsoft.com/office/powerpoint/2010/main" val="1671156545"/>
+      </p:ext>
+    </p:extLst>
+  </p:cSld>
+  <p:clrMapOvr>
+    <a:masterClrMapping/>
+  </p:clrMapOvr>
+</p:sld>
+</file>
+
+<file path=ppt/slides/slide6.xml><?xml version="1.0" encoding="utf-8"?>
+<p:sld xmlns:a="http://schemas.openxmlformats.org/drawingml/2006/main" xmlns:r="http://schemas.openxmlformats.org/officeDocument/2006/relationships" xmlns:p="http://schemas.openxmlformats.org/presentationml/2006/main">
+  <p:cSld>
+    <p:spTree>
+      <p:nvGrpSpPr>
+        <p:cNvPr id="1" name=""/>
+        <p:cNvGrpSpPr/>
+        <p:nvPr/>
+      </p:nvGrpSpPr>
+      <p:grpSpPr>
+        <a:xfrm>
+          <a:off x="0" y="0"/>
+          <a:ext cx="0" cy="0"/>
+          <a:chOff x="0" y="0"/>
+          <a:chExt cx="0" cy="0"/>
+        </a:xfrm>
+      </p:grpSpPr>
+      <p:sp>
+        <p:nvSpPr>
+          <p:cNvPr id="4" name="標題 3"/>
+          <p:cNvSpPr>
+            <a:spLocks noGrp="1"/>
+          </p:cNvSpPr>
+          <p:nvPr>
+            <p:ph type="title"/>
+          </p:nvPr>
+        </p:nvSpPr>
+        <p:spPr/>
+        <p:txBody>
+          <a:bodyPr>
+            <a:normAutofit/>
+          </a:bodyPr>
+          <a:lstStyle/>
+          <a:p>
+            <a:r>
+              <a:rPr lang="zh-TW" altLang="en-US" sz="4000" b="1" dirty="0">
+                <a:latin typeface="微軟正黑體" pitchFamily="34" charset="-120"/>
+                <a:ea typeface="微軟正黑體" pitchFamily="34" charset="-120"/>
+              </a:rPr>
+              <a:t>全地至高是我主</a:t>
+            </a:r>
+          </a:p>
+        </p:txBody>
+      </p:sp>
+      <p:sp>
+        <p:nvSpPr>
+          <p:cNvPr id="5" name="內容版面配置區 4"/>
+          <p:cNvSpPr>
+            <a:spLocks noGrp="1"/>
+          </p:cNvSpPr>
+          <p:nvPr>
+            <p:ph idx="1"/>
+          </p:nvPr>
+        </p:nvSpPr>
+        <p:spPr>
+          <a:xfrm>
+            <a:off x="0" y="1200151"/>
+            <a:ext cx="9144000" cy="3394472"/>
+          </a:xfrm>
+        </p:spPr>
+        <p:txBody>
+          <a:bodyPr>
+            <a:noAutofit/>
+          </a:bodyPr>
+          <a:lstStyle/>
+          <a:p>
+            <a:pPr algn="ctr">
+              <a:buNone/>
+            </a:pPr>
+            <a:r>
+              <a:rPr lang="zh-TW" altLang="en-US" sz="4800" b="1" dirty="0">
+                <a:solidFill>
+                  <a:srgbClr val="002060"/>
+                </a:solidFill>
+                <a:latin typeface="微軟正黑體" pitchFamily="34" charset="-120"/>
+                <a:ea typeface="微軟正黑體" pitchFamily="34" charset="-120"/>
+              </a:rPr>
+              <a:t>全地至高是我</a:t>
+            </a:r>
+            <a:r>
+              <a:rPr lang="zh-TW" altLang="en-US" sz="4800" b="1" dirty="0" smtClean="0">
+                <a:solidFill>
+                  <a:srgbClr val="002060"/>
+                </a:solidFill>
+                <a:latin typeface="微軟正黑體" pitchFamily="34" charset="-120"/>
+                <a:ea typeface="微軟正黑體" pitchFamily="34" charset="-120"/>
+              </a:rPr>
+              <a:t>主</a:t>
+            </a:r>
+            <a:r>
+              <a:rPr lang="en-US" altLang="zh-TW" sz="4800" b="1" dirty="0" smtClean="0">
+                <a:solidFill>
+                  <a:srgbClr val="002060"/>
+                </a:solidFill>
+                <a:latin typeface="微軟正黑體" pitchFamily="34" charset="-120"/>
+                <a:ea typeface="微軟正黑體" pitchFamily="34" charset="-120"/>
+              </a:rPr>
+              <a:t>  </a:t>
+            </a:r>
+            <a:r>
+              <a:rPr lang="zh-TW" altLang="en-US" sz="4800" b="1" dirty="0" smtClean="0">
+                <a:solidFill>
+                  <a:srgbClr val="002060"/>
+                </a:solidFill>
+                <a:latin typeface="微軟正黑體" pitchFamily="34" charset="-120"/>
+                <a:ea typeface="微軟正黑體" pitchFamily="34" charset="-120"/>
+              </a:rPr>
+              <a:t>各</a:t>
+            </a:r>
+            <a:r>
+              <a:rPr lang="zh-TW" altLang="en-US" sz="4800" b="1" dirty="0">
+                <a:solidFill>
+                  <a:srgbClr val="002060"/>
+                </a:solidFill>
+                <a:latin typeface="微軟正黑體" pitchFamily="34" charset="-120"/>
+                <a:ea typeface="微軟正黑體" pitchFamily="34" charset="-120"/>
+              </a:rPr>
+              <a:t>邦一致頌揚</a:t>
+            </a:r>
+            <a:endParaRPr lang="en-US" altLang="zh-TW" sz="4800" b="1" dirty="0">
+              <a:solidFill>
+                <a:srgbClr val="002060"/>
+              </a:solidFill>
+              <a:latin typeface="微軟正黑體" pitchFamily="34" charset="-120"/>
+              <a:ea typeface="微軟正黑體" pitchFamily="34" charset="-120"/>
+            </a:endParaRPr>
+          </a:p>
+          <a:p>
+            <a:pPr algn="ctr">
+              <a:buNone/>
+            </a:pPr>
+            <a:r>
+              <a:rPr lang="zh-TW" altLang="en-US" sz="4800" b="1" dirty="0">
+                <a:solidFill>
+                  <a:srgbClr val="002060"/>
+                </a:solidFill>
+                <a:latin typeface="微軟正黑體" pitchFamily="34" charset="-120"/>
+                <a:ea typeface="微軟正黑體" pitchFamily="34" charset="-120"/>
+              </a:rPr>
+              <a:t>讓這歌盡獻主  榮光高照諸天</a:t>
+            </a:r>
+            <a:endParaRPr lang="en-US" altLang="zh-TW" sz="4800" b="1" dirty="0">
+              <a:solidFill>
+                <a:srgbClr val="002060"/>
+              </a:solidFill>
+              <a:latin typeface="微軟正黑體" pitchFamily="34" charset="-120"/>
+              <a:ea typeface="微軟正黑體" pitchFamily="34" charset="-120"/>
+            </a:endParaRPr>
+          </a:p>
+          <a:p>
+            <a:pPr algn="ctr">
+              <a:buNone/>
+            </a:pPr>
+            <a:r>
+              <a:rPr lang="zh-TW" altLang="en-US" sz="4800" b="1" dirty="0">
+                <a:solidFill>
+                  <a:srgbClr val="002060"/>
+                </a:solidFill>
+                <a:latin typeface="微軟正黑體" pitchFamily="34" charset="-120"/>
+                <a:ea typeface="微軟正黑體" pitchFamily="34" charset="-120"/>
+              </a:rPr>
+              <a:t>慈愛達到穹蒼處  恩慈信實</a:t>
+            </a:r>
+            <a:endParaRPr lang="en-US" altLang="zh-TW" sz="4800" b="1" dirty="0">
+              <a:solidFill>
+                <a:srgbClr val="002060"/>
+              </a:solidFill>
+              <a:latin typeface="微軟正黑體" pitchFamily="34" charset="-120"/>
+              <a:ea typeface="微軟正黑體" pitchFamily="34" charset="-120"/>
+            </a:endParaRPr>
+          </a:p>
+          <a:p>
+            <a:pPr algn="ctr">
+              <a:buNone/>
+            </a:pPr>
+            <a:r>
+              <a:rPr lang="zh-TW" altLang="en-US" sz="4800" b="1" dirty="0">
+                <a:solidFill>
+                  <a:srgbClr val="002060"/>
+                </a:solidFill>
+                <a:latin typeface="微軟正黑體" pitchFamily="34" charset="-120"/>
+                <a:ea typeface="微軟正黑體" pitchFamily="34" charset="-120"/>
+              </a:rPr>
+              <a:t>並賜下寬容饒恕</a:t>
+            </a:r>
+          </a:p>
+        </p:txBody>
+      </p:sp>
+    </p:spTree>
+    <p:extLst>
+      <p:ext uri="{BB962C8B-B14F-4D97-AF65-F5344CB8AC3E}">
+        <p14:creationId xmlns:p14="http://schemas.microsoft.com/office/powerpoint/2010/main" val="941261003"/>
+      </p:ext>
+    </p:extLst>
+  </p:cSld>
+  <p:clrMapOvr>
+    <a:masterClrMapping/>
+  </p:clrMapOvr>
+</p:sld>
+</file>
+
+<file path=ppt/slides/slide7.xml><?xml version="1.0" encoding="utf-8"?>
+<p:sld xmlns:a="http://schemas.openxmlformats.org/drawingml/2006/main" xmlns:r="http://schemas.openxmlformats.org/officeDocument/2006/relationships" xmlns:p="http://schemas.openxmlformats.org/presentationml/2006/main">
+  <p:cSld>
+    <p:spTree>
+      <p:nvGrpSpPr>
+        <p:cNvPr id="1" name=""/>
+        <p:cNvGrpSpPr/>
+        <p:nvPr/>
+      </p:nvGrpSpPr>
+      <p:grpSpPr>
+        <a:xfrm>
+          <a:off x="0" y="0"/>
+          <a:ext cx="0" cy="0"/>
+          <a:chOff x="0" y="0"/>
+          <a:chExt cx="0" cy="0"/>
+        </a:xfrm>
+      </p:grpSpPr>
+      <p:sp>
+        <p:nvSpPr>
+          <p:cNvPr id="4" name="標題 3"/>
+          <p:cNvSpPr>
+            <a:spLocks noGrp="1"/>
+          </p:cNvSpPr>
+          <p:nvPr>
+            <p:ph type="title"/>
+          </p:nvPr>
+        </p:nvSpPr>
+        <p:spPr/>
+        <p:txBody>
+          <a:bodyPr/>
+          <a:lstStyle/>
+          <a:p>
+            <a:r>
+              <a:rPr lang="zh-TW" altLang="en-US" b="1" dirty="0">
+                <a:latin typeface="微軟正黑體" pitchFamily="34" charset="-120"/>
+                <a:ea typeface="微軟正黑體" pitchFamily="34" charset="-120"/>
+              </a:rPr>
+              <a:t>獻給我天上的主</a:t>
+            </a:r>
+          </a:p>
+        </p:txBody>
+      </p:sp>
+      <p:sp>
+        <p:nvSpPr>
+          <p:cNvPr id="5" name="內容版面配置區 4"/>
+          <p:cNvSpPr>
+            <a:spLocks noGrp="1"/>
+          </p:cNvSpPr>
+          <p:nvPr>
+            <p:ph idx="1"/>
+          </p:nvPr>
+        </p:nvSpPr>
+        <p:spPr/>
+        <p:txBody>
+          <a:bodyPr>
+            <a:normAutofit/>
+          </a:bodyPr>
+          <a:lstStyle/>
+          <a:p>
+            <a:pPr algn="ctr">
+              <a:buNone/>
+            </a:pPr>
+            <a:r>
+              <a:rPr lang="zh-TW" altLang="en-US" sz="4050" b="1" dirty="0">
+                <a:solidFill>
+                  <a:srgbClr val="002060"/>
+                </a:solidFill>
+                <a:latin typeface="微軟正黑體" pitchFamily="34" charset="-120"/>
+                <a:ea typeface="微軟正黑體" pitchFamily="34" charset="-120"/>
+              </a:rPr>
+              <a:t>在我心中有千百萬</a:t>
+            </a:r>
+            <a:r>
+              <a:rPr lang="zh-TW" altLang="en-US" sz="4050" b="1" dirty="0">
+                <a:solidFill>
+                  <a:srgbClr val="002060"/>
+                </a:solidFill>
+                <a:latin typeface="微軟正黑體" pitchFamily="34" charset="-120"/>
+                <a:ea typeface="微軟正黑體" pitchFamily="34" charset="-120"/>
+              </a:rPr>
+              <a:t>心聲</a:t>
+            </a:r>
+            <a:endParaRPr lang="en-US" altLang="zh-TW" sz="4050" b="1" dirty="0">
+              <a:solidFill>
+                <a:srgbClr val="002060"/>
+              </a:solidFill>
+              <a:latin typeface="微軟正黑體" pitchFamily="34" charset="-120"/>
+              <a:ea typeface="微軟正黑體" pitchFamily="34" charset="-120"/>
+            </a:endParaRPr>
+          </a:p>
+          <a:p>
+            <a:pPr algn="ctr">
+              <a:buNone/>
+            </a:pPr>
+            <a:r>
+              <a:rPr lang="zh-TW" altLang="en-US" sz="4050" b="1" dirty="0">
+                <a:solidFill>
+                  <a:srgbClr val="002060"/>
+                </a:solidFill>
+                <a:latin typeface="微軟正黑體" pitchFamily="34" charset="-120"/>
+                <a:ea typeface="微軟正黑體" pitchFamily="34" charset="-120"/>
+              </a:rPr>
+              <a:t>來</a:t>
+            </a:r>
+            <a:r>
+              <a:rPr lang="zh-TW" altLang="en-US" sz="4050" b="1" dirty="0">
+                <a:solidFill>
+                  <a:srgbClr val="002060"/>
+                </a:solidFill>
+                <a:latin typeface="微軟正黑體" pitchFamily="34" charset="-120"/>
+                <a:ea typeface="微軟正黑體" pitchFamily="34" charset="-120"/>
+              </a:rPr>
+              <a:t>呈獻給我天上的</a:t>
+            </a:r>
+            <a:r>
+              <a:rPr lang="zh-TW" altLang="en-US" sz="4050" b="1" dirty="0">
+                <a:solidFill>
+                  <a:srgbClr val="002060"/>
+                </a:solidFill>
+                <a:latin typeface="微軟正黑體" pitchFamily="34" charset="-120"/>
+                <a:ea typeface="微軟正黑體" pitchFamily="34" charset="-120"/>
+              </a:rPr>
+              <a:t>主</a:t>
+            </a:r>
+            <a:endParaRPr lang="en-US" altLang="zh-TW" sz="4050" b="1" dirty="0">
+              <a:solidFill>
+                <a:srgbClr val="002060"/>
+              </a:solidFill>
+              <a:latin typeface="微軟正黑體" pitchFamily="34" charset="-120"/>
+              <a:ea typeface="微軟正黑體" pitchFamily="34" charset="-120"/>
+            </a:endParaRPr>
+          </a:p>
+          <a:p>
+            <a:pPr algn="ctr">
+              <a:buNone/>
+            </a:pPr>
+            <a:r>
+              <a:rPr lang="zh-TW" altLang="en-US" sz="4050" b="1" dirty="0">
+                <a:solidFill>
+                  <a:srgbClr val="002060"/>
+                </a:solidFill>
+                <a:latin typeface="微軟正黑體" pitchFamily="34" charset="-120"/>
+                <a:ea typeface="微軟正黑體" pitchFamily="34" charset="-120"/>
+              </a:rPr>
+              <a:t>願</a:t>
+            </a:r>
+            <a:r>
+              <a:rPr lang="zh-TW" altLang="en-US" sz="4050" b="1" dirty="0">
+                <a:solidFill>
+                  <a:srgbClr val="002060"/>
+                </a:solidFill>
+                <a:latin typeface="微軟正黑體" pitchFamily="34" charset="-120"/>
+                <a:ea typeface="微軟正黑體" pitchFamily="34" charset="-120"/>
+              </a:rPr>
+              <a:t>讚美崇揚都一一歸給</a:t>
+            </a:r>
+            <a:r>
+              <a:rPr lang="zh-TW" altLang="en-US" sz="4050" b="1" dirty="0">
+                <a:solidFill>
+                  <a:srgbClr val="002060"/>
+                </a:solidFill>
+                <a:latin typeface="微軟正黑體" pitchFamily="34" charset="-120"/>
+                <a:ea typeface="微軟正黑體" pitchFamily="34" charset="-120"/>
+              </a:rPr>
+              <a:t>你</a:t>
+            </a:r>
+            <a:endParaRPr lang="en-US" altLang="zh-TW" sz="4050" b="1" dirty="0">
+              <a:solidFill>
+                <a:srgbClr val="002060"/>
+              </a:solidFill>
+              <a:latin typeface="微軟正黑體" pitchFamily="34" charset="-120"/>
+              <a:ea typeface="微軟正黑體" pitchFamily="34" charset="-120"/>
+            </a:endParaRPr>
+          </a:p>
+          <a:p>
+            <a:pPr algn="ctr">
+              <a:buNone/>
+            </a:pPr>
+            <a:r>
+              <a:rPr lang="zh-TW" altLang="en-US" sz="4050" b="1" dirty="0">
+                <a:solidFill>
+                  <a:srgbClr val="002060"/>
+                </a:solidFill>
+                <a:latin typeface="微軟正黑體" pitchFamily="34" charset="-120"/>
+                <a:ea typeface="微軟正黑體" pitchFamily="34" charset="-120"/>
+              </a:rPr>
+              <a:t>主</a:t>
+            </a:r>
+            <a:r>
+              <a:rPr lang="zh-TW" altLang="en-US" sz="4050" b="1" dirty="0">
+                <a:solidFill>
+                  <a:srgbClr val="002060"/>
+                </a:solidFill>
+                <a:latin typeface="微軟正黑體" pitchFamily="34" charset="-120"/>
+                <a:ea typeface="微軟正黑體" pitchFamily="34" charset="-120"/>
+              </a:rPr>
+              <a:t>你是偉大完美</a:t>
+            </a:r>
+          </a:p>
+        </p:txBody>
+      </p:sp>
+    </p:spTree>
+    <p:extLst>
+      <p:ext uri="{BB962C8B-B14F-4D97-AF65-F5344CB8AC3E}">
+        <p14:creationId xmlns:p14="http://schemas.microsoft.com/office/powerpoint/2010/main" val="376375451"/>
+      </p:ext>
+    </p:extLst>
+  </p:cSld>
+  <p:clrMapOvr>
+    <a:masterClrMapping/>
+  </p:clrMapOvr>
+</p:sld>
+</file>
+
+<file path=ppt/slides/slide8.xml><?xml version="1.0" encoding="utf-8"?>
+<p:sld xmlns:a="http://schemas.openxmlformats.org/drawingml/2006/main" xmlns:r="http://schemas.openxmlformats.org/officeDocument/2006/relationships" xmlns:p="http://schemas.openxmlformats.org/presentationml/2006/main">
+  <p:cSld>
+    <p:spTree>
+      <p:nvGrpSpPr>
+        <p:cNvPr id="1" name=""/>
+        <p:cNvGrpSpPr/>
+        <p:nvPr/>
+      </p:nvGrpSpPr>
+      <p:grpSpPr>
+        <a:xfrm>
+          <a:off x="0" y="0"/>
+          <a:ext cx="0" cy="0"/>
+          <a:chOff x="0" y="0"/>
+          <a:chExt cx="0" cy="0"/>
+        </a:xfrm>
+      </p:grpSpPr>
+      <p:sp>
+        <p:nvSpPr>
+          <p:cNvPr id="4" name="標題 3"/>
+          <p:cNvSpPr>
+            <a:spLocks noGrp="1"/>
+          </p:cNvSpPr>
+          <p:nvPr>
+            <p:ph type="title"/>
+          </p:nvPr>
+        </p:nvSpPr>
+        <p:spPr/>
+        <p:txBody>
+          <a:bodyPr/>
+          <a:lstStyle/>
+          <a:p>
+            <a:r>
+              <a:rPr lang="zh-TW" altLang="en-US" b="1" dirty="0">
+                <a:latin typeface="微軟正黑體" pitchFamily="34" charset="-120"/>
+                <a:ea typeface="微軟正黑體" pitchFamily="34" charset="-120"/>
+              </a:rPr>
+              <a:t>獻給我天上的主</a:t>
+            </a:r>
+          </a:p>
+        </p:txBody>
+      </p:sp>
+      <p:sp>
+        <p:nvSpPr>
+          <p:cNvPr id="5" name="內容版面配置區 4"/>
+          <p:cNvSpPr>
+            <a:spLocks noGrp="1"/>
+          </p:cNvSpPr>
+          <p:nvPr>
+            <p:ph idx="1"/>
+          </p:nvPr>
+        </p:nvSpPr>
+        <p:spPr/>
+        <p:txBody>
+          <a:bodyPr>
+            <a:normAutofit/>
+          </a:bodyPr>
+          <a:lstStyle/>
+          <a:p>
+            <a:pPr algn="ctr">
+              <a:buNone/>
+            </a:pPr>
+            <a:r>
+              <a:rPr lang="zh-TW" altLang="en-US" sz="4050" b="1" dirty="0">
+                <a:solidFill>
+                  <a:srgbClr val="002060"/>
+                </a:solidFill>
+                <a:latin typeface="微軟正黑體" pitchFamily="34" charset="-120"/>
+                <a:ea typeface="微軟正黑體" pitchFamily="34" charset="-120"/>
+              </a:rPr>
+              <a:t>在我心中有數不盡</a:t>
+            </a:r>
+            <a:r>
+              <a:rPr lang="zh-TW" altLang="en-US" sz="4050" b="1" dirty="0">
+                <a:solidFill>
+                  <a:srgbClr val="002060"/>
+                </a:solidFill>
+                <a:latin typeface="微軟正黑體" pitchFamily="34" charset="-120"/>
+                <a:ea typeface="微軟正黑體" pitchFamily="34" charset="-120"/>
+              </a:rPr>
+              <a:t>感恩</a:t>
+            </a:r>
+            <a:endParaRPr lang="en-US" altLang="zh-TW" sz="4050" b="1" dirty="0">
+              <a:solidFill>
+                <a:srgbClr val="002060"/>
+              </a:solidFill>
+              <a:latin typeface="微軟正黑體" pitchFamily="34" charset="-120"/>
+              <a:ea typeface="微軟正黑體" pitchFamily="34" charset="-120"/>
+            </a:endParaRPr>
+          </a:p>
+          <a:p>
+            <a:pPr algn="ctr">
+              <a:buNone/>
+            </a:pPr>
+            <a:r>
+              <a:rPr lang="zh-TW" altLang="en-US" sz="4050" b="1" dirty="0">
+                <a:solidFill>
+                  <a:srgbClr val="002060"/>
+                </a:solidFill>
+                <a:latin typeface="微軟正黑體" pitchFamily="34" charset="-120"/>
+                <a:ea typeface="微軟正黑體" pitchFamily="34" charset="-120"/>
+              </a:rPr>
+              <a:t>來</a:t>
+            </a:r>
+            <a:r>
+              <a:rPr lang="zh-TW" altLang="en-US" sz="4050" b="1" dirty="0">
+                <a:solidFill>
+                  <a:srgbClr val="002060"/>
+                </a:solidFill>
+                <a:latin typeface="微軟正黑體" pitchFamily="34" charset="-120"/>
+                <a:ea typeface="微軟正黑體" pitchFamily="34" charset="-120"/>
+              </a:rPr>
+              <a:t>呈獻給我天上恩</a:t>
+            </a:r>
+            <a:r>
+              <a:rPr lang="zh-TW" altLang="en-US" sz="4050" b="1" dirty="0">
+                <a:solidFill>
+                  <a:srgbClr val="002060"/>
+                </a:solidFill>
+                <a:latin typeface="微軟正黑體" pitchFamily="34" charset="-120"/>
+                <a:ea typeface="微軟正黑體" pitchFamily="34" charset="-120"/>
+              </a:rPr>
+              <a:t>主</a:t>
+            </a:r>
+            <a:endParaRPr lang="en-US" altLang="zh-TW" sz="4050" b="1" dirty="0">
+              <a:solidFill>
+                <a:srgbClr val="002060"/>
+              </a:solidFill>
+              <a:latin typeface="微軟正黑體" pitchFamily="34" charset="-120"/>
+              <a:ea typeface="微軟正黑體" pitchFamily="34" charset="-120"/>
+            </a:endParaRPr>
+          </a:p>
+          <a:p>
+            <a:pPr algn="ctr">
+              <a:buNone/>
+            </a:pPr>
+            <a:r>
+              <a:rPr lang="zh-TW" altLang="en-US" sz="4050" b="1" dirty="0">
+                <a:solidFill>
+                  <a:srgbClr val="002060"/>
+                </a:solidFill>
+                <a:latin typeface="微軟正黑體" pitchFamily="34" charset="-120"/>
+                <a:ea typeface="微軟正黑體" pitchFamily="34" charset="-120"/>
+              </a:rPr>
+              <a:t>願</a:t>
+            </a:r>
+            <a:r>
+              <a:rPr lang="zh-TW" altLang="en-US" sz="4050" b="1" dirty="0">
+                <a:solidFill>
+                  <a:srgbClr val="002060"/>
+                </a:solidFill>
+                <a:latin typeface="微軟正黑體" pitchFamily="34" charset="-120"/>
+                <a:ea typeface="微軟正黑體" pitchFamily="34" charset="-120"/>
+              </a:rPr>
+              <a:t>見證傳揚主恩典多麼</a:t>
+            </a:r>
+            <a:r>
+              <a:rPr lang="zh-TW" altLang="en-US" sz="4050" b="1" dirty="0">
+                <a:solidFill>
+                  <a:srgbClr val="002060"/>
+                </a:solidFill>
+                <a:latin typeface="微軟正黑體" pitchFamily="34" charset="-120"/>
+                <a:ea typeface="微軟正黑體" pitchFamily="34" charset="-120"/>
+              </a:rPr>
+              <a:t>美</a:t>
+            </a:r>
+            <a:endParaRPr lang="en-US" altLang="zh-TW" sz="4050" b="1" dirty="0">
+              <a:solidFill>
+                <a:srgbClr val="002060"/>
+              </a:solidFill>
+              <a:latin typeface="微軟正黑體" pitchFamily="34" charset="-120"/>
+              <a:ea typeface="微軟正黑體" pitchFamily="34" charset="-120"/>
+            </a:endParaRPr>
+          </a:p>
+          <a:p>
+            <a:pPr algn="ctr">
+              <a:buNone/>
+            </a:pPr>
+            <a:r>
+              <a:rPr lang="zh-TW" altLang="en-US" sz="4050" b="1" dirty="0">
+                <a:solidFill>
+                  <a:srgbClr val="002060"/>
+                </a:solidFill>
+                <a:latin typeface="微軟正黑體" pitchFamily="34" charset="-120"/>
+                <a:ea typeface="微軟正黑體" pitchFamily="34" charset="-120"/>
+              </a:rPr>
+              <a:t>感激</a:t>
+            </a:r>
+            <a:r>
+              <a:rPr lang="zh-TW" altLang="en-US" sz="4050" b="1" dirty="0">
+                <a:solidFill>
+                  <a:srgbClr val="002060"/>
+                </a:solidFill>
+                <a:latin typeface="微軟正黑體" pitchFamily="34" charset="-120"/>
+                <a:ea typeface="微軟正黑體" pitchFamily="34" charset="-120"/>
+              </a:rPr>
+              <a:t>你常顧念扶持</a:t>
+            </a:r>
+          </a:p>
+        </p:txBody>
+      </p:sp>
+    </p:spTree>
+    <p:extLst>
+      <p:ext uri="{BB962C8B-B14F-4D97-AF65-F5344CB8AC3E}">
+        <p14:creationId xmlns:p14="http://schemas.microsoft.com/office/powerpoint/2010/main" val="2382723640"/>
+      </p:ext>
+    </p:extLst>
+  </p:cSld>
+  <p:clrMapOvr>
+    <a:masterClrMapping/>
+  </p:clrMapOvr>
+</p:sld>
+</file>
+
+<file path=ppt/slides/slide9.xml><?xml version="1.0" encoding="utf-8"?>
+<p:sld xmlns:a="http://schemas.openxmlformats.org/drawingml/2006/main" xmlns:r="http://schemas.openxmlformats.org/officeDocument/2006/relationships" xmlns:p="http://schemas.openxmlformats.org/presentationml/2006/main">
+  <p:cSld>
+    <p:spTree>
+      <p:nvGrpSpPr>
+        <p:cNvPr id="1" name=""/>
+        <p:cNvGrpSpPr/>
+        <p:nvPr/>
+      </p:nvGrpSpPr>
+      <p:grpSpPr>
+        <a:xfrm>
+          <a:off x="0" y="0"/>
+          <a:ext cx="0" cy="0"/>
+          <a:chOff x="0" y="0"/>
+          <a:chExt cx="0" cy="0"/>
+        </a:xfrm>
+      </p:grpSpPr>
+      <p:sp>
+        <p:nvSpPr>
+          <p:cNvPr id="4" name="標題 3"/>
+          <p:cNvSpPr>
+            <a:spLocks noGrp="1"/>
+          </p:cNvSpPr>
+          <p:nvPr>
+            <p:ph type="title"/>
+          </p:nvPr>
+        </p:nvSpPr>
+        <p:spPr/>
+        <p:txBody>
+          <a:bodyPr/>
+          <a:lstStyle/>
+          <a:p>
+            <a:r>
+              <a:rPr lang="zh-TW" altLang="en-US" b="1" dirty="0">
+                <a:latin typeface="微軟正黑體" pitchFamily="34" charset="-120"/>
+                <a:ea typeface="微軟正黑體" pitchFamily="34" charset="-120"/>
+              </a:rPr>
+              <a:t>獻給我天上的主</a:t>
+            </a:r>
+          </a:p>
+        </p:txBody>
+      </p:sp>
+      <p:sp>
+        <p:nvSpPr>
+          <p:cNvPr id="5" name="內容版面配置區 4"/>
+          <p:cNvSpPr>
+            <a:spLocks noGrp="1"/>
+          </p:cNvSpPr>
+          <p:nvPr>
+            <p:ph idx="1"/>
+          </p:nvPr>
+        </p:nvSpPr>
+        <p:spPr>
+          <a:xfrm>
+            <a:off x="1143000" y="1200151"/>
+            <a:ext cx="6858000" cy="3394472"/>
+          </a:xfrm>
+        </p:spPr>
+        <p:txBody>
+          <a:bodyPr>
+            <a:normAutofit/>
+          </a:bodyPr>
+          <a:lstStyle/>
+          <a:p>
+            <a:pPr algn="ctr">
+              <a:buNone/>
+            </a:pPr>
+            <a:r>
+              <a:rPr lang="zh-TW" altLang="en-US" sz="4050" b="1" dirty="0">
+                <a:solidFill>
+                  <a:srgbClr val="002060"/>
+                </a:solidFill>
+                <a:latin typeface="微軟正黑體" pitchFamily="34" charset="-120"/>
+                <a:ea typeface="微軟正黑體" pitchFamily="34" charset="-120"/>
+              </a:rPr>
+              <a:t>齊真心呈獻讚美給</a:t>
+            </a:r>
+            <a:r>
+              <a:rPr lang="zh-TW" altLang="en-US" sz="4050" b="1" dirty="0">
+                <a:solidFill>
+                  <a:srgbClr val="002060"/>
+                </a:solidFill>
+                <a:latin typeface="微軟正黑體" pitchFamily="34" charset="-120"/>
+                <a:ea typeface="微軟正黑體" pitchFamily="34" charset="-120"/>
+              </a:rPr>
+              <a:t>你</a:t>
+            </a:r>
+            <a:endParaRPr lang="en-US" altLang="zh-TW" sz="4050" b="1" dirty="0">
+              <a:solidFill>
+                <a:srgbClr val="002060"/>
+              </a:solidFill>
+              <a:latin typeface="微軟正黑體" pitchFamily="34" charset="-120"/>
+              <a:ea typeface="微軟正黑體" pitchFamily="34" charset="-120"/>
+            </a:endParaRPr>
+          </a:p>
+          <a:p>
+            <a:pPr algn="ctr">
+              <a:buNone/>
+            </a:pPr>
+            <a:r>
+              <a:rPr lang="zh-TW" altLang="en-US" sz="4050" b="1" dirty="0">
+                <a:solidFill>
+                  <a:srgbClr val="002060"/>
+                </a:solidFill>
+                <a:latin typeface="微軟正黑體" pitchFamily="34" charset="-120"/>
+                <a:ea typeface="微軟正黑體" pitchFamily="34" charset="-120"/>
+              </a:rPr>
+              <a:t>盡</a:t>
+            </a:r>
+            <a:r>
+              <a:rPr lang="zh-TW" altLang="en-US" sz="4050" b="1" dirty="0">
+                <a:solidFill>
+                  <a:srgbClr val="002060"/>
+                </a:solidFill>
+                <a:latin typeface="微軟正黑體" pitchFamily="34" charset="-120"/>
+                <a:ea typeface="微軟正黑體" pitchFamily="34" charset="-120"/>
+              </a:rPr>
+              <a:t>我心意頌唱每篇的</a:t>
+            </a:r>
+            <a:r>
+              <a:rPr lang="zh-TW" altLang="en-US" sz="4050" b="1" dirty="0">
+                <a:solidFill>
+                  <a:srgbClr val="002060"/>
+                </a:solidFill>
+                <a:latin typeface="微軟正黑體" pitchFamily="34" charset="-120"/>
+                <a:ea typeface="微軟正黑體" pitchFamily="34" charset="-120"/>
+              </a:rPr>
+              <a:t>詩句</a:t>
+            </a:r>
+            <a:endParaRPr lang="en-US" altLang="zh-TW" sz="4050" b="1" dirty="0">
+              <a:solidFill>
+                <a:srgbClr val="002060"/>
+              </a:solidFill>
+              <a:latin typeface="微軟正黑體" pitchFamily="34" charset="-120"/>
+              <a:ea typeface="微軟正黑體" pitchFamily="34" charset="-120"/>
+            </a:endParaRPr>
+          </a:p>
+          <a:p>
+            <a:pPr algn="ctr">
+              <a:buNone/>
+            </a:pPr>
+            <a:r>
+              <a:rPr lang="zh-TW" altLang="en-US" sz="4050" b="1" dirty="0">
+                <a:solidFill>
+                  <a:srgbClr val="002060"/>
+                </a:solidFill>
+                <a:latin typeface="微軟正黑體" pitchFamily="34" charset="-120"/>
+                <a:ea typeface="微軟正黑體" pitchFamily="34" charset="-120"/>
+              </a:rPr>
+              <a:t>齊</a:t>
+            </a:r>
+            <a:r>
+              <a:rPr lang="zh-TW" altLang="en-US" sz="4050" b="1" dirty="0">
+                <a:solidFill>
+                  <a:srgbClr val="002060"/>
+                </a:solidFill>
+                <a:latin typeface="微軟正黑體" pitchFamily="34" charset="-120"/>
+                <a:ea typeface="微軟正黑體" pitchFamily="34" charset="-120"/>
+              </a:rPr>
+              <a:t>舉手呈獻敬拜永遠歸給</a:t>
+            </a:r>
+            <a:r>
+              <a:rPr lang="zh-TW" altLang="en-US" sz="4050" b="1" dirty="0">
+                <a:solidFill>
+                  <a:srgbClr val="002060"/>
+                </a:solidFill>
+                <a:latin typeface="微軟正黑體" pitchFamily="34" charset="-120"/>
+                <a:ea typeface="微軟正黑體" pitchFamily="34" charset="-120"/>
+              </a:rPr>
+              <a:t>你</a:t>
+            </a:r>
+            <a:endParaRPr lang="en-US" altLang="zh-TW" sz="4050" b="1" dirty="0">
+              <a:solidFill>
+                <a:srgbClr val="002060"/>
+              </a:solidFill>
+              <a:latin typeface="微軟正黑體" pitchFamily="34" charset="-120"/>
+              <a:ea typeface="微軟正黑體" pitchFamily="34" charset="-120"/>
+            </a:endParaRPr>
+          </a:p>
+          <a:p>
+            <a:pPr algn="ctr">
+              <a:buNone/>
+            </a:pPr>
+            <a:r>
+              <a:rPr lang="zh-TW" altLang="en-US" sz="4050" b="1" dirty="0">
+                <a:solidFill>
+                  <a:srgbClr val="002060"/>
+                </a:solidFill>
+                <a:latin typeface="微軟正黑體" pitchFamily="34" charset="-120"/>
+                <a:ea typeface="微軟正黑體" pitchFamily="34" charset="-120"/>
+              </a:rPr>
+              <a:t>為</a:t>
+            </a:r>
+            <a:r>
+              <a:rPr lang="zh-TW" altLang="en-US" sz="4050" b="1" dirty="0">
+                <a:solidFill>
+                  <a:srgbClr val="002060"/>
+                </a:solidFill>
+                <a:latin typeface="微軟正黑體" pitchFamily="34" charset="-120"/>
+                <a:ea typeface="微軟正黑體" pitchFamily="34" charset="-120"/>
+              </a:rPr>
+              <a:t>你我獻上頌讚</a:t>
+            </a:r>
+          </a:p>
+        </p:txBody>
+      </p:sp>
+    </p:spTree>
+    <p:extLst>
+      <p:ext uri="{BB962C8B-B14F-4D97-AF65-F5344CB8AC3E}">
+        <p14:creationId xmlns:p14="http://schemas.microsoft.com/office/powerpoint/2010/main" val="3416774960"/>
+      </p:ext>
+    </p:extLst>
   </p:cSld>
   <p:clrMapOvr>
     <a:masterClrMapping/>

--- a/全地至高是我主.pptx
+++ b/全地至高是我主.pptx
@@ -5,21 +5,11 @@
     <p:sldMasterId id="2147483672" r:id="rId1"/>
   </p:sldMasterIdLst>
   <p:sldIdLst>
-    <p:sldId id="256" r:id="rId2"/>
-    <p:sldId id="257" r:id="rId3"/>
-    <p:sldId id="262" r:id="rId4"/>
-    <p:sldId id="263" r:id="rId5"/>
-    <p:sldId id="264" r:id="rId6"/>
-    <p:sldId id="270" r:id="rId7"/>
-    <p:sldId id="258" r:id="rId8"/>
-    <p:sldId id="259" r:id="rId9"/>
-    <p:sldId id="260" r:id="rId10"/>
-    <p:sldId id="265" r:id="rId11"/>
-    <p:sldId id="266" r:id="rId12"/>
-    <p:sldId id="267" r:id="rId13"/>
-    <p:sldId id="269" r:id="rId14"/>
-    <p:sldId id="268" r:id="rId15"/>
-    <p:sldId id="261" r:id="rId16"/>
+    <p:sldId id="258" r:id="rId2"/>
+    <p:sldId id="259" r:id="rId3"/>
+    <p:sldId id="260" r:id="rId4"/>
+    <p:sldId id="261" r:id="rId5"/>
+    <p:sldId id="262" r:id="rId6"/>
   </p:sldIdLst>
   <p:sldSz cx="9144000" cy="5143500" type="screen16x9"/>
   <p:notesSz cx="6858000" cy="9144000"/>
@@ -319,7 +309,7 @@
             <a:fld id="{24CEFFAC-C82D-4C95-8241-BAD7B175EECB}" type="datetimeFigureOut">
               <a:rPr lang="zh-TW" altLang="en-US" smtClean="0"/>
               <a:pPr/>
-              <a:t>2019/10/22</a:t>
+              <a:t>2021/11/25</a:t>
             </a:fld>
             <a:endParaRPr lang="zh-TW" altLang="en-US"/>
           </a:p>
@@ -486,7 +476,7 @@
             <a:fld id="{24CEFFAC-C82D-4C95-8241-BAD7B175EECB}" type="datetimeFigureOut">
               <a:rPr lang="zh-TW" altLang="en-US" smtClean="0"/>
               <a:pPr/>
-              <a:t>2019/10/22</a:t>
+              <a:t>2021/11/25</a:t>
             </a:fld>
             <a:endParaRPr lang="zh-TW" altLang="en-US"/>
           </a:p>
@@ -663,7 +653,7 @@
             <a:fld id="{24CEFFAC-C82D-4C95-8241-BAD7B175EECB}" type="datetimeFigureOut">
               <a:rPr lang="zh-TW" altLang="en-US" smtClean="0"/>
               <a:pPr/>
-              <a:t>2019/10/22</a:t>
+              <a:t>2021/11/25</a:t>
             </a:fld>
             <a:endParaRPr lang="zh-TW" altLang="en-US"/>
           </a:p>
@@ -830,7 +820,7 @@
             <a:fld id="{24CEFFAC-C82D-4C95-8241-BAD7B175EECB}" type="datetimeFigureOut">
               <a:rPr lang="zh-TW" altLang="en-US" smtClean="0"/>
               <a:pPr/>
-              <a:t>2019/10/22</a:t>
+              <a:t>2021/11/25</a:t>
             </a:fld>
             <a:endParaRPr lang="zh-TW" altLang="en-US"/>
           </a:p>
@@ -1073,7 +1063,7 @@
             <a:fld id="{24CEFFAC-C82D-4C95-8241-BAD7B175EECB}" type="datetimeFigureOut">
               <a:rPr lang="zh-TW" altLang="en-US" smtClean="0"/>
               <a:pPr/>
-              <a:t>2019/10/22</a:t>
+              <a:t>2021/11/25</a:t>
             </a:fld>
             <a:endParaRPr lang="zh-TW" altLang="en-US"/>
           </a:p>
@@ -1358,7 +1348,7 @@
             <a:fld id="{24CEFFAC-C82D-4C95-8241-BAD7B175EECB}" type="datetimeFigureOut">
               <a:rPr lang="zh-TW" altLang="en-US" smtClean="0"/>
               <a:pPr/>
-              <a:t>2019/10/22</a:t>
+              <a:t>2021/11/25</a:t>
             </a:fld>
             <a:endParaRPr lang="zh-TW" altLang="en-US"/>
           </a:p>
@@ -1777,7 +1767,7 @@
             <a:fld id="{24CEFFAC-C82D-4C95-8241-BAD7B175EECB}" type="datetimeFigureOut">
               <a:rPr lang="zh-TW" altLang="en-US" smtClean="0"/>
               <a:pPr/>
-              <a:t>2019/10/22</a:t>
+              <a:t>2021/11/25</a:t>
             </a:fld>
             <a:endParaRPr lang="zh-TW" altLang="en-US"/>
           </a:p>
@@ -1892,7 +1882,7 @@
             <a:fld id="{24CEFFAC-C82D-4C95-8241-BAD7B175EECB}" type="datetimeFigureOut">
               <a:rPr lang="zh-TW" altLang="en-US" smtClean="0"/>
               <a:pPr/>
-              <a:t>2019/10/22</a:t>
+              <a:t>2021/11/25</a:t>
             </a:fld>
             <a:endParaRPr lang="zh-TW" altLang="en-US"/>
           </a:p>
@@ -1984,7 +1974,7 @@
             <a:fld id="{24CEFFAC-C82D-4C95-8241-BAD7B175EECB}" type="datetimeFigureOut">
               <a:rPr lang="zh-TW" altLang="en-US" smtClean="0"/>
               <a:pPr/>
-              <a:t>2019/10/22</a:t>
+              <a:t>2021/11/25</a:t>
             </a:fld>
             <a:endParaRPr lang="zh-TW" altLang="en-US"/>
           </a:p>
@@ -2258,7 +2248,7 @@
             <a:fld id="{24CEFFAC-C82D-4C95-8241-BAD7B175EECB}" type="datetimeFigureOut">
               <a:rPr lang="zh-TW" altLang="en-US" smtClean="0"/>
               <a:pPr/>
-              <a:t>2019/10/22</a:t>
+              <a:t>2021/11/25</a:t>
             </a:fld>
             <a:endParaRPr lang="zh-TW" altLang="en-US"/>
           </a:p>
@@ -2512,7 +2502,7 @@
             <a:fld id="{24CEFFAC-C82D-4C95-8241-BAD7B175EECB}" type="datetimeFigureOut">
               <a:rPr lang="zh-TW" altLang="en-US" smtClean="0"/>
               <a:pPr/>
-              <a:t>2019/10/22</a:t>
+              <a:t>2021/11/25</a:t>
             </a:fld>
             <a:endParaRPr lang="zh-TW" altLang="en-US"/>
           </a:p>
@@ -2727,7 +2717,7 @@
             <a:fld id="{24CEFFAC-C82D-4C95-8241-BAD7B175EECB}" type="datetimeFigureOut">
               <a:rPr lang="zh-TW" altLang="en-US" smtClean="0"/>
               <a:pPr/>
-              <a:t>2019/10/22</a:t>
+              <a:t>2021/11/25</a:t>
             </a:fld>
             <a:endParaRPr lang="zh-TW" altLang="en-US"/>
           </a:p>
@@ -3108,37 +3098,10 @@
             <p:ph type="title"/>
           </p:nvPr>
         </p:nvSpPr>
-        <p:spPr/>
-        <p:txBody>
-          <a:bodyPr>
-            <a:normAutofit/>
-          </a:bodyPr>
-          <a:lstStyle/>
-          <a:p>
-            <a:r>
-              <a:rPr lang="zh-TW" altLang="en-US" sz="4000" b="1" dirty="0">
-                <a:latin typeface="微軟正黑體" pitchFamily="34" charset="-120"/>
-                <a:ea typeface="微軟正黑體" pitchFamily="34" charset="-120"/>
-              </a:rPr>
-              <a:t>全地至高是我主</a:t>
-            </a:r>
-          </a:p>
-        </p:txBody>
-      </p:sp>
-      <p:sp>
-        <p:nvSpPr>
-          <p:cNvPr id="5" name="內容版面配置區 4"/>
-          <p:cNvSpPr>
-            <a:spLocks noGrp="1"/>
-          </p:cNvSpPr>
-          <p:nvPr>
-            <p:ph idx="1"/>
-          </p:nvPr>
-        </p:nvSpPr>
         <p:spPr>
           <a:xfrm>
-            <a:off x="0" y="1200151"/>
-            <a:ext cx="9144000" cy="3394472"/>
+            <a:off x="0" y="1995686"/>
+            <a:ext cx="9144000" cy="857250"/>
           </a:xfrm>
         </p:spPr>
         <p:txBody>
@@ -3147,433 +3110,39 @@
           </a:bodyPr>
           <a:lstStyle/>
           <a:p>
-            <a:pPr algn="ctr">
-              <a:buNone/>
-            </a:pPr>
-            <a:r>
-              <a:rPr lang="zh-TW" altLang="en-US" sz="4800" b="1" dirty="0">
-                <a:solidFill>
-                  <a:srgbClr val="002060"/>
-                </a:solidFill>
+            <a:r>
+              <a:rPr lang="zh-TW" altLang="en-US" sz="5400" b="1" i="1" dirty="0" smtClean="0">
+                <a:solidFill>
+                  <a:srgbClr val="660033"/>
+                </a:solidFill>
+                <a:effectLst>
+                  <a:outerShdw blurRad="38100" dist="38100" dir="2700000" algn="tl">
+                    <a:srgbClr val="000000">
+                      <a:alpha val="43137"/>
+                    </a:srgbClr>
+                  </a:outerShdw>
+                </a:effectLst>
                 <a:latin typeface="微軟正黑體" pitchFamily="34" charset="-120"/>
                 <a:ea typeface="微軟正黑體" pitchFamily="34" charset="-120"/>
               </a:rPr>
-              <a:t>願靈內</a:t>
-            </a:r>
-            <a:r>
-              <a:rPr lang="zh-TW" altLang="en-US" sz="4800" b="1" dirty="0" smtClean="0">
-                <a:solidFill>
-                  <a:srgbClr val="002060"/>
-                </a:solidFill>
+              <a:t>全</a:t>
+            </a:r>
+            <a:r>
+              <a:rPr lang="zh-TW" altLang="en-US" sz="5400" b="1" i="1" dirty="0">
+                <a:solidFill>
+                  <a:srgbClr val="660033"/>
+                </a:solidFill>
+                <a:effectLst>
+                  <a:outerShdw blurRad="38100" dist="38100" dir="2700000" algn="tl">
+                    <a:srgbClr val="000000">
+                      <a:alpha val="43137"/>
+                    </a:srgbClr>
+                  </a:outerShdw>
+                </a:effectLst>
                 <a:latin typeface="微軟正黑體" pitchFamily="34" charset="-120"/>
                 <a:ea typeface="微軟正黑體" pitchFamily="34" charset="-120"/>
               </a:rPr>
-              <a:t>甦醒  心</a:t>
-            </a:r>
-            <a:r>
-              <a:rPr lang="zh-TW" altLang="en-US" sz="4800" b="1" dirty="0">
-                <a:solidFill>
-                  <a:srgbClr val="002060"/>
-                </a:solidFill>
-                <a:latin typeface="微軟正黑體" pitchFamily="34" charset="-120"/>
-                <a:ea typeface="微軟正黑體" pitchFamily="34" charset="-120"/>
-              </a:rPr>
-              <a:t>獻頌讚</a:t>
-            </a:r>
-            <a:r>
-              <a:rPr lang="zh-TW" altLang="en-US" sz="4800" b="1" dirty="0" smtClean="0">
-                <a:solidFill>
-                  <a:srgbClr val="002060"/>
-                </a:solidFill>
-                <a:latin typeface="微軟正黑體" pitchFamily="34" charset="-120"/>
-                <a:ea typeface="微軟正黑體" pitchFamily="34" charset="-120"/>
-              </a:rPr>
-              <a:t>歌聲</a:t>
-            </a:r>
-            <a:endParaRPr lang="en-US" altLang="zh-TW" sz="4800" b="1" dirty="0">
-              <a:solidFill>
-                <a:srgbClr val="002060"/>
-              </a:solidFill>
-              <a:latin typeface="微軟正黑體" pitchFamily="34" charset="-120"/>
-              <a:ea typeface="微軟正黑體" pitchFamily="34" charset="-120"/>
-            </a:endParaRPr>
-          </a:p>
-          <a:p>
-            <a:pPr algn="ctr">
-              <a:buNone/>
-            </a:pPr>
-            <a:r>
-              <a:rPr lang="zh-TW" altLang="en-US" sz="4800" b="1" dirty="0" smtClean="0">
-                <a:solidFill>
-                  <a:srgbClr val="002060"/>
-                </a:solidFill>
-                <a:latin typeface="微軟正黑體" pitchFamily="34" charset="-120"/>
-                <a:ea typeface="微軟正黑體" pitchFamily="34" charset="-120"/>
-              </a:rPr>
-              <a:t>投</a:t>
-            </a:r>
-            <a:r>
-              <a:rPr lang="zh-TW" altLang="en-US" sz="4800" b="1" dirty="0">
-                <a:solidFill>
-                  <a:srgbClr val="002060"/>
-                </a:solidFill>
-                <a:latin typeface="微軟正黑體" pitchFamily="34" charset="-120"/>
-                <a:ea typeface="微軟正黑體" pitchFamily="34" charset="-120"/>
-              </a:rPr>
-              <a:t>在你的</a:t>
-            </a:r>
-            <a:r>
-              <a:rPr lang="zh-TW" altLang="en-US" sz="4800" b="1" dirty="0" smtClean="0">
-                <a:solidFill>
-                  <a:srgbClr val="002060"/>
-                </a:solidFill>
-                <a:latin typeface="微軟正黑體" pitchFamily="34" charset="-120"/>
-                <a:ea typeface="微軟正黑體" pitchFamily="34" charset="-120"/>
-              </a:rPr>
-              <a:t>翅膀  願</a:t>
-            </a:r>
-            <a:r>
-              <a:rPr lang="zh-TW" altLang="en-US" sz="4800" b="1" dirty="0">
-                <a:solidFill>
-                  <a:srgbClr val="002060"/>
-                </a:solidFill>
-                <a:latin typeface="微軟正黑體" pitchFamily="34" charset="-120"/>
-                <a:ea typeface="微軟正黑體" pitchFamily="34" charset="-120"/>
-              </a:rPr>
-              <a:t>你施恩救</a:t>
-            </a:r>
-            <a:r>
-              <a:rPr lang="zh-TW" altLang="en-US" sz="4800" b="1" dirty="0" smtClean="0">
-                <a:solidFill>
-                  <a:srgbClr val="002060"/>
-                </a:solidFill>
-                <a:latin typeface="微軟正黑體" pitchFamily="34" charset="-120"/>
-                <a:ea typeface="微軟正黑體" pitchFamily="34" charset="-120"/>
-              </a:rPr>
-              <a:t>拯</a:t>
-            </a:r>
-            <a:endParaRPr lang="en-US" altLang="zh-TW" sz="4800" b="1" dirty="0">
-              <a:solidFill>
-                <a:srgbClr val="002060"/>
-              </a:solidFill>
-              <a:latin typeface="微軟正黑體" pitchFamily="34" charset="-120"/>
-              <a:ea typeface="微軟正黑體" pitchFamily="34" charset="-120"/>
-            </a:endParaRPr>
-          </a:p>
-          <a:p>
-            <a:pPr algn="ctr">
-              <a:buNone/>
-            </a:pPr>
-            <a:r>
-              <a:rPr lang="zh-TW" altLang="en-US" sz="4800" b="1" dirty="0" smtClean="0">
-                <a:solidFill>
-                  <a:srgbClr val="002060"/>
-                </a:solidFill>
-                <a:latin typeface="微軟正黑體" pitchFamily="34" charset="-120"/>
-                <a:ea typeface="微軟正黑體" pitchFamily="34" charset="-120"/>
-              </a:rPr>
-              <a:t>願</a:t>
-            </a:r>
-            <a:r>
-              <a:rPr lang="zh-TW" altLang="en-US" sz="4800" b="1" dirty="0">
-                <a:solidFill>
-                  <a:srgbClr val="002060"/>
-                </a:solidFill>
-                <a:latin typeface="微軟正黑體" pitchFamily="34" charset="-120"/>
-                <a:ea typeface="微軟正黑體" pitchFamily="34" charset="-120"/>
-              </a:rPr>
-              <a:t>榮耀歸</a:t>
-            </a:r>
-            <a:r>
-              <a:rPr lang="zh-TW" altLang="en-US" sz="4800" b="1" dirty="0" smtClean="0">
-                <a:solidFill>
-                  <a:srgbClr val="002060"/>
-                </a:solidFill>
-                <a:latin typeface="微軟正黑體" pitchFamily="34" charset="-120"/>
-                <a:ea typeface="微軟正黑體" pitchFamily="34" charset="-120"/>
-              </a:rPr>
-              <a:t>主  高唱</a:t>
-            </a:r>
-            <a:r>
-              <a:rPr lang="zh-TW" altLang="en-US" sz="4800" b="1" dirty="0">
-                <a:solidFill>
-                  <a:srgbClr val="002060"/>
-                </a:solidFill>
-                <a:latin typeface="微軟正黑體" pitchFamily="34" charset="-120"/>
-                <a:ea typeface="微軟正黑體" pitchFamily="34" charset="-120"/>
-              </a:rPr>
-              <a:t>頌讚新</a:t>
-            </a:r>
-            <a:r>
-              <a:rPr lang="zh-TW" altLang="en-US" sz="4800" b="1" dirty="0" smtClean="0">
-                <a:solidFill>
-                  <a:srgbClr val="002060"/>
-                </a:solidFill>
-                <a:latin typeface="微軟正黑體" pitchFamily="34" charset="-120"/>
-                <a:ea typeface="微軟正黑體" pitchFamily="34" charset="-120"/>
-              </a:rPr>
-              <a:t>歌</a:t>
-            </a:r>
-            <a:endParaRPr lang="en-US" altLang="zh-TW" sz="4800" b="1" dirty="0">
-              <a:solidFill>
-                <a:srgbClr val="002060"/>
-              </a:solidFill>
-              <a:latin typeface="微軟正黑體" pitchFamily="34" charset="-120"/>
-              <a:ea typeface="微軟正黑體" pitchFamily="34" charset="-120"/>
-            </a:endParaRPr>
-          </a:p>
-          <a:p>
-            <a:pPr algn="ctr">
-              <a:buNone/>
-            </a:pPr>
-            <a:r>
-              <a:rPr lang="zh-TW" altLang="en-US" sz="4800" b="1" dirty="0" smtClean="0">
-                <a:solidFill>
-                  <a:srgbClr val="002060"/>
-                </a:solidFill>
-                <a:latin typeface="微軟正黑體" pitchFamily="34" charset="-120"/>
-                <a:ea typeface="微軟正黑體" pitchFamily="34" charset="-120"/>
-              </a:rPr>
-              <a:t>琴</a:t>
-            </a:r>
-            <a:r>
-              <a:rPr lang="zh-TW" altLang="en-US" sz="4800" b="1" dirty="0">
-                <a:solidFill>
-                  <a:srgbClr val="002060"/>
-                </a:solidFill>
-                <a:latin typeface="微軟正黑體" pitchFamily="34" charset="-120"/>
-                <a:ea typeface="微軟正黑體" pitchFamily="34" charset="-120"/>
-              </a:rPr>
-              <a:t>和應瑟奏</a:t>
-            </a:r>
-            <a:r>
-              <a:rPr lang="zh-TW" altLang="en-US" sz="4800" b="1" dirty="0" smtClean="0">
-                <a:solidFill>
-                  <a:srgbClr val="002060"/>
-                </a:solidFill>
-                <a:latin typeface="微軟正黑體" pitchFamily="34" charset="-120"/>
-                <a:ea typeface="微軟正黑體" pitchFamily="34" charset="-120"/>
-              </a:rPr>
-              <a:t>鳴  樂</a:t>
-            </a:r>
-            <a:r>
-              <a:rPr lang="zh-TW" altLang="en-US" sz="4800" b="1" dirty="0">
-                <a:solidFill>
-                  <a:srgbClr val="002060"/>
-                </a:solidFill>
-                <a:latin typeface="微軟正黑體" pitchFamily="34" charset="-120"/>
-                <a:ea typeface="微軟正黑體" pitchFamily="34" charset="-120"/>
-              </a:rPr>
-              <a:t>韻歌聲齊賀</a:t>
-            </a:r>
-          </a:p>
-        </p:txBody>
-      </p:sp>
-    </p:spTree>
-  </p:cSld>
-  <p:clrMapOvr>
-    <a:masterClrMapping/>
-  </p:clrMapOvr>
-</p:sld>
-</file>
-
-<file path=ppt/slides/slide10.xml><?xml version="1.0" encoding="utf-8"?>
-<p:sld xmlns:a="http://schemas.openxmlformats.org/drawingml/2006/main" xmlns:r="http://schemas.openxmlformats.org/officeDocument/2006/relationships" xmlns:p="http://schemas.openxmlformats.org/presentationml/2006/main">
-  <p:cSld>
-    <p:spTree>
-      <p:nvGrpSpPr>
-        <p:cNvPr id="1" name=""/>
-        <p:cNvGrpSpPr/>
-        <p:nvPr/>
-      </p:nvGrpSpPr>
-      <p:grpSpPr>
-        <a:xfrm>
-          <a:off x="0" y="0"/>
-          <a:ext cx="0" cy="0"/>
-          <a:chOff x="0" y="0"/>
-          <a:chExt cx="0" cy="0"/>
-        </a:xfrm>
-      </p:grpSpPr>
-      <p:sp>
-        <p:nvSpPr>
-          <p:cNvPr id="4" name="標題 3"/>
-          <p:cNvSpPr>
-            <a:spLocks noGrp="1"/>
-          </p:cNvSpPr>
-          <p:nvPr>
-            <p:ph type="title"/>
-          </p:nvPr>
-        </p:nvSpPr>
-        <p:spPr/>
-        <p:txBody>
-          <a:bodyPr/>
-          <a:lstStyle/>
-          <a:p>
-            <a:r>
-              <a:rPr lang="zh-TW" altLang="en-US" b="1" dirty="0">
-                <a:latin typeface="微軟正黑體" pitchFamily="34" charset="-120"/>
-                <a:ea typeface="微軟正黑體" pitchFamily="34" charset="-120"/>
-              </a:rPr>
-              <a:t>獻給我天上的主</a:t>
-            </a:r>
-          </a:p>
-        </p:txBody>
-      </p:sp>
-      <p:sp>
-        <p:nvSpPr>
-          <p:cNvPr id="5" name="內容版面配置區 4"/>
-          <p:cNvSpPr>
-            <a:spLocks noGrp="1"/>
-          </p:cNvSpPr>
-          <p:nvPr>
-            <p:ph idx="1"/>
-          </p:nvPr>
-        </p:nvSpPr>
-        <p:spPr/>
-        <p:txBody>
-          <a:bodyPr>
-            <a:normAutofit/>
-          </a:bodyPr>
-          <a:lstStyle/>
-          <a:p>
-            <a:pPr algn="ctr">
-              <a:buNone/>
-            </a:pPr>
-            <a:r>
-              <a:rPr lang="zh-TW" altLang="en-US" sz="4050" b="1" dirty="0">
-                <a:solidFill>
-                  <a:srgbClr val="002060"/>
-                </a:solidFill>
-                <a:latin typeface="微軟正黑體" pitchFamily="34" charset="-120"/>
-                <a:ea typeface="微軟正黑體" pitchFamily="34" charset="-120"/>
-              </a:rPr>
-              <a:t>在我心中有千百萬</a:t>
-            </a:r>
-            <a:r>
-              <a:rPr lang="zh-TW" altLang="en-US" sz="4050" b="1" dirty="0">
-                <a:solidFill>
-                  <a:srgbClr val="002060"/>
-                </a:solidFill>
-                <a:latin typeface="微軟正黑體" pitchFamily="34" charset="-120"/>
-                <a:ea typeface="微軟正黑體" pitchFamily="34" charset="-120"/>
-              </a:rPr>
-              <a:t>心聲</a:t>
-            </a:r>
-            <a:endParaRPr lang="en-US" altLang="zh-TW" sz="4050" b="1" dirty="0">
-              <a:solidFill>
-                <a:srgbClr val="002060"/>
-              </a:solidFill>
-              <a:latin typeface="微軟正黑體" pitchFamily="34" charset="-120"/>
-              <a:ea typeface="微軟正黑體" pitchFamily="34" charset="-120"/>
-            </a:endParaRPr>
-          </a:p>
-          <a:p>
-            <a:pPr algn="ctr">
-              <a:buNone/>
-            </a:pPr>
-            <a:r>
-              <a:rPr lang="zh-TW" altLang="en-US" sz="4050" b="1" dirty="0">
-                <a:solidFill>
-                  <a:srgbClr val="002060"/>
-                </a:solidFill>
-                <a:latin typeface="微軟正黑體" pitchFamily="34" charset="-120"/>
-                <a:ea typeface="微軟正黑體" pitchFamily="34" charset="-120"/>
-              </a:rPr>
-              <a:t>來</a:t>
-            </a:r>
-            <a:r>
-              <a:rPr lang="zh-TW" altLang="en-US" sz="4050" b="1" dirty="0">
-                <a:solidFill>
-                  <a:srgbClr val="002060"/>
-                </a:solidFill>
-                <a:latin typeface="微軟正黑體" pitchFamily="34" charset="-120"/>
-                <a:ea typeface="微軟正黑體" pitchFamily="34" charset="-120"/>
-              </a:rPr>
-              <a:t>呈獻給我天上的</a:t>
-            </a:r>
-            <a:r>
-              <a:rPr lang="zh-TW" altLang="en-US" sz="4050" b="1" dirty="0">
-                <a:solidFill>
-                  <a:srgbClr val="002060"/>
-                </a:solidFill>
-                <a:latin typeface="微軟正黑體" pitchFamily="34" charset="-120"/>
-                <a:ea typeface="微軟正黑體" pitchFamily="34" charset="-120"/>
-              </a:rPr>
-              <a:t>主</a:t>
-            </a:r>
-            <a:endParaRPr lang="en-US" altLang="zh-TW" sz="4050" b="1" dirty="0">
-              <a:solidFill>
-                <a:srgbClr val="002060"/>
-              </a:solidFill>
-              <a:latin typeface="微軟正黑體" pitchFamily="34" charset="-120"/>
-              <a:ea typeface="微軟正黑體" pitchFamily="34" charset="-120"/>
-            </a:endParaRPr>
-          </a:p>
-          <a:p>
-            <a:pPr algn="ctr">
-              <a:buNone/>
-            </a:pPr>
-            <a:r>
-              <a:rPr lang="zh-TW" altLang="en-US" sz="4050" b="1" dirty="0">
-                <a:solidFill>
-                  <a:srgbClr val="002060"/>
-                </a:solidFill>
-                <a:latin typeface="微軟正黑體" pitchFamily="34" charset="-120"/>
-                <a:ea typeface="微軟正黑體" pitchFamily="34" charset="-120"/>
-              </a:rPr>
-              <a:t>願</a:t>
-            </a:r>
-            <a:r>
-              <a:rPr lang="zh-TW" altLang="en-US" sz="4050" b="1" dirty="0">
-                <a:solidFill>
-                  <a:srgbClr val="002060"/>
-                </a:solidFill>
-                <a:latin typeface="微軟正黑體" pitchFamily="34" charset="-120"/>
-                <a:ea typeface="微軟正黑體" pitchFamily="34" charset="-120"/>
-              </a:rPr>
-              <a:t>讚美崇揚都一一歸給</a:t>
-            </a:r>
-            <a:r>
-              <a:rPr lang="zh-TW" altLang="en-US" sz="4050" b="1" dirty="0">
-                <a:solidFill>
-                  <a:srgbClr val="002060"/>
-                </a:solidFill>
-                <a:latin typeface="微軟正黑體" pitchFamily="34" charset="-120"/>
-                <a:ea typeface="微軟正黑體" pitchFamily="34" charset="-120"/>
-              </a:rPr>
-              <a:t>你</a:t>
-            </a:r>
-            <a:endParaRPr lang="en-US" altLang="zh-TW" sz="4050" b="1" dirty="0">
-              <a:solidFill>
-                <a:srgbClr val="002060"/>
-              </a:solidFill>
-              <a:latin typeface="微軟正黑體" pitchFamily="34" charset="-120"/>
-              <a:ea typeface="微軟正黑體" pitchFamily="34" charset="-120"/>
-            </a:endParaRPr>
-          </a:p>
-          <a:p>
-            <a:pPr algn="ctr">
-              <a:buNone/>
-            </a:pPr>
-            <a:r>
-              <a:rPr lang="zh-TW" altLang="en-US" sz="4050" b="1" dirty="0">
-                <a:solidFill>
-                  <a:srgbClr val="002060"/>
-                </a:solidFill>
-                <a:latin typeface="微軟正黑體" pitchFamily="34" charset="-120"/>
-                <a:ea typeface="微軟正黑體" pitchFamily="34" charset="-120"/>
-              </a:rPr>
-              <a:t>主</a:t>
-            </a:r>
-            <a:r>
-              <a:rPr lang="zh-TW" altLang="en-US" sz="4050" b="1" dirty="0">
-                <a:solidFill>
-                  <a:srgbClr val="002060"/>
-                </a:solidFill>
-                <a:latin typeface="微軟正黑體" pitchFamily="34" charset="-120"/>
-                <a:ea typeface="微軟正黑體" pitchFamily="34" charset="-120"/>
-              </a:rPr>
-              <a:t>你是偉大完美</a:t>
+              <a:t>地至高是我主</a:t>
             </a:r>
           </a:p>
         </p:txBody>
@@ -3581,1047 +3150,7 @@
     </p:spTree>
     <p:extLst>
       <p:ext uri="{BB962C8B-B14F-4D97-AF65-F5344CB8AC3E}">
-        <p14:creationId xmlns:p14="http://schemas.microsoft.com/office/powerpoint/2010/main" val="2842538440"/>
-      </p:ext>
-    </p:extLst>
-  </p:cSld>
-  <p:clrMapOvr>
-    <a:masterClrMapping/>
-  </p:clrMapOvr>
-</p:sld>
-</file>
-
-<file path=ppt/slides/slide11.xml><?xml version="1.0" encoding="utf-8"?>
-<p:sld xmlns:a="http://schemas.openxmlformats.org/drawingml/2006/main" xmlns:r="http://schemas.openxmlformats.org/officeDocument/2006/relationships" xmlns:p="http://schemas.openxmlformats.org/presentationml/2006/main">
-  <p:cSld>
-    <p:spTree>
-      <p:nvGrpSpPr>
-        <p:cNvPr id="1" name=""/>
-        <p:cNvGrpSpPr/>
-        <p:nvPr/>
-      </p:nvGrpSpPr>
-      <p:grpSpPr>
-        <a:xfrm>
-          <a:off x="0" y="0"/>
-          <a:ext cx="0" cy="0"/>
-          <a:chOff x="0" y="0"/>
-          <a:chExt cx="0" cy="0"/>
-        </a:xfrm>
-      </p:grpSpPr>
-      <p:sp>
-        <p:nvSpPr>
-          <p:cNvPr id="4" name="標題 3"/>
-          <p:cNvSpPr>
-            <a:spLocks noGrp="1"/>
-          </p:cNvSpPr>
-          <p:nvPr>
-            <p:ph type="title"/>
-          </p:nvPr>
-        </p:nvSpPr>
-        <p:spPr/>
-        <p:txBody>
-          <a:bodyPr/>
-          <a:lstStyle/>
-          <a:p>
-            <a:r>
-              <a:rPr lang="zh-TW" altLang="en-US" b="1" dirty="0">
-                <a:latin typeface="微軟正黑體" pitchFamily="34" charset="-120"/>
-                <a:ea typeface="微軟正黑體" pitchFamily="34" charset="-120"/>
-              </a:rPr>
-              <a:t>獻給我天上的主</a:t>
-            </a:r>
-          </a:p>
-        </p:txBody>
-      </p:sp>
-      <p:sp>
-        <p:nvSpPr>
-          <p:cNvPr id="5" name="內容版面配置區 4"/>
-          <p:cNvSpPr>
-            <a:spLocks noGrp="1"/>
-          </p:cNvSpPr>
-          <p:nvPr>
-            <p:ph idx="1"/>
-          </p:nvPr>
-        </p:nvSpPr>
-        <p:spPr/>
-        <p:txBody>
-          <a:bodyPr>
-            <a:normAutofit/>
-          </a:bodyPr>
-          <a:lstStyle/>
-          <a:p>
-            <a:pPr algn="ctr">
-              <a:buNone/>
-            </a:pPr>
-            <a:r>
-              <a:rPr lang="zh-TW" altLang="en-US" sz="4050" b="1" dirty="0">
-                <a:solidFill>
-                  <a:srgbClr val="002060"/>
-                </a:solidFill>
-                <a:latin typeface="微軟正黑體" pitchFamily="34" charset="-120"/>
-                <a:ea typeface="微軟正黑體" pitchFamily="34" charset="-120"/>
-              </a:rPr>
-              <a:t>在我心中有數不盡</a:t>
-            </a:r>
-            <a:r>
-              <a:rPr lang="zh-TW" altLang="en-US" sz="4050" b="1" dirty="0">
-                <a:solidFill>
-                  <a:srgbClr val="002060"/>
-                </a:solidFill>
-                <a:latin typeface="微軟正黑體" pitchFamily="34" charset="-120"/>
-                <a:ea typeface="微軟正黑體" pitchFamily="34" charset="-120"/>
-              </a:rPr>
-              <a:t>感恩</a:t>
-            </a:r>
-            <a:endParaRPr lang="en-US" altLang="zh-TW" sz="4050" b="1" dirty="0">
-              <a:solidFill>
-                <a:srgbClr val="002060"/>
-              </a:solidFill>
-              <a:latin typeface="微軟正黑體" pitchFamily="34" charset="-120"/>
-              <a:ea typeface="微軟正黑體" pitchFamily="34" charset="-120"/>
-            </a:endParaRPr>
-          </a:p>
-          <a:p>
-            <a:pPr algn="ctr">
-              <a:buNone/>
-            </a:pPr>
-            <a:r>
-              <a:rPr lang="zh-TW" altLang="en-US" sz="4050" b="1" dirty="0">
-                <a:solidFill>
-                  <a:srgbClr val="002060"/>
-                </a:solidFill>
-                <a:latin typeface="微軟正黑體" pitchFamily="34" charset="-120"/>
-                <a:ea typeface="微軟正黑體" pitchFamily="34" charset="-120"/>
-              </a:rPr>
-              <a:t>來</a:t>
-            </a:r>
-            <a:r>
-              <a:rPr lang="zh-TW" altLang="en-US" sz="4050" b="1" dirty="0">
-                <a:solidFill>
-                  <a:srgbClr val="002060"/>
-                </a:solidFill>
-                <a:latin typeface="微軟正黑體" pitchFamily="34" charset="-120"/>
-                <a:ea typeface="微軟正黑體" pitchFamily="34" charset="-120"/>
-              </a:rPr>
-              <a:t>呈獻給我天上恩</a:t>
-            </a:r>
-            <a:r>
-              <a:rPr lang="zh-TW" altLang="en-US" sz="4050" b="1" dirty="0">
-                <a:solidFill>
-                  <a:srgbClr val="002060"/>
-                </a:solidFill>
-                <a:latin typeface="微軟正黑體" pitchFamily="34" charset="-120"/>
-                <a:ea typeface="微軟正黑體" pitchFamily="34" charset="-120"/>
-              </a:rPr>
-              <a:t>主</a:t>
-            </a:r>
-            <a:endParaRPr lang="en-US" altLang="zh-TW" sz="4050" b="1" dirty="0">
-              <a:solidFill>
-                <a:srgbClr val="002060"/>
-              </a:solidFill>
-              <a:latin typeface="微軟正黑體" pitchFamily="34" charset="-120"/>
-              <a:ea typeface="微軟正黑體" pitchFamily="34" charset="-120"/>
-            </a:endParaRPr>
-          </a:p>
-          <a:p>
-            <a:pPr algn="ctr">
-              <a:buNone/>
-            </a:pPr>
-            <a:r>
-              <a:rPr lang="zh-TW" altLang="en-US" sz="4050" b="1" dirty="0">
-                <a:solidFill>
-                  <a:srgbClr val="002060"/>
-                </a:solidFill>
-                <a:latin typeface="微軟正黑體" pitchFamily="34" charset="-120"/>
-                <a:ea typeface="微軟正黑體" pitchFamily="34" charset="-120"/>
-              </a:rPr>
-              <a:t>願</a:t>
-            </a:r>
-            <a:r>
-              <a:rPr lang="zh-TW" altLang="en-US" sz="4050" b="1" dirty="0">
-                <a:solidFill>
-                  <a:srgbClr val="002060"/>
-                </a:solidFill>
-                <a:latin typeface="微軟正黑體" pitchFamily="34" charset="-120"/>
-                <a:ea typeface="微軟正黑體" pitchFamily="34" charset="-120"/>
-              </a:rPr>
-              <a:t>見證傳揚主恩典多麼</a:t>
-            </a:r>
-            <a:r>
-              <a:rPr lang="zh-TW" altLang="en-US" sz="4050" b="1" dirty="0">
-                <a:solidFill>
-                  <a:srgbClr val="002060"/>
-                </a:solidFill>
-                <a:latin typeface="微軟正黑體" pitchFamily="34" charset="-120"/>
-                <a:ea typeface="微軟正黑體" pitchFamily="34" charset="-120"/>
-              </a:rPr>
-              <a:t>美</a:t>
-            </a:r>
-            <a:endParaRPr lang="en-US" altLang="zh-TW" sz="4050" b="1" dirty="0">
-              <a:solidFill>
-                <a:srgbClr val="002060"/>
-              </a:solidFill>
-              <a:latin typeface="微軟正黑體" pitchFamily="34" charset="-120"/>
-              <a:ea typeface="微軟正黑體" pitchFamily="34" charset="-120"/>
-            </a:endParaRPr>
-          </a:p>
-          <a:p>
-            <a:pPr algn="ctr">
-              <a:buNone/>
-            </a:pPr>
-            <a:r>
-              <a:rPr lang="zh-TW" altLang="en-US" sz="4050" b="1" dirty="0">
-                <a:solidFill>
-                  <a:srgbClr val="002060"/>
-                </a:solidFill>
-                <a:latin typeface="微軟正黑體" pitchFamily="34" charset="-120"/>
-                <a:ea typeface="微軟正黑體" pitchFamily="34" charset="-120"/>
-              </a:rPr>
-              <a:t>感激</a:t>
-            </a:r>
-            <a:r>
-              <a:rPr lang="zh-TW" altLang="en-US" sz="4050" b="1" dirty="0">
-                <a:solidFill>
-                  <a:srgbClr val="002060"/>
-                </a:solidFill>
-                <a:latin typeface="微軟正黑體" pitchFamily="34" charset="-120"/>
-                <a:ea typeface="微軟正黑體" pitchFamily="34" charset="-120"/>
-              </a:rPr>
-              <a:t>你常顧念扶持</a:t>
-            </a:r>
-          </a:p>
-        </p:txBody>
-      </p:sp>
-    </p:spTree>
-    <p:extLst>
-      <p:ext uri="{BB962C8B-B14F-4D97-AF65-F5344CB8AC3E}">
-        <p14:creationId xmlns:p14="http://schemas.microsoft.com/office/powerpoint/2010/main" val="3369024636"/>
-      </p:ext>
-    </p:extLst>
-  </p:cSld>
-  <p:clrMapOvr>
-    <a:masterClrMapping/>
-  </p:clrMapOvr>
-</p:sld>
-</file>
-
-<file path=ppt/slides/slide12.xml><?xml version="1.0" encoding="utf-8"?>
-<p:sld xmlns:a="http://schemas.openxmlformats.org/drawingml/2006/main" xmlns:r="http://schemas.openxmlformats.org/officeDocument/2006/relationships" xmlns:p="http://schemas.openxmlformats.org/presentationml/2006/main">
-  <p:cSld>
-    <p:spTree>
-      <p:nvGrpSpPr>
-        <p:cNvPr id="1" name=""/>
-        <p:cNvGrpSpPr/>
-        <p:nvPr/>
-      </p:nvGrpSpPr>
-      <p:grpSpPr>
-        <a:xfrm>
-          <a:off x="0" y="0"/>
-          <a:ext cx="0" cy="0"/>
-          <a:chOff x="0" y="0"/>
-          <a:chExt cx="0" cy="0"/>
-        </a:xfrm>
-      </p:grpSpPr>
-      <p:sp>
-        <p:nvSpPr>
-          <p:cNvPr id="4" name="標題 3"/>
-          <p:cNvSpPr>
-            <a:spLocks noGrp="1"/>
-          </p:cNvSpPr>
-          <p:nvPr>
-            <p:ph type="title"/>
-          </p:nvPr>
-        </p:nvSpPr>
-        <p:spPr/>
-        <p:txBody>
-          <a:bodyPr/>
-          <a:lstStyle/>
-          <a:p>
-            <a:r>
-              <a:rPr lang="zh-TW" altLang="en-US" b="1" dirty="0">
-                <a:latin typeface="微軟正黑體" pitchFamily="34" charset="-120"/>
-                <a:ea typeface="微軟正黑體" pitchFamily="34" charset="-120"/>
-              </a:rPr>
-              <a:t>獻給我天上的主</a:t>
-            </a:r>
-          </a:p>
-        </p:txBody>
-      </p:sp>
-      <p:sp>
-        <p:nvSpPr>
-          <p:cNvPr id="5" name="內容版面配置區 4"/>
-          <p:cNvSpPr>
-            <a:spLocks noGrp="1"/>
-          </p:cNvSpPr>
-          <p:nvPr>
-            <p:ph idx="1"/>
-          </p:nvPr>
-        </p:nvSpPr>
-        <p:spPr>
-          <a:xfrm>
-            <a:off x="1143000" y="1200151"/>
-            <a:ext cx="6858000" cy="3394472"/>
-          </a:xfrm>
-        </p:spPr>
-        <p:txBody>
-          <a:bodyPr>
-            <a:normAutofit/>
-          </a:bodyPr>
-          <a:lstStyle/>
-          <a:p>
-            <a:pPr algn="ctr">
-              <a:buNone/>
-            </a:pPr>
-            <a:r>
-              <a:rPr lang="zh-TW" altLang="en-US" sz="4050" b="1" dirty="0">
-                <a:solidFill>
-                  <a:srgbClr val="002060"/>
-                </a:solidFill>
-                <a:latin typeface="微軟正黑體" pitchFamily="34" charset="-120"/>
-                <a:ea typeface="微軟正黑體" pitchFamily="34" charset="-120"/>
-              </a:rPr>
-              <a:t>齊真心呈獻讚美給</a:t>
-            </a:r>
-            <a:r>
-              <a:rPr lang="zh-TW" altLang="en-US" sz="4050" b="1" dirty="0">
-                <a:solidFill>
-                  <a:srgbClr val="002060"/>
-                </a:solidFill>
-                <a:latin typeface="微軟正黑體" pitchFamily="34" charset="-120"/>
-                <a:ea typeface="微軟正黑體" pitchFamily="34" charset="-120"/>
-              </a:rPr>
-              <a:t>你</a:t>
-            </a:r>
-            <a:endParaRPr lang="en-US" altLang="zh-TW" sz="4050" b="1" dirty="0">
-              <a:solidFill>
-                <a:srgbClr val="002060"/>
-              </a:solidFill>
-              <a:latin typeface="微軟正黑體" pitchFamily="34" charset="-120"/>
-              <a:ea typeface="微軟正黑體" pitchFamily="34" charset="-120"/>
-            </a:endParaRPr>
-          </a:p>
-          <a:p>
-            <a:pPr algn="ctr">
-              <a:buNone/>
-            </a:pPr>
-            <a:r>
-              <a:rPr lang="zh-TW" altLang="en-US" sz="4050" b="1" dirty="0">
-                <a:solidFill>
-                  <a:srgbClr val="002060"/>
-                </a:solidFill>
-                <a:latin typeface="微軟正黑體" pitchFamily="34" charset="-120"/>
-                <a:ea typeface="微軟正黑體" pitchFamily="34" charset="-120"/>
-              </a:rPr>
-              <a:t>盡</a:t>
-            </a:r>
-            <a:r>
-              <a:rPr lang="zh-TW" altLang="en-US" sz="4050" b="1" dirty="0">
-                <a:solidFill>
-                  <a:srgbClr val="002060"/>
-                </a:solidFill>
-                <a:latin typeface="微軟正黑體" pitchFamily="34" charset="-120"/>
-                <a:ea typeface="微軟正黑體" pitchFamily="34" charset="-120"/>
-              </a:rPr>
-              <a:t>我心意頌唱每篇的</a:t>
-            </a:r>
-            <a:r>
-              <a:rPr lang="zh-TW" altLang="en-US" sz="4050" b="1" dirty="0">
-                <a:solidFill>
-                  <a:srgbClr val="002060"/>
-                </a:solidFill>
-                <a:latin typeface="微軟正黑體" pitchFamily="34" charset="-120"/>
-                <a:ea typeface="微軟正黑體" pitchFamily="34" charset="-120"/>
-              </a:rPr>
-              <a:t>詩句</a:t>
-            </a:r>
-            <a:endParaRPr lang="en-US" altLang="zh-TW" sz="4050" b="1" dirty="0">
-              <a:solidFill>
-                <a:srgbClr val="002060"/>
-              </a:solidFill>
-              <a:latin typeface="微軟正黑體" pitchFamily="34" charset="-120"/>
-              <a:ea typeface="微軟正黑體" pitchFamily="34" charset="-120"/>
-            </a:endParaRPr>
-          </a:p>
-          <a:p>
-            <a:pPr algn="ctr">
-              <a:buNone/>
-            </a:pPr>
-            <a:r>
-              <a:rPr lang="zh-TW" altLang="en-US" sz="4050" b="1" dirty="0">
-                <a:solidFill>
-                  <a:srgbClr val="002060"/>
-                </a:solidFill>
-                <a:latin typeface="微軟正黑體" pitchFamily="34" charset="-120"/>
-                <a:ea typeface="微軟正黑體" pitchFamily="34" charset="-120"/>
-              </a:rPr>
-              <a:t>齊</a:t>
-            </a:r>
-            <a:r>
-              <a:rPr lang="zh-TW" altLang="en-US" sz="4050" b="1" dirty="0">
-                <a:solidFill>
-                  <a:srgbClr val="002060"/>
-                </a:solidFill>
-                <a:latin typeface="微軟正黑體" pitchFamily="34" charset="-120"/>
-                <a:ea typeface="微軟正黑體" pitchFamily="34" charset="-120"/>
-              </a:rPr>
-              <a:t>舉手呈獻敬拜永遠歸給</a:t>
-            </a:r>
-            <a:r>
-              <a:rPr lang="zh-TW" altLang="en-US" sz="4050" b="1" dirty="0">
-                <a:solidFill>
-                  <a:srgbClr val="002060"/>
-                </a:solidFill>
-                <a:latin typeface="微軟正黑體" pitchFamily="34" charset="-120"/>
-                <a:ea typeface="微軟正黑體" pitchFamily="34" charset="-120"/>
-              </a:rPr>
-              <a:t>你</a:t>
-            </a:r>
-            <a:endParaRPr lang="en-US" altLang="zh-TW" sz="4050" b="1" dirty="0">
-              <a:solidFill>
-                <a:srgbClr val="002060"/>
-              </a:solidFill>
-              <a:latin typeface="微軟正黑體" pitchFamily="34" charset="-120"/>
-              <a:ea typeface="微軟正黑體" pitchFamily="34" charset="-120"/>
-            </a:endParaRPr>
-          </a:p>
-          <a:p>
-            <a:pPr algn="ctr">
-              <a:buNone/>
-            </a:pPr>
-            <a:r>
-              <a:rPr lang="zh-TW" altLang="en-US" sz="4050" b="1" dirty="0">
-                <a:solidFill>
-                  <a:srgbClr val="002060"/>
-                </a:solidFill>
-                <a:latin typeface="微軟正黑體" pitchFamily="34" charset="-120"/>
-                <a:ea typeface="微軟正黑體" pitchFamily="34" charset="-120"/>
-              </a:rPr>
-              <a:t>為</a:t>
-            </a:r>
-            <a:r>
-              <a:rPr lang="zh-TW" altLang="en-US" sz="4050" b="1" dirty="0">
-                <a:solidFill>
-                  <a:srgbClr val="002060"/>
-                </a:solidFill>
-                <a:latin typeface="微軟正黑體" pitchFamily="34" charset="-120"/>
-                <a:ea typeface="微軟正黑體" pitchFamily="34" charset="-120"/>
-              </a:rPr>
-              <a:t>你我獻上頌讚</a:t>
-            </a:r>
-          </a:p>
-        </p:txBody>
-      </p:sp>
-    </p:spTree>
-    <p:extLst>
-      <p:ext uri="{BB962C8B-B14F-4D97-AF65-F5344CB8AC3E}">
-        <p14:creationId xmlns:p14="http://schemas.microsoft.com/office/powerpoint/2010/main" val="31422212"/>
-      </p:ext>
-    </p:extLst>
-  </p:cSld>
-  <p:clrMapOvr>
-    <a:masterClrMapping/>
-  </p:clrMapOvr>
-</p:sld>
-</file>
-
-<file path=ppt/slides/slide13.xml><?xml version="1.0" encoding="utf-8"?>
-<p:sld xmlns:a="http://schemas.openxmlformats.org/drawingml/2006/main" xmlns:r="http://schemas.openxmlformats.org/officeDocument/2006/relationships" xmlns:p="http://schemas.openxmlformats.org/presentationml/2006/main">
-  <p:cSld>
-    <p:spTree>
-      <p:nvGrpSpPr>
-        <p:cNvPr id="1" name=""/>
-        <p:cNvGrpSpPr/>
-        <p:nvPr/>
-      </p:nvGrpSpPr>
-      <p:grpSpPr>
-        <a:xfrm>
-          <a:off x="0" y="0"/>
-          <a:ext cx="0" cy="0"/>
-          <a:chOff x="0" y="0"/>
-          <a:chExt cx="0" cy="0"/>
-        </a:xfrm>
-      </p:grpSpPr>
-      <p:sp>
-        <p:nvSpPr>
-          <p:cNvPr id="4" name="標題 3"/>
-          <p:cNvSpPr>
-            <a:spLocks noGrp="1"/>
-          </p:cNvSpPr>
-          <p:nvPr>
-            <p:ph type="title"/>
-          </p:nvPr>
-        </p:nvSpPr>
-        <p:spPr/>
-        <p:txBody>
-          <a:bodyPr/>
-          <a:lstStyle/>
-          <a:p>
-            <a:r>
-              <a:rPr lang="zh-TW" altLang="en-US" b="1" dirty="0">
-                <a:latin typeface="微軟正黑體" pitchFamily="34" charset="-120"/>
-                <a:ea typeface="微軟正黑體" pitchFamily="34" charset="-120"/>
-              </a:rPr>
-              <a:t>獻給我天上的主</a:t>
-            </a:r>
-          </a:p>
-        </p:txBody>
-      </p:sp>
-      <p:sp>
-        <p:nvSpPr>
-          <p:cNvPr id="5" name="內容版面配置區 4"/>
-          <p:cNvSpPr>
-            <a:spLocks noGrp="1"/>
-          </p:cNvSpPr>
-          <p:nvPr>
-            <p:ph idx="1"/>
-          </p:nvPr>
-        </p:nvSpPr>
-        <p:spPr>
-          <a:xfrm>
-            <a:off x="1143000" y="1200151"/>
-            <a:ext cx="6858000" cy="3394472"/>
-          </a:xfrm>
-        </p:spPr>
-        <p:txBody>
-          <a:bodyPr>
-            <a:normAutofit/>
-          </a:bodyPr>
-          <a:lstStyle/>
-          <a:p>
-            <a:pPr algn="ctr">
-              <a:buNone/>
-            </a:pPr>
-            <a:r>
-              <a:rPr lang="zh-TW" altLang="en-US" sz="4050" b="1" dirty="0">
-                <a:solidFill>
-                  <a:srgbClr val="002060"/>
-                </a:solidFill>
-                <a:latin typeface="微軟正黑體" pitchFamily="34" charset="-120"/>
-                <a:ea typeface="微軟正黑體" pitchFamily="34" charset="-120"/>
-              </a:rPr>
-              <a:t>齊真心呈獻讚美給</a:t>
-            </a:r>
-            <a:r>
-              <a:rPr lang="zh-TW" altLang="en-US" sz="4050" b="1" dirty="0">
-                <a:solidFill>
-                  <a:srgbClr val="002060"/>
-                </a:solidFill>
-                <a:latin typeface="微軟正黑體" pitchFamily="34" charset="-120"/>
-                <a:ea typeface="微軟正黑體" pitchFamily="34" charset="-120"/>
-              </a:rPr>
-              <a:t>你</a:t>
-            </a:r>
-            <a:endParaRPr lang="en-US" altLang="zh-TW" sz="4050" b="1" dirty="0">
-              <a:solidFill>
-                <a:srgbClr val="002060"/>
-              </a:solidFill>
-              <a:latin typeface="微軟正黑體" pitchFamily="34" charset="-120"/>
-              <a:ea typeface="微軟正黑體" pitchFamily="34" charset="-120"/>
-            </a:endParaRPr>
-          </a:p>
-          <a:p>
-            <a:pPr algn="ctr">
-              <a:buNone/>
-            </a:pPr>
-            <a:r>
-              <a:rPr lang="zh-TW" altLang="en-US" sz="4050" b="1" dirty="0">
-                <a:solidFill>
-                  <a:srgbClr val="002060"/>
-                </a:solidFill>
-                <a:latin typeface="微軟正黑體" pitchFamily="34" charset="-120"/>
-                <a:ea typeface="微軟正黑體" pitchFamily="34" charset="-120"/>
-              </a:rPr>
-              <a:t>盡</a:t>
-            </a:r>
-            <a:r>
-              <a:rPr lang="zh-TW" altLang="en-US" sz="4050" b="1" dirty="0">
-                <a:solidFill>
-                  <a:srgbClr val="002060"/>
-                </a:solidFill>
-                <a:latin typeface="微軟正黑體" pitchFamily="34" charset="-120"/>
-                <a:ea typeface="微軟正黑體" pitchFamily="34" charset="-120"/>
-              </a:rPr>
-              <a:t>我心意頌唱每篇的</a:t>
-            </a:r>
-            <a:r>
-              <a:rPr lang="zh-TW" altLang="en-US" sz="4050" b="1" dirty="0">
-                <a:solidFill>
-                  <a:srgbClr val="002060"/>
-                </a:solidFill>
-                <a:latin typeface="微軟正黑體" pitchFamily="34" charset="-120"/>
-                <a:ea typeface="微軟正黑體" pitchFamily="34" charset="-120"/>
-              </a:rPr>
-              <a:t>詩句</a:t>
-            </a:r>
-            <a:endParaRPr lang="en-US" altLang="zh-TW" sz="4050" b="1" dirty="0">
-              <a:solidFill>
-                <a:srgbClr val="002060"/>
-              </a:solidFill>
-              <a:latin typeface="微軟正黑體" pitchFamily="34" charset="-120"/>
-              <a:ea typeface="微軟正黑體" pitchFamily="34" charset="-120"/>
-            </a:endParaRPr>
-          </a:p>
-          <a:p>
-            <a:pPr algn="ctr">
-              <a:buNone/>
-            </a:pPr>
-            <a:r>
-              <a:rPr lang="zh-TW" altLang="en-US" sz="4050" b="1" dirty="0">
-                <a:solidFill>
-                  <a:srgbClr val="002060"/>
-                </a:solidFill>
-                <a:latin typeface="微軟正黑體" pitchFamily="34" charset="-120"/>
-                <a:ea typeface="微軟正黑體" pitchFamily="34" charset="-120"/>
-              </a:rPr>
-              <a:t>齊</a:t>
-            </a:r>
-            <a:r>
-              <a:rPr lang="zh-TW" altLang="en-US" sz="4050" b="1" dirty="0">
-                <a:solidFill>
-                  <a:srgbClr val="002060"/>
-                </a:solidFill>
-                <a:latin typeface="微軟正黑體" pitchFamily="34" charset="-120"/>
-                <a:ea typeface="微軟正黑體" pitchFamily="34" charset="-120"/>
-              </a:rPr>
-              <a:t>舉手呈獻敬拜永遠歸給</a:t>
-            </a:r>
-            <a:r>
-              <a:rPr lang="zh-TW" altLang="en-US" sz="4050" b="1" dirty="0">
-                <a:solidFill>
-                  <a:srgbClr val="002060"/>
-                </a:solidFill>
-                <a:latin typeface="微軟正黑體" pitchFamily="34" charset="-120"/>
-                <a:ea typeface="微軟正黑體" pitchFamily="34" charset="-120"/>
-              </a:rPr>
-              <a:t>你</a:t>
-            </a:r>
-            <a:endParaRPr lang="en-US" altLang="zh-TW" sz="4050" b="1" dirty="0">
-              <a:solidFill>
-                <a:srgbClr val="002060"/>
-              </a:solidFill>
-              <a:latin typeface="微軟正黑體" pitchFamily="34" charset="-120"/>
-              <a:ea typeface="微軟正黑體" pitchFamily="34" charset="-120"/>
-            </a:endParaRPr>
-          </a:p>
-          <a:p>
-            <a:pPr algn="ctr">
-              <a:buNone/>
-            </a:pPr>
-            <a:r>
-              <a:rPr lang="zh-TW" altLang="en-US" sz="4050" b="1" dirty="0">
-                <a:solidFill>
-                  <a:srgbClr val="002060"/>
-                </a:solidFill>
-                <a:latin typeface="微軟正黑體" pitchFamily="34" charset="-120"/>
-                <a:ea typeface="微軟正黑體" pitchFamily="34" charset="-120"/>
-              </a:rPr>
-              <a:t>為</a:t>
-            </a:r>
-            <a:r>
-              <a:rPr lang="zh-TW" altLang="en-US" sz="4050" b="1" dirty="0">
-                <a:solidFill>
-                  <a:srgbClr val="002060"/>
-                </a:solidFill>
-                <a:latin typeface="微軟正黑體" pitchFamily="34" charset="-120"/>
-                <a:ea typeface="微軟正黑體" pitchFamily="34" charset="-120"/>
-              </a:rPr>
-              <a:t>你我獻上頌讚</a:t>
-            </a:r>
-          </a:p>
-        </p:txBody>
-      </p:sp>
-    </p:spTree>
-    <p:extLst>
-      <p:ext uri="{BB962C8B-B14F-4D97-AF65-F5344CB8AC3E}">
-        <p14:creationId xmlns:p14="http://schemas.microsoft.com/office/powerpoint/2010/main" val="2572074640"/>
-      </p:ext>
-    </p:extLst>
-  </p:cSld>
-  <p:clrMapOvr>
-    <a:masterClrMapping/>
-  </p:clrMapOvr>
-</p:sld>
-</file>
-
-<file path=ppt/slides/slide14.xml><?xml version="1.0" encoding="utf-8"?>
-<p:sld xmlns:a="http://schemas.openxmlformats.org/drawingml/2006/main" xmlns:r="http://schemas.openxmlformats.org/officeDocument/2006/relationships" xmlns:p="http://schemas.openxmlformats.org/presentationml/2006/main">
-  <p:cSld>
-    <p:spTree>
-      <p:nvGrpSpPr>
-        <p:cNvPr id="1" name=""/>
-        <p:cNvGrpSpPr/>
-        <p:nvPr/>
-      </p:nvGrpSpPr>
-      <p:grpSpPr>
-        <a:xfrm>
-          <a:off x="0" y="0"/>
-          <a:ext cx="0" cy="0"/>
-          <a:chOff x="0" y="0"/>
-          <a:chExt cx="0" cy="0"/>
-        </a:xfrm>
-      </p:grpSpPr>
-      <p:sp>
-        <p:nvSpPr>
-          <p:cNvPr id="4" name="標題 3"/>
-          <p:cNvSpPr>
-            <a:spLocks noGrp="1"/>
-          </p:cNvSpPr>
-          <p:nvPr>
-            <p:ph type="title"/>
-          </p:nvPr>
-        </p:nvSpPr>
-        <p:spPr/>
-        <p:txBody>
-          <a:bodyPr/>
-          <a:lstStyle/>
-          <a:p>
-            <a:r>
-              <a:rPr lang="zh-TW" altLang="en-US" b="1" dirty="0">
-                <a:latin typeface="微軟正黑體" pitchFamily="34" charset="-120"/>
-                <a:ea typeface="微軟正黑體" pitchFamily="34" charset="-120"/>
-              </a:rPr>
-              <a:t>獻給我天上的主</a:t>
-            </a:r>
-          </a:p>
-        </p:txBody>
-      </p:sp>
-      <p:sp>
-        <p:nvSpPr>
-          <p:cNvPr id="5" name="內容版面配置區 4"/>
-          <p:cNvSpPr>
-            <a:spLocks noGrp="1"/>
-          </p:cNvSpPr>
-          <p:nvPr>
-            <p:ph idx="1"/>
-          </p:nvPr>
-        </p:nvSpPr>
-        <p:spPr>
-          <a:xfrm>
-            <a:off x="1143000" y="1200151"/>
-            <a:ext cx="6858000" cy="3394472"/>
-          </a:xfrm>
-        </p:spPr>
-        <p:txBody>
-          <a:bodyPr>
-            <a:normAutofit/>
-          </a:bodyPr>
-          <a:lstStyle/>
-          <a:p>
-            <a:pPr algn="ctr">
-              <a:buNone/>
-            </a:pPr>
-            <a:r>
-              <a:rPr lang="zh-TW" altLang="en-US" sz="4050" b="1" dirty="0">
-                <a:solidFill>
-                  <a:srgbClr val="002060"/>
-                </a:solidFill>
-                <a:latin typeface="微軟正黑體" pitchFamily="34" charset="-120"/>
-                <a:ea typeface="微軟正黑體" pitchFamily="34" charset="-120"/>
-              </a:rPr>
-              <a:t>齊真心呈獻讚美給</a:t>
-            </a:r>
-            <a:r>
-              <a:rPr lang="zh-TW" altLang="en-US" sz="4050" b="1" dirty="0">
-                <a:solidFill>
-                  <a:srgbClr val="002060"/>
-                </a:solidFill>
-                <a:latin typeface="微軟正黑體" pitchFamily="34" charset="-120"/>
-                <a:ea typeface="微軟正黑體" pitchFamily="34" charset="-120"/>
-              </a:rPr>
-              <a:t>你</a:t>
-            </a:r>
-            <a:endParaRPr lang="en-US" altLang="zh-TW" sz="4050" b="1" dirty="0">
-              <a:solidFill>
-                <a:srgbClr val="002060"/>
-              </a:solidFill>
-              <a:latin typeface="微軟正黑體" pitchFamily="34" charset="-120"/>
-              <a:ea typeface="微軟正黑體" pitchFamily="34" charset="-120"/>
-            </a:endParaRPr>
-          </a:p>
-          <a:p>
-            <a:pPr algn="ctr">
-              <a:buNone/>
-            </a:pPr>
-            <a:r>
-              <a:rPr lang="zh-TW" altLang="en-US" sz="4050" b="1" dirty="0">
-                <a:solidFill>
-                  <a:srgbClr val="002060"/>
-                </a:solidFill>
-                <a:latin typeface="微軟正黑體" pitchFamily="34" charset="-120"/>
-                <a:ea typeface="微軟正黑體" pitchFamily="34" charset="-120"/>
-              </a:rPr>
-              <a:t>盡</a:t>
-            </a:r>
-            <a:r>
-              <a:rPr lang="zh-TW" altLang="en-US" sz="4050" b="1" dirty="0">
-                <a:solidFill>
-                  <a:srgbClr val="002060"/>
-                </a:solidFill>
-                <a:latin typeface="微軟正黑體" pitchFamily="34" charset="-120"/>
-                <a:ea typeface="微軟正黑體" pitchFamily="34" charset="-120"/>
-              </a:rPr>
-              <a:t>我心意頌唱每篇的</a:t>
-            </a:r>
-            <a:r>
-              <a:rPr lang="zh-TW" altLang="en-US" sz="4050" b="1" dirty="0">
-                <a:solidFill>
-                  <a:srgbClr val="002060"/>
-                </a:solidFill>
-                <a:latin typeface="微軟正黑體" pitchFamily="34" charset="-120"/>
-                <a:ea typeface="微軟正黑體" pitchFamily="34" charset="-120"/>
-              </a:rPr>
-              <a:t>詩句</a:t>
-            </a:r>
-            <a:endParaRPr lang="en-US" altLang="zh-TW" sz="4050" b="1" dirty="0">
-              <a:solidFill>
-                <a:srgbClr val="002060"/>
-              </a:solidFill>
-              <a:latin typeface="微軟正黑體" pitchFamily="34" charset="-120"/>
-              <a:ea typeface="微軟正黑體" pitchFamily="34" charset="-120"/>
-            </a:endParaRPr>
-          </a:p>
-          <a:p>
-            <a:pPr algn="ctr">
-              <a:buNone/>
-            </a:pPr>
-            <a:r>
-              <a:rPr lang="zh-TW" altLang="en-US" sz="4050" b="1" dirty="0">
-                <a:solidFill>
-                  <a:srgbClr val="002060"/>
-                </a:solidFill>
-                <a:latin typeface="微軟正黑體" pitchFamily="34" charset="-120"/>
-                <a:ea typeface="微軟正黑體" pitchFamily="34" charset="-120"/>
-              </a:rPr>
-              <a:t>齊</a:t>
-            </a:r>
-            <a:r>
-              <a:rPr lang="zh-TW" altLang="en-US" sz="4050" b="1" dirty="0">
-                <a:solidFill>
-                  <a:srgbClr val="002060"/>
-                </a:solidFill>
-                <a:latin typeface="微軟正黑體" pitchFamily="34" charset="-120"/>
-                <a:ea typeface="微軟正黑體" pitchFamily="34" charset="-120"/>
-              </a:rPr>
-              <a:t>舉手呈獻敬拜永遠歸給</a:t>
-            </a:r>
-            <a:r>
-              <a:rPr lang="zh-TW" altLang="en-US" sz="4050" b="1" dirty="0">
-                <a:solidFill>
-                  <a:srgbClr val="002060"/>
-                </a:solidFill>
-                <a:latin typeface="微軟正黑體" pitchFamily="34" charset="-120"/>
-                <a:ea typeface="微軟正黑體" pitchFamily="34" charset="-120"/>
-              </a:rPr>
-              <a:t>你</a:t>
-            </a:r>
-            <a:endParaRPr lang="en-US" altLang="zh-TW" sz="4050" b="1" dirty="0">
-              <a:solidFill>
-                <a:srgbClr val="002060"/>
-              </a:solidFill>
-              <a:latin typeface="微軟正黑體" pitchFamily="34" charset="-120"/>
-              <a:ea typeface="微軟正黑體" pitchFamily="34" charset="-120"/>
-            </a:endParaRPr>
-          </a:p>
-          <a:p>
-            <a:pPr algn="ctr">
-              <a:buNone/>
-            </a:pPr>
-            <a:r>
-              <a:rPr lang="zh-TW" altLang="en-US" sz="4050" b="1" dirty="0">
-                <a:solidFill>
-                  <a:srgbClr val="002060"/>
-                </a:solidFill>
-                <a:latin typeface="微軟正黑體" pitchFamily="34" charset="-120"/>
-                <a:ea typeface="微軟正黑體" pitchFamily="34" charset="-120"/>
-              </a:rPr>
-              <a:t>為</a:t>
-            </a:r>
-            <a:r>
-              <a:rPr lang="zh-TW" altLang="en-US" sz="4050" b="1" dirty="0">
-                <a:solidFill>
-                  <a:srgbClr val="002060"/>
-                </a:solidFill>
-                <a:latin typeface="微軟正黑體" pitchFamily="34" charset="-120"/>
-                <a:ea typeface="微軟正黑體" pitchFamily="34" charset="-120"/>
-              </a:rPr>
-              <a:t>你我獻上頌讚</a:t>
-            </a:r>
-          </a:p>
-        </p:txBody>
-      </p:sp>
-    </p:spTree>
-    <p:extLst>
-      <p:ext uri="{BB962C8B-B14F-4D97-AF65-F5344CB8AC3E}">
-        <p14:creationId xmlns:p14="http://schemas.microsoft.com/office/powerpoint/2010/main" val="2547631253"/>
-      </p:ext>
-    </p:extLst>
-  </p:cSld>
-  <p:clrMapOvr>
-    <a:masterClrMapping/>
-  </p:clrMapOvr>
-</p:sld>
-</file>
-
-<file path=ppt/slides/slide15.xml><?xml version="1.0" encoding="utf-8"?>
-<p:sld xmlns:a="http://schemas.openxmlformats.org/drawingml/2006/main" xmlns:r="http://schemas.openxmlformats.org/officeDocument/2006/relationships" xmlns:p="http://schemas.openxmlformats.org/presentationml/2006/main">
-  <p:cSld>
-    <p:spTree>
-      <p:nvGrpSpPr>
-        <p:cNvPr id="1" name=""/>
-        <p:cNvGrpSpPr/>
-        <p:nvPr/>
-      </p:nvGrpSpPr>
-      <p:grpSpPr>
-        <a:xfrm>
-          <a:off x="0" y="0"/>
-          <a:ext cx="0" cy="0"/>
-          <a:chOff x="0" y="0"/>
-          <a:chExt cx="0" cy="0"/>
-        </a:xfrm>
-      </p:grpSpPr>
-      <p:sp>
-        <p:nvSpPr>
-          <p:cNvPr id="4" name="標題 3"/>
-          <p:cNvSpPr>
-            <a:spLocks noGrp="1"/>
-          </p:cNvSpPr>
-          <p:nvPr>
-            <p:ph type="title"/>
-          </p:nvPr>
-        </p:nvSpPr>
-        <p:spPr/>
-        <p:txBody>
-          <a:bodyPr/>
-          <a:lstStyle/>
-          <a:p>
-            <a:r>
-              <a:rPr lang="zh-TW" altLang="en-US" b="1" dirty="0">
-                <a:latin typeface="微軟正黑體" pitchFamily="34" charset="-120"/>
-                <a:ea typeface="微軟正黑體" pitchFamily="34" charset="-120"/>
-              </a:rPr>
-              <a:t>獻給我天上的主</a:t>
-            </a:r>
-          </a:p>
-        </p:txBody>
-      </p:sp>
-      <p:sp>
-        <p:nvSpPr>
-          <p:cNvPr id="5" name="內容版面配置區 4"/>
-          <p:cNvSpPr>
-            <a:spLocks noGrp="1"/>
-          </p:cNvSpPr>
-          <p:nvPr>
-            <p:ph idx="1"/>
-          </p:nvPr>
-        </p:nvSpPr>
-        <p:spPr>
-          <a:xfrm>
-            <a:off x="1143000" y="1200151"/>
-            <a:ext cx="6858000" cy="3394472"/>
-          </a:xfrm>
-        </p:spPr>
-        <p:txBody>
-          <a:bodyPr>
-            <a:normAutofit/>
-          </a:bodyPr>
-          <a:lstStyle/>
-          <a:p>
-            <a:pPr algn="ctr">
-              <a:buNone/>
-            </a:pPr>
-            <a:endParaRPr lang="en-US" altLang="zh-TW" sz="4050" b="1" dirty="0" smtClean="0">
-              <a:solidFill>
-                <a:srgbClr val="002060"/>
-              </a:solidFill>
-              <a:latin typeface="微軟正黑體" pitchFamily="34" charset="-120"/>
-              <a:ea typeface="微軟正黑體" pitchFamily="34" charset="-120"/>
-            </a:endParaRPr>
-          </a:p>
-          <a:p>
-            <a:pPr algn="ctr">
-              <a:buNone/>
-            </a:pPr>
-            <a:r>
-              <a:rPr lang="zh-TW" altLang="en-US" sz="4050" b="1" dirty="0" smtClean="0">
-                <a:solidFill>
-                  <a:srgbClr val="002060"/>
-                </a:solidFill>
-                <a:latin typeface="微軟正黑體" pitchFamily="34" charset="-120"/>
-                <a:ea typeface="微軟正黑體" pitchFamily="34" charset="-120"/>
-              </a:rPr>
-              <a:t>為</a:t>
-            </a:r>
-            <a:r>
-              <a:rPr lang="zh-TW" altLang="en-US" sz="4050" b="1" dirty="0">
-                <a:solidFill>
-                  <a:srgbClr val="002060"/>
-                </a:solidFill>
-                <a:latin typeface="微軟正黑體" pitchFamily="34" charset="-120"/>
-                <a:ea typeface="微軟正黑體" pitchFamily="34" charset="-120"/>
-              </a:rPr>
-              <a:t>你我獻作活</a:t>
-            </a:r>
-            <a:r>
-              <a:rPr lang="zh-TW" altLang="en-US" sz="4050" b="1" dirty="0">
-                <a:solidFill>
-                  <a:srgbClr val="002060"/>
-                </a:solidFill>
-                <a:latin typeface="微軟正黑體" pitchFamily="34" charset="-120"/>
-                <a:ea typeface="微軟正黑體" pitchFamily="34" charset="-120"/>
-              </a:rPr>
-              <a:t>祭</a:t>
-            </a:r>
-            <a:endParaRPr lang="en-US" altLang="zh-TW" sz="4050" b="1" dirty="0">
-              <a:solidFill>
-                <a:srgbClr val="002060"/>
-              </a:solidFill>
-              <a:latin typeface="微軟正黑體" pitchFamily="34" charset="-120"/>
-              <a:ea typeface="微軟正黑體" pitchFamily="34" charset="-120"/>
-            </a:endParaRPr>
-          </a:p>
-          <a:p>
-            <a:pPr algn="ctr">
-              <a:buNone/>
-            </a:pPr>
-            <a:endParaRPr lang="en-US" altLang="zh-TW" sz="4050" b="1" dirty="0" smtClean="0">
-              <a:solidFill>
-                <a:srgbClr val="002060"/>
-              </a:solidFill>
-              <a:latin typeface="微軟正黑體" pitchFamily="34" charset="-120"/>
-              <a:ea typeface="微軟正黑體" pitchFamily="34" charset="-120"/>
-            </a:endParaRPr>
-          </a:p>
-          <a:p>
-            <a:pPr algn="ctr">
-              <a:buNone/>
-            </a:pPr>
-            <a:r>
-              <a:rPr lang="zh-TW" altLang="en-US" sz="4050" b="1" dirty="0" smtClean="0">
-                <a:solidFill>
-                  <a:srgbClr val="002060"/>
-                </a:solidFill>
-                <a:latin typeface="微軟正黑體" pitchFamily="34" charset="-120"/>
-                <a:ea typeface="微軟正黑體" pitchFamily="34" charset="-120"/>
-              </a:rPr>
-              <a:t>讓</a:t>
-            </a:r>
-            <a:r>
-              <a:rPr lang="zh-TW" altLang="en-US" sz="4050" b="1" dirty="0">
-                <a:solidFill>
-                  <a:srgbClr val="002060"/>
-                </a:solidFill>
-                <a:latin typeface="微軟正黑體" pitchFamily="34" charset="-120"/>
-                <a:ea typeface="微軟正黑體" pitchFamily="34" charset="-120"/>
-              </a:rPr>
-              <a:t>我永化作活祭</a:t>
-            </a:r>
-          </a:p>
-        </p:txBody>
-      </p:sp>
-    </p:spTree>
-    <p:extLst>
-      <p:ext uri="{BB962C8B-B14F-4D97-AF65-F5344CB8AC3E}">
-        <p14:creationId xmlns:p14="http://schemas.microsoft.com/office/powerpoint/2010/main" val="2283740711"/>
+        <p14:creationId xmlns:p14="http://schemas.microsoft.com/office/powerpoint/2010/main" val="683719527"/>
       </p:ext>
     </p:extLst>
   </p:cSld>
@@ -4650,109 +3179,72 @@
       </p:grpSpPr>
       <p:sp>
         <p:nvSpPr>
-          <p:cNvPr id="4" name="標題 3"/>
-          <p:cNvSpPr>
-            <a:spLocks noGrp="1"/>
-          </p:cNvSpPr>
-          <p:nvPr>
-            <p:ph type="title"/>
-          </p:nvPr>
-        </p:nvSpPr>
-        <p:spPr/>
-        <p:txBody>
-          <a:bodyPr>
+          <p:cNvPr id="5" name="內容版面配置區 4"/>
+          <p:cNvSpPr>
+            <a:spLocks noGrp="1"/>
+          </p:cNvSpPr>
+          <p:nvPr>
+            <p:ph idx="1"/>
+          </p:nvPr>
+        </p:nvSpPr>
+        <p:spPr>
+          <a:xfrm>
+            <a:off x="0" y="1563638"/>
+            <a:ext cx="9144000" cy="1803647"/>
+          </a:xfrm>
+        </p:spPr>
+        <p:txBody>
+          <a:bodyPr anchor="ctr">
             <a:normAutofit/>
           </a:bodyPr>
           <a:lstStyle/>
           <a:p>
-            <a:r>
-              <a:rPr lang="zh-TW" altLang="en-US" sz="4000" b="1" dirty="0">
+            <a:pPr algn="ctr">
+              <a:buNone/>
+            </a:pPr>
+            <a:r>
+              <a:rPr lang="zh-TW" altLang="en-US" sz="4800" b="1" dirty="0" smtClean="0">
+                <a:solidFill>
+                  <a:srgbClr val="660033"/>
+                </a:solidFill>
                 <a:latin typeface="微軟正黑體" pitchFamily="34" charset="-120"/>
                 <a:ea typeface="微軟正黑體" pitchFamily="34" charset="-120"/>
               </a:rPr>
-              <a:t>全地至高是我主</a:t>
-            </a:r>
-          </a:p>
-        </p:txBody>
-      </p:sp>
-      <p:sp>
-        <p:nvSpPr>
-          <p:cNvPr id="5" name="內容版面配置區 4"/>
-          <p:cNvSpPr>
-            <a:spLocks noGrp="1"/>
-          </p:cNvSpPr>
-          <p:nvPr>
-            <p:ph idx="1"/>
-          </p:nvPr>
-        </p:nvSpPr>
-        <p:spPr>
-          <a:xfrm>
-            <a:off x="0" y="1200151"/>
-            <a:ext cx="9144000" cy="3394472"/>
-          </a:xfrm>
-        </p:spPr>
-        <p:txBody>
-          <a:bodyPr>
-            <a:noAutofit/>
-          </a:bodyPr>
-          <a:lstStyle/>
-          <a:p>
-            <a:pPr algn="ctr">
-              <a:buNone/>
-            </a:pPr>
+              <a:t>願</a:t>
+            </a:r>
             <a:r>
               <a:rPr lang="zh-TW" altLang="en-US" sz="4800" b="1" dirty="0">
                 <a:solidFill>
-                  <a:srgbClr val="002060"/>
+                  <a:srgbClr val="660033"/>
                 </a:solidFill>
                 <a:latin typeface="微軟正黑體" pitchFamily="34" charset="-120"/>
                 <a:ea typeface="微軟正黑體" pitchFamily="34" charset="-120"/>
               </a:rPr>
-              <a:t>全地至高是我</a:t>
+              <a:t>靈內甦醒  </a:t>
             </a:r>
             <a:r>
               <a:rPr lang="zh-TW" altLang="en-US" sz="4800" b="1" dirty="0" smtClean="0">
                 <a:solidFill>
-                  <a:srgbClr val="002060"/>
+                  <a:srgbClr val="660033"/>
                 </a:solidFill>
                 <a:latin typeface="微軟正黑體" pitchFamily="34" charset="-120"/>
                 <a:ea typeface="微軟正黑體" pitchFamily="34" charset="-120"/>
               </a:rPr>
-              <a:t>主</a:t>
-            </a:r>
-            <a:r>
-              <a:rPr lang="en-US" altLang="zh-TW" sz="4800" b="1" dirty="0" smtClean="0">
-                <a:solidFill>
-                  <a:srgbClr val="002060"/>
+              <a:t> 心</a:t>
+            </a:r>
+            <a:r>
+              <a:rPr lang="zh-TW" altLang="en-US" sz="4800" b="1" dirty="0">
+                <a:solidFill>
+                  <a:srgbClr val="660033"/>
                 </a:solidFill>
                 <a:latin typeface="微軟正黑體" pitchFamily="34" charset="-120"/>
                 <a:ea typeface="微軟正黑體" pitchFamily="34" charset="-120"/>
               </a:rPr>
-              <a:t>  </a:t>
-            </a:r>
-            <a:r>
-              <a:rPr lang="zh-TW" altLang="en-US" sz="4800" b="1" dirty="0" smtClean="0">
-                <a:solidFill>
-                  <a:srgbClr val="002060"/>
-                </a:solidFill>
-                <a:latin typeface="微軟正黑體" pitchFamily="34" charset="-120"/>
-                <a:ea typeface="微軟正黑體" pitchFamily="34" charset="-120"/>
-              </a:rPr>
-              <a:t>各</a:t>
-            </a:r>
-            <a:r>
-              <a:rPr lang="zh-TW" altLang="en-US" sz="4800" b="1" dirty="0">
-                <a:solidFill>
-                  <a:srgbClr val="002060"/>
-                </a:solidFill>
-                <a:latin typeface="微軟正黑體" pitchFamily="34" charset="-120"/>
-                <a:ea typeface="微軟正黑體" pitchFamily="34" charset="-120"/>
-              </a:rPr>
-              <a:t>邦一致頌揚</a:t>
+              <a:t>獻頌讚歌聲</a:t>
             </a:r>
             <a:endParaRPr lang="en-US" altLang="zh-TW" sz="4800" b="1" dirty="0">
               <a:solidFill>
-                <a:srgbClr val="002060"/>
+                <a:srgbClr val="660033"/>
               </a:solidFill>
               <a:latin typeface="微軟正黑體" pitchFamily="34" charset="-120"/>
               <a:ea typeface="微軟正黑體" pitchFamily="34" charset="-120"/>
@@ -4765,61 +3257,176 @@
             <a:r>
               <a:rPr lang="zh-TW" altLang="en-US" sz="4800" b="1" dirty="0">
                 <a:solidFill>
-                  <a:srgbClr val="002060"/>
+                  <a:srgbClr val="660033"/>
                 </a:solidFill>
                 <a:latin typeface="微軟正黑體" pitchFamily="34" charset="-120"/>
                 <a:ea typeface="微軟正黑體" pitchFamily="34" charset="-120"/>
               </a:rPr>
-              <a:t>讓這歌盡獻主  榮光高照諸天</a:t>
+              <a:t>投</a:t>
+            </a:r>
+            <a:r>
+              <a:rPr lang="zh-TW" altLang="en-US" sz="4800" b="1" dirty="0" smtClean="0">
+                <a:solidFill>
+                  <a:srgbClr val="660033"/>
+                </a:solidFill>
+                <a:latin typeface="微軟正黑體" pitchFamily="34" charset="-120"/>
+                <a:ea typeface="微軟正黑體" pitchFamily="34" charset="-120"/>
+              </a:rPr>
+              <a:t>在</a:t>
+            </a:r>
+            <a:r>
+              <a:rPr lang="zh-CN" altLang="en-US" sz="4800" b="1" dirty="0" smtClean="0">
+                <a:solidFill>
+                  <a:srgbClr val="660033"/>
+                </a:solidFill>
+                <a:latin typeface="微軟正黑體" pitchFamily="34" charset="-120"/>
+                <a:ea typeface="微軟正黑體" pitchFamily="34" charset="-120"/>
+              </a:rPr>
+              <a:t>袮</a:t>
+            </a:r>
+            <a:r>
+              <a:rPr lang="zh-TW" altLang="en-US" sz="4800" b="1" dirty="0" smtClean="0">
+                <a:solidFill>
+                  <a:srgbClr val="660033"/>
+                </a:solidFill>
+                <a:latin typeface="微軟正黑體" pitchFamily="34" charset="-120"/>
+                <a:ea typeface="微軟正黑體" pitchFamily="34" charset="-120"/>
+              </a:rPr>
+              <a:t>的</a:t>
+            </a:r>
+            <a:r>
+              <a:rPr lang="zh-TW" altLang="en-US" sz="4800" b="1" dirty="0">
+                <a:solidFill>
+                  <a:srgbClr val="660033"/>
+                </a:solidFill>
+                <a:latin typeface="微軟正黑體" pitchFamily="34" charset="-120"/>
+                <a:ea typeface="微軟正黑體" pitchFamily="34" charset="-120"/>
+              </a:rPr>
+              <a:t>翅膀  </a:t>
+            </a:r>
+            <a:r>
+              <a:rPr lang="zh-TW" altLang="en-US" sz="4800" b="1" dirty="0" smtClean="0">
+                <a:solidFill>
+                  <a:srgbClr val="660033"/>
+                </a:solidFill>
+                <a:latin typeface="微軟正黑體" pitchFamily="34" charset="-120"/>
+                <a:ea typeface="微軟正黑體" pitchFamily="34" charset="-120"/>
+              </a:rPr>
+              <a:t> 願</a:t>
+            </a:r>
+            <a:r>
+              <a:rPr lang="zh-CN" altLang="en-US" sz="4800" b="1" dirty="0">
+                <a:solidFill>
+                  <a:srgbClr val="660033"/>
+                </a:solidFill>
+                <a:latin typeface="微軟正黑體" pitchFamily="34" charset="-120"/>
+                <a:ea typeface="微軟正黑體" pitchFamily="34" charset="-120"/>
+              </a:rPr>
+              <a:t>袮</a:t>
+            </a:r>
+            <a:r>
+              <a:rPr lang="zh-TW" altLang="en-US" sz="4800" b="1" dirty="0" smtClean="0">
+                <a:solidFill>
+                  <a:srgbClr val="660033"/>
+                </a:solidFill>
+                <a:latin typeface="微軟正黑體" pitchFamily="34" charset="-120"/>
+                <a:ea typeface="微軟正黑體" pitchFamily="34" charset="-120"/>
+              </a:rPr>
+              <a:t>施</a:t>
+            </a:r>
+            <a:r>
+              <a:rPr lang="zh-TW" altLang="en-US" sz="4800" b="1" dirty="0">
+                <a:solidFill>
+                  <a:srgbClr val="660033"/>
+                </a:solidFill>
+                <a:latin typeface="微軟正黑體" pitchFamily="34" charset="-120"/>
+                <a:ea typeface="微軟正黑體" pitchFamily="34" charset="-120"/>
+              </a:rPr>
+              <a:t>恩救拯</a:t>
             </a:r>
             <a:endParaRPr lang="en-US" altLang="zh-TW" sz="4800" b="1" dirty="0">
               <a:solidFill>
-                <a:srgbClr val="002060"/>
+                <a:srgbClr val="660033"/>
               </a:solidFill>
               <a:latin typeface="微軟正黑體" pitchFamily="34" charset="-120"/>
               <a:ea typeface="微軟正黑體" pitchFamily="34" charset="-120"/>
             </a:endParaRPr>
           </a:p>
-          <a:p>
-            <a:pPr algn="ctr">
-              <a:buNone/>
-            </a:pPr>
-            <a:r>
-              <a:rPr lang="zh-TW" altLang="en-US" sz="4800" b="1" dirty="0">
-                <a:solidFill>
-                  <a:srgbClr val="002060"/>
-                </a:solidFill>
-                <a:latin typeface="微軟正黑體" pitchFamily="34" charset="-120"/>
-                <a:ea typeface="微軟正黑體" pitchFamily="34" charset="-120"/>
-              </a:rPr>
-              <a:t>慈愛達到穹蒼處  恩慈信實</a:t>
-            </a:r>
-            <a:endParaRPr lang="en-US" altLang="zh-TW" sz="4800" b="1" dirty="0">
+        </p:txBody>
+      </p:sp>
+      <p:sp>
+        <p:nvSpPr>
+          <p:cNvPr id="3" name="TextBox 2"/>
+          <p:cNvSpPr txBox="1"/>
+          <p:nvPr/>
+        </p:nvSpPr>
+        <p:spPr>
+          <a:xfrm>
+            <a:off x="0" y="3939902"/>
+            <a:ext cx="9144000" cy="646331"/>
+          </a:xfrm>
+          <a:prstGeom prst="rect">
+            <a:avLst/>
+          </a:prstGeom>
+          <a:noFill/>
+        </p:spPr>
+        <p:txBody>
+          <a:bodyPr wrap="square" rtlCol="0" anchor="ctr">
+            <a:spAutoFit/>
+          </a:bodyPr>
+          <a:lstStyle/>
+          <a:p>
+            <a:pPr algn="ctr"/>
+            <a:r>
+              <a:rPr lang="en-US" sz="3600" b="1" dirty="0">
+                <a:solidFill>
+                  <a:srgbClr val="660033"/>
+                </a:solidFill>
+                <a:effectLst/>
+                <a:latin typeface="Microsoft JhengHei" panose="020B0604030504040204" pitchFamily="34" charset="-120"/>
+                <a:ea typeface="Microsoft JhengHei" panose="020B0604030504040204" pitchFamily="34" charset="-120"/>
+              </a:rPr>
+              <a:t>( </a:t>
+            </a:r>
+            <a:r>
+              <a:rPr lang="zh-CN" altLang="en-US" sz="3600" b="1" dirty="0">
+                <a:solidFill>
+                  <a:srgbClr val="660033"/>
+                </a:solidFill>
+                <a:effectLst/>
+                <a:latin typeface="Microsoft JhengHei" panose="020B0604030504040204" pitchFamily="34" charset="-120"/>
+                <a:ea typeface="Microsoft JhengHei" panose="020B0604030504040204" pitchFamily="34" charset="-120"/>
+              </a:rPr>
+              <a:t>正</a:t>
+            </a:r>
+            <a:r>
+              <a:rPr lang="en-US" sz="3600" b="1" dirty="0">
+                <a:solidFill>
+                  <a:srgbClr val="660033"/>
+                </a:solidFill>
+                <a:effectLst/>
+                <a:latin typeface="Microsoft JhengHei" panose="020B0604030504040204" pitchFamily="34" charset="-120"/>
+                <a:ea typeface="Microsoft JhengHei" panose="020B0604030504040204" pitchFamily="34" charset="-120"/>
+              </a:rPr>
+              <a:t> )</a:t>
+            </a:r>
+            <a:endParaRPr lang="vi-VN" sz="3600" b="1" dirty="0">
               <a:solidFill>
-                <a:srgbClr val="002060"/>
+                <a:srgbClr val="660033"/>
               </a:solidFill>
-              <a:latin typeface="微軟正黑體" pitchFamily="34" charset="-120"/>
-              <a:ea typeface="微軟正黑體" pitchFamily="34" charset="-120"/>
+              <a:effectLst/>
+              <a:latin typeface="Microsoft JhengHei" panose="020B0604030504040204" pitchFamily="34" charset="-120"/>
+              <a:ea typeface="Microsoft JhengHei" panose="020B0604030504040204" pitchFamily="34" charset="-120"/>
             </a:endParaRPr>
           </a:p>
-          <a:p>
-            <a:pPr algn="ctr">
-              <a:buNone/>
-            </a:pPr>
-            <a:r>
-              <a:rPr lang="zh-TW" altLang="en-US" sz="4800" b="1" dirty="0">
-                <a:solidFill>
-                  <a:srgbClr val="002060"/>
-                </a:solidFill>
-                <a:latin typeface="微軟正黑體" pitchFamily="34" charset="-120"/>
-                <a:ea typeface="微軟正黑體" pitchFamily="34" charset="-120"/>
-              </a:rPr>
-              <a:t>並賜下寬容饒恕</a:t>
-            </a:r>
-          </a:p>
         </p:txBody>
       </p:sp>
     </p:spTree>
+    <p:extLst>
+      <p:ext uri="{BB962C8B-B14F-4D97-AF65-F5344CB8AC3E}">
+        <p14:creationId xmlns:p14="http://schemas.microsoft.com/office/powerpoint/2010/main" val="95437478"/>
+      </p:ext>
+    </p:extLst>
   </p:cSld>
   <p:clrMapOvr>
     <a:masterClrMapping/>
@@ -4846,99 +3453,62 @@
       </p:grpSpPr>
       <p:sp>
         <p:nvSpPr>
-          <p:cNvPr id="4" name="標題 3"/>
-          <p:cNvSpPr>
-            <a:spLocks noGrp="1"/>
-          </p:cNvSpPr>
-          <p:nvPr>
-            <p:ph type="title"/>
-          </p:nvPr>
-        </p:nvSpPr>
-        <p:spPr/>
-        <p:txBody>
-          <a:bodyPr>
+          <p:cNvPr id="5" name="內容版面配置區 4"/>
+          <p:cNvSpPr>
+            <a:spLocks noGrp="1"/>
+          </p:cNvSpPr>
+          <p:nvPr>
+            <p:ph idx="1"/>
+          </p:nvPr>
+        </p:nvSpPr>
+        <p:spPr>
+          <a:xfrm>
+            <a:off x="0" y="1563638"/>
+            <a:ext cx="9144000" cy="1803647"/>
+          </a:xfrm>
+        </p:spPr>
+        <p:txBody>
+          <a:bodyPr anchor="ctr">
             <a:normAutofit/>
           </a:bodyPr>
           <a:lstStyle/>
           <a:p>
-            <a:r>
-              <a:rPr lang="zh-TW" altLang="en-US" sz="4000" b="1" dirty="0">
+            <a:pPr algn="ctr">
+              <a:buNone/>
+            </a:pPr>
+            <a:r>
+              <a:rPr lang="zh-TW" altLang="en-US" sz="4800" b="1" dirty="0">
+                <a:solidFill>
+                  <a:srgbClr val="660033"/>
+                </a:solidFill>
                 <a:latin typeface="微軟正黑體" pitchFamily="34" charset="-120"/>
                 <a:ea typeface="微軟正黑體" pitchFamily="34" charset="-120"/>
               </a:rPr>
-              <a:t>全地至高是我主</a:t>
-            </a:r>
-          </a:p>
-        </p:txBody>
-      </p:sp>
-      <p:sp>
-        <p:nvSpPr>
-          <p:cNvPr id="5" name="內容版面配置區 4"/>
-          <p:cNvSpPr>
-            <a:spLocks noGrp="1"/>
-          </p:cNvSpPr>
-          <p:nvPr>
-            <p:ph idx="1"/>
-          </p:nvPr>
-        </p:nvSpPr>
-        <p:spPr>
-          <a:xfrm>
-            <a:off x="0" y="1200151"/>
-            <a:ext cx="9144000" cy="3394472"/>
-          </a:xfrm>
-        </p:spPr>
-        <p:txBody>
-          <a:bodyPr>
-            <a:noAutofit/>
-          </a:bodyPr>
-          <a:lstStyle/>
-          <a:p>
-            <a:pPr algn="ctr">
-              <a:buNone/>
-            </a:pPr>
-            <a:r>
-              <a:rPr lang="zh-TW" altLang="en-US" sz="4800" b="1" dirty="0">
-                <a:solidFill>
-                  <a:srgbClr val="002060"/>
+              <a:t>願榮耀歸主  </a:t>
+            </a:r>
+            <a:r>
+              <a:rPr lang="zh-TW" altLang="en-US" sz="4800" b="1" dirty="0" smtClean="0">
+                <a:solidFill>
+                  <a:srgbClr val="660033"/>
                 </a:solidFill>
                 <a:latin typeface="微軟正黑體" pitchFamily="34" charset="-120"/>
                 <a:ea typeface="微軟正黑體" pitchFamily="34" charset="-120"/>
               </a:rPr>
-              <a:t>願靈內</a:t>
-            </a:r>
-            <a:r>
-              <a:rPr lang="zh-TW" altLang="en-US" sz="4800" b="1" dirty="0" smtClean="0">
-                <a:solidFill>
-                  <a:srgbClr val="002060"/>
+              <a:t> 高</a:t>
+            </a:r>
+            <a:r>
+              <a:rPr lang="zh-TW" altLang="en-US" sz="4800" b="1" dirty="0">
+                <a:solidFill>
+                  <a:srgbClr val="660033"/>
                 </a:solidFill>
                 <a:latin typeface="微軟正黑體" pitchFamily="34" charset="-120"/>
                 <a:ea typeface="微軟正黑體" pitchFamily="34" charset="-120"/>
               </a:rPr>
-              <a:t>甦醒  心</a:t>
-            </a:r>
-            <a:r>
-              <a:rPr lang="zh-TW" altLang="en-US" sz="4800" b="1" dirty="0">
-                <a:solidFill>
-                  <a:srgbClr val="002060"/>
-                </a:solidFill>
-                <a:latin typeface="微軟正黑體" pitchFamily="34" charset="-120"/>
-                <a:ea typeface="微軟正黑體" pitchFamily="34" charset="-120"/>
-              </a:rPr>
-              <a:t>獻頌讚</a:t>
-            </a:r>
-            <a:r>
-              <a:rPr lang="zh-TW" altLang="en-US" sz="4800" b="1" dirty="0" smtClean="0">
-                <a:solidFill>
-                  <a:srgbClr val="002060"/>
-                </a:solidFill>
-                <a:latin typeface="微軟正黑體" pitchFamily="34" charset="-120"/>
-                <a:ea typeface="微軟正黑體" pitchFamily="34" charset="-120"/>
-              </a:rPr>
-              <a:t>歌聲</a:t>
+              <a:t>唱頌讚新歌</a:t>
             </a:r>
             <a:endParaRPr lang="en-US" altLang="zh-TW" sz="4800" b="1" dirty="0">
               <a:solidFill>
-                <a:srgbClr val="002060"/>
+                <a:srgbClr val="660033"/>
               </a:solidFill>
               <a:latin typeface="微軟正黑體" pitchFamily="34" charset="-120"/>
               <a:ea typeface="微軟正黑體" pitchFamily="34" charset="-120"/>
@@ -4949,176 +3519,116 @@
               <a:buNone/>
             </a:pPr>
             <a:r>
-              <a:rPr lang="zh-TW" altLang="en-US" sz="4800" b="1" dirty="0" smtClean="0">
-                <a:solidFill>
-                  <a:srgbClr val="002060"/>
+              <a:rPr lang="zh-TW" altLang="en-US" sz="4800" b="1" dirty="0">
+                <a:solidFill>
+                  <a:srgbClr val="660033"/>
                 </a:solidFill>
                 <a:latin typeface="微軟正黑體" pitchFamily="34" charset="-120"/>
                 <a:ea typeface="微軟正黑體" pitchFamily="34" charset="-120"/>
               </a:rPr>
-              <a:t>投</a:t>
-            </a:r>
-            <a:r>
-              <a:rPr lang="zh-TW" altLang="en-US" sz="4800" b="1" dirty="0">
-                <a:solidFill>
-                  <a:srgbClr val="002060"/>
+              <a:t>琴和應瑟奏鳴  </a:t>
+            </a:r>
+            <a:r>
+              <a:rPr lang="zh-TW" altLang="en-US" sz="4800" b="1" dirty="0" smtClean="0">
+                <a:solidFill>
+                  <a:srgbClr val="660033"/>
                 </a:solidFill>
                 <a:latin typeface="微軟正黑體" pitchFamily="34" charset="-120"/>
                 <a:ea typeface="微軟正黑體" pitchFamily="34" charset="-120"/>
               </a:rPr>
-              <a:t>在你的</a:t>
-            </a:r>
-            <a:r>
-              <a:rPr lang="zh-TW" altLang="en-US" sz="4800" b="1" dirty="0" smtClean="0">
-                <a:solidFill>
-                  <a:srgbClr val="002060"/>
+              <a:t> 樂</a:t>
+            </a:r>
+            <a:r>
+              <a:rPr lang="zh-TW" altLang="en-US" sz="4800" b="1" dirty="0">
+                <a:solidFill>
+                  <a:srgbClr val="660033"/>
                 </a:solidFill>
                 <a:latin typeface="微軟正黑體" pitchFamily="34" charset="-120"/>
                 <a:ea typeface="微軟正黑體" pitchFamily="34" charset="-120"/>
               </a:rPr>
-              <a:t>翅膀  願</a:t>
-            </a:r>
-            <a:r>
-              <a:rPr lang="zh-TW" altLang="en-US" sz="4800" b="1" dirty="0">
-                <a:solidFill>
-                  <a:srgbClr val="002060"/>
-                </a:solidFill>
-                <a:latin typeface="微軟正黑體" pitchFamily="34" charset="-120"/>
-                <a:ea typeface="微軟正黑體" pitchFamily="34" charset="-120"/>
-              </a:rPr>
-              <a:t>你施恩救</a:t>
-            </a:r>
-            <a:r>
-              <a:rPr lang="zh-TW" altLang="en-US" sz="4800" b="1" dirty="0" smtClean="0">
-                <a:solidFill>
-                  <a:srgbClr val="002060"/>
-                </a:solidFill>
-                <a:latin typeface="微軟正黑體" pitchFamily="34" charset="-120"/>
-                <a:ea typeface="微軟正黑體" pitchFamily="34" charset="-120"/>
-              </a:rPr>
-              <a:t>拯</a:t>
-            </a:r>
-            <a:endParaRPr lang="en-US" altLang="zh-TW" sz="4800" b="1" dirty="0">
+              <a:t>韻歌聲齊賀</a:t>
+            </a:r>
+            <a:endParaRPr lang="zh-TW" altLang="en-US" sz="4800" b="1" dirty="0">
               <a:solidFill>
-                <a:srgbClr val="002060"/>
+                <a:srgbClr val="660033"/>
               </a:solidFill>
               <a:latin typeface="微軟正黑體" pitchFamily="34" charset="-120"/>
               <a:ea typeface="微軟正黑體" pitchFamily="34" charset="-120"/>
             </a:endParaRPr>
           </a:p>
-          <a:p>
-            <a:pPr algn="ctr">
-              <a:buNone/>
-            </a:pPr>
-            <a:r>
-              <a:rPr lang="zh-TW" altLang="en-US" sz="4800" b="1" dirty="0" smtClean="0">
-                <a:solidFill>
-                  <a:srgbClr val="002060"/>
-                </a:solidFill>
-                <a:latin typeface="微軟正黑體" pitchFamily="34" charset="-120"/>
-                <a:ea typeface="微軟正黑體" pitchFamily="34" charset="-120"/>
-              </a:rPr>
-              <a:t>願</a:t>
-            </a:r>
-            <a:r>
-              <a:rPr lang="zh-TW" altLang="en-US" sz="4800" b="1" dirty="0">
-                <a:solidFill>
-                  <a:srgbClr val="002060"/>
-                </a:solidFill>
-                <a:latin typeface="微軟正黑體" pitchFamily="34" charset="-120"/>
-                <a:ea typeface="微軟正黑體" pitchFamily="34" charset="-120"/>
-              </a:rPr>
-              <a:t>榮耀歸</a:t>
-            </a:r>
-            <a:r>
-              <a:rPr lang="zh-TW" altLang="en-US" sz="4800" b="1" dirty="0" smtClean="0">
-                <a:solidFill>
-                  <a:srgbClr val="002060"/>
-                </a:solidFill>
-                <a:latin typeface="微軟正黑體" pitchFamily="34" charset="-120"/>
-                <a:ea typeface="微軟正黑體" pitchFamily="34" charset="-120"/>
-              </a:rPr>
-              <a:t>主  高唱</a:t>
-            </a:r>
-            <a:r>
-              <a:rPr lang="zh-TW" altLang="en-US" sz="4800" b="1" dirty="0">
-                <a:solidFill>
-                  <a:srgbClr val="002060"/>
-                </a:solidFill>
-                <a:latin typeface="微軟正黑體" pitchFamily="34" charset="-120"/>
-                <a:ea typeface="微軟正黑體" pitchFamily="34" charset="-120"/>
-              </a:rPr>
-              <a:t>頌讚新</a:t>
-            </a:r>
-            <a:r>
-              <a:rPr lang="zh-TW" altLang="en-US" sz="4800" b="1" dirty="0" smtClean="0">
-                <a:solidFill>
-                  <a:srgbClr val="002060"/>
-                </a:solidFill>
-                <a:latin typeface="微軟正黑體" pitchFamily="34" charset="-120"/>
-                <a:ea typeface="微軟正黑體" pitchFamily="34" charset="-120"/>
-              </a:rPr>
-              <a:t>歌</a:t>
-            </a:r>
-            <a:endParaRPr lang="en-US" altLang="zh-TW" sz="4800" b="1" dirty="0">
+        </p:txBody>
+      </p:sp>
+      <p:sp>
+        <p:nvSpPr>
+          <p:cNvPr id="3" name="TextBox 2"/>
+          <p:cNvSpPr txBox="1"/>
+          <p:nvPr/>
+        </p:nvSpPr>
+        <p:spPr>
+          <a:xfrm>
+            <a:off x="0" y="3939902"/>
+            <a:ext cx="9144000" cy="646331"/>
+          </a:xfrm>
+          <a:prstGeom prst="rect">
+            <a:avLst/>
+          </a:prstGeom>
+          <a:noFill/>
+        </p:spPr>
+        <p:txBody>
+          <a:bodyPr wrap="square" rtlCol="0" anchor="ctr">
+            <a:spAutoFit/>
+          </a:bodyPr>
+          <a:lstStyle/>
+          <a:p>
+            <a:pPr algn="ctr"/>
+            <a:r>
+              <a:rPr lang="en-US" sz="3600" b="1" dirty="0">
+                <a:solidFill>
+                  <a:srgbClr val="660033"/>
+                </a:solidFill>
+                <a:effectLst/>
+                <a:latin typeface="Microsoft JhengHei" panose="020B0604030504040204" pitchFamily="34" charset="-120"/>
+                <a:ea typeface="Microsoft JhengHei" panose="020B0604030504040204" pitchFamily="34" charset="-120"/>
+              </a:rPr>
+              <a:t>( </a:t>
+            </a:r>
+            <a:r>
+              <a:rPr lang="zh-CN" altLang="en-US" sz="3600" b="1" dirty="0">
+                <a:solidFill>
+                  <a:srgbClr val="660033"/>
+                </a:solidFill>
+                <a:effectLst/>
+                <a:latin typeface="Microsoft JhengHei" panose="020B0604030504040204" pitchFamily="34" charset="-120"/>
+                <a:ea typeface="Microsoft JhengHei" panose="020B0604030504040204" pitchFamily="34" charset="-120"/>
+              </a:rPr>
+              <a:t>正</a:t>
+            </a:r>
+            <a:r>
+              <a:rPr lang="en-US" sz="3600" b="1" dirty="0">
+                <a:solidFill>
+                  <a:srgbClr val="660033"/>
+                </a:solidFill>
+                <a:effectLst/>
+                <a:latin typeface="Microsoft JhengHei" panose="020B0604030504040204" pitchFamily="34" charset="-120"/>
+                <a:ea typeface="Microsoft JhengHei" panose="020B0604030504040204" pitchFamily="34" charset="-120"/>
+              </a:rPr>
+              <a:t> )</a:t>
+            </a:r>
+            <a:endParaRPr lang="vi-VN" sz="3600" b="1" dirty="0">
               <a:solidFill>
-                <a:srgbClr val="002060"/>
+                <a:srgbClr val="660033"/>
               </a:solidFill>
-              <a:latin typeface="微軟正黑體" pitchFamily="34" charset="-120"/>
-              <a:ea typeface="微軟正黑體" pitchFamily="34" charset="-120"/>
+              <a:effectLst/>
+              <a:latin typeface="Microsoft JhengHei" panose="020B0604030504040204" pitchFamily="34" charset="-120"/>
+              <a:ea typeface="Microsoft JhengHei" panose="020B0604030504040204" pitchFamily="34" charset="-120"/>
             </a:endParaRPr>
-          </a:p>
-          <a:p>
-            <a:pPr algn="ctr">
-              <a:buNone/>
-            </a:pPr>
-            <a:r>
-              <a:rPr lang="zh-TW" altLang="en-US" sz="4800" b="1" dirty="0" smtClean="0">
-                <a:solidFill>
-                  <a:srgbClr val="002060"/>
-                </a:solidFill>
-                <a:latin typeface="微軟正黑體" pitchFamily="34" charset="-120"/>
-                <a:ea typeface="微軟正黑體" pitchFamily="34" charset="-120"/>
-              </a:rPr>
-              <a:t>琴</a:t>
-            </a:r>
-            <a:r>
-              <a:rPr lang="zh-TW" altLang="en-US" sz="4800" b="1" dirty="0">
-                <a:solidFill>
-                  <a:srgbClr val="002060"/>
-                </a:solidFill>
-                <a:latin typeface="微軟正黑體" pitchFamily="34" charset="-120"/>
-                <a:ea typeface="微軟正黑體" pitchFamily="34" charset="-120"/>
-              </a:rPr>
-              <a:t>和應瑟奏</a:t>
-            </a:r>
-            <a:r>
-              <a:rPr lang="zh-TW" altLang="en-US" sz="4800" b="1" dirty="0" smtClean="0">
-                <a:solidFill>
-                  <a:srgbClr val="002060"/>
-                </a:solidFill>
-                <a:latin typeface="微軟正黑體" pitchFamily="34" charset="-120"/>
-                <a:ea typeface="微軟正黑體" pitchFamily="34" charset="-120"/>
-              </a:rPr>
-              <a:t>鳴  樂</a:t>
-            </a:r>
-            <a:r>
-              <a:rPr lang="zh-TW" altLang="en-US" sz="4800" b="1" dirty="0">
-                <a:solidFill>
-                  <a:srgbClr val="002060"/>
-                </a:solidFill>
-                <a:latin typeface="微軟正黑體" pitchFamily="34" charset="-120"/>
-                <a:ea typeface="微軟正黑體" pitchFamily="34" charset="-120"/>
-              </a:rPr>
-              <a:t>韻歌聲齊賀</a:t>
-            </a:r>
           </a:p>
         </p:txBody>
       </p:sp>
     </p:spTree>
     <p:extLst>
       <p:ext uri="{BB962C8B-B14F-4D97-AF65-F5344CB8AC3E}">
-        <p14:creationId xmlns:p14="http://schemas.microsoft.com/office/powerpoint/2010/main" val="2332903262"/>
+        <p14:creationId xmlns:p14="http://schemas.microsoft.com/office/powerpoint/2010/main" val="1002034119"/>
       </p:ext>
     </p:extLst>
   </p:cSld>
@@ -5147,109 +3657,82 @@
       </p:grpSpPr>
       <p:sp>
         <p:nvSpPr>
-          <p:cNvPr id="4" name="標題 3"/>
-          <p:cNvSpPr>
-            <a:spLocks noGrp="1"/>
-          </p:cNvSpPr>
-          <p:nvPr>
-            <p:ph type="title"/>
-          </p:nvPr>
-        </p:nvSpPr>
-        <p:spPr/>
-        <p:txBody>
-          <a:bodyPr>
+          <p:cNvPr id="5" name="內容版面配置區 4"/>
+          <p:cNvSpPr>
+            <a:spLocks noGrp="1"/>
+          </p:cNvSpPr>
+          <p:nvPr>
+            <p:ph idx="1"/>
+          </p:nvPr>
+        </p:nvSpPr>
+        <p:spPr>
+          <a:xfrm>
+            <a:off x="0" y="1563638"/>
+            <a:ext cx="9144000" cy="1803647"/>
+          </a:xfrm>
+        </p:spPr>
+        <p:txBody>
+          <a:bodyPr anchor="ctr">
             <a:normAutofit/>
           </a:bodyPr>
           <a:lstStyle/>
           <a:p>
-            <a:r>
-              <a:rPr lang="zh-TW" altLang="en-US" sz="4000" b="1" dirty="0">
+            <a:pPr algn="ctr">
+              <a:buNone/>
+            </a:pPr>
+            <a:r>
+              <a:rPr lang="zh-TW" altLang="en-US" sz="4800" b="1" dirty="0">
+                <a:solidFill>
+                  <a:srgbClr val="660033"/>
+                </a:solidFill>
                 <a:latin typeface="微軟正黑體" pitchFamily="34" charset="-120"/>
                 <a:ea typeface="微軟正黑體" pitchFamily="34" charset="-120"/>
               </a:rPr>
               <a:t>全地至高是我主</a:t>
             </a:r>
-          </a:p>
-        </p:txBody>
-      </p:sp>
-      <p:sp>
-        <p:nvSpPr>
-          <p:cNvPr id="5" name="內容版面配置區 4"/>
-          <p:cNvSpPr>
-            <a:spLocks noGrp="1"/>
-          </p:cNvSpPr>
-          <p:nvPr>
-            <p:ph idx="1"/>
-          </p:nvPr>
-        </p:nvSpPr>
-        <p:spPr>
-          <a:xfrm>
-            <a:off x="0" y="1200151"/>
-            <a:ext cx="9144000" cy="3394472"/>
-          </a:xfrm>
-        </p:spPr>
-        <p:txBody>
-          <a:bodyPr>
-            <a:noAutofit/>
-          </a:bodyPr>
-          <a:lstStyle/>
-          <a:p>
-            <a:pPr algn="ctr">
-              <a:buNone/>
-            </a:pPr>
-            <a:r>
-              <a:rPr lang="zh-TW" altLang="en-US" sz="4800" b="1" dirty="0">
-                <a:solidFill>
-                  <a:srgbClr val="002060"/>
+            <a:r>
+              <a:rPr lang="en-US" altLang="zh-TW" sz="4800" b="1" dirty="0">
+                <a:solidFill>
+                  <a:srgbClr val="660033"/>
                 </a:solidFill>
                 <a:latin typeface="微軟正黑體" pitchFamily="34" charset="-120"/>
                 <a:ea typeface="微軟正黑體" pitchFamily="34" charset="-120"/>
               </a:rPr>
-              <a:t>全地至高是我</a:t>
-            </a:r>
-            <a:r>
-              <a:rPr lang="zh-TW" altLang="en-US" sz="4800" b="1" dirty="0" smtClean="0">
-                <a:solidFill>
-                  <a:srgbClr val="002060"/>
+              <a:t>  </a:t>
+            </a:r>
+            <a:r>
+              <a:rPr lang="en-US" altLang="zh-TW" sz="4800" b="1" dirty="0" smtClean="0">
+                <a:solidFill>
+                  <a:srgbClr val="660033"/>
                 </a:solidFill>
                 <a:latin typeface="微軟正黑體" pitchFamily="34" charset="-120"/>
                 <a:ea typeface="微軟正黑體" pitchFamily="34" charset="-120"/>
               </a:rPr>
-              <a:t>主</a:t>
-            </a:r>
-            <a:r>
-              <a:rPr lang="en-US" altLang="zh-TW" sz="4800" b="1" dirty="0" smtClean="0">
-                <a:solidFill>
-                  <a:srgbClr val="002060"/>
+              <a:t> </a:t>
+            </a:r>
+            <a:r>
+              <a:rPr lang="zh-TW" altLang="en-US" sz="4800" b="1" dirty="0" smtClean="0">
+                <a:solidFill>
+                  <a:srgbClr val="660033"/>
                 </a:solidFill>
                 <a:latin typeface="微軟正黑體" pitchFamily="34" charset="-120"/>
                 <a:ea typeface="微軟正黑體" pitchFamily="34" charset="-120"/>
               </a:rPr>
-              <a:t>  </a:t>
-            </a:r>
-            <a:r>
-              <a:rPr lang="zh-TW" altLang="en-US" sz="4800" b="1" dirty="0" smtClean="0">
-                <a:solidFill>
-                  <a:srgbClr val="002060"/>
+              <a:t>各</a:t>
+            </a:r>
+            <a:r>
+              <a:rPr lang="zh-TW" altLang="en-US" sz="4800" b="1" dirty="0">
+                <a:solidFill>
+                  <a:srgbClr val="660033"/>
                 </a:solidFill>
                 <a:latin typeface="微軟正黑體" pitchFamily="34" charset="-120"/>
                 <a:ea typeface="微軟正黑體" pitchFamily="34" charset="-120"/>
               </a:rPr>
-              <a:t>各</a:t>
-            </a:r>
-            <a:r>
-              <a:rPr lang="zh-TW" altLang="en-US" sz="4800" b="1" dirty="0">
-                <a:solidFill>
-                  <a:srgbClr val="002060"/>
-                </a:solidFill>
-                <a:latin typeface="微軟正黑體" pitchFamily="34" charset="-120"/>
-                <a:ea typeface="微軟正黑體" pitchFamily="34" charset="-120"/>
-              </a:rPr>
               <a:t>邦一致頌揚</a:t>
             </a:r>
             <a:endParaRPr lang="en-US" altLang="zh-TW" sz="4800" b="1" dirty="0">
               <a:solidFill>
-                <a:srgbClr val="002060"/>
+                <a:srgbClr val="660033"/>
               </a:solidFill>
               <a:latin typeface="微軟正黑體" pitchFamily="34" charset="-120"/>
               <a:ea typeface="微軟正黑體" pitchFamily="34" charset="-120"/>
@@ -5262,64 +3745,125 @@
             <a:r>
               <a:rPr lang="zh-TW" altLang="en-US" sz="4800" b="1" dirty="0">
                 <a:solidFill>
-                  <a:srgbClr val="002060"/>
+                  <a:srgbClr val="660033"/>
                 </a:solidFill>
                 <a:latin typeface="微軟正黑體" pitchFamily="34" charset="-120"/>
                 <a:ea typeface="微軟正黑體" pitchFamily="34" charset="-120"/>
               </a:rPr>
-              <a:t>讓這歌盡獻主  榮光高照諸天</a:t>
+              <a:t>讓這歌盡獻主  </a:t>
+            </a:r>
+            <a:r>
+              <a:rPr lang="zh-TW" altLang="en-US" sz="4800" b="1" dirty="0" smtClean="0">
+                <a:solidFill>
+                  <a:srgbClr val="660033"/>
+                </a:solidFill>
+                <a:latin typeface="微軟正黑體" pitchFamily="34" charset="-120"/>
+                <a:ea typeface="微軟正黑體" pitchFamily="34" charset="-120"/>
+              </a:rPr>
+              <a:t> 榮</a:t>
+            </a:r>
+            <a:r>
+              <a:rPr lang="zh-TW" altLang="en-US" sz="4800" b="1" dirty="0">
+                <a:solidFill>
+                  <a:srgbClr val="660033"/>
+                </a:solidFill>
+                <a:latin typeface="微軟正黑體" pitchFamily="34" charset="-120"/>
+                <a:ea typeface="微軟正黑體" pitchFamily="34" charset="-120"/>
+              </a:rPr>
+              <a:t>光高照諸天</a:t>
             </a:r>
             <a:endParaRPr lang="en-US" altLang="zh-TW" sz="4800" b="1" dirty="0">
               <a:solidFill>
-                <a:srgbClr val="002060"/>
+                <a:srgbClr val="660033"/>
               </a:solidFill>
               <a:latin typeface="微軟正黑體" pitchFamily="34" charset="-120"/>
               <a:ea typeface="微軟正黑體" pitchFamily="34" charset="-120"/>
             </a:endParaRPr>
           </a:p>
-          <a:p>
-            <a:pPr algn="ctr">
-              <a:buNone/>
-            </a:pPr>
-            <a:r>
-              <a:rPr lang="zh-TW" altLang="en-US" sz="4800" b="1" dirty="0">
-                <a:solidFill>
-                  <a:srgbClr val="002060"/>
-                </a:solidFill>
-                <a:latin typeface="微軟正黑體" pitchFamily="34" charset="-120"/>
-                <a:ea typeface="微軟正黑體" pitchFamily="34" charset="-120"/>
-              </a:rPr>
-              <a:t>慈愛達到穹蒼處  恩慈信實</a:t>
-            </a:r>
-            <a:endParaRPr lang="en-US" altLang="zh-TW" sz="4800" b="1" dirty="0">
+        </p:txBody>
+      </p:sp>
+      <p:sp>
+        <p:nvSpPr>
+          <p:cNvPr id="3" name="TextBox 2"/>
+          <p:cNvSpPr txBox="1"/>
+          <p:nvPr/>
+        </p:nvSpPr>
+        <p:spPr>
+          <a:xfrm>
+            <a:off x="0" y="3939902"/>
+            <a:ext cx="9144000" cy="646331"/>
+          </a:xfrm>
+          <a:prstGeom prst="rect">
+            <a:avLst/>
+          </a:prstGeom>
+          <a:noFill/>
+        </p:spPr>
+        <p:txBody>
+          <a:bodyPr wrap="square" rtlCol="0" anchor="ctr">
+            <a:spAutoFit/>
+          </a:bodyPr>
+          <a:lstStyle/>
+          <a:p>
+            <a:pPr algn="ctr"/>
+            <a:r>
+              <a:rPr lang="en-US" sz="3600" b="1" dirty="0">
+                <a:solidFill>
+                  <a:srgbClr val="660033"/>
+                </a:solidFill>
+                <a:effectLst/>
+                <a:latin typeface="Microsoft JhengHei" panose="020B0604030504040204" pitchFamily="34" charset="-120"/>
+                <a:ea typeface="Microsoft JhengHei" panose="020B0604030504040204" pitchFamily="34" charset="-120"/>
+              </a:rPr>
+              <a:t>( </a:t>
+            </a:r>
+            <a:r>
+              <a:rPr lang="zh-CN" altLang="en-US" sz="3600" b="1" dirty="0">
+                <a:solidFill>
+                  <a:srgbClr val="660033"/>
+                </a:solidFill>
+                <a:effectLst/>
+                <a:latin typeface="Microsoft JhengHei" panose="020B0604030504040204" pitchFamily="34" charset="-120"/>
+                <a:ea typeface="Microsoft JhengHei" panose="020B0604030504040204" pitchFamily="34" charset="-120"/>
+              </a:rPr>
+              <a:t>副</a:t>
+            </a:r>
+            <a:r>
+              <a:rPr lang="en-US" sz="3600" b="1" dirty="0" smtClean="0">
+                <a:solidFill>
+                  <a:srgbClr val="660033"/>
+                </a:solidFill>
+                <a:effectLst/>
+                <a:latin typeface="Microsoft JhengHei" panose="020B0604030504040204" pitchFamily="34" charset="-120"/>
+                <a:ea typeface="Microsoft JhengHei" panose="020B0604030504040204" pitchFamily="34" charset="-120"/>
+              </a:rPr>
+              <a:t> </a:t>
+            </a:r>
+            <a:r>
+              <a:rPr lang="en-US" sz="3600" b="1" dirty="0">
+                <a:solidFill>
+                  <a:srgbClr val="660033"/>
+                </a:solidFill>
+                <a:effectLst/>
+                <a:latin typeface="Microsoft JhengHei" panose="020B0604030504040204" pitchFamily="34" charset="-120"/>
+                <a:ea typeface="Microsoft JhengHei" panose="020B0604030504040204" pitchFamily="34" charset="-120"/>
+              </a:rPr>
+              <a:t>)</a:t>
+            </a:r>
+            <a:endParaRPr lang="vi-VN" sz="3600" b="1" dirty="0">
               <a:solidFill>
-                <a:srgbClr val="002060"/>
+                <a:srgbClr val="660033"/>
               </a:solidFill>
-              <a:latin typeface="微軟正黑體" pitchFamily="34" charset="-120"/>
-              <a:ea typeface="微軟正黑體" pitchFamily="34" charset="-120"/>
+              <a:effectLst/>
+              <a:latin typeface="Microsoft JhengHei" panose="020B0604030504040204" pitchFamily="34" charset="-120"/>
+              <a:ea typeface="Microsoft JhengHei" panose="020B0604030504040204" pitchFamily="34" charset="-120"/>
             </a:endParaRPr>
-          </a:p>
-          <a:p>
-            <a:pPr algn="ctr">
-              <a:buNone/>
-            </a:pPr>
-            <a:r>
-              <a:rPr lang="zh-TW" altLang="en-US" sz="4800" b="1" dirty="0">
-                <a:solidFill>
-                  <a:srgbClr val="002060"/>
-                </a:solidFill>
-                <a:latin typeface="微軟正黑體" pitchFamily="34" charset="-120"/>
-                <a:ea typeface="微軟正黑體" pitchFamily="34" charset="-120"/>
-              </a:rPr>
-              <a:t>並賜下寬容饒恕</a:t>
-            </a:r>
           </a:p>
         </p:txBody>
       </p:sp>
     </p:spTree>
     <p:extLst>
       <p:ext uri="{BB962C8B-B14F-4D97-AF65-F5344CB8AC3E}">
-        <p14:creationId xmlns:p14="http://schemas.microsoft.com/office/powerpoint/2010/main" val="439799258"/>
+        <p14:creationId xmlns:p14="http://schemas.microsoft.com/office/powerpoint/2010/main" val="3313506581"/>
       </p:ext>
     </p:extLst>
   </p:cSld>
@@ -5348,109 +3892,62 @@
       </p:grpSpPr>
       <p:sp>
         <p:nvSpPr>
-          <p:cNvPr id="4" name="標題 3"/>
-          <p:cNvSpPr>
-            <a:spLocks noGrp="1"/>
-          </p:cNvSpPr>
-          <p:nvPr>
-            <p:ph type="title"/>
-          </p:nvPr>
-        </p:nvSpPr>
-        <p:spPr/>
-        <p:txBody>
-          <a:bodyPr>
+          <p:cNvPr id="5" name="內容版面配置區 4"/>
+          <p:cNvSpPr>
+            <a:spLocks noGrp="1"/>
+          </p:cNvSpPr>
+          <p:nvPr>
+            <p:ph idx="1"/>
+          </p:nvPr>
+        </p:nvSpPr>
+        <p:spPr>
+          <a:xfrm>
+            <a:off x="0" y="1563638"/>
+            <a:ext cx="9144000" cy="1803647"/>
+          </a:xfrm>
+        </p:spPr>
+        <p:txBody>
+          <a:bodyPr anchor="ctr">
             <a:normAutofit/>
           </a:bodyPr>
           <a:lstStyle/>
           <a:p>
-            <a:r>
-              <a:rPr lang="zh-TW" altLang="en-US" sz="4000" b="1" dirty="0">
+            <a:pPr algn="ctr">
+              <a:buNone/>
+            </a:pPr>
+            <a:r>
+              <a:rPr lang="zh-TW" altLang="en-US" sz="4800" b="1" dirty="0">
+                <a:solidFill>
+                  <a:srgbClr val="660033"/>
+                </a:solidFill>
                 <a:latin typeface="微軟正黑體" pitchFamily="34" charset="-120"/>
                 <a:ea typeface="微軟正黑體" pitchFamily="34" charset="-120"/>
               </a:rPr>
-              <a:t>全地至高是我主</a:t>
-            </a:r>
-          </a:p>
-        </p:txBody>
-      </p:sp>
-      <p:sp>
-        <p:nvSpPr>
-          <p:cNvPr id="5" name="內容版面配置區 4"/>
-          <p:cNvSpPr>
-            <a:spLocks noGrp="1"/>
-          </p:cNvSpPr>
-          <p:nvPr>
-            <p:ph idx="1"/>
-          </p:nvPr>
-        </p:nvSpPr>
-        <p:spPr>
-          <a:xfrm>
-            <a:off x="0" y="1200151"/>
-            <a:ext cx="9144000" cy="3394472"/>
-          </a:xfrm>
-        </p:spPr>
-        <p:txBody>
-          <a:bodyPr>
-            <a:noAutofit/>
-          </a:bodyPr>
-          <a:lstStyle/>
-          <a:p>
-            <a:pPr algn="ctr">
-              <a:buNone/>
-            </a:pPr>
-            <a:r>
-              <a:rPr lang="zh-TW" altLang="en-US" sz="4800" b="1" dirty="0">
-                <a:solidFill>
-                  <a:srgbClr val="002060"/>
+              <a:t>慈愛達到穹蒼處  </a:t>
+            </a:r>
+            <a:r>
+              <a:rPr lang="zh-TW" altLang="en-US" sz="4800" b="1" dirty="0" smtClean="0">
+                <a:solidFill>
+                  <a:srgbClr val="660033"/>
                 </a:solidFill>
                 <a:latin typeface="微軟正黑體" pitchFamily="34" charset="-120"/>
                 <a:ea typeface="微軟正黑體" pitchFamily="34" charset="-120"/>
               </a:rPr>
-              <a:t>全地至高是我</a:t>
-            </a:r>
-            <a:r>
-              <a:rPr lang="zh-TW" altLang="en-US" sz="4800" b="1" dirty="0" smtClean="0">
-                <a:solidFill>
-                  <a:srgbClr val="002060"/>
+              <a:t> 恩</a:t>
+            </a:r>
+            <a:r>
+              <a:rPr lang="zh-TW" altLang="en-US" sz="4800" b="1" dirty="0">
+                <a:solidFill>
+                  <a:srgbClr val="660033"/>
                 </a:solidFill>
                 <a:latin typeface="微軟正黑體" pitchFamily="34" charset="-120"/>
                 <a:ea typeface="微軟正黑體" pitchFamily="34" charset="-120"/>
               </a:rPr>
-              <a:t>主</a:t>
-            </a:r>
-            <a:r>
-              <a:rPr lang="en-US" altLang="zh-TW" sz="4800" b="1" dirty="0" smtClean="0">
-                <a:solidFill>
-                  <a:srgbClr val="002060"/>
-                </a:solidFill>
-                <a:latin typeface="微軟正黑體" pitchFamily="34" charset="-120"/>
-                <a:ea typeface="微軟正黑體" pitchFamily="34" charset="-120"/>
-              </a:rPr>
-              <a:t>  </a:t>
-            </a:r>
-            <a:r>
-              <a:rPr lang="zh-TW" altLang="en-US" sz="4800" b="1" dirty="0" smtClean="0">
-                <a:solidFill>
-                  <a:srgbClr val="002060"/>
-                </a:solidFill>
-                <a:latin typeface="微軟正黑體" pitchFamily="34" charset="-120"/>
-                <a:ea typeface="微軟正黑體" pitchFamily="34" charset="-120"/>
-              </a:rPr>
-              <a:t>各</a:t>
-            </a:r>
-            <a:r>
-              <a:rPr lang="zh-TW" altLang="en-US" sz="4800" b="1" dirty="0">
-                <a:solidFill>
-                  <a:srgbClr val="002060"/>
-                </a:solidFill>
-                <a:latin typeface="微軟正黑體" pitchFamily="34" charset="-120"/>
-                <a:ea typeface="微軟正黑體" pitchFamily="34" charset="-120"/>
-              </a:rPr>
-              <a:t>邦一致頌揚</a:t>
+              <a:t>慈信實</a:t>
             </a:r>
             <a:endParaRPr lang="en-US" altLang="zh-TW" sz="4800" b="1" dirty="0">
               <a:solidFill>
-                <a:srgbClr val="002060"/>
+                <a:srgbClr val="660033"/>
               </a:solidFill>
               <a:latin typeface="微軟正黑體" pitchFamily="34" charset="-120"/>
               <a:ea typeface="微軟正黑體" pitchFamily="34" charset="-120"/>
@@ -5463,912 +3960,105 @@
             <a:r>
               <a:rPr lang="zh-TW" altLang="en-US" sz="4800" b="1" dirty="0">
                 <a:solidFill>
-                  <a:srgbClr val="002060"/>
+                  <a:srgbClr val="660033"/>
                 </a:solidFill>
                 <a:latin typeface="微軟正黑體" pitchFamily="34" charset="-120"/>
                 <a:ea typeface="微軟正黑體" pitchFamily="34" charset="-120"/>
               </a:rPr>
-              <a:t>讓這歌盡獻主  榮光高照諸天</a:t>
-            </a:r>
-            <a:endParaRPr lang="en-US" altLang="zh-TW" sz="4800" b="1" dirty="0">
+              <a:t>並賜下寬容饒恕</a:t>
+            </a:r>
+            <a:endParaRPr lang="zh-TW" altLang="en-US" sz="4800" b="1" dirty="0">
               <a:solidFill>
-                <a:srgbClr val="002060"/>
+                <a:srgbClr val="660033"/>
               </a:solidFill>
               <a:latin typeface="微軟正黑體" pitchFamily="34" charset="-120"/>
               <a:ea typeface="微軟正黑體" pitchFamily="34" charset="-120"/>
             </a:endParaRPr>
           </a:p>
-          <a:p>
-            <a:pPr algn="ctr">
-              <a:buNone/>
-            </a:pPr>
-            <a:r>
-              <a:rPr lang="zh-TW" altLang="en-US" sz="4800" b="1" dirty="0">
-                <a:solidFill>
-                  <a:srgbClr val="002060"/>
-                </a:solidFill>
-                <a:latin typeface="微軟正黑體" pitchFamily="34" charset="-120"/>
-                <a:ea typeface="微軟正黑體" pitchFamily="34" charset="-120"/>
-              </a:rPr>
-              <a:t>慈愛達到穹蒼處  恩慈信實</a:t>
-            </a:r>
-            <a:endParaRPr lang="en-US" altLang="zh-TW" sz="4800" b="1" dirty="0">
+        </p:txBody>
+      </p:sp>
+      <p:sp>
+        <p:nvSpPr>
+          <p:cNvPr id="3" name="TextBox 2"/>
+          <p:cNvSpPr txBox="1"/>
+          <p:nvPr/>
+        </p:nvSpPr>
+        <p:spPr>
+          <a:xfrm>
+            <a:off x="0" y="3939902"/>
+            <a:ext cx="9144000" cy="646331"/>
+          </a:xfrm>
+          <a:prstGeom prst="rect">
+            <a:avLst/>
+          </a:prstGeom>
+          <a:noFill/>
+        </p:spPr>
+        <p:txBody>
+          <a:bodyPr wrap="square" rtlCol="0" anchor="ctr">
+            <a:spAutoFit/>
+          </a:bodyPr>
+          <a:lstStyle/>
+          <a:p>
+            <a:pPr algn="ctr"/>
+            <a:r>
+              <a:rPr lang="en-US" sz="3600" b="1" dirty="0">
+                <a:solidFill>
+                  <a:srgbClr val="660033"/>
+                </a:solidFill>
+                <a:effectLst/>
+                <a:latin typeface="Microsoft JhengHei" panose="020B0604030504040204" pitchFamily="34" charset="-120"/>
+                <a:ea typeface="Microsoft JhengHei" panose="020B0604030504040204" pitchFamily="34" charset="-120"/>
+              </a:rPr>
+              <a:t>( </a:t>
+            </a:r>
+            <a:r>
+              <a:rPr lang="zh-CN" altLang="en-US" sz="3600" b="1" dirty="0">
+                <a:solidFill>
+                  <a:srgbClr val="660033"/>
+                </a:solidFill>
+                <a:effectLst/>
+                <a:latin typeface="Microsoft JhengHei" panose="020B0604030504040204" pitchFamily="34" charset="-120"/>
+                <a:ea typeface="Microsoft JhengHei" panose="020B0604030504040204" pitchFamily="34" charset="-120"/>
+              </a:rPr>
+              <a:t>副</a:t>
+            </a:r>
+            <a:r>
+              <a:rPr lang="en-US" sz="3600" b="1" dirty="0" smtClean="0">
+                <a:solidFill>
+                  <a:srgbClr val="660033"/>
+                </a:solidFill>
+                <a:effectLst/>
+                <a:latin typeface="Microsoft JhengHei" panose="020B0604030504040204" pitchFamily="34" charset="-120"/>
+                <a:ea typeface="Microsoft JhengHei" panose="020B0604030504040204" pitchFamily="34" charset="-120"/>
+              </a:rPr>
+              <a:t> </a:t>
+            </a:r>
+            <a:r>
+              <a:rPr lang="en-US" sz="3600" b="1" dirty="0">
+                <a:solidFill>
+                  <a:srgbClr val="660033"/>
+                </a:solidFill>
+                <a:effectLst/>
+                <a:latin typeface="Microsoft JhengHei" panose="020B0604030504040204" pitchFamily="34" charset="-120"/>
+                <a:ea typeface="Microsoft JhengHei" panose="020B0604030504040204" pitchFamily="34" charset="-120"/>
+              </a:rPr>
+              <a:t>)</a:t>
+            </a:r>
+            <a:endParaRPr lang="vi-VN" sz="3600" b="1" dirty="0">
               <a:solidFill>
-                <a:srgbClr val="002060"/>
+                <a:srgbClr val="660033"/>
               </a:solidFill>
-              <a:latin typeface="微軟正黑體" pitchFamily="34" charset="-120"/>
-              <a:ea typeface="微軟正黑體" pitchFamily="34" charset="-120"/>
+              <a:effectLst/>
+              <a:latin typeface="Microsoft JhengHei" panose="020B0604030504040204" pitchFamily="34" charset="-120"/>
+              <a:ea typeface="Microsoft JhengHei" panose="020B0604030504040204" pitchFamily="34" charset="-120"/>
             </a:endParaRPr>
-          </a:p>
-          <a:p>
-            <a:pPr algn="ctr">
-              <a:buNone/>
-            </a:pPr>
-            <a:r>
-              <a:rPr lang="zh-TW" altLang="en-US" sz="4800" b="1" dirty="0">
-                <a:solidFill>
-                  <a:srgbClr val="002060"/>
-                </a:solidFill>
-                <a:latin typeface="微軟正黑體" pitchFamily="34" charset="-120"/>
-                <a:ea typeface="微軟正黑體" pitchFamily="34" charset="-120"/>
-              </a:rPr>
-              <a:t>並賜下寬容饒恕</a:t>
-            </a:r>
           </a:p>
         </p:txBody>
       </p:sp>
     </p:spTree>
     <p:extLst>
       <p:ext uri="{BB962C8B-B14F-4D97-AF65-F5344CB8AC3E}">
-        <p14:creationId xmlns:p14="http://schemas.microsoft.com/office/powerpoint/2010/main" val="1671156545"/>
-      </p:ext>
-    </p:extLst>
-  </p:cSld>
-  <p:clrMapOvr>
-    <a:masterClrMapping/>
-  </p:clrMapOvr>
-</p:sld>
-</file>
-
-<file path=ppt/slides/slide6.xml><?xml version="1.0" encoding="utf-8"?>
-<p:sld xmlns:a="http://schemas.openxmlformats.org/drawingml/2006/main" xmlns:r="http://schemas.openxmlformats.org/officeDocument/2006/relationships" xmlns:p="http://schemas.openxmlformats.org/presentationml/2006/main">
-  <p:cSld>
-    <p:spTree>
-      <p:nvGrpSpPr>
-        <p:cNvPr id="1" name=""/>
-        <p:cNvGrpSpPr/>
-        <p:nvPr/>
-      </p:nvGrpSpPr>
-      <p:grpSpPr>
-        <a:xfrm>
-          <a:off x="0" y="0"/>
-          <a:ext cx="0" cy="0"/>
-          <a:chOff x="0" y="0"/>
-          <a:chExt cx="0" cy="0"/>
-        </a:xfrm>
-      </p:grpSpPr>
-      <p:sp>
-        <p:nvSpPr>
-          <p:cNvPr id="4" name="標題 3"/>
-          <p:cNvSpPr>
-            <a:spLocks noGrp="1"/>
-          </p:cNvSpPr>
-          <p:nvPr>
-            <p:ph type="title"/>
-          </p:nvPr>
-        </p:nvSpPr>
-        <p:spPr/>
-        <p:txBody>
-          <a:bodyPr>
-            <a:normAutofit/>
-          </a:bodyPr>
-          <a:lstStyle/>
-          <a:p>
-            <a:r>
-              <a:rPr lang="zh-TW" altLang="en-US" sz="4000" b="1" dirty="0">
-                <a:latin typeface="微軟正黑體" pitchFamily="34" charset="-120"/>
-                <a:ea typeface="微軟正黑體" pitchFamily="34" charset="-120"/>
-              </a:rPr>
-              <a:t>全地至高是我主</a:t>
-            </a:r>
-          </a:p>
-        </p:txBody>
-      </p:sp>
-      <p:sp>
-        <p:nvSpPr>
-          <p:cNvPr id="5" name="內容版面配置區 4"/>
-          <p:cNvSpPr>
-            <a:spLocks noGrp="1"/>
-          </p:cNvSpPr>
-          <p:nvPr>
-            <p:ph idx="1"/>
-          </p:nvPr>
-        </p:nvSpPr>
-        <p:spPr>
-          <a:xfrm>
-            <a:off x="0" y="1200151"/>
-            <a:ext cx="9144000" cy="3394472"/>
-          </a:xfrm>
-        </p:spPr>
-        <p:txBody>
-          <a:bodyPr>
-            <a:noAutofit/>
-          </a:bodyPr>
-          <a:lstStyle/>
-          <a:p>
-            <a:pPr algn="ctr">
-              <a:buNone/>
-            </a:pPr>
-            <a:r>
-              <a:rPr lang="zh-TW" altLang="en-US" sz="4800" b="1" dirty="0">
-                <a:solidFill>
-                  <a:srgbClr val="002060"/>
-                </a:solidFill>
-                <a:latin typeface="微軟正黑體" pitchFamily="34" charset="-120"/>
-                <a:ea typeface="微軟正黑體" pitchFamily="34" charset="-120"/>
-              </a:rPr>
-              <a:t>全地至高是我</a:t>
-            </a:r>
-            <a:r>
-              <a:rPr lang="zh-TW" altLang="en-US" sz="4800" b="1" dirty="0" smtClean="0">
-                <a:solidFill>
-                  <a:srgbClr val="002060"/>
-                </a:solidFill>
-                <a:latin typeface="微軟正黑體" pitchFamily="34" charset="-120"/>
-                <a:ea typeface="微軟正黑體" pitchFamily="34" charset="-120"/>
-              </a:rPr>
-              <a:t>主</a:t>
-            </a:r>
-            <a:r>
-              <a:rPr lang="en-US" altLang="zh-TW" sz="4800" b="1" dirty="0" smtClean="0">
-                <a:solidFill>
-                  <a:srgbClr val="002060"/>
-                </a:solidFill>
-                <a:latin typeface="微軟正黑體" pitchFamily="34" charset="-120"/>
-                <a:ea typeface="微軟正黑體" pitchFamily="34" charset="-120"/>
-              </a:rPr>
-              <a:t>  </a:t>
-            </a:r>
-            <a:r>
-              <a:rPr lang="zh-TW" altLang="en-US" sz="4800" b="1" dirty="0" smtClean="0">
-                <a:solidFill>
-                  <a:srgbClr val="002060"/>
-                </a:solidFill>
-                <a:latin typeface="微軟正黑體" pitchFamily="34" charset="-120"/>
-                <a:ea typeface="微軟正黑體" pitchFamily="34" charset="-120"/>
-              </a:rPr>
-              <a:t>各</a:t>
-            </a:r>
-            <a:r>
-              <a:rPr lang="zh-TW" altLang="en-US" sz="4800" b="1" dirty="0">
-                <a:solidFill>
-                  <a:srgbClr val="002060"/>
-                </a:solidFill>
-                <a:latin typeface="微軟正黑體" pitchFamily="34" charset="-120"/>
-                <a:ea typeface="微軟正黑體" pitchFamily="34" charset="-120"/>
-              </a:rPr>
-              <a:t>邦一致頌揚</a:t>
-            </a:r>
-            <a:endParaRPr lang="en-US" altLang="zh-TW" sz="4800" b="1" dirty="0">
-              <a:solidFill>
-                <a:srgbClr val="002060"/>
-              </a:solidFill>
-              <a:latin typeface="微軟正黑體" pitchFamily="34" charset="-120"/>
-              <a:ea typeface="微軟正黑體" pitchFamily="34" charset="-120"/>
-            </a:endParaRPr>
-          </a:p>
-          <a:p>
-            <a:pPr algn="ctr">
-              <a:buNone/>
-            </a:pPr>
-            <a:r>
-              <a:rPr lang="zh-TW" altLang="en-US" sz="4800" b="1" dirty="0">
-                <a:solidFill>
-                  <a:srgbClr val="002060"/>
-                </a:solidFill>
-                <a:latin typeface="微軟正黑體" pitchFamily="34" charset="-120"/>
-                <a:ea typeface="微軟正黑體" pitchFamily="34" charset="-120"/>
-              </a:rPr>
-              <a:t>讓這歌盡獻主  榮光高照諸天</a:t>
-            </a:r>
-            <a:endParaRPr lang="en-US" altLang="zh-TW" sz="4800" b="1" dirty="0">
-              <a:solidFill>
-                <a:srgbClr val="002060"/>
-              </a:solidFill>
-              <a:latin typeface="微軟正黑體" pitchFamily="34" charset="-120"/>
-              <a:ea typeface="微軟正黑體" pitchFamily="34" charset="-120"/>
-            </a:endParaRPr>
-          </a:p>
-          <a:p>
-            <a:pPr algn="ctr">
-              <a:buNone/>
-            </a:pPr>
-            <a:r>
-              <a:rPr lang="zh-TW" altLang="en-US" sz="4800" b="1" dirty="0">
-                <a:solidFill>
-                  <a:srgbClr val="002060"/>
-                </a:solidFill>
-                <a:latin typeface="微軟正黑體" pitchFamily="34" charset="-120"/>
-                <a:ea typeface="微軟正黑體" pitchFamily="34" charset="-120"/>
-              </a:rPr>
-              <a:t>慈愛達到穹蒼處  恩慈信實</a:t>
-            </a:r>
-            <a:endParaRPr lang="en-US" altLang="zh-TW" sz="4800" b="1" dirty="0">
-              <a:solidFill>
-                <a:srgbClr val="002060"/>
-              </a:solidFill>
-              <a:latin typeface="微軟正黑體" pitchFamily="34" charset="-120"/>
-              <a:ea typeface="微軟正黑體" pitchFamily="34" charset="-120"/>
-            </a:endParaRPr>
-          </a:p>
-          <a:p>
-            <a:pPr algn="ctr">
-              <a:buNone/>
-            </a:pPr>
-            <a:r>
-              <a:rPr lang="zh-TW" altLang="en-US" sz="4800" b="1" dirty="0">
-                <a:solidFill>
-                  <a:srgbClr val="002060"/>
-                </a:solidFill>
-                <a:latin typeface="微軟正黑體" pitchFamily="34" charset="-120"/>
-                <a:ea typeface="微軟正黑體" pitchFamily="34" charset="-120"/>
-              </a:rPr>
-              <a:t>並賜下寬容饒恕</a:t>
-            </a:r>
-          </a:p>
-        </p:txBody>
-      </p:sp>
-    </p:spTree>
-    <p:extLst>
-      <p:ext uri="{BB962C8B-B14F-4D97-AF65-F5344CB8AC3E}">
-        <p14:creationId xmlns:p14="http://schemas.microsoft.com/office/powerpoint/2010/main" val="941261003"/>
-      </p:ext>
-    </p:extLst>
-  </p:cSld>
-  <p:clrMapOvr>
-    <a:masterClrMapping/>
-  </p:clrMapOvr>
-</p:sld>
-</file>
-
-<file path=ppt/slides/slide7.xml><?xml version="1.0" encoding="utf-8"?>
-<p:sld xmlns:a="http://schemas.openxmlformats.org/drawingml/2006/main" xmlns:r="http://schemas.openxmlformats.org/officeDocument/2006/relationships" xmlns:p="http://schemas.openxmlformats.org/presentationml/2006/main">
-  <p:cSld>
-    <p:spTree>
-      <p:nvGrpSpPr>
-        <p:cNvPr id="1" name=""/>
-        <p:cNvGrpSpPr/>
-        <p:nvPr/>
-      </p:nvGrpSpPr>
-      <p:grpSpPr>
-        <a:xfrm>
-          <a:off x="0" y="0"/>
-          <a:ext cx="0" cy="0"/>
-          <a:chOff x="0" y="0"/>
-          <a:chExt cx="0" cy="0"/>
-        </a:xfrm>
-      </p:grpSpPr>
-      <p:sp>
-        <p:nvSpPr>
-          <p:cNvPr id="4" name="標題 3"/>
-          <p:cNvSpPr>
-            <a:spLocks noGrp="1"/>
-          </p:cNvSpPr>
-          <p:nvPr>
-            <p:ph type="title"/>
-          </p:nvPr>
-        </p:nvSpPr>
-        <p:spPr/>
-        <p:txBody>
-          <a:bodyPr/>
-          <a:lstStyle/>
-          <a:p>
-            <a:r>
-              <a:rPr lang="zh-TW" altLang="en-US" b="1" dirty="0">
-                <a:latin typeface="微軟正黑體" pitchFamily="34" charset="-120"/>
-                <a:ea typeface="微軟正黑體" pitchFamily="34" charset="-120"/>
-              </a:rPr>
-              <a:t>獻給我天上的主</a:t>
-            </a:r>
-          </a:p>
-        </p:txBody>
-      </p:sp>
-      <p:sp>
-        <p:nvSpPr>
-          <p:cNvPr id="5" name="內容版面配置區 4"/>
-          <p:cNvSpPr>
-            <a:spLocks noGrp="1"/>
-          </p:cNvSpPr>
-          <p:nvPr>
-            <p:ph idx="1"/>
-          </p:nvPr>
-        </p:nvSpPr>
-        <p:spPr/>
-        <p:txBody>
-          <a:bodyPr>
-            <a:normAutofit/>
-          </a:bodyPr>
-          <a:lstStyle/>
-          <a:p>
-            <a:pPr algn="ctr">
-              <a:buNone/>
-            </a:pPr>
-            <a:r>
-              <a:rPr lang="zh-TW" altLang="en-US" sz="4050" b="1" dirty="0">
-                <a:solidFill>
-                  <a:srgbClr val="002060"/>
-                </a:solidFill>
-                <a:latin typeface="微軟正黑體" pitchFamily="34" charset="-120"/>
-                <a:ea typeface="微軟正黑體" pitchFamily="34" charset="-120"/>
-              </a:rPr>
-              <a:t>在我心中有千百萬</a:t>
-            </a:r>
-            <a:r>
-              <a:rPr lang="zh-TW" altLang="en-US" sz="4050" b="1" dirty="0">
-                <a:solidFill>
-                  <a:srgbClr val="002060"/>
-                </a:solidFill>
-                <a:latin typeface="微軟正黑體" pitchFamily="34" charset="-120"/>
-                <a:ea typeface="微軟正黑體" pitchFamily="34" charset="-120"/>
-              </a:rPr>
-              <a:t>心聲</a:t>
-            </a:r>
-            <a:endParaRPr lang="en-US" altLang="zh-TW" sz="4050" b="1" dirty="0">
-              <a:solidFill>
-                <a:srgbClr val="002060"/>
-              </a:solidFill>
-              <a:latin typeface="微軟正黑體" pitchFamily="34" charset="-120"/>
-              <a:ea typeface="微軟正黑體" pitchFamily="34" charset="-120"/>
-            </a:endParaRPr>
-          </a:p>
-          <a:p>
-            <a:pPr algn="ctr">
-              <a:buNone/>
-            </a:pPr>
-            <a:r>
-              <a:rPr lang="zh-TW" altLang="en-US" sz="4050" b="1" dirty="0">
-                <a:solidFill>
-                  <a:srgbClr val="002060"/>
-                </a:solidFill>
-                <a:latin typeface="微軟正黑體" pitchFamily="34" charset="-120"/>
-                <a:ea typeface="微軟正黑體" pitchFamily="34" charset="-120"/>
-              </a:rPr>
-              <a:t>來</a:t>
-            </a:r>
-            <a:r>
-              <a:rPr lang="zh-TW" altLang="en-US" sz="4050" b="1" dirty="0">
-                <a:solidFill>
-                  <a:srgbClr val="002060"/>
-                </a:solidFill>
-                <a:latin typeface="微軟正黑體" pitchFamily="34" charset="-120"/>
-                <a:ea typeface="微軟正黑體" pitchFamily="34" charset="-120"/>
-              </a:rPr>
-              <a:t>呈獻給我天上的</a:t>
-            </a:r>
-            <a:r>
-              <a:rPr lang="zh-TW" altLang="en-US" sz="4050" b="1" dirty="0">
-                <a:solidFill>
-                  <a:srgbClr val="002060"/>
-                </a:solidFill>
-                <a:latin typeface="微軟正黑體" pitchFamily="34" charset="-120"/>
-                <a:ea typeface="微軟正黑體" pitchFamily="34" charset="-120"/>
-              </a:rPr>
-              <a:t>主</a:t>
-            </a:r>
-            <a:endParaRPr lang="en-US" altLang="zh-TW" sz="4050" b="1" dirty="0">
-              <a:solidFill>
-                <a:srgbClr val="002060"/>
-              </a:solidFill>
-              <a:latin typeface="微軟正黑體" pitchFamily="34" charset="-120"/>
-              <a:ea typeface="微軟正黑體" pitchFamily="34" charset="-120"/>
-            </a:endParaRPr>
-          </a:p>
-          <a:p>
-            <a:pPr algn="ctr">
-              <a:buNone/>
-            </a:pPr>
-            <a:r>
-              <a:rPr lang="zh-TW" altLang="en-US" sz="4050" b="1" dirty="0">
-                <a:solidFill>
-                  <a:srgbClr val="002060"/>
-                </a:solidFill>
-                <a:latin typeface="微軟正黑體" pitchFamily="34" charset="-120"/>
-                <a:ea typeface="微軟正黑體" pitchFamily="34" charset="-120"/>
-              </a:rPr>
-              <a:t>願</a:t>
-            </a:r>
-            <a:r>
-              <a:rPr lang="zh-TW" altLang="en-US" sz="4050" b="1" dirty="0">
-                <a:solidFill>
-                  <a:srgbClr val="002060"/>
-                </a:solidFill>
-                <a:latin typeface="微軟正黑體" pitchFamily="34" charset="-120"/>
-                <a:ea typeface="微軟正黑體" pitchFamily="34" charset="-120"/>
-              </a:rPr>
-              <a:t>讚美崇揚都一一歸給</a:t>
-            </a:r>
-            <a:r>
-              <a:rPr lang="zh-TW" altLang="en-US" sz="4050" b="1" dirty="0">
-                <a:solidFill>
-                  <a:srgbClr val="002060"/>
-                </a:solidFill>
-                <a:latin typeface="微軟正黑體" pitchFamily="34" charset="-120"/>
-                <a:ea typeface="微軟正黑體" pitchFamily="34" charset="-120"/>
-              </a:rPr>
-              <a:t>你</a:t>
-            </a:r>
-            <a:endParaRPr lang="en-US" altLang="zh-TW" sz="4050" b="1" dirty="0">
-              <a:solidFill>
-                <a:srgbClr val="002060"/>
-              </a:solidFill>
-              <a:latin typeface="微軟正黑體" pitchFamily="34" charset="-120"/>
-              <a:ea typeface="微軟正黑體" pitchFamily="34" charset="-120"/>
-            </a:endParaRPr>
-          </a:p>
-          <a:p>
-            <a:pPr algn="ctr">
-              <a:buNone/>
-            </a:pPr>
-            <a:r>
-              <a:rPr lang="zh-TW" altLang="en-US" sz="4050" b="1" dirty="0">
-                <a:solidFill>
-                  <a:srgbClr val="002060"/>
-                </a:solidFill>
-                <a:latin typeface="微軟正黑體" pitchFamily="34" charset="-120"/>
-                <a:ea typeface="微軟正黑體" pitchFamily="34" charset="-120"/>
-              </a:rPr>
-              <a:t>主</a:t>
-            </a:r>
-            <a:r>
-              <a:rPr lang="zh-TW" altLang="en-US" sz="4050" b="1" dirty="0">
-                <a:solidFill>
-                  <a:srgbClr val="002060"/>
-                </a:solidFill>
-                <a:latin typeface="微軟正黑體" pitchFamily="34" charset="-120"/>
-                <a:ea typeface="微軟正黑體" pitchFamily="34" charset="-120"/>
-              </a:rPr>
-              <a:t>你是偉大完美</a:t>
-            </a:r>
-          </a:p>
-        </p:txBody>
-      </p:sp>
-    </p:spTree>
-    <p:extLst>
-      <p:ext uri="{BB962C8B-B14F-4D97-AF65-F5344CB8AC3E}">
-        <p14:creationId xmlns:p14="http://schemas.microsoft.com/office/powerpoint/2010/main" val="376375451"/>
-      </p:ext>
-    </p:extLst>
-  </p:cSld>
-  <p:clrMapOvr>
-    <a:masterClrMapping/>
-  </p:clrMapOvr>
-</p:sld>
-</file>
-
-<file path=ppt/slides/slide8.xml><?xml version="1.0" encoding="utf-8"?>
-<p:sld xmlns:a="http://schemas.openxmlformats.org/drawingml/2006/main" xmlns:r="http://schemas.openxmlformats.org/officeDocument/2006/relationships" xmlns:p="http://schemas.openxmlformats.org/presentationml/2006/main">
-  <p:cSld>
-    <p:spTree>
-      <p:nvGrpSpPr>
-        <p:cNvPr id="1" name=""/>
-        <p:cNvGrpSpPr/>
-        <p:nvPr/>
-      </p:nvGrpSpPr>
-      <p:grpSpPr>
-        <a:xfrm>
-          <a:off x="0" y="0"/>
-          <a:ext cx="0" cy="0"/>
-          <a:chOff x="0" y="0"/>
-          <a:chExt cx="0" cy="0"/>
-        </a:xfrm>
-      </p:grpSpPr>
-      <p:sp>
-        <p:nvSpPr>
-          <p:cNvPr id="4" name="標題 3"/>
-          <p:cNvSpPr>
-            <a:spLocks noGrp="1"/>
-          </p:cNvSpPr>
-          <p:nvPr>
-            <p:ph type="title"/>
-          </p:nvPr>
-        </p:nvSpPr>
-        <p:spPr/>
-        <p:txBody>
-          <a:bodyPr/>
-          <a:lstStyle/>
-          <a:p>
-            <a:r>
-              <a:rPr lang="zh-TW" altLang="en-US" b="1" dirty="0">
-                <a:latin typeface="微軟正黑體" pitchFamily="34" charset="-120"/>
-                <a:ea typeface="微軟正黑體" pitchFamily="34" charset="-120"/>
-              </a:rPr>
-              <a:t>獻給我天上的主</a:t>
-            </a:r>
-          </a:p>
-        </p:txBody>
-      </p:sp>
-      <p:sp>
-        <p:nvSpPr>
-          <p:cNvPr id="5" name="內容版面配置區 4"/>
-          <p:cNvSpPr>
-            <a:spLocks noGrp="1"/>
-          </p:cNvSpPr>
-          <p:nvPr>
-            <p:ph idx="1"/>
-          </p:nvPr>
-        </p:nvSpPr>
-        <p:spPr/>
-        <p:txBody>
-          <a:bodyPr>
-            <a:normAutofit/>
-          </a:bodyPr>
-          <a:lstStyle/>
-          <a:p>
-            <a:pPr algn="ctr">
-              <a:buNone/>
-            </a:pPr>
-            <a:r>
-              <a:rPr lang="zh-TW" altLang="en-US" sz="4050" b="1" dirty="0">
-                <a:solidFill>
-                  <a:srgbClr val="002060"/>
-                </a:solidFill>
-                <a:latin typeface="微軟正黑體" pitchFamily="34" charset="-120"/>
-                <a:ea typeface="微軟正黑體" pitchFamily="34" charset="-120"/>
-              </a:rPr>
-              <a:t>在我心中有數不盡</a:t>
-            </a:r>
-            <a:r>
-              <a:rPr lang="zh-TW" altLang="en-US" sz="4050" b="1" dirty="0">
-                <a:solidFill>
-                  <a:srgbClr val="002060"/>
-                </a:solidFill>
-                <a:latin typeface="微軟正黑體" pitchFamily="34" charset="-120"/>
-                <a:ea typeface="微軟正黑體" pitchFamily="34" charset="-120"/>
-              </a:rPr>
-              <a:t>感恩</a:t>
-            </a:r>
-            <a:endParaRPr lang="en-US" altLang="zh-TW" sz="4050" b="1" dirty="0">
-              <a:solidFill>
-                <a:srgbClr val="002060"/>
-              </a:solidFill>
-              <a:latin typeface="微軟正黑體" pitchFamily="34" charset="-120"/>
-              <a:ea typeface="微軟正黑體" pitchFamily="34" charset="-120"/>
-            </a:endParaRPr>
-          </a:p>
-          <a:p>
-            <a:pPr algn="ctr">
-              <a:buNone/>
-            </a:pPr>
-            <a:r>
-              <a:rPr lang="zh-TW" altLang="en-US" sz="4050" b="1" dirty="0">
-                <a:solidFill>
-                  <a:srgbClr val="002060"/>
-                </a:solidFill>
-                <a:latin typeface="微軟正黑體" pitchFamily="34" charset="-120"/>
-                <a:ea typeface="微軟正黑體" pitchFamily="34" charset="-120"/>
-              </a:rPr>
-              <a:t>來</a:t>
-            </a:r>
-            <a:r>
-              <a:rPr lang="zh-TW" altLang="en-US" sz="4050" b="1" dirty="0">
-                <a:solidFill>
-                  <a:srgbClr val="002060"/>
-                </a:solidFill>
-                <a:latin typeface="微軟正黑體" pitchFamily="34" charset="-120"/>
-                <a:ea typeface="微軟正黑體" pitchFamily="34" charset="-120"/>
-              </a:rPr>
-              <a:t>呈獻給我天上恩</a:t>
-            </a:r>
-            <a:r>
-              <a:rPr lang="zh-TW" altLang="en-US" sz="4050" b="1" dirty="0">
-                <a:solidFill>
-                  <a:srgbClr val="002060"/>
-                </a:solidFill>
-                <a:latin typeface="微軟正黑體" pitchFamily="34" charset="-120"/>
-                <a:ea typeface="微軟正黑體" pitchFamily="34" charset="-120"/>
-              </a:rPr>
-              <a:t>主</a:t>
-            </a:r>
-            <a:endParaRPr lang="en-US" altLang="zh-TW" sz="4050" b="1" dirty="0">
-              <a:solidFill>
-                <a:srgbClr val="002060"/>
-              </a:solidFill>
-              <a:latin typeface="微軟正黑體" pitchFamily="34" charset="-120"/>
-              <a:ea typeface="微軟正黑體" pitchFamily="34" charset="-120"/>
-            </a:endParaRPr>
-          </a:p>
-          <a:p>
-            <a:pPr algn="ctr">
-              <a:buNone/>
-            </a:pPr>
-            <a:r>
-              <a:rPr lang="zh-TW" altLang="en-US" sz="4050" b="1" dirty="0">
-                <a:solidFill>
-                  <a:srgbClr val="002060"/>
-                </a:solidFill>
-                <a:latin typeface="微軟正黑體" pitchFamily="34" charset="-120"/>
-                <a:ea typeface="微軟正黑體" pitchFamily="34" charset="-120"/>
-              </a:rPr>
-              <a:t>願</a:t>
-            </a:r>
-            <a:r>
-              <a:rPr lang="zh-TW" altLang="en-US" sz="4050" b="1" dirty="0">
-                <a:solidFill>
-                  <a:srgbClr val="002060"/>
-                </a:solidFill>
-                <a:latin typeface="微軟正黑體" pitchFamily="34" charset="-120"/>
-                <a:ea typeface="微軟正黑體" pitchFamily="34" charset="-120"/>
-              </a:rPr>
-              <a:t>見證傳揚主恩典多麼</a:t>
-            </a:r>
-            <a:r>
-              <a:rPr lang="zh-TW" altLang="en-US" sz="4050" b="1" dirty="0">
-                <a:solidFill>
-                  <a:srgbClr val="002060"/>
-                </a:solidFill>
-                <a:latin typeface="微軟正黑體" pitchFamily="34" charset="-120"/>
-                <a:ea typeface="微軟正黑體" pitchFamily="34" charset="-120"/>
-              </a:rPr>
-              <a:t>美</a:t>
-            </a:r>
-            <a:endParaRPr lang="en-US" altLang="zh-TW" sz="4050" b="1" dirty="0">
-              <a:solidFill>
-                <a:srgbClr val="002060"/>
-              </a:solidFill>
-              <a:latin typeface="微軟正黑體" pitchFamily="34" charset="-120"/>
-              <a:ea typeface="微軟正黑體" pitchFamily="34" charset="-120"/>
-            </a:endParaRPr>
-          </a:p>
-          <a:p>
-            <a:pPr algn="ctr">
-              <a:buNone/>
-            </a:pPr>
-            <a:r>
-              <a:rPr lang="zh-TW" altLang="en-US" sz="4050" b="1" dirty="0">
-                <a:solidFill>
-                  <a:srgbClr val="002060"/>
-                </a:solidFill>
-                <a:latin typeface="微軟正黑體" pitchFamily="34" charset="-120"/>
-                <a:ea typeface="微軟正黑體" pitchFamily="34" charset="-120"/>
-              </a:rPr>
-              <a:t>感激</a:t>
-            </a:r>
-            <a:r>
-              <a:rPr lang="zh-TW" altLang="en-US" sz="4050" b="1" dirty="0">
-                <a:solidFill>
-                  <a:srgbClr val="002060"/>
-                </a:solidFill>
-                <a:latin typeface="微軟正黑體" pitchFamily="34" charset="-120"/>
-                <a:ea typeface="微軟正黑體" pitchFamily="34" charset="-120"/>
-              </a:rPr>
-              <a:t>你常顧念扶持</a:t>
-            </a:r>
-          </a:p>
-        </p:txBody>
-      </p:sp>
-    </p:spTree>
-    <p:extLst>
-      <p:ext uri="{BB962C8B-B14F-4D97-AF65-F5344CB8AC3E}">
-        <p14:creationId xmlns:p14="http://schemas.microsoft.com/office/powerpoint/2010/main" val="2382723640"/>
-      </p:ext>
-    </p:extLst>
-  </p:cSld>
-  <p:clrMapOvr>
-    <a:masterClrMapping/>
-  </p:clrMapOvr>
-</p:sld>
-</file>
-
-<file path=ppt/slides/slide9.xml><?xml version="1.0" encoding="utf-8"?>
-<p:sld xmlns:a="http://schemas.openxmlformats.org/drawingml/2006/main" xmlns:r="http://schemas.openxmlformats.org/officeDocument/2006/relationships" xmlns:p="http://schemas.openxmlformats.org/presentationml/2006/main">
-  <p:cSld>
-    <p:spTree>
-      <p:nvGrpSpPr>
-        <p:cNvPr id="1" name=""/>
-        <p:cNvGrpSpPr/>
-        <p:nvPr/>
-      </p:nvGrpSpPr>
-      <p:grpSpPr>
-        <a:xfrm>
-          <a:off x="0" y="0"/>
-          <a:ext cx="0" cy="0"/>
-          <a:chOff x="0" y="0"/>
-          <a:chExt cx="0" cy="0"/>
-        </a:xfrm>
-      </p:grpSpPr>
-      <p:sp>
-        <p:nvSpPr>
-          <p:cNvPr id="4" name="標題 3"/>
-          <p:cNvSpPr>
-            <a:spLocks noGrp="1"/>
-          </p:cNvSpPr>
-          <p:nvPr>
-            <p:ph type="title"/>
-          </p:nvPr>
-        </p:nvSpPr>
-        <p:spPr/>
-        <p:txBody>
-          <a:bodyPr/>
-          <a:lstStyle/>
-          <a:p>
-            <a:r>
-              <a:rPr lang="zh-TW" altLang="en-US" b="1" dirty="0">
-                <a:latin typeface="微軟正黑體" pitchFamily="34" charset="-120"/>
-                <a:ea typeface="微軟正黑體" pitchFamily="34" charset="-120"/>
-              </a:rPr>
-              <a:t>獻給我天上的主</a:t>
-            </a:r>
-          </a:p>
-        </p:txBody>
-      </p:sp>
-      <p:sp>
-        <p:nvSpPr>
-          <p:cNvPr id="5" name="內容版面配置區 4"/>
-          <p:cNvSpPr>
-            <a:spLocks noGrp="1"/>
-          </p:cNvSpPr>
-          <p:nvPr>
-            <p:ph idx="1"/>
-          </p:nvPr>
-        </p:nvSpPr>
-        <p:spPr>
-          <a:xfrm>
-            <a:off x="1143000" y="1200151"/>
-            <a:ext cx="6858000" cy="3394472"/>
-          </a:xfrm>
-        </p:spPr>
-        <p:txBody>
-          <a:bodyPr>
-            <a:normAutofit/>
-          </a:bodyPr>
-          <a:lstStyle/>
-          <a:p>
-            <a:pPr algn="ctr">
-              <a:buNone/>
-            </a:pPr>
-            <a:r>
-              <a:rPr lang="zh-TW" altLang="en-US" sz="4050" b="1" dirty="0">
-                <a:solidFill>
-                  <a:srgbClr val="002060"/>
-                </a:solidFill>
-                <a:latin typeface="微軟正黑體" pitchFamily="34" charset="-120"/>
-                <a:ea typeface="微軟正黑體" pitchFamily="34" charset="-120"/>
-              </a:rPr>
-              <a:t>齊真心呈獻讚美給</a:t>
-            </a:r>
-            <a:r>
-              <a:rPr lang="zh-TW" altLang="en-US" sz="4050" b="1" dirty="0">
-                <a:solidFill>
-                  <a:srgbClr val="002060"/>
-                </a:solidFill>
-                <a:latin typeface="微軟正黑體" pitchFamily="34" charset="-120"/>
-                <a:ea typeface="微軟正黑體" pitchFamily="34" charset="-120"/>
-              </a:rPr>
-              <a:t>你</a:t>
-            </a:r>
-            <a:endParaRPr lang="en-US" altLang="zh-TW" sz="4050" b="1" dirty="0">
-              <a:solidFill>
-                <a:srgbClr val="002060"/>
-              </a:solidFill>
-              <a:latin typeface="微軟正黑體" pitchFamily="34" charset="-120"/>
-              <a:ea typeface="微軟正黑體" pitchFamily="34" charset="-120"/>
-            </a:endParaRPr>
-          </a:p>
-          <a:p>
-            <a:pPr algn="ctr">
-              <a:buNone/>
-            </a:pPr>
-            <a:r>
-              <a:rPr lang="zh-TW" altLang="en-US" sz="4050" b="1" dirty="0">
-                <a:solidFill>
-                  <a:srgbClr val="002060"/>
-                </a:solidFill>
-                <a:latin typeface="微軟正黑體" pitchFamily="34" charset="-120"/>
-                <a:ea typeface="微軟正黑體" pitchFamily="34" charset="-120"/>
-              </a:rPr>
-              <a:t>盡</a:t>
-            </a:r>
-            <a:r>
-              <a:rPr lang="zh-TW" altLang="en-US" sz="4050" b="1" dirty="0">
-                <a:solidFill>
-                  <a:srgbClr val="002060"/>
-                </a:solidFill>
-                <a:latin typeface="微軟正黑體" pitchFamily="34" charset="-120"/>
-                <a:ea typeface="微軟正黑體" pitchFamily="34" charset="-120"/>
-              </a:rPr>
-              <a:t>我心意頌唱每篇的</a:t>
-            </a:r>
-            <a:r>
-              <a:rPr lang="zh-TW" altLang="en-US" sz="4050" b="1" dirty="0">
-                <a:solidFill>
-                  <a:srgbClr val="002060"/>
-                </a:solidFill>
-                <a:latin typeface="微軟正黑體" pitchFamily="34" charset="-120"/>
-                <a:ea typeface="微軟正黑體" pitchFamily="34" charset="-120"/>
-              </a:rPr>
-              <a:t>詩句</a:t>
-            </a:r>
-            <a:endParaRPr lang="en-US" altLang="zh-TW" sz="4050" b="1" dirty="0">
-              <a:solidFill>
-                <a:srgbClr val="002060"/>
-              </a:solidFill>
-              <a:latin typeface="微軟正黑體" pitchFamily="34" charset="-120"/>
-              <a:ea typeface="微軟正黑體" pitchFamily="34" charset="-120"/>
-            </a:endParaRPr>
-          </a:p>
-          <a:p>
-            <a:pPr algn="ctr">
-              <a:buNone/>
-            </a:pPr>
-            <a:r>
-              <a:rPr lang="zh-TW" altLang="en-US" sz="4050" b="1" dirty="0">
-                <a:solidFill>
-                  <a:srgbClr val="002060"/>
-                </a:solidFill>
-                <a:latin typeface="微軟正黑體" pitchFamily="34" charset="-120"/>
-                <a:ea typeface="微軟正黑體" pitchFamily="34" charset="-120"/>
-              </a:rPr>
-              <a:t>齊</a:t>
-            </a:r>
-            <a:r>
-              <a:rPr lang="zh-TW" altLang="en-US" sz="4050" b="1" dirty="0">
-                <a:solidFill>
-                  <a:srgbClr val="002060"/>
-                </a:solidFill>
-                <a:latin typeface="微軟正黑體" pitchFamily="34" charset="-120"/>
-                <a:ea typeface="微軟正黑體" pitchFamily="34" charset="-120"/>
-              </a:rPr>
-              <a:t>舉手呈獻敬拜永遠歸給</a:t>
-            </a:r>
-            <a:r>
-              <a:rPr lang="zh-TW" altLang="en-US" sz="4050" b="1" dirty="0">
-                <a:solidFill>
-                  <a:srgbClr val="002060"/>
-                </a:solidFill>
-                <a:latin typeface="微軟正黑體" pitchFamily="34" charset="-120"/>
-                <a:ea typeface="微軟正黑體" pitchFamily="34" charset="-120"/>
-              </a:rPr>
-              <a:t>你</a:t>
-            </a:r>
-            <a:endParaRPr lang="en-US" altLang="zh-TW" sz="4050" b="1" dirty="0">
-              <a:solidFill>
-                <a:srgbClr val="002060"/>
-              </a:solidFill>
-              <a:latin typeface="微軟正黑體" pitchFamily="34" charset="-120"/>
-              <a:ea typeface="微軟正黑體" pitchFamily="34" charset="-120"/>
-            </a:endParaRPr>
-          </a:p>
-          <a:p>
-            <a:pPr algn="ctr">
-              <a:buNone/>
-            </a:pPr>
-            <a:r>
-              <a:rPr lang="zh-TW" altLang="en-US" sz="4050" b="1" dirty="0">
-                <a:solidFill>
-                  <a:srgbClr val="002060"/>
-                </a:solidFill>
-                <a:latin typeface="微軟正黑體" pitchFamily="34" charset="-120"/>
-                <a:ea typeface="微軟正黑體" pitchFamily="34" charset="-120"/>
-              </a:rPr>
-              <a:t>為</a:t>
-            </a:r>
-            <a:r>
-              <a:rPr lang="zh-TW" altLang="en-US" sz="4050" b="1" dirty="0">
-                <a:solidFill>
-                  <a:srgbClr val="002060"/>
-                </a:solidFill>
-                <a:latin typeface="微軟正黑體" pitchFamily="34" charset="-120"/>
-                <a:ea typeface="微軟正黑體" pitchFamily="34" charset="-120"/>
-              </a:rPr>
-              <a:t>你我獻上頌讚</a:t>
-            </a:r>
-          </a:p>
-        </p:txBody>
-      </p:sp>
-    </p:spTree>
-    <p:extLst>
-      <p:ext uri="{BB962C8B-B14F-4D97-AF65-F5344CB8AC3E}">
-        <p14:creationId xmlns:p14="http://schemas.microsoft.com/office/powerpoint/2010/main" val="3416774960"/>
+        <p14:creationId xmlns:p14="http://schemas.microsoft.com/office/powerpoint/2010/main" val="3591792528"/>
       </p:ext>
     </p:extLst>
   </p:cSld>

--- a/全地至高是我主.pptx
+++ b/全地至高是我主.pptx
@@ -309,7 +309,7 @@
             <a:fld id="{24CEFFAC-C82D-4C95-8241-BAD7B175EECB}" type="datetimeFigureOut">
               <a:rPr lang="zh-TW" altLang="en-US" smtClean="0"/>
               <a:pPr/>
-              <a:t>2021/11/25</a:t>
+              <a:t>2023/7/3</a:t>
             </a:fld>
             <a:endParaRPr lang="zh-TW" altLang="en-US"/>
           </a:p>
@@ -476,7 +476,7 @@
             <a:fld id="{24CEFFAC-C82D-4C95-8241-BAD7B175EECB}" type="datetimeFigureOut">
               <a:rPr lang="zh-TW" altLang="en-US" smtClean="0"/>
               <a:pPr/>
-              <a:t>2021/11/25</a:t>
+              <a:t>2023/7/3</a:t>
             </a:fld>
             <a:endParaRPr lang="zh-TW" altLang="en-US"/>
           </a:p>
@@ -653,7 +653,7 @@
             <a:fld id="{24CEFFAC-C82D-4C95-8241-BAD7B175EECB}" type="datetimeFigureOut">
               <a:rPr lang="zh-TW" altLang="en-US" smtClean="0"/>
               <a:pPr/>
-              <a:t>2021/11/25</a:t>
+              <a:t>2023/7/3</a:t>
             </a:fld>
             <a:endParaRPr lang="zh-TW" altLang="en-US"/>
           </a:p>
@@ -820,7 +820,7 @@
             <a:fld id="{24CEFFAC-C82D-4C95-8241-BAD7B175EECB}" type="datetimeFigureOut">
               <a:rPr lang="zh-TW" altLang="en-US" smtClean="0"/>
               <a:pPr/>
-              <a:t>2021/11/25</a:t>
+              <a:t>2023/7/3</a:t>
             </a:fld>
             <a:endParaRPr lang="zh-TW" altLang="en-US"/>
           </a:p>
@@ -1063,7 +1063,7 @@
             <a:fld id="{24CEFFAC-C82D-4C95-8241-BAD7B175EECB}" type="datetimeFigureOut">
               <a:rPr lang="zh-TW" altLang="en-US" smtClean="0"/>
               <a:pPr/>
-              <a:t>2021/11/25</a:t>
+              <a:t>2023/7/3</a:t>
             </a:fld>
             <a:endParaRPr lang="zh-TW" altLang="en-US"/>
           </a:p>
@@ -1348,7 +1348,7 @@
             <a:fld id="{24CEFFAC-C82D-4C95-8241-BAD7B175EECB}" type="datetimeFigureOut">
               <a:rPr lang="zh-TW" altLang="en-US" smtClean="0"/>
               <a:pPr/>
-              <a:t>2021/11/25</a:t>
+              <a:t>2023/7/3</a:t>
             </a:fld>
             <a:endParaRPr lang="zh-TW" altLang="en-US"/>
           </a:p>
@@ -1767,7 +1767,7 @@
             <a:fld id="{24CEFFAC-C82D-4C95-8241-BAD7B175EECB}" type="datetimeFigureOut">
               <a:rPr lang="zh-TW" altLang="en-US" smtClean="0"/>
               <a:pPr/>
-              <a:t>2021/11/25</a:t>
+              <a:t>2023/7/3</a:t>
             </a:fld>
             <a:endParaRPr lang="zh-TW" altLang="en-US"/>
           </a:p>
@@ -1882,7 +1882,7 @@
             <a:fld id="{24CEFFAC-C82D-4C95-8241-BAD7B175EECB}" type="datetimeFigureOut">
               <a:rPr lang="zh-TW" altLang="en-US" smtClean="0"/>
               <a:pPr/>
-              <a:t>2021/11/25</a:t>
+              <a:t>2023/7/3</a:t>
             </a:fld>
             <a:endParaRPr lang="zh-TW" altLang="en-US"/>
           </a:p>
@@ -1974,7 +1974,7 @@
             <a:fld id="{24CEFFAC-C82D-4C95-8241-BAD7B175EECB}" type="datetimeFigureOut">
               <a:rPr lang="zh-TW" altLang="en-US" smtClean="0"/>
               <a:pPr/>
-              <a:t>2021/11/25</a:t>
+              <a:t>2023/7/3</a:t>
             </a:fld>
             <a:endParaRPr lang="zh-TW" altLang="en-US"/>
           </a:p>
@@ -2248,7 +2248,7 @@
             <a:fld id="{24CEFFAC-C82D-4C95-8241-BAD7B175EECB}" type="datetimeFigureOut">
               <a:rPr lang="zh-TW" altLang="en-US" smtClean="0"/>
               <a:pPr/>
-              <a:t>2021/11/25</a:t>
+              <a:t>2023/7/3</a:t>
             </a:fld>
             <a:endParaRPr lang="zh-TW" altLang="en-US"/>
           </a:p>
@@ -2502,7 +2502,7 @@
             <a:fld id="{24CEFFAC-C82D-4C95-8241-BAD7B175EECB}" type="datetimeFigureOut">
               <a:rPr lang="zh-TW" altLang="en-US" smtClean="0"/>
               <a:pPr/>
-              <a:t>2021/11/25</a:t>
+              <a:t>2023/7/3</a:t>
             </a:fld>
             <a:endParaRPr lang="zh-TW" altLang="en-US"/>
           </a:p>
@@ -2717,7 +2717,7 @@
             <a:fld id="{24CEFFAC-C82D-4C95-8241-BAD7B175EECB}" type="datetimeFigureOut">
               <a:rPr lang="zh-TW" altLang="en-US" smtClean="0"/>
               <a:pPr/>
-              <a:t>2021/11/25</a:t>
+              <a:t>2023/7/3</a:t>
             </a:fld>
             <a:endParaRPr lang="zh-TW" altLang="en-US"/>
           </a:p>
@@ -3275,14 +3275,14 @@
               <a:t>在</a:t>
             </a:r>
             <a:r>
-              <a:rPr lang="zh-CN" altLang="en-US" sz="4800" b="1" dirty="0" smtClean="0">
+              <a:rPr lang="zh-CN" altLang="en-US" sz="4800" b="1" dirty="0">
                 <a:solidFill>
                   <a:srgbClr val="660033"/>
                 </a:solidFill>
                 <a:latin typeface="微軟正黑體" pitchFamily="34" charset="-120"/>
                 <a:ea typeface="微軟正黑體" pitchFamily="34" charset="-120"/>
               </a:rPr>
-              <a:t>袮</a:t>
+              <a:t>祢</a:t>
             </a:r>
             <a:r>
               <a:rPr lang="zh-TW" altLang="en-US" sz="4800" b="1" dirty="0" smtClean="0">
@@ -3312,17 +3312,27 @@
                 <a:latin typeface="微軟正黑體" pitchFamily="34" charset="-120"/>
                 <a:ea typeface="微軟正黑體" pitchFamily="34" charset="-120"/>
               </a:rPr>
-              <a:t> 願</a:t>
-            </a:r>
-            <a:r>
-              <a:rPr lang="zh-CN" altLang="en-US" sz="4800" b="1" dirty="0">
+              <a:t> </a:t>
+            </a:r>
+            <a:r>
+              <a:rPr lang="zh-TW" altLang="en-US" sz="4800" b="1" dirty="0" smtClean="0">
                 <a:solidFill>
                   <a:srgbClr val="660033"/>
                 </a:solidFill>
                 <a:latin typeface="微軟正黑體" pitchFamily="34" charset="-120"/>
                 <a:ea typeface="微軟正黑體" pitchFamily="34" charset="-120"/>
               </a:rPr>
-              <a:t>袮</a:t>
+              <a:t>願</a:t>
+            </a:r>
+            <a:r>
+              <a:rPr lang="zh-CN" altLang="en-US" sz="4800" b="1" dirty="0">
+                <a:solidFill>
+                  <a:srgbClr val="660033"/>
+                </a:solidFill>
+                <a:latin typeface="微軟正黑體" pitchFamily="34" charset="-120"/>
+                <a:ea typeface="微軟正黑體" pitchFamily="34" charset="-120"/>
+              </a:rPr>
+              <a:t>祢</a:t>
             </a:r>
             <a:r>
               <a:rPr lang="zh-TW" altLang="en-US" sz="4800" b="1" dirty="0" smtClean="0">
@@ -3362,8 +3372,8 @@
         </p:nvSpPr>
         <p:spPr>
           <a:xfrm>
-            <a:off x="0" y="3939902"/>
-            <a:ext cx="9144000" cy="646331"/>
+            <a:off x="0" y="4001457"/>
+            <a:ext cx="9144000" cy="523220"/>
           </a:xfrm>
           <a:prstGeom prst="rect">
             <a:avLst/>
@@ -3378,7 +3388,7 @@
           <a:p>
             <a:pPr algn="ctr"/>
             <a:r>
-              <a:rPr lang="en-US" sz="3600" b="1" dirty="0">
+              <a:rPr lang="en-US" sz="2800" b="1" dirty="0">
                 <a:solidFill>
                   <a:srgbClr val="660033"/>
                 </a:solidFill>
@@ -3389,7 +3399,7 @@
               <a:t>( </a:t>
             </a:r>
             <a:r>
-              <a:rPr lang="zh-CN" altLang="en-US" sz="3600" b="1" dirty="0">
+              <a:rPr lang="zh-CN" altLang="en-US" sz="2800" b="1" dirty="0">
                 <a:solidFill>
                   <a:srgbClr val="660033"/>
                 </a:solidFill>
@@ -3400,7 +3410,7 @@
               <a:t>正</a:t>
             </a:r>
             <a:r>
-              <a:rPr lang="en-US" sz="3600" b="1" dirty="0">
+              <a:rPr lang="en-US" sz="2800" b="1" dirty="0">
                 <a:solidFill>
                   <a:srgbClr val="660033"/>
                 </a:solidFill>
@@ -3410,7 +3420,7 @@
               </a:rPr>
               <a:t> )</a:t>
             </a:r>
-            <a:endParaRPr lang="vi-VN" sz="3600" b="1" dirty="0">
+            <a:endParaRPr lang="vi-VN" sz="2800" b="1" dirty="0">
               <a:solidFill>
                 <a:srgbClr val="660033"/>
               </a:solidFill>
@@ -3548,13 +3558,6 @@
               </a:rPr>
               <a:t>韻歌聲齊賀</a:t>
             </a:r>
-            <a:endParaRPr lang="zh-TW" altLang="en-US" sz="4800" b="1" dirty="0">
-              <a:solidFill>
-                <a:srgbClr val="660033"/>
-              </a:solidFill>
-              <a:latin typeface="微軟正黑體" pitchFamily="34" charset="-120"/>
-              <a:ea typeface="微軟正黑體" pitchFamily="34" charset="-120"/>
-            </a:endParaRPr>
           </a:p>
         </p:txBody>
       </p:sp>
@@ -3566,8 +3569,8 @@
         </p:nvSpPr>
         <p:spPr>
           <a:xfrm>
-            <a:off x="0" y="3939902"/>
-            <a:ext cx="9144000" cy="646331"/>
+            <a:off x="0" y="4001457"/>
+            <a:ext cx="9144000" cy="523220"/>
           </a:xfrm>
           <a:prstGeom prst="rect">
             <a:avLst/>
@@ -3582,43 +3585,39 @@
           <a:p>
             <a:pPr algn="ctr"/>
             <a:r>
-              <a:rPr lang="en-US" sz="3600" b="1" dirty="0">
-                <a:solidFill>
-                  <a:srgbClr val="660033"/>
-                </a:solidFill>
-                <a:effectLst/>
+              <a:rPr lang="en-US" sz="2800" b="1" dirty="0">
+                <a:solidFill>
+                  <a:srgbClr val="660033"/>
+                </a:solidFill>
                 <a:latin typeface="Microsoft JhengHei" panose="020B0604030504040204" pitchFamily="34" charset="-120"/>
                 <a:ea typeface="Microsoft JhengHei" panose="020B0604030504040204" pitchFamily="34" charset="-120"/>
               </a:rPr>
               <a:t>( </a:t>
             </a:r>
             <a:r>
-              <a:rPr lang="zh-CN" altLang="en-US" sz="3600" b="1" dirty="0">
-                <a:solidFill>
-                  <a:srgbClr val="660033"/>
-                </a:solidFill>
-                <a:effectLst/>
+              <a:rPr lang="zh-CN" altLang="en-US" sz="2800" b="1" dirty="0">
+                <a:solidFill>
+                  <a:srgbClr val="660033"/>
+                </a:solidFill>
                 <a:latin typeface="Microsoft JhengHei" panose="020B0604030504040204" pitchFamily="34" charset="-120"/>
                 <a:ea typeface="Microsoft JhengHei" panose="020B0604030504040204" pitchFamily="34" charset="-120"/>
               </a:rPr>
               <a:t>正</a:t>
             </a:r>
             <a:r>
-              <a:rPr lang="en-US" sz="3600" b="1" dirty="0">
-                <a:solidFill>
-                  <a:srgbClr val="660033"/>
-                </a:solidFill>
-                <a:effectLst/>
+              <a:rPr lang="en-US" sz="2800" b="1" dirty="0">
+                <a:solidFill>
+                  <a:srgbClr val="660033"/>
+                </a:solidFill>
                 <a:latin typeface="Microsoft JhengHei" panose="020B0604030504040204" pitchFamily="34" charset="-120"/>
                 <a:ea typeface="Microsoft JhengHei" panose="020B0604030504040204" pitchFamily="34" charset="-120"/>
               </a:rPr>
               <a:t> )</a:t>
             </a:r>
-            <a:endParaRPr lang="vi-VN" sz="3600" b="1" dirty="0">
+            <a:endParaRPr lang="vi-VN" sz="2800" b="1" dirty="0">
               <a:solidFill>
                 <a:srgbClr val="660033"/>
               </a:solidFill>
-              <a:effectLst/>
               <a:latin typeface="Microsoft JhengHei" panose="020B0604030504040204" pitchFamily="34" charset="-120"/>
               <a:ea typeface="Microsoft JhengHei" panose="020B0604030504040204" pitchFamily="34" charset="-120"/>
             </a:endParaRPr>
@@ -3790,8 +3789,8 @@
         </p:nvSpPr>
         <p:spPr>
           <a:xfrm>
-            <a:off x="0" y="3939902"/>
-            <a:ext cx="9144000" cy="646331"/>
+            <a:off x="0" y="4001457"/>
+            <a:ext cx="9144000" cy="523220"/>
           </a:xfrm>
           <a:prstGeom prst="rect">
             <a:avLst/>
@@ -3806,54 +3805,49 @@
           <a:p>
             <a:pPr algn="ctr"/>
             <a:r>
-              <a:rPr lang="en-US" sz="3600" b="1" dirty="0">
-                <a:solidFill>
-                  <a:srgbClr val="660033"/>
-                </a:solidFill>
-                <a:effectLst/>
+              <a:rPr lang="en-US" sz="2800" b="1" dirty="0">
+                <a:solidFill>
+                  <a:srgbClr val="660033"/>
+                </a:solidFill>
                 <a:latin typeface="Microsoft JhengHei" panose="020B0604030504040204" pitchFamily="34" charset="-120"/>
                 <a:ea typeface="Microsoft JhengHei" panose="020B0604030504040204" pitchFamily="34" charset="-120"/>
               </a:rPr>
               <a:t>( </a:t>
             </a:r>
             <a:r>
-              <a:rPr lang="zh-CN" altLang="en-US" sz="3600" b="1" dirty="0">
-                <a:solidFill>
-                  <a:srgbClr val="660033"/>
-                </a:solidFill>
-                <a:effectLst/>
+              <a:rPr lang="zh-CN" altLang="en-US" sz="2800" b="1" dirty="0">
+                <a:solidFill>
+                  <a:srgbClr val="660033"/>
+                </a:solidFill>
                 <a:latin typeface="Microsoft JhengHei" panose="020B0604030504040204" pitchFamily="34" charset="-120"/>
                 <a:ea typeface="Microsoft JhengHei" panose="020B0604030504040204" pitchFamily="34" charset="-120"/>
               </a:rPr>
               <a:t>副</a:t>
             </a:r>
             <a:r>
-              <a:rPr lang="en-US" sz="3600" b="1" dirty="0" smtClean="0">
-                <a:solidFill>
-                  <a:srgbClr val="660033"/>
-                </a:solidFill>
-                <a:effectLst/>
+              <a:rPr lang="en-US" sz="2800" b="1" dirty="0">
+                <a:solidFill>
+                  <a:srgbClr val="660033"/>
+                </a:solidFill>
                 <a:latin typeface="Microsoft JhengHei" panose="020B0604030504040204" pitchFamily="34" charset="-120"/>
                 <a:ea typeface="Microsoft JhengHei" panose="020B0604030504040204" pitchFamily="34" charset="-120"/>
               </a:rPr>
               <a:t> </a:t>
             </a:r>
             <a:r>
-              <a:rPr lang="en-US" sz="3600" b="1" dirty="0">
-                <a:solidFill>
-                  <a:srgbClr val="660033"/>
-                </a:solidFill>
-                <a:effectLst/>
+              <a:rPr lang="en-US" sz="2800" b="1" dirty="0">
+                <a:solidFill>
+                  <a:srgbClr val="660033"/>
+                </a:solidFill>
                 <a:latin typeface="Microsoft JhengHei" panose="020B0604030504040204" pitchFamily="34" charset="-120"/>
                 <a:ea typeface="Microsoft JhengHei" panose="020B0604030504040204" pitchFamily="34" charset="-120"/>
               </a:rPr>
               <a:t>)</a:t>
             </a:r>
-            <a:endParaRPr lang="vi-VN" sz="3600" b="1" dirty="0">
+            <a:endParaRPr lang="vi-VN" sz="2800" b="1" dirty="0">
               <a:solidFill>
                 <a:srgbClr val="660033"/>
               </a:solidFill>
-              <a:effectLst/>
               <a:latin typeface="Microsoft JhengHei" panose="020B0604030504040204" pitchFamily="34" charset="-120"/>
               <a:ea typeface="Microsoft JhengHei" panose="020B0604030504040204" pitchFamily="34" charset="-120"/>
             </a:endParaRPr>
@@ -3967,13 +3961,6 @@
               </a:rPr>
               <a:t>並賜下寬容饒恕</a:t>
             </a:r>
-            <a:endParaRPr lang="zh-TW" altLang="en-US" sz="4800" b="1" dirty="0">
-              <a:solidFill>
-                <a:srgbClr val="660033"/>
-              </a:solidFill>
-              <a:latin typeface="微軟正黑體" pitchFamily="34" charset="-120"/>
-              <a:ea typeface="微軟正黑體" pitchFamily="34" charset="-120"/>
-            </a:endParaRPr>
           </a:p>
         </p:txBody>
       </p:sp>
@@ -3985,8 +3972,8 @@
         </p:nvSpPr>
         <p:spPr>
           <a:xfrm>
-            <a:off x="0" y="3939902"/>
-            <a:ext cx="9144000" cy="646331"/>
+            <a:off x="0" y="4001457"/>
+            <a:ext cx="9144000" cy="523220"/>
           </a:xfrm>
           <a:prstGeom prst="rect">
             <a:avLst/>
@@ -4001,54 +3988,49 @@
           <a:p>
             <a:pPr algn="ctr"/>
             <a:r>
-              <a:rPr lang="en-US" sz="3600" b="1" dirty="0">
-                <a:solidFill>
-                  <a:srgbClr val="660033"/>
-                </a:solidFill>
-                <a:effectLst/>
+              <a:rPr lang="en-US" sz="2800" b="1" dirty="0">
+                <a:solidFill>
+                  <a:srgbClr val="660033"/>
+                </a:solidFill>
                 <a:latin typeface="Microsoft JhengHei" panose="020B0604030504040204" pitchFamily="34" charset="-120"/>
                 <a:ea typeface="Microsoft JhengHei" panose="020B0604030504040204" pitchFamily="34" charset="-120"/>
               </a:rPr>
               <a:t>( </a:t>
             </a:r>
             <a:r>
-              <a:rPr lang="zh-CN" altLang="en-US" sz="3600" b="1" dirty="0">
-                <a:solidFill>
-                  <a:srgbClr val="660033"/>
-                </a:solidFill>
-                <a:effectLst/>
+              <a:rPr lang="zh-CN" altLang="en-US" sz="2800" b="1" dirty="0">
+                <a:solidFill>
+                  <a:srgbClr val="660033"/>
+                </a:solidFill>
                 <a:latin typeface="Microsoft JhengHei" panose="020B0604030504040204" pitchFamily="34" charset="-120"/>
                 <a:ea typeface="Microsoft JhengHei" panose="020B0604030504040204" pitchFamily="34" charset="-120"/>
               </a:rPr>
               <a:t>副</a:t>
             </a:r>
             <a:r>
-              <a:rPr lang="en-US" sz="3600" b="1" dirty="0" smtClean="0">
-                <a:solidFill>
-                  <a:srgbClr val="660033"/>
-                </a:solidFill>
-                <a:effectLst/>
+              <a:rPr lang="en-US" sz="2800" b="1" dirty="0">
+                <a:solidFill>
+                  <a:srgbClr val="660033"/>
+                </a:solidFill>
                 <a:latin typeface="Microsoft JhengHei" panose="020B0604030504040204" pitchFamily="34" charset="-120"/>
                 <a:ea typeface="Microsoft JhengHei" panose="020B0604030504040204" pitchFamily="34" charset="-120"/>
               </a:rPr>
               <a:t> </a:t>
             </a:r>
             <a:r>
-              <a:rPr lang="en-US" sz="3600" b="1" dirty="0">
-                <a:solidFill>
-                  <a:srgbClr val="660033"/>
-                </a:solidFill>
-                <a:effectLst/>
+              <a:rPr lang="en-US" sz="2800" b="1" dirty="0">
+                <a:solidFill>
+                  <a:srgbClr val="660033"/>
+                </a:solidFill>
                 <a:latin typeface="Microsoft JhengHei" panose="020B0604030504040204" pitchFamily="34" charset="-120"/>
                 <a:ea typeface="Microsoft JhengHei" panose="020B0604030504040204" pitchFamily="34" charset="-120"/>
               </a:rPr>
               <a:t>)</a:t>
             </a:r>
-            <a:endParaRPr lang="vi-VN" sz="3600" b="1" dirty="0">
+            <a:endParaRPr lang="vi-VN" sz="2800" b="1" dirty="0">
               <a:solidFill>
                 <a:srgbClr val="660033"/>
               </a:solidFill>
-              <a:effectLst/>
               <a:latin typeface="Microsoft JhengHei" panose="020B0604030504040204" pitchFamily="34" charset="-120"/>
               <a:ea typeface="Microsoft JhengHei" panose="020B0604030504040204" pitchFamily="34" charset="-120"/>
             </a:endParaRPr>

--- a/全地至高是我主.pptx
+++ b/全地至高是我主.pptx
@@ -165,10 +165,9 @@
           <a:lstStyle/>
           <a:p>
             <a:r>
-              <a:rPr lang="zh-TW" altLang="en-US" smtClean="0"/>
+              <a:rPr lang="zh-TW" altLang="en-US"/>
               <a:t>按一下以編輯母片標題樣式</a:t>
             </a:r>
-            <a:endParaRPr lang="zh-TW" altLang="en-US"/>
           </a:p>
         </p:txBody>
       </p:sp>
@@ -284,10 +283,9 @@
           </a:lstStyle>
           <a:p>
             <a:r>
-              <a:rPr lang="zh-TW" altLang="en-US" smtClean="0"/>
+              <a:rPr lang="zh-TW" altLang="en-US"/>
               <a:t>按一下以編輯母片副標題樣式</a:t>
             </a:r>
-            <a:endParaRPr lang="zh-TW" altLang="en-US"/>
           </a:p>
         </p:txBody>
       </p:sp>
@@ -309,7 +307,7 @@
             <a:fld id="{24CEFFAC-C82D-4C95-8241-BAD7B175EECB}" type="datetimeFigureOut">
               <a:rPr lang="zh-TW" altLang="en-US" smtClean="0"/>
               <a:pPr/>
-              <a:t>2023/7/3</a:t>
+              <a:t>2024/1/31</a:t>
             </a:fld>
             <a:endParaRPr lang="zh-TW" altLang="en-US"/>
           </a:p>
@@ -399,10 +397,9 @@
           <a:lstStyle/>
           <a:p>
             <a:r>
-              <a:rPr lang="zh-TW" altLang="en-US" smtClean="0"/>
+              <a:rPr lang="zh-TW" altLang="en-US"/>
               <a:t>按一下以編輯母片標題樣式</a:t>
             </a:r>
-            <a:endParaRPr lang="zh-TW" altLang="en-US"/>
           </a:p>
         </p:txBody>
       </p:sp>
@@ -423,38 +420,37 @@
           <a:p>
             <a:pPr lvl="0"/>
             <a:r>
-              <a:rPr lang="zh-TW" altLang="en-US" smtClean="0"/>
+              <a:rPr lang="zh-TW" altLang="en-US"/>
               <a:t>按一下以編輯母片文字樣式</a:t>
             </a:r>
           </a:p>
           <a:p>
             <a:pPr lvl="1"/>
             <a:r>
-              <a:rPr lang="zh-TW" altLang="en-US" smtClean="0"/>
+              <a:rPr lang="zh-TW" altLang="en-US"/>
               <a:t>第二層</a:t>
             </a:r>
           </a:p>
           <a:p>
             <a:pPr lvl="2"/>
             <a:r>
-              <a:rPr lang="zh-TW" altLang="en-US" smtClean="0"/>
+              <a:rPr lang="zh-TW" altLang="en-US"/>
               <a:t>第三層</a:t>
             </a:r>
           </a:p>
           <a:p>
             <a:pPr lvl="3"/>
             <a:r>
-              <a:rPr lang="zh-TW" altLang="en-US" smtClean="0"/>
+              <a:rPr lang="zh-TW" altLang="en-US"/>
               <a:t>第四層</a:t>
             </a:r>
           </a:p>
           <a:p>
             <a:pPr lvl="4"/>
             <a:r>
-              <a:rPr lang="zh-TW" altLang="en-US" smtClean="0"/>
+              <a:rPr lang="zh-TW" altLang="en-US"/>
               <a:t>第五層</a:t>
             </a:r>
-            <a:endParaRPr lang="zh-TW" altLang="en-US"/>
           </a:p>
         </p:txBody>
       </p:sp>
@@ -476,7 +472,7 @@
             <a:fld id="{24CEFFAC-C82D-4C95-8241-BAD7B175EECB}" type="datetimeFigureOut">
               <a:rPr lang="zh-TW" altLang="en-US" smtClean="0"/>
               <a:pPr/>
-              <a:t>2023/7/3</a:t>
+              <a:t>2024/1/31</a:t>
             </a:fld>
             <a:endParaRPr lang="zh-TW" altLang="en-US"/>
           </a:p>
@@ -571,10 +567,9 @@
           <a:lstStyle/>
           <a:p>
             <a:r>
-              <a:rPr lang="zh-TW" altLang="en-US" smtClean="0"/>
+              <a:rPr lang="zh-TW" altLang="en-US"/>
               <a:t>按一下以編輯母片標題樣式</a:t>
             </a:r>
-            <a:endParaRPr lang="zh-TW" altLang="en-US"/>
           </a:p>
         </p:txBody>
       </p:sp>
@@ -600,38 +595,37 @@
           <a:p>
             <a:pPr lvl="0"/>
             <a:r>
-              <a:rPr lang="zh-TW" altLang="en-US" smtClean="0"/>
+              <a:rPr lang="zh-TW" altLang="en-US"/>
               <a:t>按一下以編輯母片文字樣式</a:t>
             </a:r>
           </a:p>
           <a:p>
             <a:pPr lvl="1"/>
             <a:r>
-              <a:rPr lang="zh-TW" altLang="en-US" smtClean="0"/>
+              <a:rPr lang="zh-TW" altLang="en-US"/>
               <a:t>第二層</a:t>
             </a:r>
           </a:p>
           <a:p>
             <a:pPr lvl="2"/>
             <a:r>
-              <a:rPr lang="zh-TW" altLang="en-US" smtClean="0"/>
+              <a:rPr lang="zh-TW" altLang="en-US"/>
               <a:t>第三層</a:t>
             </a:r>
           </a:p>
           <a:p>
             <a:pPr lvl="3"/>
             <a:r>
-              <a:rPr lang="zh-TW" altLang="en-US" smtClean="0"/>
+              <a:rPr lang="zh-TW" altLang="en-US"/>
               <a:t>第四層</a:t>
             </a:r>
           </a:p>
           <a:p>
             <a:pPr lvl="4"/>
             <a:r>
-              <a:rPr lang="zh-TW" altLang="en-US" smtClean="0"/>
+              <a:rPr lang="zh-TW" altLang="en-US"/>
               <a:t>第五層</a:t>
             </a:r>
-            <a:endParaRPr lang="zh-TW" altLang="en-US"/>
           </a:p>
         </p:txBody>
       </p:sp>
@@ -653,7 +647,7 @@
             <a:fld id="{24CEFFAC-C82D-4C95-8241-BAD7B175EECB}" type="datetimeFigureOut">
               <a:rPr lang="zh-TW" altLang="en-US" smtClean="0"/>
               <a:pPr/>
-              <a:t>2023/7/3</a:t>
+              <a:t>2024/1/31</a:t>
             </a:fld>
             <a:endParaRPr lang="zh-TW" altLang="en-US"/>
           </a:p>
@@ -743,10 +737,9 @@
           <a:lstStyle/>
           <a:p>
             <a:r>
-              <a:rPr lang="zh-TW" altLang="en-US" smtClean="0"/>
+              <a:rPr lang="zh-TW" altLang="en-US"/>
               <a:t>按一下以編輯母片標題樣式</a:t>
             </a:r>
-            <a:endParaRPr lang="zh-TW" altLang="en-US"/>
           </a:p>
         </p:txBody>
       </p:sp>
@@ -767,38 +760,37 @@
           <a:p>
             <a:pPr lvl="0"/>
             <a:r>
-              <a:rPr lang="zh-TW" altLang="en-US" smtClean="0"/>
+              <a:rPr lang="zh-TW" altLang="en-US"/>
               <a:t>按一下以編輯母片文字樣式</a:t>
             </a:r>
           </a:p>
           <a:p>
             <a:pPr lvl="1"/>
             <a:r>
-              <a:rPr lang="zh-TW" altLang="en-US" smtClean="0"/>
+              <a:rPr lang="zh-TW" altLang="en-US"/>
               <a:t>第二層</a:t>
             </a:r>
           </a:p>
           <a:p>
             <a:pPr lvl="2"/>
             <a:r>
-              <a:rPr lang="zh-TW" altLang="en-US" smtClean="0"/>
+              <a:rPr lang="zh-TW" altLang="en-US"/>
               <a:t>第三層</a:t>
             </a:r>
           </a:p>
           <a:p>
             <a:pPr lvl="3"/>
             <a:r>
-              <a:rPr lang="zh-TW" altLang="en-US" smtClean="0"/>
+              <a:rPr lang="zh-TW" altLang="en-US"/>
               <a:t>第四層</a:t>
             </a:r>
           </a:p>
           <a:p>
             <a:pPr lvl="4"/>
             <a:r>
-              <a:rPr lang="zh-TW" altLang="en-US" smtClean="0"/>
+              <a:rPr lang="zh-TW" altLang="en-US"/>
               <a:t>第五層</a:t>
             </a:r>
-            <a:endParaRPr lang="zh-TW" altLang="en-US"/>
           </a:p>
         </p:txBody>
       </p:sp>
@@ -820,7 +812,7 @@
             <a:fld id="{24CEFFAC-C82D-4C95-8241-BAD7B175EECB}" type="datetimeFigureOut">
               <a:rPr lang="zh-TW" altLang="en-US" smtClean="0"/>
               <a:pPr/>
-              <a:t>2023/7/3</a:t>
+              <a:t>2024/1/31</a:t>
             </a:fld>
             <a:endParaRPr lang="zh-TW" altLang="en-US"/>
           </a:p>
@@ -919,10 +911,9 @@
           </a:lstStyle>
           <a:p>
             <a:r>
-              <a:rPr lang="zh-TW" altLang="en-US" smtClean="0"/>
+              <a:rPr lang="zh-TW" altLang="en-US"/>
               <a:t>按一下以編輯母片標題樣式</a:t>
             </a:r>
-            <a:endParaRPr lang="zh-TW" altLang="en-US"/>
           </a:p>
         </p:txBody>
       </p:sp>
@@ -1039,7 +1030,7 @@
           <a:p>
             <a:pPr lvl="0"/>
             <a:r>
-              <a:rPr lang="zh-TW" altLang="en-US" smtClean="0"/>
+              <a:rPr lang="zh-TW" altLang="en-US"/>
               <a:t>按一下以編輯母片文字樣式</a:t>
             </a:r>
           </a:p>
@@ -1063,7 +1054,7 @@
             <a:fld id="{24CEFFAC-C82D-4C95-8241-BAD7B175EECB}" type="datetimeFigureOut">
               <a:rPr lang="zh-TW" altLang="en-US" smtClean="0"/>
               <a:pPr/>
-              <a:t>2023/7/3</a:t>
+              <a:t>2024/1/31</a:t>
             </a:fld>
             <a:endParaRPr lang="zh-TW" altLang="en-US"/>
           </a:p>
@@ -1153,10 +1144,9 @@
           <a:lstStyle/>
           <a:p>
             <a:r>
-              <a:rPr lang="zh-TW" altLang="en-US" smtClean="0"/>
+              <a:rPr lang="zh-TW" altLang="en-US"/>
               <a:t>按一下以編輯母片標題樣式</a:t>
             </a:r>
-            <a:endParaRPr lang="zh-TW" altLang="en-US"/>
           </a:p>
         </p:txBody>
       </p:sp>
@@ -1210,38 +1200,37 @@
           <a:p>
             <a:pPr lvl="0"/>
             <a:r>
-              <a:rPr lang="zh-TW" altLang="en-US" smtClean="0"/>
+              <a:rPr lang="zh-TW" altLang="en-US"/>
               <a:t>按一下以編輯母片文字樣式</a:t>
             </a:r>
           </a:p>
           <a:p>
             <a:pPr lvl="1"/>
             <a:r>
-              <a:rPr lang="zh-TW" altLang="en-US" smtClean="0"/>
+              <a:rPr lang="zh-TW" altLang="en-US"/>
               <a:t>第二層</a:t>
             </a:r>
           </a:p>
           <a:p>
             <a:pPr lvl="2"/>
             <a:r>
-              <a:rPr lang="zh-TW" altLang="en-US" smtClean="0"/>
+              <a:rPr lang="zh-TW" altLang="en-US"/>
               <a:t>第三層</a:t>
             </a:r>
           </a:p>
           <a:p>
             <a:pPr lvl="3"/>
             <a:r>
-              <a:rPr lang="zh-TW" altLang="en-US" smtClean="0"/>
+              <a:rPr lang="zh-TW" altLang="en-US"/>
               <a:t>第四層</a:t>
             </a:r>
           </a:p>
           <a:p>
             <a:pPr lvl="4"/>
             <a:r>
-              <a:rPr lang="zh-TW" altLang="en-US" smtClean="0"/>
+              <a:rPr lang="zh-TW" altLang="en-US"/>
               <a:t>第五層</a:t>
             </a:r>
-            <a:endParaRPr lang="zh-TW" altLang="en-US"/>
           </a:p>
         </p:txBody>
       </p:sp>
@@ -1295,38 +1284,37 @@
           <a:p>
             <a:pPr lvl="0"/>
             <a:r>
-              <a:rPr lang="zh-TW" altLang="en-US" smtClean="0"/>
+              <a:rPr lang="zh-TW" altLang="en-US"/>
               <a:t>按一下以編輯母片文字樣式</a:t>
             </a:r>
           </a:p>
           <a:p>
             <a:pPr lvl="1"/>
             <a:r>
-              <a:rPr lang="zh-TW" altLang="en-US" smtClean="0"/>
+              <a:rPr lang="zh-TW" altLang="en-US"/>
               <a:t>第二層</a:t>
             </a:r>
           </a:p>
           <a:p>
             <a:pPr lvl="2"/>
             <a:r>
-              <a:rPr lang="zh-TW" altLang="en-US" smtClean="0"/>
+              <a:rPr lang="zh-TW" altLang="en-US"/>
               <a:t>第三層</a:t>
             </a:r>
           </a:p>
           <a:p>
             <a:pPr lvl="3"/>
             <a:r>
-              <a:rPr lang="zh-TW" altLang="en-US" smtClean="0"/>
+              <a:rPr lang="zh-TW" altLang="en-US"/>
               <a:t>第四層</a:t>
             </a:r>
           </a:p>
           <a:p>
             <a:pPr lvl="4"/>
             <a:r>
-              <a:rPr lang="zh-TW" altLang="en-US" smtClean="0"/>
+              <a:rPr lang="zh-TW" altLang="en-US"/>
               <a:t>第五層</a:t>
             </a:r>
-            <a:endParaRPr lang="zh-TW" altLang="en-US"/>
           </a:p>
         </p:txBody>
       </p:sp>
@@ -1348,7 +1336,7 @@
             <a:fld id="{24CEFFAC-C82D-4C95-8241-BAD7B175EECB}" type="datetimeFigureOut">
               <a:rPr lang="zh-TW" altLang="en-US" smtClean="0"/>
               <a:pPr/>
-              <a:t>2023/7/3</a:t>
+              <a:t>2024/1/31</a:t>
             </a:fld>
             <a:endParaRPr lang="zh-TW" altLang="en-US"/>
           </a:p>
@@ -1442,10 +1430,9 @@
           </a:lstStyle>
           <a:p>
             <a:r>
-              <a:rPr lang="zh-TW" altLang="en-US" smtClean="0"/>
+              <a:rPr lang="zh-TW" altLang="en-US"/>
               <a:t>按一下以編輯母片標題樣式</a:t>
             </a:r>
-            <a:endParaRPr lang="zh-TW" altLang="en-US"/>
           </a:p>
         </p:txBody>
       </p:sp>
@@ -1508,7 +1495,7 @@
           <a:p>
             <a:pPr lvl="0"/>
             <a:r>
-              <a:rPr lang="zh-TW" altLang="en-US" smtClean="0"/>
+              <a:rPr lang="zh-TW" altLang="en-US"/>
               <a:t>按一下以編輯母片文字樣式</a:t>
             </a:r>
           </a:p>
@@ -1564,38 +1551,37 @@
           <a:p>
             <a:pPr lvl="0"/>
             <a:r>
-              <a:rPr lang="zh-TW" altLang="en-US" smtClean="0"/>
+              <a:rPr lang="zh-TW" altLang="en-US"/>
               <a:t>按一下以編輯母片文字樣式</a:t>
             </a:r>
           </a:p>
           <a:p>
             <a:pPr lvl="1"/>
             <a:r>
-              <a:rPr lang="zh-TW" altLang="en-US" smtClean="0"/>
+              <a:rPr lang="zh-TW" altLang="en-US"/>
               <a:t>第二層</a:t>
             </a:r>
           </a:p>
           <a:p>
             <a:pPr lvl="2"/>
             <a:r>
-              <a:rPr lang="zh-TW" altLang="en-US" smtClean="0"/>
+              <a:rPr lang="zh-TW" altLang="en-US"/>
               <a:t>第三層</a:t>
             </a:r>
           </a:p>
           <a:p>
             <a:pPr lvl="3"/>
             <a:r>
-              <a:rPr lang="zh-TW" altLang="en-US" smtClean="0"/>
+              <a:rPr lang="zh-TW" altLang="en-US"/>
               <a:t>第四層</a:t>
             </a:r>
           </a:p>
           <a:p>
             <a:pPr lvl="4"/>
             <a:r>
-              <a:rPr lang="zh-TW" altLang="en-US" smtClean="0"/>
+              <a:rPr lang="zh-TW" altLang="en-US"/>
               <a:t>第五層</a:t>
             </a:r>
-            <a:endParaRPr lang="zh-TW" altLang="en-US"/>
           </a:p>
         </p:txBody>
       </p:sp>
@@ -1658,7 +1644,7 @@
           <a:p>
             <a:pPr lvl="0"/>
             <a:r>
-              <a:rPr lang="zh-TW" altLang="en-US" smtClean="0"/>
+              <a:rPr lang="zh-TW" altLang="en-US"/>
               <a:t>按一下以編輯母片文字樣式</a:t>
             </a:r>
           </a:p>
@@ -1714,38 +1700,37 @@
           <a:p>
             <a:pPr lvl="0"/>
             <a:r>
-              <a:rPr lang="zh-TW" altLang="en-US" smtClean="0"/>
+              <a:rPr lang="zh-TW" altLang="en-US"/>
               <a:t>按一下以編輯母片文字樣式</a:t>
             </a:r>
           </a:p>
           <a:p>
             <a:pPr lvl="1"/>
             <a:r>
-              <a:rPr lang="zh-TW" altLang="en-US" smtClean="0"/>
+              <a:rPr lang="zh-TW" altLang="en-US"/>
               <a:t>第二層</a:t>
             </a:r>
           </a:p>
           <a:p>
             <a:pPr lvl="2"/>
             <a:r>
-              <a:rPr lang="zh-TW" altLang="en-US" smtClean="0"/>
+              <a:rPr lang="zh-TW" altLang="en-US"/>
               <a:t>第三層</a:t>
             </a:r>
           </a:p>
           <a:p>
             <a:pPr lvl="3"/>
             <a:r>
-              <a:rPr lang="zh-TW" altLang="en-US" smtClean="0"/>
+              <a:rPr lang="zh-TW" altLang="en-US"/>
               <a:t>第四層</a:t>
             </a:r>
           </a:p>
           <a:p>
             <a:pPr lvl="4"/>
             <a:r>
-              <a:rPr lang="zh-TW" altLang="en-US" smtClean="0"/>
+              <a:rPr lang="zh-TW" altLang="en-US"/>
               <a:t>第五層</a:t>
             </a:r>
-            <a:endParaRPr lang="zh-TW" altLang="en-US"/>
           </a:p>
         </p:txBody>
       </p:sp>
@@ -1767,7 +1752,7 @@
             <a:fld id="{24CEFFAC-C82D-4C95-8241-BAD7B175EECB}" type="datetimeFigureOut">
               <a:rPr lang="zh-TW" altLang="en-US" smtClean="0"/>
               <a:pPr/>
-              <a:t>2023/7/3</a:t>
+              <a:t>2024/1/31</a:t>
             </a:fld>
             <a:endParaRPr lang="zh-TW" altLang="en-US"/>
           </a:p>
@@ -1857,10 +1842,9 @@
           <a:lstStyle/>
           <a:p>
             <a:r>
-              <a:rPr lang="zh-TW" altLang="en-US" smtClean="0"/>
+              <a:rPr lang="zh-TW" altLang="en-US"/>
               <a:t>按一下以編輯母片標題樣式</a:t>
             </a:r>
-            <a:endParaRPr lang="zh-TW" altLang="en-US"/>
           </a:p>
         </p:txBody>
       </p:sp>
@@ -1882,7 +1866,7 @@
             <a:fld id="{24CEFFAC-C82D-4C95-8241-BAD7B175EECB}" type="datetimeFigureOut">
               <a:rPr lang="zh-TW" altLang="en-US" smtClean="0"/>
               <a:pPr/>
-              <a:t>2023/7/3</a:t>
+              <a:t>2024/1/31</a:t>
             </a:fld>
             <a:endParaRPr lang="zh-TW" altLang="en-US"/>
           </a:p>
@@ -1974,7 +1958,7 @@
             <a:fld id="{24CEFFAC-C82D-4C95-8241-BAD7B175EECB}" type="datetimeFigureOut">
               <a:rPr lang="zh-TW" altLang="en-US" smtClean="0"/>
               <a:pPr/>
-              <a:t>2023/7/3</a:t>
+              <a:t>2024/1/31</a:t>
             </a:fld>
             <a:endParaRPr lang="zh-TW" altLang="en-US"/>
           </a:p>
@@ -2073,10 +2057,9 @@
           </a:lstStyle>
           <a:p>
             <a:r>
-              <a:rPr lang="zh-TW" altLang="en-US" smtClean="0"/>
+              <a:rPr lang="zh-TW" altLang="en-US"/>
               <a:t>按一下以編輯母片標題樣式</a:t>
             </a:r>
-            <a:endParaRPr lang="zh-TW" altLang="en-US"/>
           </a:p>
         </p:txBody>
       </p:sp>
@@ -2130,38 +2113,37 @@
           <a:p>
             <a:pPr lvl="0"/>
             <a:r>
-              <a:rPr lang="zh-TW" altLang="en-US" smtClean="0"/>
+              <a:rPr lang="zh-TW" altLang="en-US"/>
               <a:t>按一下以編輯母片文字樣式</a:t>
             </a:r>
           </a:p>
           <a:p>
             <a:pPr lvl="1"/>
             <a:r>
-              <a:rPr lang="zh-TW" altLang="en-US" smtClean="0"/>
+              <a:rPr lang="zh-TW" altLang="en-US"/>
               <a:t>第二層</a:t>
             </a:r>
           </a:p>
           <a:p>
             <a:pPr lvl="2"/>
             <a:r>
-              <a:rPr lang="zh-TW" altLang="en-US" smtClean="0"/>
+              <a:rPr lang="zh-TW" altLang="en-US"/>
               <a:t>第三層</a:t>
             </a:r>
           </a:p>
           <a:p>
             <a:pPr lvl="3"/>
             <a:r>
-              <a:rPr lang="zh-TW" altLang="en-US" smtClean="0"/>
+              <a:rPr lang="zh-TW" altLang="en-US"/>
               <a:t>第四層</a:t>
             </a:r>
           </a:p>
           <a:p>
             <a:pPr lvl="4"/>
             <a:r>
-              <a:rPr lang="zh-TW" altLang="en-US" smtClean="0"/>
+              <a:rPr lang="zh-TW" altLang="en-US"/>
               <a:t>第五層</a:t>
             </a:r>
-            <a:endParaRPr lang="zh-TW" altLang="en-US"/>
           </a:p>
         </p:txBody>
       </p:sp>
@@ -2224,7 +2206,7 @@
           <a:p>
             <a:pPr lvl="0"/>
             <a:r>
-              <a:rPr lang="zh-TW" altLang="en-US" smtClean="0"/>
+              <a:rPr lang="zh-TW" altLang="en-US"/>
               <a:t>按一下以編輯母片文字樣式</a:t>
             </a:r>
           </a:p>
@@ -2248,7 +2230,7 @@
             <a:fld id="{24CEFFAC-C82D-4C95-8241-BAD7B175EECB}" type="datetimeFigureOut">
               <a:rPr lang="zh-TW" altLang="en-US" smtClean="0"/>
               <a:pPr/>
-              <a:t>2023/7/3</a:t>
+              <a:t>2024/1/31</a:t>
             </a:fld>
             <a:endParaRPr lang="zh-TW" altLang="en-US"/>
           </a:p>
@@ -2347,10 +2329,9 @@
           </a:lstStyle>
           <a:p>
             <a:r>
-              <a:rPr lang="zh-TW" altLang="en-US" smtClean="0"/>
+              <a:rPr lang="zh-TW" altLang="en-US"/>
               <a:t>按一下以編輯母片標題樣式</a:t>
             </a:r>
-            <a:endParaRPr lang="zh-TW" altLang="en-US"/>
           </a:p>
         </p:txBody>
       </p:sp>
@@ -2412,10 +2393,9 @@
           </a:lstStyle>
           <a:p>
             <a:r>
-              <a:rPr lang="zh-TW" altLang="en-US" smtClean="0"/>
+              <a:rPr lang="zh-TW" altLang="en-US"/>
               <a:t>按一下圖示以新增圖片</a:t>
             </a:r>
-            <a:endParaRPr lang="zh-TW" altLang="en-US"/>
           </a:p>
         </p:txBody>
       </p:sp>
@@ -2478,7 +2458,7 @@
           <a:p>
             <a:pPr lvl="0"/>
             <a:r>
-              <a:rPr lang="zh-TW" altLang="en-US" smtClean="0"/>
+              <a:rPr lang="zh-TW" altLang="en-US"/>
               <a:t>按一下以編輯母片文字樣式</a:t>
             </a:r>
           </a:p>
@@ -2502,7 +2482,7 @@
             <a:fld id="{24CEFFAC-C82D-4C95-8241-BAD7B175EECB}" type="datetimeFigureOut">
               <a:rPr lang="zh-TW" altLang="en-US" smtClean="0"/>
               <a:pPr/>
-              <a:t>2023/7/3</a:t>
+              <a:t>2024/1/31</a:t>
             </a:fld>
             <a:endParaRPr lang="zh-TW" altLang="en-US"/>
           </a:p>
@@ -2612,10 +2592,9 @@
           <a:lstStyle/>
           <a:p>
             <a:r>
-              <a:rPr lang="zh-TW" altLang="en-US" smtClean="0"/>
+              <a:rPr lang="zh-TW" altLang="en-US"/>
               <a:t>按一下以編輯母片標題樣式</a:t>
             </a:r>
-            <a:endParaRPr lang="zh-TW" altLang="en-US"/>
           </a:p>
         </p:txBody>
       </p:sp>
@@ -2646,38 +2625,37 @@
           <a:p>
             <a:pPr lvl="0"/>
             <a:r>
-              <a:rPr lang="zh-TW" altLang="en-US" smtClean="0"/>
+              <a:rPr lang="zh-TW" altLang="en-US"/>
               <a:t>按一下以編輯母片文字樣式</a:t>
             </a:r>
           </a:p>
           <a:p>
             <a:pPr lvl="1"/>
             <a:r>
-              <a:rPr lang="zh-TW" altLang="en-US" smtClean="0"/>
+              <a:rPr lang="zh-TW" altLang="en-US"/>
               <a:t>第二層</a:t>
             </a:r>
           </a:p>
           <a:p>
             <a:pPr lvl="2"/>
             <a:r>
-              <a:rPr lang="zh-TW" altLang="en-US" smtClean="0"/>
+              <a:rPr lang="zh-TW" altLang="en-US"/>
               <a:t>第三層</a:t>
             </a:r>
           </a:p>
           <a:p>
             <a:pPr lvl="3"/>
             <a:r>
-              <a:rPr lang="zh-TW" altLang="en-US" smtClean="0"/>
+              <a:rPr lang="zh-TW" altLang="en-US"/>
               <a:t>第四層</a:t>
             </a:r>
           </a:p>
           <a:p>
             <a:pPr lvl="4"/>
             <a:r>
-              <a:rPr lang="zh-TW" altLang="en-US" smtClean="0"/>
+              <a:rPr lang="zh-TW" altLang="en-US"/>
               <a:t>第五層</a:t>
             </a:r>
-            <a:endParaRPr lang="zh-TW" altLang="en-US"/>
           </a:p>
         </p:txBody>
       </p:sp>
@@ -2717,7 +2695,7 @@
             <a:fld id="{24CEFFAC-C82D-4C95-8241-BAD7B175EECB}" type="datetimeFigureOut">
               <a:rPr lang="zh-TW" altLang="en-US" smtClean="0"/>
               <a:pPr/>
-              <a:t>2023/7/3</a:t>
+              <a:t>2024/1/31</a:t>
             </a:fld>
             <a:endParaRPr lang="zh-TW" altLang="en-US"/>
           </a:p>
@@ -3111,7 +3089,7 @@
           <a:lstStyle/>
           <a:p>
             <a:r>
-              <a:rPr lang="zh-TW" altLang="en-US" sz="5400" b="1" i="1" dirty="0" smtClean="0">
+              <a:rPr lang="zh-TW" altLang="en-US" sz="5400" b="1" i="1" dirty="0">
                 <a:solidFill>
                   <a:srgbClr val="660033"/>
                 </a:solidFill>
@@ -3125,24 +3103,7 @@
                 <a:latin typeface="微軟正黑體" pitchFamily="34" charset="-120"/>
                 <a:ea typeface="微軟正黑體" pitchFamily="34" charset="-120"/>
               </a:rPr>
-              <a:t>全</a:t>
-            </a:r>
-            <a:r>
-              <a:rPr lang="zh-TW" altLang="en-US" sz="5400" b="1" i="1" dirty="0">
-                <a:solidFill>
-                  <a:srgbClr val="660033"/>
-                </a:solidFill>
-                <a:effectLst>
-                  <a:outerShdw blurRad="38100" dist="38100" dir="2700000" algn="tl">
-                    <a:srgbClr val="000000">
-                      <a:alpha val="43137"/>
-                    </a:srgbClr>
-                  </a:outerShdw>
-                </a:effectLst>
-                <a:latin typeface="微軟正黑體" pitchFamily="34" charset="-120"/>
-                <a:ea typeface="微軟正黑體" pitchFamily="34" charset="-120"/>
-              </a:rPr>
-              <a:t>地至高是我主</a:t>
+              <a:t>全地至高是我主</a:t>
             </a:r>
           </a:p>
         </p:txBody>
@@ -3203,44 +3164,14 @@
               <a:buNone/>
             </a:pPr>
             <a:r>
-              <a:rPr lang="zh-TW" altLang="en-US" sz="4800" b="1" dirty="0" smtClean="0">
+              <a:rPr lang="zh-TW" altLang="en-US" sz="4800" b="1" dirty="0">
                 <a:solidFill>
                   <a:srgbClr val="660033"/>
                 </a:solidFill>
                 <a:latin typeface="微軟正黑體" pitchFamily="34" charset="-120"/>
                 <a:ea typeface="微軟正黑體" pitchFamily="34" charset="-120"/>
               </a:rPr>
-              <a:t>願</a:t>
-            </a:r>
-            <a:r>
-              <a:rPr lang="zh-TW" altLang="en-US" sz="4800" b="1" dirty="0">
-                <a:solidFill>
-                  <a:srgbClr val="660033"/>
-                </a:solidFill>
-                <a:latin typeface="微軟正黑體" pitchFamily="34" charset="-120"/>
-                <a:ea typeface="微軟正黑體" pitchFamily="34" charset="-120"/>
-              </a:rPr>
-              <a:t>靈內甦醒  </a:t>
-            </a:r>
-            <a:r>
-              <a:rPr lang="zh-TW" altLang="en-US" sz="4800" b="1" dirty="0" smtClean="0">
-                <a:solidFill>
-                  <a:srgbClr val="660033"/>
-                </a:solidFill>
-                <a:latin typeface="微軟正黑體" pitchFamily="34" charset="-120"/>
-                <a:ea typeface="微軟正黑體" pitchFamily="34" charset="-120"/>
-              </a:rPr>
-              <a:t> 心</a:t>
-            </a:r>
-            <a:r>
-              <a:rPr lang="zh-TW" altLang="en-US" sz="4800" b="1" dirty="0">
-                <a:solidFill>
-                  <a:srgbClr val="660033"/>
-                </a:solidFill>
-                <a:latin typeface="微軟正黑體" pitchFamily="34" charset="-120"/>
-                <a:ea typeface="微軟正黑體" pitchFamily="34" charset="-120"/>
-              </a:rPr>
-              <a:t>獻頌讚歌聲</a:t>
+              <a:t>願靈內甦醒   心獻頌讚歌聲</a:t>
             </a:r>
             <a:endParaRPr lang="en-US" altLang="zh-TW" sz="4800" b="1" dirty="0">
               <a:solidFill>
@@ -3262,17 +3193,7 @@
                 <a:latin typeface="微軟正黑體" pitchFamily="34" charset="-120"/>
                 <a:ea typeface="微軟正黑體" pitchFamily="34" charset="-120"/>
               </a:rPr>
-              <a:t>投</a:t>
-            </a:r>
-            <a:r>
-              <a:rPr lang="zh-TW" altLang="en-US" sz="4800" b="1" dirty="0" smtClean="0">
-                <a:solidFill>
-                  <a:srgbClr val="660033"/>
-                </a:solidFill>
-                <a:latin typeface="微軟正黑體" pitchFamily="34" charset="-120"/>
-                <a:ea typeface="微軟正黑體" pitchFamily="34" charset="-120"/>
-              </a:rPr>
-              <a:t>在</a:t>
+              <a:t>投在</a:t>
             </a:r>
             <a:r>
               <a:rPr lang="zh-CN" altLang="en-US" sz="4800" b="1" dirty="0">
@@ -3285,44 +3206,14 @@
               <a:t>祢</a:t>
             </a:r>
             <a:r>
-              <a:rPr lang="zh-TW" altLang="en-US" sz="4800" b="1" dirty="0" smtClean="0">
+              <a:rPr lang="zh-TW" altLang="en-US" sz="4800" b="1" dirty="0">
                 <a:solidFill>
                   <a:srgbClr val="660033"/>
                 </a:solidFill>
                 <a:latin typeface="微軟正黑體" pitchFamily="34" charset="-120"/>
                 <a:ea typeface="微軟正黑體" pitchFamily="34" charset="-120"/>
               </a:rPr>
-              <a:t>的</a:t>
-            </a:r>
-            <a:r>
-              <a:rPr lang="zh-TW" altLang="en-US" sz="4800" b="1" dirty="0">
-                <a:solidFill>
-                  <a:srgbClr val="660033"/>
-                </a:solidFill>
-                <a:latin typeface="微軟正黑體" pitchFamily="34" charset="-120"/>
-                <a:ea typeface="微軟正黑體" pitchFamily="34" charset="-120"/>
-              </a:rPr>
-              <a:t>翅膀  </a:t>
-            </a:r>
-            <a:r>
-              <a:rPr lang="zh-TW" altLang="en-US" sz="4800" b="1" dirty="0" smtClean="0">
-                <a:solidFill>
-                  <a:srgbClr val="660033"/>
-                </a:solidFill>
-                <a:latin typeface="微軟正黑體" pitchFamily="34" charset="-120"/>
-                <a:ea typeface="微軟正黑體" pitchFamily="34" charset="-120"/>
-              </a:rPr>
-              <a:t> </a:t>
-            </a:r>
-            <a:r>
-              <a:rPr lang="zh-TW" altLang="en-US" sz="4800" b="1" dirty="0" smtClean="0">
-                <a:solidFill>
-                  <a:srgbClr val="660033"/>
-                </a:solidFill>
-                <a:latin typeface="微軟正黑體" pitchFamily="34" charset="-120"/>
-                <a:ea typeface="微軟正黑體" pitchFamily="34" charset="-120"/>
-              </a:rPr>
-              <a:t>願</a:t>
+              <a:t>的翅膀   願</a:t>
             </a:r>
             <a:r>
               <a:rPr lang="zh-CN" altLang="en-US" sz="4800" b="1" dirty="0">
@@ -3335,24 +3226,14 @@
               <a:t>祢</a:t>
             </a:r>
             <a:r>
-              <a:rPr lang="zh-TW" altLang="en-US" sz="4800" b="1" dirty="0" smtClean="0">
+              <a:rPr lang="zh-TW" altLang="en-US" sz="4800" b="1" dirty="0">
                 <a:solidFill>
                   <a:srgbClr val="660033"/>
                 </a:solidFill>
                 <a:latin typeface="微軟正黑體" pitchFamily="34" charset="-120"/>
                 <a:ea typeface="微軟正黑體" pitchFamily="34" charset="-120"/>
               </a:rPr>
-              <a:t>施</a:t>
-            </a:r>
-            <a:r>
-              <a:rPr lang="zh-TW" altLang="en-US" sz="4800" b="1" dirty="0">
-                <a:solidFill>
-                  <a:srgbClr val="660033"/>
-                </a:solidFill>
-                <a:latin typeface="微軟正黑體" pitchFamily="34" charset="-120"/>
-                <a:ea typeface="微軟正黑體" pitchFamily="34" charset="-120"/>
-              </a:rPr>
-              <a:t>恩救拯</a:t>
+              <a:t>施恩救拯</a:t>
             </a:r>
             <a:endParaRPr lang="en-US" altLang="zh-TW" sz="4800" b="1" dirty="0">
               <a:solidFill>
@@ -3407,7 +3288,7 @@
                 <a:latin typeface="Microsoft JhengHei" panose="020B0604030504040204" pitchFamily="34" charset="-120"/>
                 <a:ea typeface="Microsoft JhengHei" panose="020B0604030504040204" pitchFamily="34" charset="-120"/>
               </a:rPr>
-              <a:t>正</a:t>
+              <a:t>正歌</a:t>
             </a:r>
             <a:r>
               <a:rPr lang="en-US" sz="2800" b="1" dirty="0">
@@ -3494,27 +3375,7 @@
                 <a:latin typeface="微軟正黑體" pitchFamily="34" charset="-120"/>
                 <a:ea typeface="微軟正黑體" pitchFamily="34" charset="-120"/>
               </a:rPr>
-              <a:t>願榮耀歸主  </a:t>
-            </a:r>
-            <a:r>
-              <a:rPr lang="zh-TW" altLang="en-US" sz="4800" b="1" dirty="0" smtClean="0">
-                <a:solidFill>
-                  <a:srgbClr val="660033"/>
-                </a:solidFill>
-                <a:latin typeface="微軟正黑體" pitchFamily="34" charset="-120"/>
-                <a:ea typeface="微軟正黑體" pitchFamily="34" charset="-120"/>
-              </a:rPr>
-              <a:t> 高</a:t>
-            </a:r>
-            <a:r>
-              <a:rPr lang="zh-TW" altLang="en-US" sz="4800" b="1" dirty="0">
-                <a:solidFill>
-                  <a:srgbClr val="660033"/>
-                </a:solidFill>
-                <a:latin typeface="微軟正黑體" pitchFamily="34" charset="-120"/>
-                <a:ea typeface="微軟正黑體" pitchFamily="34" charset="-120"/>
-              </a:rPr>
-              <a:t>唱頌讚新歌</a:t>
+              <a:t>願榮耀歸主   高唱頌讚新歌</a:t>
             </a:r>
             <a:endParaRPr lang="en-US" altLang="zh-TW" sz="4800" b="1" dirty="0">
               <a:solidFill>
@@ -3536,27 +3397,7 @@
                 <a:latin typeface="微軟正黑體" pitchFamily="34" charset="-120"/>
                 <a:ea typeface="微軟正黑體" pitchFamily="34" charset="-120"/>
               </a:rPr>
-              <a:t>琴和應瑟奏鳴  </a:t>
-            </a:r>
-            <a:r>
-              <a:rPr lang="zh-TW" altLang="en-US" sz="4800" b="1" dirty="0" smtClean="0">
-                <a:solidFill>
-                  <a:srgbClr val="660033"/>
-                </a:solidFill>
-                <a:latin typeface="微軟正黑體" pitchFamily="34" charset="-120"/>
-                <a:ea typeface="微軟正黑體" pitchFamily="34" charset="-120"/>
-              </a:rPr>
-              <a:t> 樂</a:t>
-            </a:r>
-            <a:r>
-              <a:rPr lang="zh-TW" altLang="en-US" sz="4800" b="1" dirty="0">
-                <a:solidFill>
-                  <a:srgbClr val="660033"/>
-                </a:solidFill>
-                <a:latin typeface="微軟正黑體" pitchFamily="34" charset="-120"/>
-                <a:ea typeface="微軟正黑體" pitchFamily="34" charset="-120"/>
-              </a:rPr>
-              <a:t>韻歌聲齊賀</a:t>
+              <a:t>琴和應瑟奏鳴   樂韻歌聲齊賀</a:t>
             </a:r>
           </a:p>
         </p:txBody>
@@ -3589,6 +3430,7 @@
                 <a:solidFill>
                   <a:srgbClr val="660033"/>
                 </a:solidFill>
+                <a:effectLst/>
                 <a:latin typeface="Microsoft JhengHei" panose="020B0604030504040204" pitchFamily="34" charset="-120"/>
                 <a:ea typeface="Microsoft JhengHei" panose="020B0604030504040204" pitchFamily="34" charset="-120"/>
               </a:rPr>
@@ -3599,16 +3441,18 @@
                 <a:solidFill>
                   <a:srgbClr val="660033"/>
                 </a:solidFill>
+                <a:effectLst/>
                 <a:latin typeface="Microsoft JhengHei" panose="020B0604030504040204" pitchFamily="34" charset="-120"/>
                 <a:ea typeface="Microsoft JhengHei" panose="020B0604030504040204" pitchFamily="34" charset="-120"/>
               </a:rPr>
-              <a:t>正</a:t>
+              <a:t>正歌</a:t>
             </a:r>
             <a:r>
               <a:rPr lang="en-US" sz="2800" b="1" dirty="0">
                 <a:solidFill>
                   <a:srgbClr val="660033"/>
                 </a:solidFill>
+                <a:effectLst/>
                 <a:latin typeface="Microsoft JhengHei" panose="020B0604030504040204" pitchFamily="34" charset="-120"/>
                 <a:ea typeface="Microsoft JhengHei" panose="020B0604030504040204" pitchFamily="34" charset="-120"/>
               </a:rPr>
@@ -3618,6 +3462,7 @@
               <a:solidFill>
                 <a:srgbClr val="660033"/>
               </a:solidFill>
+              <a:effectLst/>
               <a:latin typeface="Microsoft JhengHei" panose="020B0604030504040204" pitchFamily="34" charset="-120"/>
               <a:ea typeface="Microsoft JhengHei" panose="020B0604030504040204" pitchFamily="34" charset="-120"/>
             </a:endParaRPr>
@@ -3697,37 +3542,17 @@
                 <a:latin typeface="微軟正黑體" pitchFamily="34" charset="-120"/>
                 <a:ea typeface="微軟正黑體" pitchFamily="34" charset="-120"/>
               </a:rPr>
-              <a:t>  </a:t>
-            </a:r>
-            <a:r>
-              <a:rPr lang="en-US" altLang="zh-TW" sz="4800" b="1" dirty="0" smtClean="0">
+              <a:t>   </a:t>
+            </a:r>
+            <a:r>
+              <a:rPr lang="zh-TW" altLang="en-US" sz="4800" b="1" dirty="0">
                 <a:solidFill>
                   <a:srgbClr val="660033"/>
                 </a:solidFill>
                 <a:latin typeface="微軟正黑體" pitchFamily="34" charset="-120"/>
                 <a:ea typeface="微軟正黑體" pitchFamily="34" charset="-120"/>
               </a:rPr>
-              <a:t> </a:t>
-            </a:r>
-            <a:r>
-              <a:rPr lang="zh-TW" altLang="en-US" sz="4800" b="1" dirty="0" smtClean="0">
-                <a:solidFill>
-                  <a:srgbClr val="660033"/>
-                </a:solidFill>
-                <a:latin typeface="微軟正黑體" pitchFamily="34" charset="-120"/>
-                <a:ea typeface="微軟正黑體" pitchFamily="34" charset="-120"/>
-              </a:rPr>
-              <a:t>各</a:t>
-            </a:r>
-            <a:r>
-              <a:rPr lang="zh-TW" altLang="en-US" sz="4800" b="1" dirty="0">
-                <a:solidFill>
-                  <a:srgbClr val="660033"/>
-                </a:solidFill>
-                <a:latin typeface="微軟正黑體" pitchFamily="34" charset="-120"/>
-                <a:ea typeface="微軟正黑體" pitchFamily="34" charset="-120"/>
-              </a:rPr>
-              <a:t>邦一致頌揚</a:t>
+              <a:t>各邦一致頌揚</a:t>
             </a:r>
             <a:endParaRPr lang="en-US" altLang="zh-TW" sz="4800" b="1" dirty="0">
               <a:solidFill>
@@ -3749,27 +3574,7 @@
                 <a:latin typeface="微軟正黑體" pitchFamily="34" charset="-120"/>
                 <a:ea typeface="微軟正黑體" pitchFamily="34" charset="-120"/>
               </a:rPr>
-              <a:t>讓這歌盡獻主  </a:t>
-            </a:r>
-            <a:r>
-              <a:rPr lang="zh-TW" altLang="en-US" sz="4800" b="1" dirty="0" smtClean="0">
-                <a:solidFill>
-                  <a:srgbClr val="660033"/>
-                </a:solidFill>
-                <a:latin typeface="微軟正黑體" pitchFamily="34" charset="-120"/>
-                <a:ea typeface="微軟正黑體" pitchFamily="34" charset="-120"/>
-              </a:rPr>
-              <a:t> 榮</a:t>
-            </a:r>
-            <a:r>
-              <a:rPr lang="zh-TW" altLang="en-US" sz="4800" b="1" dirty="0">
-                <a:solidFill>
-                  <a:srgbClr val="660033"/>
-                </a:solidFill>
-                <a:latin typeface="微軟正黑體" pitchFamily="34" charset="-120"/>
-                <a:ea typeface="微軟正黑體" pitchFamily="34" charset="-120"/>
-              </a:rPr>
-              <a:t>光高照諸天</a:t>
+              <a:t>讓這歌盡獻主   榮光高照諸天</a:t>
             </a:r>
             <a:endParaRPr lang="en-US" altLang="zh-TW" sz="4800" b="1" dirty="0">
               <a:solidFill>
@@ -3822,7 +3627,7 @@
                 <a:latin typeface="Microsoft JhengHei" panose="020B0604030504040204" pitchFamily="34" charset="-120"/>
                 <a:ea typeface="Microsoft JhengHei" panose="020B0604030504040204" pitchFamily="34" charset="-120"/>
               </a:rPr>
-              <a:t>副</a:t>
+              <a:t>副歌</a:t>
             </a:r>
             <a:r>
               <a:rPr lang="en-US" sz="2800" b="1" dirty="0">
@@ -3832,17 +3637,7 @@
                 <a:latin typeface="Microsoft JhengHei" panose="020B0604030504040204" pitchFamily="34" charset="-120"/>
                 <a:ea typeface="Microsoft JhengHei" panose="020B0604030504040204" pitchFamily="34" charset="-120"/>
               </a:rPr>
-              <a:t> </a:t>
-            </a:r>
-            <a:r>
-              <a:rPr lang="en-US" sz="2800" b="1" dirty="0">
-                <a:solidFill>
-                  <a:srgbClr val="660033"/>
-                </a:solidFill>
-                <a:latin typeface="Microsoft JhengHei" panose="020B0604030504040204" pitchFamily="34" charset="-120"/>
-                <a:ea typeface="Microsoft JhengHei" panose="020B0604030504040204" pitchFamily="34" charset="-120"/>
-              </a:rPr>
-              <a:t>)</a:t>
+              <a:t> )</a:t>
             </a:r>
             <a:endParaRPr lang="vi-VN" sz="2800" b="1" dirty="0">
               <a:solidFill>
@@ -3917,27 +3712,7 @@
                 <a:latin typeface="微軟正黑體" pitchFamily="34" charset="-120"/>
                 <a:ea typeface="微軟正黑體" pitchFamily="34" charset="-120"/>
               </a:rPr>
-              <a:t>慈愛達到穹蒼處  </a:t>
-            </a:r>
-            <a:r>
-              <a:rPr lang="zh-TW" altLang="en-US" sz="4800" b="1" dirty="0" smtClean="0">
-                <a:solidFill>
-                  <a:srgbClr val="660033"/>
-                </a:solidFill>
-                <a:latin typeface="微軟正黑體" pitchFamily="34" charset="-120"/>
-                <a:ea typeface="微軟正黑體" pitchFamily="34" charset="-120"/>
-              </a:rPr>
-              <a:t> 恩</a:t>
-            </a:r>
-            <a:r>
-              <a:rPr lang="zh-TW" altLang="en-US" sz="4800" b="1" dirty="0">
-                <a:solidFill>
-                  <a:srgbClr val="660033"/>
-                </a:solidFill>
-                <a:latin typeface="微軟正黑體" pitchFamily="34" charset="-120"/>
-                <a:ea typeface="微軟正黑體" pitchFamily="34" charset="-120"/>
-              </a:rPr>
-              <a:t>慈信實</a:t>
+              <a:t>慈愛達到穹蒼處   恩慈信實</a:t>
             </a:r>
             <a:endParaRPr lang="en-US" altLang="zh-TW" sz="4800" b="1" dirty="0">
               <a:solidFill>
@@ -4005,27 +3780,17 @@
                 <a:latin typeface="Microsoft JhengHei" panose="020B0604030504040204" pitchFamily="34" charset="-120"/>
                 <a:ea typeface="Microsoft JhengHei" panose="020B0604030504040204" pitchFamily="34" charset="-120"/>
               </a:rPr>
-              <a:t>副</a:t>
-            </a:r>
-            <a:r>
-              <a:rPr lang="en-US" sz="2800" b="1" dirty="0">
+              <a:t>副歌</a:t>
+            </a:r>
+            <a:r>
+              <a:rPr lang="en-US" sz="2800" b="1">
                 <a:solidFill>
                   <a:srgbClr val="660033"/>
                 </a:solidFill>
                 <a:latin typeface="Microsoft JhengHei" panose="020B0604030504040204" pitchFamily="34" charset="-120"/>
                 <a:ea typeface="Microsoft JhengHei" panose="020B0604030504040204" pitchFamily="34" charset="-120"/>
               </a:rPr>
-              <a:t> </a:t>
-            </a:r>
-            <a:r>
-              <a:rPr lang="en-US" sz="2800" b="1" dirty="0">
-                <a:solidFill>
-                  <a:srgbClr val="660033"/>
-                </a:solidFill>
-                <a:latin typeface="Microsoft JhengHei" panose="020B0604030504040204" pitchFamily="34" charset="-120"/>
-                <a:ea typeface="Microsoft JhengHei" panose="020B0604030504040204" pitchFamily="34" charset="-120"/>
-              </a:rPr>
-              <a:t>)</a:t>
+              <a:t> )</a:t>
             </a:r>
             <a:endParaRPr lang="vi-VN" sz="2800" b="1" dirty="0">
               <a:solidFill>
